--- a/Chap/Prog03/Presentations/LINQ.pptx
+++ b/Chap/Prog03/Presentations/LINQ.pptx
@@ -6,37 +6,42 @@
   </p:sldMasterIdLst>
   <p:sldIdLst>
     <p:sldId id="271" r:id="rId2"/>
-    <p:sldId id="273" r:id="rId3"/>
-    <p:sldId id="319" r:id="rId4"/>
-    <p:sldId id="320" r:id="rId5"/>
-    <p:sldId id="318" r:id="rId6"/>
-    <p:sldId id="325" r:id="rId7"/>
-    <p:sldId id="310" r:id="rId8"/>
-    <p:sldId id="322" r:id="rId9"/>
-    <p:sldId id="326" r:id="rId10"/>
-    <p:sldId id="315" r:id="rId11"/>
-    <p:sldId id="311" r:id="rId12"/>
-    <p:sldId id="312" r:id="rId13"/>
-    <p:sldId id="323" r:id="rId14"/>
-    <p:sldId id="316" r:id="rId15"/>
-    <p:sldId id="313" r:id="rId16"/>
-    <p:sldId id="314" r:id="rId17"/>
-    <p:sldId id="324" r:id="rId18"/>
-    <p:sldId id="317" r:id="rId19"/>
-    <p:sldId id="308" r:id="rId20"/>
-    <p:sldId id="327" r:id="rId21"/>
-    <p:sldId id="329" r:id="rId22"/>
-    <p:sldId id="337" r:id="rId23"/>
-    <p:sldId id="328" r:id="rId24"/>
-    <p:sldId id="330" r:id="rId25"/>
-    <p:sldId id="332" r:id="rId26"/>
-    <p:sldId id="331" r:id="rId27"/>
-    <p:sldId id="333" r:id="rId28"/>
-    <p:sldId id="334" r:id="rId29"/>
-    <p:sldId id="335" r:id="rId30"/>
-    <p:sldId id="338" r:id="rId31"/>
-    <p:sldId id="336" r:id="rId32"/>
-    <p:sldId id="321" r:id="rId33"/>
+    <p:sldId id="339" r:id="rId3"/>
+    <p:sldId id="340" r:id="rId4"/>
+    <p:sldId id="341" r:id="rId5"/>
+    <p:sldId id="342" r:id="rId6"/>
+    <p:sldId id="273" r:id="rId7"/>
+    <p:sldId id="319" r:id="rId8"/>
+    <p:sldId id="320" r:id="rId9"/>
+    <p:sldId id="318" r:id="rId10"/>
+    <p:sldId id="325" r:id="rId11"/>
+    <p:sldId id="310" r:id="rId12"/>
+    <p:sldId id="322" r:id="rId13"/>
+    <p:sldId id="326" r:id="rId14"/>
+    <p:sldId id="315" r:id="rId15"/>
+    <p:sldId id="311" r:id="rId16"/>
+    <p:sldId id="312" r:id="rId17"/>
+    <p:sldId id="323" r:id="rId18"/>
+    <p:sldId id="316" r:id="rId19"/>
+    <p:sldId id="313" r:id="rId20"/>
+    <p:sldId id="314" r:id="rId21"/>
+    <p:sldId id="324" r:id="rId22"/>
+    <p:sldId id="317" r:id="rId23"/>
+    <p:sldId id="308" r:id="rId24"/>
+    <p:sldId id="327" r:id="rId25"/>
+    <p:sldId id="329" r:id="rId26"/>
+    <p:sldId id="343" r:id="rId27"/>
+    <p:sldId id="337" r:id="rId28"/>
+    <p:sldId id="328" r:id="rId29"/>
+    <p:sldId id="330" r:id="rId30"/>
+    <p:sldId id="332" r:id="rId31"/>
+    <p:sldId id="331" r:id="rId32"/>
+    <p:sldId id="333" r:id="rId33"/>
+    <p:sldId id="334" r:id="rId34"/>
+    <p:sldId id="335" r:id="rId35"/>
+    <p:sldId id="338" r:id="rId36"/>
+    <p:sldId id="336" r:id="rId37"/>
+    <p:sldId id="321" r:id="rId38"/>
   </p:sldIdLst>
   <p:sldSz cx="12192000" cy="6858000"/>
   <p:notesSz cx="6858000" cy="9144000"/>
@@ -274,7 +279,7 @@
           <a:p>
             <a:fld id="{E15B7D8E-2A20-4C0E-991C-872DBB7459A8}" type="datetimeFigureOut">
               <a:rPr lang="da-DK" smtClean="0"/>
-              <a:t>17-02-2018</a:t>
+              <a:t>21-10-2018</a:t>
             </a:fld>
             <a:endParaRPr lang="da-DK"/>
           </a:p>
@@ -444,7 +449,7 @@
           <a:p>
             <a:fld id="{E15B7D8E-2A20-4C0E-991C-872DBB7459A8}" type="datetimeFigureOut">
               <a:rPr lang="da-DK" smtClean="0"/>
-              <a:t>17-02-2018</a:t>
+              <a:t>21-10-2018</a:t>
             </a:fld>
             <a:endParaRPr lang="da-DK"/>
           </a:p>
@@ -624,7 +629,7 @@
           <a:p>
             <a:fld id="{E15B7D8E-2A20-4C0E-991C-872DBB7459A8}" type="datetimeFigureOut">
               <a:rPr lang="da-DK" smtClean="0"/>
-              <a:t>17-02-2018</a:t>
+              <a:t>21-10-2018</a:t>
             </a:fld>
             <a:endParaRPr lang="da-DK"/>
           </a:p>
@@ -794,7 +799,7 @@
           <a:p>
             <a:fld id="{E15B7D8E-2A20-4C0E-991C-872DBB7459A8}" type="datetimeFigureOut">
               <a:rPr lang="da-DK" smtClean="0"/>
-              <a:t>17-02-2018</a:t>
+              <a:t>21-10-2018</a:t>
             </a:fld>
             <a:endParaRPr lang="da-DK"/>
           </a:p>
@@ -1040,7 +1045,7 @@
           <a:p>
             <a:fld id="{E15B7D8E-2A20-4C0E-991C-872DBB7459A8}" type="datetimeFigureOut">
               <a:rPr lang="da-DK" smtClean="0"/>
-              <a:t>17-02-2018</a:t>
+              <a:t>21-10-2018</a:t>
             </a:fld>
             <a:endParaRPr lang="da-DK"/>
           </a:p>
@@ -1272,7 +1277,7 @@
           <a:p>
             <a:fld id="{E15B7D8E-2A20-4C0E-991C-872DBB7459A8}" type="datetimeFigureOut">
               <a:rPr lang="da-DK" smtClean="0"/>
-              <a:t>17-02-2018</a:t>
+              <a:t>21-10-2018</a:t>
             </a:fld>
             <a:endParaRPr lang="da-DK"/>
           </a:p>
@@ -1639,7 +1644,7 @@
           <a:p>
             <a:fld id="{E15B7D8E-2A20-4C0E-991C-872DBB7459A8}" type="datetimeFigureOut">
               <a:rPr lang="da-DK" smtClean="0"/>
-              <a:t>17-02-2018</a:t>
+              <a:t>21-10-2018</a:t>
             </a:fld>
             <a:endParaRPr lang="da-DK"/>
           </a:p>
@@ -1757,7 +1762,7 @@
           <a:p>
             <a:fld id="{E15B7D8E-2A20-4C0E-991C-872DBB7459A8}" type="datetimeFigureOut">
               <a:rPr lang="da-DK" smtClean="0"/>
-              <a:t>17-02-2018</a:t>
+              <a:t>21-10-2018</a:t>
             </a:fld>
             <a:endParaRPr lang="da-DK"/>
           </a:p>
@@ -1852,7 +1857,7 @@
           <a:p>
             <a:fld id="{E15B7D8E-2A20-4C0E-991C-872DBB7459A8}" type="datetimeFigureOut">
               <a:rPr lang="da-DK" smtClean="0"/>
-              <a:t>17-02-2018</a:t>
+              <a:t>21-10-2018</a:t>
             </a:fld>
             <a:endParaRPr lang="da-DK"/>
           </a:p>
@@ -2129,7 +2134,7 @@
           <a:p>
             <a:fld id="{E15B7D8E-2A20-4C0E-991C-872DBB7459A8}" type="datetimeFigureOut">
               <a:rPr lang="da-DK" smtClean="0"/>
-              <a:t>17-02-2018</a:t>
+              <a:t>21-10-2018</a:t>
             </a:fld>
             <a:endParaRPr lang="da-DK"/>
           </a:p>
@@ -2382,7 +2387,7 @@
           <a:p>
             <a:fld id="{E15B7D8E-2A20-4C0E-991C-872DBB7459A8}" type="datetimeFigureOut">
               <a:rPr lang="da-DK" smtClean="0"/>
-              <a:t>17-02-2018</a:t>
+              <a:t>21-10-2018</a:t>
             </a:fld>
             <a:endParaRPr lang="da-DK"/>
           </a:p>
@@ -2595,7 +2600,7 @@
           <a:p>
             <a:fld id="{E15B7D8E-2A20-4C0E-991C-872DBB7459A8}" type="datetimeFigureOut">
               <a:rPr lang="da-DK" smtClean="0"/>
-              <a:t>17-02-2018</a:t>
+              <a:t>21-10-2018</a:t>
             </a:fld>
             <a:endParaRPr lang="da-DK"/>
           </a:p>
@@ -3206,6 +3211,1591 @@
               </a:rPr>
               <a:t>movies</a:t>
             </a:r>
+          </a:p>
+          <a:p>
+            <a:pPr marL="0" indent="0">
+              <a:buNone/>
+            </a:pPr>
+            <a:endParaRPr lang="en-US" sz="3200" b="1">
+              <a:latin typeface="Consolas" panose="020B0609020204030204" pitchFamily="49" charset="0"/>
+            </a:endParaRPr>
+          </a:p>
+          <a:p>
+            <a:pPr marL="0" indent="0">
+              <a:buNone/>
+            </a:pPr>
+            <a:r>
+              <a:rPr lang="en-US" sz="3200" b="1" smtClean="0">
+                <a:solidFill>
+                  <a:schemeClr val="accent6">
+                    <a:lumMod val="75000"/>
+                  </a:schemeClr>
+                </a:solidFill>
+                <a:latin typeface="Consolas" panose="020B0609020204030204" pitchFamily="49" charset="0"/>
+              </a:rPr>
+              <a:t>// NB! Not a valid LINQ statement</a:t>
+            </a:r>
+            <a:endParaRPr lang="da-DK">
+              <a:solidFill>
+                <a:schemeClr val="accent6">
+                  <a:lumMod val="75000"/>
+                </a:schemeClr>
+              </a:solidFill>
+            </a:endParaRPr>
+          </a:p>
+        </p:txBody>
+      </p:sp>
+    </p:spTree>
+    <p:extLst>
+      <p:ext uri="{BB962C8B-B14F-4D97-AF65-F5344CB8AC3E}">
+        <p14:creationId xmlns:p14="http://schemas.microsoft.com/office/powerpoint/2010/main" val="1387284960"/>
+      </p:ext>
+    </p:extLst>
+  </p:cSld>
+  <p:clrMapOvr>
+    <a:masterClrMapping/>
+  </p:clrMapOvr>
+  <p:timing>
+    <p:tnLst>
+      <p:par>
+        <p:cTn id="1" dur="indefinite" restart="never" nodeType="tmRoot"/>
+      </p:par>
+    </p:tnLst>
+  </p:timing>
+</p:sld>
+</file>
+
+<file path=ppt/slides/slide11.xml><?xml version="1.0" encoding="utf-8"?>
+<p:sld xmlns:a="http://schemas.openxmlformats.org/drawingml/2006/main" xmlns:r="http://schemas.openxmlformats.org/officeDocument/2006/relationships" xmlns:p="http://schemas.openxmlformats.org/presentationml/2006/main">
+  <p:cSld>
+    <p:spTree>
+      <p:nvGrpSpPr>
+        <p:cNvPr id="1" name=""/>
+        <p:cNvGrpSpPr/>
+        <p:nvPr/>
+      </p:nvGrpSpPr>
+      <p:grpSpPr>
+        <a:xfrm>
+          <a:off x="0" y="0"/>
+          <a:ext cx="0" cy="0"/>
+          <a:chOff x="0" y="0"/>
+          <a:chExt cx="0" cy="0"/>
+        </a:xfrm>
+      </p:grpSpPr>
+      <p:graphicFrame>
+        <p:nvGraphicFramePr>
+          <p:cNvPr id="4" name="Tabel 3"/>
+          <p:cNvGraphicFramePr>
+            <a:graphicFrameLocks noGrp="1"/>
+          </p:cNvGraphicFramePr>
+          <p:nvPr>
+            <p:extLst>
+              <p:ext uri="{D42A27DB-BD31-4B8C-83A1-F6EECF244321}">
+                <p14:modId xmlns:p14="http://schemas.microsoft.com/office/powerpoint/2010/main" val="1081556735"/>
+              </p:ext>
+            </p:extLst>
+          </p:nvPr>
+        </p:nvGraphicFramePr>
+        <p:xfrm>
+          <a:off x="830178" y="328638"/>
+          <a:ext cx="10160668" cy="5410424"/>
+        </p:xfrm>
+        <a:graphic>
+          <a:graphicData uri="http://schemas.openxmlformats.org/drawingml/2006/table">
+            <a:tbl>
+              <a:tblPr firstRow="1" bandRow="1">
+                <a:tableStyleId>{5940675A-B579-460E-94D1-54222C63F5DA}</a:tableStyleId>
+              </a:tblPr>
+              <a:tblGrid>
+                <a:gridCol w="2540167">
+                  <a:extLst>
+                    <a:ext uri="{9D8B030D-6E8A-4147-A177-3AD203B41FA5}">
+                      <a16:colId xmlns:a16="http://schemas.microsoft.com/office/drawing/2014/main" val="47363412"/>
+                    </a:ext>
+                  </a:extLst>
+                </a:gridCol>
+                <a:gridCol w="2540167">
+                  <a:extLst>
+                    <a:ext uri="{9D8B030D-6E8A-4147-A177-3AD203B41FA5}">
+                      <a16:colId xmlns:a16="http://schemas.microsoft.com/office/drawing/2014/main" val="3935601631"/>
+                    </a:ext>
+                  </a:extLst>
+                </a:gridCol>
+                <a:gridCol w="2540167">
+                  <a:extLst>
+                    <a:ext uri="{9D8B030D-6E8A-4147-A177-3AD203B41FA5}">
+                      <a16:colId xmlns:a16="http://schemas.microsoft.com/office/drawing/2014/main" val="4119078486"/>
+                    </a:ext>
+                  </a:extLst>
+                </a:gridCol>
+                <a:gridCol w="2540167">
+                  <a:extLst>
+                    <a:ext uri="{9D8B030D-6E8A-4147-A177-3AD203B41FA5}">
+                      <a16:colId xmlns:a16="http://schemas.microsoft.com/office/drawing/2014/main" val="371862353"/>
+                    </a:ext>
+                  </a:extLst>
+                </a:gridCol>
+              </a:tblGrid>
+              <a:tr h="1047179">
+                <a:tc>
+                  <a:txBody>
+                    <a:bodyPr/>
+                    <a:lstStyle/>
+                    <a:p>
+                      <a:pPr>
+                        <a:spcAft>
+                          <a:spcPts val="0"/>
+                        </a:spcAft>
+                      </a:pPr>
+                      <a:r>
+                        <a:rPr lang="en-US" sz="3200" b="1" i="1">
+                          <a:effectLst/>
+                          <a:latin typeface="Calibri" panose="020F0502020204030204" pitchFamily="34" charset="0"/>
+                          <a:ea typeface="Calibri" panose="020F0502020204030204" pitchFamily="34" charset="0"/>
+                          <a:cs typeface="Times New Roman" panose="02020603050405020304" pitchFamily="18" charset="0"/>
+                        </a:rPr>
+                        <a:t>Title</a:t>
+                      </a:r>
+                      <a:endParaRPr lang="da-DK" sz="3200">
+                        <a:effectLst/>
+                        <a:latin typeface="Calibri" panose="020F0502020204030204" pitchFamily="34" charset="0"/>
+                        <a:ea typeface="Calibri" panose="020F0502020204030204" pitchFamily="34" charset="0"/>
+                        <a:cs typeface="Times New Roman" panose="02020603050405020304" pitchFamily="18" charset="0"/>
+                      </a:endParaRPr>
+                    </a:p>
+                  </a:txBody>
+                  <a:tcPr marL="68580" marR="68580" marT="0" marB="0">
+                    <a:solidFill>
+                      <a:schemeClr val="bg1">
+                        <a:lumMod val="85000"/>
+                      </a:schemeClr>
+                    </a:solidFill>
+                  </a:tcPr>
+                </a:tc>
+                <a:tc>
+                  <a:txBody>
+                    <a:bodyPr/>
+                    <a:lstStyle/>
+                    <a:p>
+                      <a:pPr>
+                        <a:spcAft>
+                          <a:spcPts val="0"/>
+                        </a:spcAft>
+                      </a:pPr>
+                      <a:r>
+                        <a:rPr lang="en-US" sz="3200" b="1" i="1">
+                          <a:effectLst/>
+                          <a:latin typeface="Calibri" panose="020F0502020204030204" pitchFamily="34" charset="0"/>
+                          <a:ea typeface="Calibri" panose="020F0502020204030204" pitchFamily="34" charset="0"/>
+                          <a:cs typeface="Times New Roman" panose="02020603050405020304" pitchFamily="18" charset="0"/>
+                        </a:rPr>
+                        <a:t>Year</a:t>
+                      </a:r>
+                      <a:endParaRPr lang="da-DK" sz="3200">
+                        <a:effectLst/>
+                        <a:latin typeface="Calibri" panose="020F0502020204030204" pitchFamily="34" charset="0"/>
+                        <a:ea typeface="Calibri" panose="020F0502020204030204" pitchFamily="34" charset="0"/>
+                        <a:cs typeface="Times New Roman" panose="02020603050405020304" pitchFamily="18" charset="0"/>
+                      </a:endParaRPr>
+                    </a:p>
+                  </a:txBody>
+                  <a:tcPr marL="68580" marR="68580" marT="0" marB="0">
+                    <a:solidFill>
+                      <a:schemeClr val="bg1">
+                        <a:lumMod val="85000"/>
+                      </a:schemeClr>
+                    </a:solidFill>
+                  </a:tcPr>
+                </a:tc>
+                <a:tc>
+                  <a:txBody>
+                    <a:bodyPr/>
+                    <a:lstStyle/>
+                    <a:p>
+                      <a:pPr>
+                        <a:spcAft>
+                          <a:spcPts val="0"/>
+                        </a:spcAft>
+                      </a:pPr>
+                      <a:r>
+                        <a:rPr lang="en-US" sz="3200" b="1" i="1" smtClean="0">
+                          <a:effectLst/>
+                          <a:latin typeface="Calibri" panose="020F0502020204030204" pitchFamily="34" charset="0"/>
+                          <a:ea typeface="Calibri" panose="020F0502020204030204" pitchFamily="34" charset="0"/>
+                          <a:cs typeface="Times New Roman" panose="02020603050405020304" pitchFamily="18" charset="0"/>
+                        </a:rPr>
+                        <a:t>Duration</a:t>
+                      </a:r>
+                    </a:p>
+                    <a:p>
+                      <a:pPr>
+                        <a:spcAft>
+                          <a:spcPts val="0"/>
+                        </a:spcAft>
+                      </a:pPr>
+                      <a:r>
+                        <a:rPr lang="en-US" sz="3200" b="1" i="1" smtClean="0">
+                          <a:effectLst/>
+                          <a:latin typeface="Calibri" panose="020F0502020204030204" pitchFamily="34" charset="0"/>
+                          <a:ea typeface="Calibri" panose="020F0502020204030204" pitchFamily="34" charset="0"/>
+                          <a:cs typeface="Times New Roman" panose="02020603050405020304" pitchFamily="18" charset="0"/>
+                        </a:rPr>
+                        <a:t>InMins</a:t>
+                      </a:r>
+                      <a:endParaRPr lang="da-DK" sz="3200">
+                        <a:effectLst/>
+                        <a:latin typeface="Calibri" panose="020F0502020204030204" pitchFamily="34" charset="0"/>
+                        <a:ea typeface="Calibri" panose="020F0502020204030204" pitchFamily="34" charset="0"/>
+                        <a:cs typeface="Times New Roman" panose="02020603050405020304" pitchFamily="18" charset="0"/>
+                      </a:endParaRPr>
+                    </a:p>
+                  </a:txBody>
+                  <a:tcPr marL="68580" marR="68580" marT="0" marB="0"/>
+                </a:tc>
+                <a:tc>
+                  <a:txBody>
+                    <a:bodyPr/>
+                    <a:lstStyle/>
+                    <a:p>
+                      <a:pPr>
+                        <a:spcAft>
+                          <a:spcPts val="0"/>
+                        </a:spcAft>
+                      </a:pPr>
+                      <a:r>
+                        <a:rPr lang="en-US" sz="3200" b="1" i="1">
+                          <a:effectLst/>
+                          <a:latin typeface="Calibri" panose="020F0502020204030204" pitchFamily="34" charset="0"/>
+                          <a:ea typeface="Calibri" panose="020F0502020204030204" pitchFamily="34" charset="0"/>
+                          <a:cs typeface="Times New Roman" panose="02020603050405020304" pitchFamily="18" charset="0"/>
+                        </a:rPr>
+                        <a:t>StudioName</a:t>
+                      </a:r>
+                      <a:endParaRPr lang="da-DK" sz="3200">
+                        <a:effectLst/>
+                        <a:latin typeface="Calibri" panose="020F0502020204030204" pitchFamily="34" charset="0"/>
+                        <a:ea typeface="Calibri" panose="020F0502020204030204" pitchFamily="34" charset="0"/>
+                        <a:cs typeface="Times New Roman" panose="02020603050405020304" pitchFamily="18" charset="0"/>
+                      </a:endParaRPr>
+                    </a:p>
+                  </a:txBody>
+                  <a:tcPr marL="68580" marR="68580" marT="0" marB="0"/>
+                </a:tc>
+                <a:extLst>
+                  <a:ext uri="{0D108BD9-81ED-4DB2-BD59-A6C34878D82A}">
+                    <a16:rowId xmlns:a16="http://schemas.microsoft.com/office/drawing/2014/main" val="2788163691"/>
+                  </a:ext>
+                </a:extLst>
+              </a:tr>
+              <a:tr h="872649">
+                <a:tc>
+                  <a:txBody>
+                    <a:bodyPr/>
+                    <a:lstStyle/>
+                    <a:p>
+                      <a:pPr>
+                        <a:spcAft>
+                          <a:spcPts val="0"/>
+                        </a:spcAft>
+                      </a:pPr>
+                      <a:r>
+                        <a:rPr lang="en-US" sz="2800">
+                          <a:effectLst/>
+                          <a:latin typeface="Calibri" panose="020F0502020204030204" pitchFamily="34" charset="0"/>
+                          <a:ea typeface="Calibri" panose="020F0502020204030204" pitchFamily="34" charset="0"/>
+                          <a:cs typeface="Times New Roman" panose="02020603050405020304" pitchFamily="18" charset="0"/>
+                        </a:rPr>
+                        <a:t>Se7en</a:t>
+                      </a:r>
+                      <a:endParaRPr lang="da-DK" sz="2800">
+                        <a:effectLst/>
+                        <a:latin typeface="Calibri" panose="020F0502020204030204" pitchFamily="34" charset="0"/>
+                        <a:ea typeface="Calibri" panose="020F0502020204030204" pitchFamily="34" charset="0"/>
+                        <a:cs typeface="Times New Roman" panose="02020603050405020304" pitchFamily="18" charset="0"/>
+                      </a:endParaRPr>
+                    </a:p>
+                  </a:txBody>
+                  <a:tcPr marL="68580" marR="68580" marT="0" marB="0">
+                    <a:solidFill>
+                      <a:schemeClr val="bg1">
+                        <a:lumMod val="85000"/>
+                      </a:schemeClr>
+                    </a:solidFill>
+                  </a:tcPr>
+                </a:tc>
+                <a:tc>
+                  <a:txBody>
+                    <a:bodyPr/>
+                    <a:lstStyle/>
+                    <a:p>
+                      <a:pPr>
+                        <a:spcAft>
+                          <a:spcPts val="0"/>
+                        </a:spcAft>
+                      </a:pPr>
+                      <a:r>
+                        <a:rPr lang="en-US" sz="2800">
+                          <a:effectLst/>
+                          <a:latin typeface="Calibri" panose="020F0502020204030204" pitchFamily="34" charset="0"/>
+                          <a:ea typeface="Calibri" panose="020F0502020204030204" pitchFamily="34" charset="0"/>
+                          <a:cs typeface="Times New Roman" panose="02020603050405020304" pitchFamily="18" charset="0"/>
+                        </a:rPr>
+                        <a:t>1995</a:t>
+                      </a:r>
+                      <a:endParaRPr lang="da-DK" sz="2800">
+                        <a:effectLst/>
+                        <a:latin typeface="Calibri" panose="020F0502020204030204" pitchFamily="34" charset="0"/>
+                        <a:ea typeface="Calibri" panose="020F0502020204030204" pitchFamily="34" charset="0"/>
+                        <a:cs typeface="Times New Roman" panose="02020603050405020304" pitchFamily="18" charset="0"/>
+                      </a:endParaRPr>
+                    </a:p>
+                  </a:txBody>
+                  <a:tcPr marL="68580" marR="68580" marT="0" marB="0">
+                    <a:solidFill>
+                      <a:schemeClr val="bg1">
+                        <a:lumMod val="85000"/>
+                      </a:schemeClr>
+                    </a:solidFill>
+                  </a:tcPr>
+                </a:tc>
+                <a:tc>
+                  <a:txBody>
+                    <a:bodyPr/>
+                    <a:lstStyle/>
+                    <a:p>
+                      <a:pPr>
+                        <a:spcAft>
+                          <a:spcPts val="0"/>
+                        </a:spcAft>
+                      </a:pPr>
+                      <a:r>
+                        <a:rPr lang="en-US" sz="2800">
+                          <a:effectLst/>
+                          <a:latin typeface="Calibri" panose="020F0502020204030204" pitchFamily="34" charset="0"/>
+                          <a:ea typeface="Calibri" panose="020F0502020204030204" pitchFamily="34" charset="0"/>
+                          <a:cs typeface="Times New Roman" panose="02020603050405020304" pitchFamily="18" charset="0"/>
+                        </a:rPr>
+                        <a:t>127</a:t>
+                      </a:r>
+                      <a:endParaRPr lang="da-DK" sz="2800">
+                        <a:effectLst/>
+                        <a:latin typeface="Calibri" panose="020F0502020204030204" pitchFamily="34" charset="0"/>
+                        <a:ea typeface="Calibri" panose="020F0502020204030204" pitchFamily="34" charset="0"/>
+                        <a:cs typeface="Times New Roman" panose="02020603050405020304" pitchFamily="18" charset="0"/>
+                      </a:endParaRPr>
+                    </a:p>
+                  </a:txBody>
+                  <a:tcPr marL="68580" marR="68580" marT="0" marB="0"/>
+                </a:tc>
+                <a:tc>
+                  <a:txBody>
+                    <a:bodyPr/>
+                    <a:lstStyle/>
+                    <a:p>
+                      <a:pPr>
+                        <a:spcAft>
+                          <a:spcPts val="0"/>
+                        </a:spcAft>
+                      </a:pPr>
+                      <a:r>
+                        <a:rPr lang="en-US" sz="2800">
+                          <a:effectLst/>
+                          <a:latin typeface="Calibri" panose="020F0502020204030204" pitchFamily="34" charset="0"/>
+                          <a:ea typeface="Calibri" panose="020F0502020204030204" pitchFamily="34" charset="0"/>
+                          <a:cs typeface="Times New Roman" panose="02020603050405020304" pitchFamily="18" charset="0"/>
+                        </a:rPr>
+                        <a:t>New Line Cinema</a:t>
+                      </a:r>
+                      <a:endParaRPr lang="da-DK" sz="2800">
+                        <a:effectLst/>
+                        <a:latin typeface="Calibri" panose="020F0502020204030204" pitchFamily="34" charset="0"/>
+                        <a:ea typeface="Calibri" panose="020F0502020204030204" pitchFamily="34" charset="0"/>
+                        <a:cs typeface="Times New Roman" panose="02020603050405020304" pitchFamily="18" charset="0"/>
+                      </a:endParaRPr>
+                    </a:p>
+                  </a:txBody>
+                  <a:tcPr marL="68580" marR="68580" marT="0" marB="0"/>
+                </a:tc>
+                <a:extLst>
+                  <a:ext uri="{0D108BD9-81ED-4DB2-BD59-A6C34878D82A}">
+                    <a16:rowId xmlns:a16="http://schemas.microsoft.com/office/drawing/2014/main" val="4183597378"/>
+                  </a:ext>
+                </a:extLst>
+              </a:tr>
+              <a:tr h="872649">
+                <a:tc>
+                  <a:txBody>
+                    <a:bodyPr/>
+                    <a:lstStyle/>
+                    <a:p>
+                      <a:pPr>
+                        <a:spcAft>
+                          <a:spcPts val="0"/>
+                        </a:spcAft>
+                      </a:pPr>
+                      <a:r>
+                        <a:rPr lang="en-US" sz="2800">
+                          <a:effectLst/>
+                          <a:latin typeface="Calibri" panose="020F0502020204030204" pitchFamily="34" charset="0"/>
+                          <a:ea typeface="Calibri" panose="020F0502020204030204" pitchFamily="34" charset="0"/>
+                          <a:cs typeface="Times New Roman" panose="02020603050405020304" pitchFamily="18" charset="0"/>
+                        </a:rPr>
+                        <a:t>Alien</a:t>
+                      </a:r>
+                      <a:endParaRPr lang="da-DK" sz="2800">
+                        <a:effectLst/>
+                        <a:latin typeface="Calibri" panose="020F0502020204030204" pitchFamily="34" charset="0"/>
+                        <a:ea typeface="Calibri" panose="020F0502020204030204" pitchFamily="34" charset="0"/>
+                        <a:cs typeface="Times New Roman" panose="02020603050405020304" pitchFamily="18" charset="0"/>
+                      </a:endParaRPr>
+                    </a:p>
+                  </a:txBody>
+                  <a:tcPr marL="68580" marR="68580" marT="0" marB="0">
+                    <a:solidFill>
+                      <a:schemeClr val="bg1">
+                        <a:lumMod val="85000"/>
+                      </a:schemeClr>
+                    </a:solidFill>
+                  </a:tcPr>
+                </a:tc>
+                <a:tc>
+                  <a:txBody>
+                    <a:bodyPr/>
+                    <a:lstStyle/>
+                    <a:p>
+                      <a:pPr>
+                        <a:spcAft>
+                          <a:spcPts val="0"/>
+                        </a:spcAft>
+                      </a:pPr>
+                      <a:r>
+                        <a:rPr lang="en-US" sz="2800">
+                          <a:effectLst/>
+                          <a:latin typeface="Calibri" panose="020F0502020204030204" pitchFamily="34" charset="0"/>
+                          <a:ea typeface="Calibri" panose="020F0502020204030204" pitchFamily="34" charset="0"/>
+                          <a:cs typeface="Times New Roman" panose="02020603050405020304" pitchFamily="18" charset="0"/>
+                        </a:rPr>
+                        <a:t>1979</a:t>
+                      </a:r>
+                      <a:endParaRPr lang="da-DK" sz="2800">
+                        <a:effectLst/>
+                        <a:latin typeface="Calibri" panose="020F0502020204030204" pitchFamily="34" charset="0"/>
+                        <a:ea typeface="Calibri" panose="020F0502020204030204" pitchFamily="34" charset="0"/>
+                        <a:cs typeface="Times New Roman" panose="02020603050405020304" pitchFamily="18" charset="0"/>
+                      </a:endParaRPr>
+                    </a:p>
+                  </a:txBody>
+                  <a:tcPr marL="68580" marR="68580" marT="0" marB="0">
+                    <a:solidFill>
+                      <a:schemeClr val="bg1">
+                        <a:lumMod val="85000"/>
+                      </a:schemeClr>
+                    </a:solidFill>
+                  </a:tcPr>
+                </a:tc>
+                <a:tc>
+                  <a:txBody>
+                    <a:bodyPr/>
+                    <a:lstStyle/>
+                    <a:p>
+                      <a:pPr>
+                        <a:spcAft>
+                          <a:spcPts val="0"/>
+                        </a:spcAft>
+                      </a:pPr>
+                      <a:r>
+                        <a:rPr lang="en-US" sz="2800">
+                          <a:effectLst/>
+                          <a:latin typeface="Calibri" panose="020F0502020204030204" pitchFamily="34" charset="0"/>
+                          <a:ea typeface="Calibri" panose="020F0502020204030204" pitchFamily="34" charset="0"/>
+                          <a:cs typeface="Times New Roman" panose="02020603050405020304" pitchFamily="18" charset="0"/>
+                        </a:rPr>
+                        <a:t>117</a:t>
+                      </a:r>
+                      <a:endParaRPr lang="da-DK" sz="2800">
+                        <a:effectLst/>
+                        <a:latin typeface="Calibri" panose="020F0502020204030204" pitchFamily="34" charset="0"/>
+                        <a:ea typeface="Calibri" panose="020F0502020204030204" pitchFamily="34" charset="0"/>
+                        <a:cs typeface="Times New Roman" panose="02020603050405020304" pitchFamily="18" charset="0"/>
+                      </a:endParaRPr>
+                    </a:p>
+                  </a:txBody>
+                  <a:tcPr marL="68580" marR="68580" marT="0" marB="0"/>
+                </a:tc>
+                <a:tc>
+                  <a:txBody>
+                    <a:bodyPr/>
+                    <a:lstStyle/>
+                    <a:p>
+                      <a:pPr>
+                        <a:spcAft>
+                          <a:spcPts val="0"/>
+                        </a:spcAft>
+                      </a:pPr>
+                      <a:r>
+                        <a:rPr lang="en-US" sz="2800">
+                          <a:effectLst/>
+                          <a:latin typeface="Calibri" panose="020F0502020204030204" pitchFamily="34" charset="0"/>
+                          <a:ea typeface="Calibri" panose="020F0502020204030204" pitchFamily="34" charset="0"/>
+                          <a:cs typeface="Times New Roman" panose="02020603050405020304" pitchFamily="18" charset="0"/>
+                        </a:rPr>
+                        <a:t>20</a:t>
+                      </a:r>
+                      <a:r>
+                        <a:rPr lang="en-US" sz="2800" baseline="30000">
+                          <a:effectLst/>
+                          <a:latin typeface="Calibri" panose="020F0502020204030204" pitchFamily="34" charset="0"/>
+                          <a:ea typeface="Calibri" panose="020F0502020204030204" pitchFamily="34" charset="0"/>
+                          <a:cs typeface="Times New Roman" panose="02020603050405020304" pitchFamily="18" charset="0"/>
+                        </a:rPr>
+                        <a:t>th</a:t>
+                      </a:r>
+                      <a:r>
+                        <a:rPr lang="en-US" sz="2800">
+                          <a:effectLst/>
+                          <a:latin typeface="Calibri" panose="020F0502020204030204" pitchFamily="34" charset="0"/>
+                          <a:ea typeface="Calibri" panose="020F0502020204030204" pitchFamily="34" charset="0"/>
+                          <a:cs typeface="Times New Roman" panose="02020603050405020304" pitchFamily="18" charset="0"/>
+                        </a:rPr>
+                        <a:t> Century </a:t>
+                      </a:r>
+                      <a:endParaRPr lang="en-US" sz="2800" smtClean="0">
+                        <a:effectLst/>
+                        <a:latin typeface="Calibri" panose="020F0502020204030204" pitchFamily="34" charset="0"/>
+                        <a:ea typeface="Calibri" panose="020F0502020204030204" pitchFamily="34" charset="0"/>
+                        <a:cs typeface="Times New Roman" panose="02020603050405020304" pitchFamily="18" charset="0"/>
+                      </a:endParaRPr>
+                    </a:p>
+                    <a:p>
+                      <a:pPr>
+                        <a:spcAft>
+                          <a:spcPts val="0"/>
+                        </a:spcAft>
+                      </a:pPr>
+                      <a:r>
+                        <a:rPr lang="en-US" sz="2800" smtClean="0">
+                          <a:effectLst/>
+                          <a:latin typeface="Calibri" panose="020F0502020204030204" pitchFamily="34" charset="0"/>
+                          <a:ea typeface="Calibri" panose="020F0502020204030204" pitchFamily="34" charset="0"/>
+                          <a:cs typeface="Times New Roman" panose="02020603050405020304" pitchFamily="18" charset="0"/>
+                        </a:rPr>
+                        <a:t>Fox</a:t>
+                      </a:r>
+                      <a:endParaRPr lang="da-DK" sz="2800">
+                        <a:effectLst/>
+                        <a:latin typeface="Calibri" panose="020F0502020204030204" pitchFamily="34" charset="0"/>
+                        <a:ea typeface="Calibri" panose="020F0502020204030204" pitchFamily="34" charset="0"/>
+                        <a:cs typeface="Times New Roman" panose="02020603050405020304" pitchFamily="18" charset="0"/>
+                      </a:endParaRPr>
+                    </a:p>
+                  </a:txBody>
+                  <a:tcPr marL="68580" marR="68580" marT="0" marB="0"/>
+                </a:tc>
+                <a:extLst>
+                  <a:ext uri="{0D108BD9-81ED-4DB2-BD59-A6C34878D82A}">
+                    <a16:rowId xmlns:a16="http://schemas.microsoft.com/office/drawing/2014/main" val="897639513"/>
+                  </a:ext>
+                </a:extLst>
+              </a:tr>
+              <a:tr h="872649">
+                <a:tc>
+                  <a:txBody>
+                    <a:bodyPr/>
+                    <a:lstStyle/>
+                    <a:p>
+                      <a:pPr>
+                        <a:spcAft>
+                          <a:spcPts val="0"/>
+                        </a:spcAft>
+                      </a:pPr>
+                      <a:r>
+                        <a:rPr lang="en-US" sz="2800">
+                          <a:effectLst/>
+                          <a:latin typeface="Calibri" panose="020F0502020204030204" pitchFamily="34" charset="0"/>
+                          <a:ea typeface="Calibri" panose="020F0502020204030204" pitchFamily="34" charset="0"/>
+                          <a:cs typeface="Times New Roman" panose="02020603050405020304" pitchFamily="18" charset="0"/>
+                        </a:rPr>
+                        <a:t>Forrest Gump</a:t>
+                      </a:r>
+                      <a:endParaRPr lang="da-DK" sz="2800">
+                        <a:effectLst/>
+                        <a:latin typeface="Calibri" panose="020F0502020204030204" pitchFamily="34" charset="0"/>
+                        <a:ea typeface="Calibri" panose="020F0502020204030204" pitchFamily="34" charset="0"/>
+                        <a:cs typeface="Times New Roman" panose="02020603050405020304" pitchFamily="18" charset="0"/>
+                      </a:endParaRPr>
+                    </a:p>
+                  </a:txBody>
+                  <a:tcPr marL="68580" marR="68580" marT="0" marB="0">
+                    <a:solidFill>
+                      <a:schemeClr val="bg1">
+                        <a:lumMod val="85000"/>
+                      </a:schemeClr>
+                    </a:solidFill>
+                  </a:tcPr>
+                </a:tc>
+                <a:tc>
+                  <a:txBody>
+                    <a:bodyPr/>
+                    <a:lstStyle/>
+                    <a:p>
+                      <a:pPr>
+                        <a:spcAft>
+                          <a:spcPts val="0"/>
+                        </a:spcAft>
+                      </a:pPr>
+                      <a:r>
+                        <a:rPr lang="en-US" sz="2800">
+                          <a:effectLst/>
+                          <a:latin typeface="Calibri" panose="020F0502020204030204" pitchFamily="34" charset="0"/>
+                          <a:ea typeface="Calibri" panose="020F0502020204030204" pitchFamily="34" charset="0"/>
+                          <a:cs typeface="Times New Roman" panose="02020603050405020304" pitchFamily="18" charset="0"/>
+                        </a:rPr>
+                        <a:t>1994</a:t>
+                      </a:r>
+                      <a:endParaRPr lang="da-DK" sz="2800">
+                        <a:effectLst/>
+                        <a:latin typeface="Calibri" panose="020F0502020204030204" pitchFamily="34" charset="0"/>
+                        <a:ea typeface="Calibri" panose="020F0502020204030204" pitchFamily="34" charset="0"/>
+                        <a:cs typeface="Times New Roman" panose="02020603050405020304" pitchFamily="18" charset="0"/>
+                      </a:endParaRPr>
+                    </a:p>
+                  </a:txBody>
+                  <a:tcPr marL="68580" marR="68580" marT="0" marB="0">
+                    <a:solidFill>
+                      <a:schemeClr val="bg1">
+                        <a:lumMod val="85000"/>
+                      </a:schemeClr>
+                    </a:solidFill>
+                  </a:tcPr>
+                </a:tc>
+                <a:tc>
+                  <a:txBody>
+                    <a:bodyPr/>
+                    <a:lstStyle/>
+                    <a:p>
+                      <a:pPr>
+                        <a:spcAft>
+                          <a:spcPts val="0"/>
+                        </a:spcAft>
+                      </a:pPr>
+                      <a:r>
+                        <a:rPr lang="en-US" sz="2800">
+                          <a:effectLst/>
+                          <a:latin typeface="Calibri" panose="020F0502020204030204" pitchFamily="34" charset="0"/>
+                          <a:ea typeface="Calibri" panose="020F0502020204030204" pitchFamily="34" charset="0"/>
+                          <a:cs typeface="Times New Roman" panose="02020603050405020304" pitchFamily="18" charset="0"/>
+                        </a:rPr>
+                        <a:t>142</a:t>
+                      </a:r>
+                      <a:endParaRPr lang="da-DK" sz="2800">
+                        <a:effectLst/>
+                        <a:latin typeface="Calibri" panose="020F0502020204030204" pitchFamily="34" charset="0"/>
+                        <a:ea typeface="Calibri" panose="020F0502020204030204" pitchFamily="34" charset="0"/>
+                        <a:cs typeface="Times New Roman" panose="02020603050405020304" pitchFamily="18" charset="0"/>
+                      </a:endParaRPr>
+                    </a:p>
+                  </a:txBody>
+                  <a:tcPr marL="68580" marR="68580" marT="0" marB="0"/>
+                </a:tc>
+                <a:tc>
+                  <a:txBody>
+                    <a:bodyPr/>
+                    <a:lstStyle/>
+                    <a:p>
+                      <a:pPr>
+                        <a:spcAft>
+                          <a:spcPts val="0"/>
+                        </a:spcAft>
+                      </a:pPr>
+                      <a:r>
+                        <a:rPr lang="en-US" sz="2800">
+                          <a:effectLst/>
+                          <a:latin typeface="Calibri" panose="020F0502020204030204" pitchFamily="34" charset="0"/>
+                          <a:ea typeface="Calibri" panose="020F0502020204030204" pitchFamily="34" charset="0"/>
+                          <a:cs typeface="Times New Roman" panose="02020603050405020304" pitchFamily="18" charset="0"/>
+                        </a:rPr>
+                        <a:t>Paramount Pictures</a:t>
+                      </a:r>
+                      <a:endParaRPr lang="da-DK" sz="2800">
+                        <a:effectLst/>
+                        <a:latin typeface="Calibri" panose="020F0502020204030204" pitchFamily="34" charset="0"/>
+                        <a:ea typeface="Calibri" panose="020F0502020204030204" pitchFamily="34" charset="0"/>
+                        <a:cs typeface="Times New Roman" panose="02020603050405020304" pitchFamily="18" charset="0"/>
+                      </a:endParaRPr>
+                    </a:p>
+                  </a:txBody>
+                  <a:tcPr marL="68580" marR="68580" marT="0" marB="0"/>
+                </a:tc>
+                <a:extLst>
+                  <a:ext uri="{0D108BD9-81ED-4DB2-BD59-A6C34878D82A}">
+                    <a16:rowId xmlns:a16="http://schemas.microsoft.com/office/drawing/2014/main" val="2980531286"/>
+                  </a:ext>
+                </a:extLst>
+              </a:tr>
+              <a:tr h="872649">
+                <a:tc>
+                  <a:txBody>
+                    <a:bodyPr/>
+                    <a:lstStyle/>
+                    <a:p>
+                      <a:pPr>
+                        <a:spcAft>
+                          <a:spcPts val="0"/>
+                        </a:spcAft>
+                      </a:pPr>
+                      <a:r>
+                        <a:rPr lang="en-US" sz="2800">
+                          <a:effectLst/>
+                          <a:latin typeface="Calibri" panose="020F0502020204030204" pitchFamily="34" charset="0"/>
+                          <a:ea typeface="Calibri" panose="020F0502020204030204" pitchFamily="34" charset="0"/>
+                          <a:cs typeface="Times New Roman" panose="02020603050405020304" pitchFamily="18" charset="0"/>
+                        </a:rPr>
+                        <a:t>True Grit</a:t>
+                      </a:r>
+                      <a:endParaRPr lang="da-DK" sz="2800">
+                        <a:effectLst/>
+                        <a:latin typeface="Calibri" panose="020F0502020204030204" pitchFamily="34" charset="0"/>
+                        <a:ea typeface="Calibri" panose="020F0502020204030204" pitchFamily="34" charset="0"/>
+                        <a:cs typeface="Times New Roman" panose="02020603050405020304" pitchFamily="18" charset="0"/>
+                      </a:endParaRPr>
+                    </a:p>
+                  </a:txBody>
+                  <a:tcPr marL="68580" marR="68580" marT="0" marB="0">
+                    <a:solidFill>
+                      <a:schemeClr val="bg1">
+                        <a:lumMod val="85000"/>
+                      </a:schemeClr>
+                    </a:solidFill>
+                  </a:tcPr>
+                </a:tc>
+                <a:tc>
+                  <a:txBody>
+                    <a:bodyPr/>
+                    <a:lstStyle/>
+                    <a:p>
+                      <a:pPr>
+                        <a:spcAft>
+                          <a:spcPts val="0"/>
+                        </a:spcAft>
+                      </a:pPr>
+                      <a:r>
+                        <a:rPr lang="en-US" sz="2800">
+                          <a:effectLst/>
+                          <a:latin typeface="Calibri" panose="020F0502020204030204" pitchFamily="34" charset="0"/>
+                          <a:ea typeface="Calibri" panose="020F0502020204030204" pitchFamily="34" charset="0"/>
+                          <a:cs typeface="Times New Roman" panose="02020603050405020304" pitchFamily="18" charset="0"/>
+                        </a:rPr>
+                        <a:t>2010</a:t>
+                      </a:r>
+                      <a:endParaRPr lang="da-DK" sz="2800">
+                        <a:effectLst/>
+                        <a:latin typeface="Calibri" panose="020F0502020204030204" pitchFamily="34" charset="0"/>
+                        <a:ea typeface="Calibri" panose="020F0502020204030204" pitchFamily="34" charset="0"/>
+                        <a:cs typeface="Times New Roman" panose="02020603050405020304" pitchFamily="18" charset="0"/>
+                      </a:endParaRPr>
+                    </a:p>
+                  </a:txBody>
+                  <a:tcPr marL="68580" marR="68580" marT="0" marB="0">
+                    <a:solidFill>
+                      <a:schemeClr val="bg1">
+                        <a:lumMod val="85000"/>
+                      </a:schemeClr>
+                    </a:solidFill>
+                  </a:tcPr>
+                </a:tc>
+                <a:tc>
+                  <a:txBody>
+                    <a:bodyPr/>
+                    <a:lstStyle/>
+                    <a:p>
+                      <a:pPr>
+                        <a:spcAft>
+                          <a:spcPts val="0"/>
+                        </a:spcAft>
+                      </a:pPr>
+                      <a:r>
+                        <a:rPr lang="en-US" sz="2800">
+                          <a:effectLst/>
+                          <a:latin typeface="Calibri" panose="020F0502020204030204" pitchFamily="34" charset="0"/>
+                          <a:ea typeface="Calibri" panose="020F0502020204030204" pitchFamily="34" charset="0"/>
+                          <a:cs typeface="Times New Roman" panose="02020603050405020304" pitchFamily="18" charset="0"/>
+                        </a:rPr>
+                        <a:t>110</a:t>
+                      </a:r>
+                      <a:endParaRPr lang="da-DK" sz="2800">
+                        <a:effectLst/>
+                        <a:latin typeface="Calibri" panose="020F0502020204030204" pitchFamily="34" charset="0"/>
+                        <a:ea typeface="Calibri" panose="020F0502020204030204" pitchFamily="34" charset="0"/>
+                        <a:cs typeface="Times New Roman" panose="02020603050405020304" pitchFamily="18" charset="0"/>
+                      </a:endParaRPr>
+                    </a:p>
+                  </a:txBody>
+                  <a:tcPr marL="68580" marR="68580" marT="0" marB="0"/>
+                </a:tc>
+                <a:tc>
+                  <a:txBody>
+                    <a:bodyPr/>
+                    <a:lstStyle/>
+                    <a:p>
+                      <a:pPr>
+                        <a:spcAft>
+                          <a:spcPts val="0"/>
+                        </a:spcAft>
+                      </a:pPr>
+                      <a:r>
+                        <a:rPr lang="en-US" sz="2800">
+                          <a:effectLst/>
+                          <a:latin typeface="Calibri" panose="020F0502020204030204" pitchFamily="34" charset="0"/>
+                          <a:ea typeface="Calibri" panose="020F0502020204030204" pitchFamily="34" charset="0"/>
+                          <a:cs typeface="Times New Roman" panose="02020603050405020304" pitchFamily="18" charset="0"/>
+                        </a:rPr>
+                        <a:t>Paramount Pictures</a:t>
+                      </a:r>
+                      <a:endParaRPr lang="da-DK" sz="2800">
+                        <a:effectLst/>
+                        <a:latin typeface="Calibri" panose="020F0502020204030204" pitchFamily="34" charset="0"/>
+                        <a:ea typeface="Calibri" panose="020F0502020204030204" pitchFamily="34" charset="0"/>
+                        <a:cs typeface="Times New Roman" panose="02020603050405020304" pitchFamily="18" charset="0"/>
+                      </a:endParaRPr>
+                    </a:p>
+                  </a:txBody>
+                  <a:tcPr marL="68580" marR="68580" marT="0" marB="0"/>
+                </a:tc>
+                <a:extLst>
+                  <a:ext uri="{0D108BD9-81ED-4DB2-BD59-A6C34878D82A}">
+                    <a16:rowId xmlns:a16="http://schemas.microsoft.com/office/drawing/2014/main" val="4059942850"/>
+                  </a:ext>
+                </a:extLst>
+              </a:tr>
+              <a:tr h="872649">
+                <a:tc>
+                  <a:txBody>
+                    <a:bodyPr/>
+                    <a:lstStyle/>
+                    <a:p>
+                      <a:pPr>
+                        <a:spcAft>
+                          <a:spcPts val="0"/>
+                        </a:spcAft>
+                      </a:pPr>
+                      <a:r>
+                        <a:rPr lang="en-US" sz="2800">
+                          <a:effectLst/>
+                          <a:latin typeface="Calibri" panose="020F0502020204030204" pitchFamily="34" charset="0"/>
+                          <a:ea typeface="Calibri" panose="020F0502020204030204" pitchFamily="34" charset="0"/>
+                          <a:cs typeface="Times New Roman" panose="02020603050405020304" pitchFamily="18" charset="0"/>
+                        </a:rPr>
+                        <a:t>Dark City</a:t>
+                      </a:r>
+                      <a:endParaRPr lang="da-DK" sz="2800">
+                        <a:effectLst/>
+                        <a:latin typeface="Calibri" panose="020F0502020204030204" pitchFamily="34" charset="0"/>
+                        <a:ea typeface="Calibri" panose="020F0502020204030204" pitchFamily="34" charset="0"/>
+                        <a:cs typeface="Times New Roman" panose="02020603050405020304" pitchFamily="18" charset="0"/>
+                      </a:endParaRPr>
+                    </a:p>
+                  </a:txBody>
+                  <a:tcPr marL="68580" marR="68580" marT="0" marB="0">
+                    <a:solidFill>
+                      <a:schemeClr val="bg1">
+                        <a:lumMod val="85000"/>
+                      </a:schemeClr>
+                    </a:solidFill>
+                  </a:tcPr>
+                </a:tc>
+                <a:tc>
+                  <a:txBody>
+                    <a:bodyPr/>
+                    <a:lstStyle/>
+                    <a:p>
+                      <a:pPr>
+                        <a:spcAft>
+                          <a:spcPts val="0"/>
+                        </a:spcAft>
+                      </a:pPr>
+                      <a:r>
+                        <a:rPr lang="en-US" sz="2800">
+                          <a:effectLst/>
+                          <a:latin typeface="Calibri" panose="020F0502020204030204" pitchFamily="34" charset="0"/>
+                          <a:ea typeface="Calibri" panose="020F0502020204030204" pitchFamily="34" charset="0"/>
+                          <a:cs typeface="Times New Roman" panose="02020603050405020304" pitchFamily="18" charset="0"/>
+                        </a:rPr>
+                        <a:t>1998</a:t>
+                      </a:r>
+                      <a:endParaRPr lang="da-DK" sz="2800">
+                        <a:effectLst/>
+                        <a:latin typeface="Calibri" panose="020F0502020204030204" pitchFamily="34" charset="0"/>
+                        <a:ea typeface="Calibri" panose="020F0502020204030204" pitchFamily="34" charset="0"/>
+                        <a:cs typeface="Times New Roman" panose="02020603050405020304" pitchFamily="18" charset="0"/>
+                      </a:endParaRPr>
+                    </a:p>
+                  </a:txBody>
+                  <a:tcPr marL="68580" marR="68580" marT="0" marB="0">
+                    <a:solidFill>
+                      <a:schemeClr val="bg1">
+                        <a:lumMod val="85000"/>
+                      </a:schemeClr>
+                    </a:solidFill>
+                  </a:tcPr>
+                </a:tc>
+                <a:tc>
+                  <a:txBody>
+                    <a:bodyPr/>
+                    <a:lstStyle/>
+                    <a:p>
+                      <a:pPr>
+                        <a:spcAft>
+                          <a:spcPts val="0"/>
+                        </a:spcAft>
+                      </a:pPr>
+                      <a:r>
+                        <a:rPr lang="en-US" sz="2800">
+                          <a:effectLst/>
+                          <a:latin typeface="Calibri" panose="020F0502020204030204" pitchFamily="34" charset="0"/>
+                          <a:ea typeface="Calibri" panose="020F0502020204030204" pitchFamily="34" charset="0"/>
+                          <a:cs typeface="Times New Roman" panose="02020603050405020304" pitchFamily="18" charset="0"/>
+                        </a:rPr>
+                        <a:t>111</a:t>
+                      </a:r>
+                      <a:endParaRPr lang="da-DK" sz="2800">
+                        <a:effectLst/>
+                        <a:latin typeface="Calibri" panose="020F0502020204030204" pitchFamily="34" charset="0"/>
+                        <a:ea typeface="Calibri" panose="020F0502020204030204" pitchFamily="34" charset="0"/>
+                        <a:cs typeface="Times New Roman" panose="02020603050405020304" pitchFamily="18" charset="0"/>
+                      </a:endParaRPr>
+                    </a:p>
+                  </a:txBody>
+                  <a:tcPr marL="68580" marR="68580" marT="0" marB="0"/>
+                </a:tc>
+                <a:tc>
+                  <a:txBody>
+                    <a:bodyPr/>
+                    <a:lstStyle/>
+                    <a:p>
+                      <a:pPr>
+                        <a:spcAft>
+                          <a:spcPts val="0"/>
+                        </a:spcAft>
+                      </a:pPr>
+                      <a:r>
+                        <a:rPr lang="en-US" sz="2800">
+                          <a:effectLst/>
+                          <a:latin typeface="Calibri" panose="020F0502020204030204" pitchFamily="34" charset="0"/>
+                          <a:ea typeface="Calibri" panose="020F0502020204030204" pitchFamily="34" charset="0"/>
+                          <a:cs typeface="Times New Roman" panose="02020603050405020304" pitchFamily="18" charset="0"/>
+                        </a:rPr>
+                        <a:t>New Line Cinema</a:t>
+                      </a:r>
+                      <a:endParaRPr lang="da-DK" sz="2800">
+                        <a:effectLst/>
+                        <a:latin typeface="Calibri" panose="020F0502020204030204" pitchFamily="34" charset="0"/>
+                        <a:ea typeface="Calibri" panose="020F0502020204030204" pitchFamily="34" charset="0"/>
+                        <a:cs typeface="Times New Roman" panose="02020603050405020304" pitchFamily="18" charset="0"/>
+                      </a:endParaRPr>
+                    </a:p>
+                  </a:txBody>
+                  <a:tcPr marL="68580" marR="68580" marT="0" marB="0"/>
+                </a:tc>
+                <a:extLst>
+                  <a:ext uri="{0D108BD9-81ED-4DB2-BD59-A6C34878D82A}">
+                    <a16:rowId xmlns:a16="http://schemas.microsoft.com/office/drawing/2014/main" val="1071557111"/>
+                  </a:ext>
+                </a:extLst>
+              </a:tr>
+            </a:tbl>
+          </a:graphicData>
+        </a:graphic>
+      </p:graphicFrame>
+      <p:sp>
+        <p:nvSpPr>
+          <p:cNvPr id="2" name="Afrundet rektangulær billedforklaring 1"/>
+          <p:cNvSpPr/>
+          <p:nvPr/>
+        </p:nvSpPr>
+        <p:spPr>
+          <a:xfrm>
+            <a:off x="6286500" y="1275347"/>
+            <a:ext cx="4301289" cy="1696453"/>
+          </a:xfrm>
+          <a:prstGeom prst="wedgeRoundRectCallout">
+            <a:avLst>
+              <a:gd name="adj1" fmla="val -98036"/>
+              <a:gd name="adj2" fmla="val -66933"/>
+              <a:gd name="adj3" fmla="val 16667"/>
+            </a:avLst>
+          </a:prstGeom>
+        </p:spPr>
+        <p:style>
+          <a:lnRef idx="2">
+            <a:schemeClr val="accent1">
+              <a:shade val="50000"/>
+            </a:schemeClr>
+          </a:lnRef>
+          <a:fillRef idx="1">
+            <a:schemeClr val="accent1"/>
+          </a:fillRef>
+          <a:effectRef idx="0">
+            <a:schemeClr val="accent1"/>
+          </a:effectRef>
+          <a:fontRef idx="minor">
+            <a:schemeClr val="lt1"/>
+          </a:fontRef>
+        </p:style>
+        <p:txBody>
+          <a:bodyPr rtlCol="0" anchor="ctr"/>
+          <a:lstStyle/>
+          <a:p>
+            <a:pPr algn="ctr"/>
+            <a:r>
+              <a:rPr lang="da-DK" sz="4800" smtClean="0"/>
+              <a:t>Selection</a:t>
+            </a:r>
+          </a:p>
+          <a:p>
+            <a:pPr algn="ctr"/>
+            <a:r>
+              <a:rPr lang="da-DK" sz="3600" smtClean="0">
+                <a:solidFill>
+                  <a:srgbClr val="FFFF00"/>
+                </a:solidFill>
+              </a:rPr>
+              <a:t>(Title, Year)</a:t>
+            </a:r>
+            <a:endParaRPr lang="da-DK" sz="3600">
+              <a:solidFill>
+                <a:srgbClr val="FFFF00"/>
+              </a:solidFill>
+            </a:endParaRPr>
+          </a:p>
+        </p:txBody>
+      </p:sp>
+    </p:spTree>
+    <p:extLst>
+      <p:ext uri="{BB962C8B-B14F-4D97-AF65-F5344CB8AC3E}">
+        <p14:creationId xmlns:p14="http://schemas.microsoft.com/office/powerpoint/2010/main" val="1036457541"/>
+      </p:ext>
+    </p:extLst>
+  </p:cSld>
+  <p:clrMapOvr>
+    <a:masterClrMapping/>
+  </p:clrMapOvr>
+  <mc:AlternateContent xmlns:mc="http://schemas.openxmlformats.org/markup-compatibility/2006" xmlns:p14="http://schemas.microsoft.com/office/powerpoint/2010/main">
+    <mc:Choice Requires="p14">
+      <p:transition spd="med" p14:dur="700">
+        <p:fade/>
+      </p:transition>
+    </mc:Choice>
+    <mc:Fallback xmlns="">
+      <p:transition spd="med">
+        <p:fade/>
+      </p:transition>
+    </mc:Fallback>
+  </mc:AlternateContent>
+  <p:timing>
+    <p:tnLst>
+      <p:par>
+        <p:cTn id="1" dur="indefinite" restart="never" nodeType="tmRoot">
+          <p:childTnLst>
+            <p:seq concurrent="1" nextAc="seek">
+              <p:cTn id="2" dur="indefinite" nodeType="mainSeq">
+                <p:childTnLst>
+                  <p:par>
+                    <p:cTn id="3" fill="hold">
+                      <p:stCondLst>
+                        <p:cond delay="indefinite"/>
+                      </p:stCondLst>
+                      <p:childTnLst>
+                        <p:par>
+                          <p:cTn id="4" fill="hold">
+                            <p:stCondLst>
+                              <p:cond delay="0"/>
+                            </p:stCondLst>
+                            <p:childTnLst>
+                              <p:par>
+                                <p:cTn id="5" presetID="10" presetClass="entr" presetSubtype="0" fill="hold" grpId="0" nodeType="clickEffect">
+                                  <p:stCondLst>
+                                    <p:cond delay="0"/>
+                                  </p:stCondLst>
+                                  <p:childTnLst>
+                                    <p:set>
+                                      <p:cBhvr>
+                                        <p:cTn id="6" dur="1" fill="hold">
+                                          <p:stCondLst>
+                                            <p:cond delay="0"/>
+                                          </p:stCondLst>
+                                        </p:cTn>
+                                        <p:tgtEl>
+                                          <p:spTgt spid="2"/>
+                                        </p:tgtEl>
+                                        <p:attrNameLst>
+                                          <p:attrName>style.visibility</p:attrName>
+                                        </p:attrNameLst>
+                                      </p:cBhvr>
+                                      <p:to>
+                                        <p:strVal val="visible"/>
+                                      </p:to>
+                                    </p:set>
+                                    <p:animEffect transition="in" filter="fade">
+                                      <p:cBhvr>
+                                        <p:cTn id="7" dur="500"/>
+                                        <p:tgtEl>
+                                          <p:spTgt spid="2"/>
+                                        </p:tgtEl>
+                                      </p:cBhvr>
+                                    </p:animEffect>
+                                  </p:childTnLst>
+                                </p:cTn>
+                              </p:par>
+                            </p:childTnLst>
+                          </p:cTn>
+                        </p:par>
+                      </p:childTnLst>
+                    </p:cTn>
+                  </p:par>
+                </p:childTnLst>
+              </p:cTn>
+              <p:prevCondLst>
+                <p:cond evt="onPrev" delay="0">
+                  <p:tgtEl>
+                    <p:sldTgt/>
+                  </p:tgtEl>
+                </p:cond>
+              </p:prevCondLst>
+              <p:nextCondLst>
+                <p:cond evt="onNext" delay="0">
+                  <p:tgtEl>
+                    <p:sldTgt/>
+                  </p:tgtEl>
+                </p:cond>
+              </p:nextCondLst>
+            </p:seq>
+          </p:childTnLst>
+        </p:cTn>
+      </p:par>
+    </p:tnLst>
+    <p:bldLst>
+      <p:bldP spid="2" grpId="0" animBg="1"/>
+    </p:bldLst>
+  </p:timing>
+</p:sld>
+</file>
+
+<file path=ppt/slides/slide12.xml><?xml version="1.0" encoding="utf-8"?>
+<p:sld xmlns:a="http://schemas.openxmlformats.org/drawingml/2006/main" xmlns:r="http://schemas.openxmlformats.org/officeDocument/2006/relationships" xmlns:p="http://schemas.openxmlformats.org/presentationml/2006/main">
+  <p:cSld>
+    <p:spTree>
+      <p:nvGrpSpPr>
+        <p:cNvPr id="1" name=""/>
+        <p:cNvGrpSpPr/>
+        <p:nvPr/>
+      </p:nvGrpSpPr>
+      <p:grpSpPr>
+        <a:xfrm>
+          <a:off x="0" y="0"/>
+          <a:ext cx="0" cy="0"/>
+          <a:chOff x="0" y="0"/>
+          <a:chExt cx="0" cy="0"/>
+        </a:xfrm>
+      </p:grpSpPr>
+      <p:sp>
+        <p:nvSpPr>
+          <p:cNvPr id="3" name="Pladsholder til indhold 2"/>
+          <p:cNvSpPr>
+            <a:spLocks noGrp="1"/>
+          </p:cNvSpPr>
+          <p:nvPr>
+            <p:ph idx="1"/>
+          </p:nvPr>
+        </p:nvSpPr>
+        <p:spPr/>
+        <p:txBody>
+          <a:bodyPr/>
+          <a:lstStyle/>
+          <a:p>
+            <a:pPr marL="0" indent="0">
+              <a:buNone/>
+            </a:pPr>
+            <a:r>
+              <a:rPr lang="en-US" sz="3200" b="1" smtClean="0">
+                <a:solidFill>
+                  <a:schemeClr val="accent1">
+                    <a:lumMod val="75000"/>
+                  </a:schemeClr>
+                </a:solidFill>
+                <a:latin typeface="Consolas" panose="020B0609020204030204" pitchFamily="49" charset="0"/>
+              </a:rPr>
+              <a:t>var</a:t>
+            </a:r>
+            <a:r>
+              <a:rPr lang="en-US" sz="3200" b="1" smtClean="0">
+                <a:latin typeface="Consolas" panose="020B0609020204030204" pitchFamily="49" charset="0"/>
+              </a:rPr>
+              <a:t> query = </a:t>
+            </a:r>
+            <a:r>
+              <a:rPr lang="en-US" sz="3200" b="1" smtClean="0">
+                <a:solidFill>
+                  <a:schemeClr val="accent1">
+                    <a:lumMod val="75000"/>
+                  </a:schemeClr>
+                </a:solidFill>
+                <a:latin typeface="Consolas" panose="020B0609020204030204" pitchFamily="49" charset="0"/>
+              </a:rPr>
+              <a:t>from</a:t>
+            </a:r>
+            <a:r>
+              <a:rPr lang="en-US" sz="3200" b="1" smtClean="0">
+                <a:latin typeface="Consolas" panose="020B0609020204030204" pitchFamily="49" charset="0"/>
+              </a:rPr>
+              <a:t> </a:t>
+            </a:r>
+            <a:r>
+              <a:rPr lang="en-US" sz="3200" b="1">
+                <a:latin typeface="Consolas" panose="020B0609020204030204" pitchFamily="49" charset="0"/>
+              </a:rPr>
+              <a:t>m </a:t>
+            </a:r>
+            <a:r>
+              <a:rPr lang="en-US" sz="3200" b="1">
+                <a:solidFill>
+                  <a:schemeClr val="accent1">
+                    <a:lumMod val="75000"/>
+                  </a:schemeClr>
+                </a:solidFill>
+                <a:latin typeface="Consolas" panose="020B0609020204030204" pitchFamily="49" charset="0"/>
+              </a:rPr>
+              <a:t>in</a:t>
+            </a:r>
+            <a:r>
+              <a:rPr lang="en-US" sz="3200" b="1">
+                <a:latin typeface="Consolas" panose="020B0609020204030204" pitchFamily="49" charset="0"/>
+              </a:rPr>
+              <a:t> </a:t>
+            </a:r>
+            <a:r>
+              <a:rPr lang="en-US" sz="3200" b="1" smtClean="0">
+                <a:latin typeface="Consolas" panose="020B0609020204030204" pitchFamily="49" charset="0"/>
+              </a:rPr>
+              <a:t>movies</a:t>
+            </a:r>
+          </a:p>
+          <a:p>
+            <a:pPr marL="0" indent="0">
+              <a:buNone/>
+            </a:pPr>
+            <a:endParaRPr lang="en-US" sz="3200" b="1">
+              <a:latin typeface="Consolas" panose="020B0609020204030204" pitchFamily="49" charset="0"/>
+            </a:endParaRPr>
+          </a:p>
+        </p:txBody>
+      </p:sp>
+    </p:spTree>
+    <p:extLst>
+      <p:ext uri="{BB962C8B-B14F-4D97-AF65-F5344CB8AC3E}">
+        <p14:creationId xmlns:p14="http://schemas.microsoft.com/office/powerpoint/2010/main" val="707936207"/>
+      </p:ext>
+    </p:extLst>
+  </p:cSld>
+  <p:clrMapOvr>
+    <a:masterClrMapping/>
+  </p:clrMapOvr>
+  <p:timing>
+    <p:tnLst>
+      <p:par>
+        <p:cTn id="1" dur="indefinite" restart="never" nodeType="tmRoot"/>
+      </p:par>
+    </p:tnLst>
+  </p:timing>
+</p:sld>
+</file>
+
+<file path=ppt/slides/slide13.xml><?xml version="1.0" encoding="utf-8"?>
+<p:sld xmlns:a="http://schemas.openxmlformats.org/drawingml/2006/main" xmlns:r="http://schemas.openxmlformats.org/officeDocument/2006/relationships" xmlns:p="http://schemas.openxmlformats.org/presentationml/2006/main">
+  <p:cSld>
+    <p:spTree>
+      <p:nvGrpSpPr>
+        <p:cNvPr id="1" name=""/>
+        <p:cNvGrpSpPr/>
+        <p:nvPr/>
+      </p:nvGrpSpPr>
+      <p:grpSpPr>
+        <a:xfrm>
+          <a:off x="0" y="0"/>
+          <a:ext cx="0" cy="0"/>
+          <a:chOff x="0" y="0"/>
+          <a:chExt cx="0" cy="0"/>
+        </a:xfrm>
+      </p:grpSpPr>
+      <p:sp>
+        <p:nvSpPr>
+          <p:cNvPr id="3" name="Pladsholder til indhold 2"/>
+          <p:cNvSpPr>
+            <a:spLocks noGrp="1"/>
+          </p:cNvSpPr>
+          <p:nvPr>
+            <p:ph idx="1"/>
+          </p:nvPr>
+        </p:nvSpPr>
+        <p:spPr/>
+        <p:txBody>
+          <a:bodyPr/>
+          <a:lstStyle/>
+          <a:p>
+            <a:pPr marL="0" indent="0">
+              <a:buNone/>
+            </a:pPr>
+            <a:r>
+              <a:rPr lang="en-US" sz="3200" b="1" smtClean="0">
+                <a:solidFill>
+                  <a:schemeClr val="accent1">
+                    <a:lumMod val="75000"/>
+                  </a:schemeClr>
+                </a:solidFill>
+                <a:latin typeface="Consolas" panose="020B0609020204030204" pitchFamily="49" charset="0"/>
+              </a:rPr>
+              <a:t>var</a:t>
+            </a:r>
+            <a:r>
+              <a:rPr lang="en-US" sz="3200" b="1" smtClean="0">
+                <a:latin typeface="Consolas" panose="020B0609020204030204" pitchFamily="49" charset="0"/>
+              </a:rPr>
+              <a:t> query = </a:t>
+            </a:r>
+            <a:r>
+              <a:rPr lang="en-US" sz="3200" b="1" smtClean="0">
+                <a:solidFill>
+                  <a:schemeClr val="accent1">
+                    <a:lumMod val="75000"/>
+                  </a:schemeClr>
+                </a:solidFill>
+                <a:latin typeface="Consolas" panose="020B0609020204030204" pitchFamily="49" charset="0"/>
+              </a:rPr>
+              <a:t>from</a:t>
+            </a:r>
+            <a:r>
+              <a:rPr lang="en-US" sz="3200" b="1" smtClean="0">
+                <a:latin typeface="Consolas" panose="020B0609020204030204" pitchFamily="49" charset="0"/>
+              </a:rPr>
+              <a:t> </a:t>
+            </a:r>
+            <a:r>
+              <a:rPr lang="en-US" sz="3200" b="1">
+                <a:latin typeface="Consolas" panose="020B0609020204030204" pitchFamily="49" charset="0"/>
+              </a:rPr>
+              <a:t>m </a:t>
+            </a:r>
+            <a:r>
+              <a:rPr lang="en-US" sz="3200" b="1">
+                <a:solidFill>
+                  <a:schemeClr val="accent1">
+                    <a:lumMod val="75000"/>
+                  </a:schemeClr>
+                </a:solidFill>
+                <a:latin typeface="Consolas" panose="020B0609020204030204" pitchFamily="49" charset="0"/>
+              </a:rPr>
+              <a:t>in</a:t>
+            </a:r>
+            <a:r>
+              <a:rPr lang="en-US" sz="3200" b="1">
+                <a:latin typeface="Consolas" panose="020B0609020204030204" pitchFamily="49" charset="0"/>
+              </a:rPr>
+              <a:t> </a:t>
+            </a:r>
+            <a:r>
+              <a:rPr lang="en-US" sz="3200" b="1" smtClean="0">
+                <a:latin typeface="Consolas" panose="020B0609020204030204" pitchFamily="49" charset="0"/>
+              </a:rPr>
+              <a:t>movies</a:t>
+            </a:r>
+            <a:endParaRPr lang="da-DK" sz="3200" b="1">
+              <a:latin typeface="Consolas" panose="020B0609020204030204" pitchFamily="49" charset="0"/>
+            </a:endParaRPr>
+          </a:p>
+          <a:p>
+            <a:pPr marL="0" indent="0">
+              <a:buNone/>
+            </a:pPr>
+            <a:r>
+              <a:rPr lang="da-DK" sz="3200" b="1">
+                <a:solidFill>
+                  <a:schemeClr val="accent1">
+                    <a:lumMod val="75000"/>
+                  </a:schemeClr>
+                </a:solidFill>
+                <a:latin typeface="Consolas" panose="020B0609020204030204" pitchFamily="49" charset="0"/>
+              </a:rPr>
+              <a:t>	</a:t>
+            </a:r>
+            <a:r>
+              <a:rPr lang="da-DK" sz="3200" b="1" smtClean="0">
+                <a:solidFill>
+                  <a:schemeClr val="accent1">
+                    <a:lumMod val="75000"/>
+                  </a:schemeClr>
+                </a:solidFill>
+                <a:latin typeface="Consolas" panose="020B0609020204030204" pitchFamily="49" charset="0"/>
+              </a:rPr>
+              <a:t>		</a:t>
+            </a:r>
+            <a:r>
+              <a:rPr lang="en-US" sz="3200" b="1" smtClean="0">
+                <a:solidFill>
+                  <a:schemeClr val="accent1">
+                    <a:lumMod val="75000"/>
+                  </a:schemeClr>
+                </a:solidFill>
+                <a:latin typeface="Consolas" panose="020B0609020204030204" pitchFamily="49" charset="0"/>
+              </a:rPr>
+              <a:t>select</a:t>
+            </a:r>
+            <a:r>
+              <a:rPr lang="en-US" sz="3200" b="1" smtClean="0">
+                <a:latin typeface="Consolas" panose="020B0609020204030204" pitchFamily="49" charset="0"/>
+              </a:rPr>
+              <a:t> m.Title;</a:t>
+            </a:r>
+            <a:endParaRPr lang="da-DK" sz="3200" b="1">
+              <a:latin typeface="Consolas" panose="020B0609020204030204" pitchFamily="49" charset="0"/>
+            </a:endParaRPr>
+          </a:p>
+          <a:p>
+            <a:pPr marL="0" indent="0">
+              <a:buNone/>
+            </a:pPr>
+            <a:endParaRPr lang="da-DK"/>
+          </a:p>
+        </p:txBody>
+      </p:sp>
+    </p:spTree>
+    <p:extLst>
+      <p:ext uri="{BB962C8B-B14F-4D97-AF65-F5344CB8AC3E}">
+        <p14:creationId xmlns:p14="http://schemas.microsoft.com/office/powerpoint/2010/main" val="529164851"/>
+      </p:ext>
+    </p:extLst>
+  </p:cSld>
+  <p:clrMapOvr>
+    <a:masterClrMapping/>
+  </p:clrMapOvr>
+  <mc:AlternateContent xmlns:mc="http://schemas.openxmlformats.org/markup-compatibility/2006" xmlns:p14="http://schemas.microsoft.com/office/powerpoint/2010/main">
+    <mc:Choice Requires="p14">
+      <p:transition spd="med" p14:dur="700">
+        <p:fade/>
+      </p:transition>
+    </mc:Choice>
+    <mc:Fallback xmlns="">
+      <p:transition spd="med">
+        <p:fade/>
+      </p:transition>
+    </mc:Fallback>
+  </mc:AlternateContent>
+  <p:timing>
+    <p:tnLst>
+      <p:par>
+        <p:cTn id="1" dur="indefinite" restart="never" nodeType="tmRoot"/>
+      </p:par>
+    </p:tnLst>
+  </p:timing>
+</p:sld>
+</file>
+
+<file path=ppt/slides/slide14.xml><?xml version="1.0" encoding="utf-8"?>
+<p:sld xmlns:a="http://schemas.openxmlformats.org/drawingml/2006/main" xmlns:r="http://schemas.openxmlformats.org/officeDocument/2006/relationships" xmlns:p="http://schemas.openxmlformats.org/presentationml/2006/main">
+  <p:cSld>
+    <p:spTree>
+      <p:nvGrpSpPr>
+        <p:cNvPr id="1" name=""/>
+        <p:cNvGrpSpPr/>
+        <p:nvPr/>
+      </p:nvGrpSpPr>
+      <p:grpSpPr>
+        <a:xfrm>
+          <a:off x="0" y="0"/>
+          <a:ext cx="0" cy="0"/>
+          <a:chOff x="0" y="0"/>
+          <a:chExt cx="0" cy="0"/>
+        </a:xfrm>
+      </p:grpSpPr>
+      <p:sp>
+        <p:nvSpPr>
+          <p:cNvPr id="3" name="Pladsholder til indhold 2"/>
+          <p:cNvSpPr>
+            <a:spLocks noGrp="1"/>
+          </p:cNvSpPr>
+          <p:nvPr>
+            <p:ph idx="1"/>
+          </p:nvPr>
+        </p:nvSpPr>
+        <p:spPr/>
+        <p:txBody>
+          <a:bodyPr/>
+          <a:lstStyle/>
+          <a:p>
+            <a:pPr marL="0" indent="0">
+              <a:buNone/>
+            </a:pPr>
+            <a:r>
+              <a:rPr lang="en-US" sz="3200" b="1" smtClean="0">
+                <a:solidFill>
+                  <a:schemeClr val="accent1">
+                    <a:lumMod val="75000"/>
+                  </a:schemeClr>
+                </a:solidFill>
+                <a:latin typeface="Consolas" panose="020B0609020204030204" pitchFamily="49" charset="0"/>
+              </a:rPr>
+              <a:t>var</a:t>
+            </a:r>
+            <a:r>
+              <a:rPr lang="en-US" sz="3200" b="1" smtClean="0">
+                <a:latin typeface="Consolas" panose="020B0609020204030204" pitchFamily="49" charset="0"/>
+              </a:rPr>
+              <a:t> query = </a:t>
+            </a:r>
+            <a:r>
+              <a:rPr lang="en-US" sz="3200" b="1" smtClean="0">
+                <a:solidFill>
+                  <a:schemeClr val="accent1">
+                    <a:lumMod val="75000"/>
+                  </a:schemeClr>
+                </a:solidFill>
+                <a:latin typeface="Consolas" panose="020B0609020204030204" pitchFamily="49" charset="0"/>
+              </a:rPr>
+              <a:t>from</a:t>
+            </a:r>
+            <a:r>
+              <a:rPr lang="en-US" sz="3200" b="1" smtClean="0">
+                <a:latin typeface="Consolas" panose="020B0609020204030204" pitchFamily="49" charset="0"/>
+              </a:rPr>
+              <a:t> </a:t>
+            </a:r>
+            <a:r>
+              <a:rPr lang="en-US" sz="3200" b="1">
+                <a:latin typeface="Consolas" panose="020B0609020204030204" pitchFamily="49" charset="0"/>
+              </a:rPr>
+              <a:t>m </a:t>
+            </a:r>
+            <a:r>
+              <a:rPr lang="en-US" sz="3200" b="1">
+                <a:solidFill>
+                  <a:schemeClr val="accent1">
+                    <a:lumMod val="75000"/>
+                  </a:schemeClr>
+                </a:solidFill>
+                <a:latin typeface="Consolas" panose="020B0609020204030204" pitchFamily="49" charset="0"/>
+              </a:rPr>
+              <a:t>in</a:t>
+            </a:r>
+            <a:r>
+              <a:rPr lang="en-US" sz="3200" b="1">
+                <a:latin typeface="Consolas" panose="020B0609020204030204" pitchFamily="49" charset="0"/>
+              </a:rPr>
+              <a:t> </a:t>
+            </a:r>
+            <a:r>
+              <a:rPr lang="en-US" sz="3200" b="1" smtClean="0">
+                <a:latin typeface="Consolas" panose="020B0609020204030204" pitchFamily="49" charset="0"/>
+              </a:rPr>
+              <a:t>movies</a:t>
+            </a:r>
             <a:endParaRPr lang="da-DK" sz="3200" b="1">
               <a:latin typeface="Consolas" panose="020B0609020204030204" pitchFamily="49" charset="0"/>
             </a:endParaRPr>
@@ -3314,7 +4904,7 @@
 </p:sld>
 </file>
 
-<file path=ppt/slides/slide11.xml><?xml version="1.0" encoding="utf-8"?>
+<file path=ppt/slides/slide15.xml><?xml version="1.0" encoding="utf-8"?>
 <p:sld xmlns:a="http://schemas.openxmlformats.org/drawingml/2006/main" xmlns:r="http://schemas.openxmlformats.org/officeDocument/2006/relationships" xmlns:p="http://schemas.openxmlformats.org/presentationml/2006/main">
   <p:cSld>
     <p:spTree>
@@ -3845,7 +5435,7 @@
 </p:sld>
 </file>
 
-<file path=ppt/slides/slide12.xml><?xml version="1.0" encoding="utf-8"?>
+<file path=ppt/slides/slide16.xml><?xml version="1.0" encoding="utf-8"?>
 <p:sld xmlns:a="http://schemas.openxmlformats.org/drawingml/2006/main" xmlns:r="http://schemas.openxmlformats.org/officeDocument/2006/relationships" xmlns:p="http://schemas.openxmlformats.org/presentationml/2006/main">
   <p:cSld>
     <p:spTree>
@@ -4398,7 +5988,7 @@
             <a:pPr algn="ctr"/>
             <a:r>
               <a:rPr lang="da-DK" sz="4800" smtClean="0"/>
-              <a:t>Filtrering</a:t>
+              <a:t>Filtering</a:t>
             </a:r>
           </a:p>
           <a:p>
@@ -4530,7 +6120,7 @@
 </p:sld>
 </file>
 
-<file path=ppt/slides/slide13.xml><?xml version="1.0" encoding="utf-8"?>
+<file path=ppt/slides/slide17.xml><?xml version="1.0" encoding="utf-8"?>
 <p:sld xmlns:a="http://schemas.openxmlformats.org/drawingml/2006/main" xmlns:r="http://schemas.openxmlformats.org/officeDocument/2006/relationships" xmlns:p="http://schemas.openxmlformats.org/presentationml/2006/main">
   <p:cSld>
     <p:spTree>
@@ -4736,7 +6326,7 @@
 </p:sld>
 </file>
 
-<file path=ppt/slides/slide14.xml><?xml version="1.0" encoding="utf-8"?>
+<file path=ppt/slides/slide18.xml><?xml version="1.0" encoding="utf-8"?>
 <p:sld xmlns:a="http://schemas.openxmlformats.org/drawingml/2006/main" xmlns:r="http://schemas.openxmlformats.org/officeDocument/2006/relationships" xmlns:p="http://schemas.openxmlformats.org/presentationml/2006/main">
   <p:cSld>
     <p:spTree>
@@ -4972,7 +6562,7 @@
 </p:sld>
 </file>
 
-<file path=ppt/slides/slide15.xml><?xml version="1.0" encoding="utf-8"?>
+<file path=ppt/slides/slide19.xml><?xml version="1.0" encoding="utf-8"?>
 <p:sld xmlns:a="http://schemas.openxmlformats.org/drawingml/2006/main" xmlns:r="http://schemas.openxmlformats.org/officeDocument/2006/relationships" xmlns:p="http://schemas.openxmlformats.org/presentationml/2006/main">
   <p:cSld>
     <p:spTree>
@@ -5357,7 +6947,116 @@
 </p:sld>
 </file>
 
-<file path=ppt/slides/slide16.xml><?xml version="1.0" encoding="utf-8"?>
+<file path=ppt/slides/slide2.xml><?xml version="1.0" encoding="utf-8"?>
+<p:sld xmlns:a="http://schemas.openxmlformats.org/drawingml/2006/main" xmlns:r="http://schemas.openxmlformats.org/officeDocument/2006/relationships" xmlns:p="http://schemas.openxmlformats.org/presentationml/2006/main">
+  <p:cSld>
+    <p:spTree>
+      <p:nvGrpSpPr>
+        <p:cNvPr id="1" name=""/>
+        <p:cNvGrpSpPr/>
+        <p:nvPr/>
+      </p:nvGrpSpPr>
+      <p:grpSpPr>
+        <a:xfrm>
+          <a:off x="0" y="0"/>
+          <a:ext cx="0" cy="0"/>
+          <a:chOff x="0" y="0"/>
+          <a:chExt cx="0" cy="0"/>
+        </a:xfrm>
+      </p:grpSpPr>
+      <p:sp>
+        <p:nvSpPr>
+          <p:cNvPr id="2" name="Titel 1"/>
+          <p:cNvSpPr>
+            <a:spLocks noGrp="1"/>
+          </p:cNvSpPr>
+          <p:nvPr>
+            <p:ph type="title"/>
+          </p:nvPr>
+        </p:nvSpPr>
+        <p:spPr/>
+        <p:txBody>
+          <a:bodyPr/>
+          <a:lstStyle/>
+          <a:p>
+            <a:r>
+              <a:rPr lang="da-DK" b="1" smtClean="0"/>
+              <a:t>LINQ – Main features</a:t>
+            </a:r>
+            <a:endParaRPr lang="da-DK" b="1"/>
+          </a:p>
+        </p:txBody>
+      </p:sp>
+      <p:sp>
+        <p:nvSpPr>
+          <p:cNvPr id="3" name="Pladsholder til indhold 2"/>
+          <p:cNvSpPr>
+            <a:spLocks noGrp="1"/>
+          </p:cNvSpPr>
+          <p:nvPr>
+            <p:ph idx="1"/>
+          </p:nvPr>
+        </p:nvSpPr>
+        <p:spPr>
+          <a:xfrm>
+            <a:off x="838200" y="1825625"/>
+            <a:ext cx="9047205" cy="4351338"/>
+          </a:xfrm>
+        </p:spPr>
+        <p:txBody>
+          <a:bodyPr/>
+          <a:lstStyle/>
+          <a:p>
+            <a:pPr lvl="0"/>
+            <a:r>
+              <a:rPr lang="da-DK" smtClean="0"/>
+              <a:t>Use declarative, SQL-like syntax for data selection</a:t>
+            </a:r>
+          </a:p>
+          <a:p>
+            <a:pPr lvl="0"/>
+            <a:r>
+              <a:rPr lang="da-DK" smtClean="0"/>
+              <a:t>Independence from specific collection classes; a collection only needs to implement </a:t>
+            </a:r>
+            <a:r>
+              <a:rPr lang="da-DK" b="1" smtClean="0"/>
+              <a:t>IEnumerable&lt;T&gt;</a:t>
+            </a:r>
+          </a:p>
+          <a:p>
+            <a:pPr marL="0" lvl="0" indent="0">
+              <a:buNone/>
+            </a:pPr>
+            <a:endParaRPr lang="da-DK" smtClean="0"/>
+          </a:p>
+          <a:p>
+            <a:pPr lvl="0"/>
+            <a:endParaRPr lang="da-DK"/>
+          </a:p>
+        </p:txBody>
+      </p:sp>
+    </p:spTree>
+    <p:extLst>
+      <p:ext uri="{BB962C8B-B14F-4D97-AF65-F5344CB8AC3E}">
+        <p14:creationId xmlns:p14="http://schemas.microsoft.com/office/powerpoint/2010/main" val="3086211692"/>
+      </p:ext>
+    </p:extLst>
+  </p:cSld>
+  <p:clrMapOvr>
+    <a:masterClrMapping/>
+  </p:clrMapOvr>
+  <p:timing>
+    <p:tnLst>
+      <p:par>
+        <p:cTn id="1" dur="indefinite" restart="never" nodeType="tmRoot"/>
+      </p:par>
+    </p:tnLst>
+  </p:timing>
+</p:sld>
+</file>
+
+<file path=ppt/slides/slide20.xml><?xml version="1.0" encoding="utf-8"?>
 <p:sld xmlns:a="http://schemas.openxmlformats.org/drawingml/2006/main" xmlns:r="http://schemas.openxmlformats.org/officeDocument/2006/relationships" xmlns:p="http://schemas.openxmlformats.org/presentationml/2006/main">
   <p:cSld>
     <p:spTree>
@@ -5752,7 +7451,7 @@
             <a:pPr algn="ctr"/>
             <a:r>
               <a:rPr lang="da-DK" sz="4800" smtClean="0"/>
-              <a:t>Ordning</a:t>
+              <a:t>Ordering</a:t>
             </a:r>
           </a:p>
           <a:p>
@@ -5884,7 +7583,7 @@
 </p:sld>
 </file>
 
-<file path=ppt/slides/slide17.xml><?xml version="1.0" encoding="utf-8"?>
+<file path=ppt/slides/slide21.xml><?xml version="1.0" encoding="utf-8"?>
 <p:sld xmlns:a="http://schemas.openxmlformats.org/drawingml/2006/main" xmlns:r="http://schemas.openxmlformats.org/officeDocument/2006/relationships" xmlns:p="http://schemas.openxmlformats.org/presentationml/2006/main">
   <p:cSld>
     <p:spTree>
@@ -6120,7 +7819,7 @@
 </p:sld>
 </file>
 
-<file path=ppt/slides/slide18.xml><?xml version="1.0" encoding="utf-8"?>
+<file path=ppt/slides/slide22.xml><?xml version="1.0" encoding="utf-8"?>
 <p:sld xmlns:a="http://schemas.openxmlformats.org/drawingml/2006/main" xmlns:r="http://schemas.openxmlformats.org/officeDocument/2006/relationships" xmlns:p="http://schemas.openxmlformats.org/presentationml/2006/main">
   <p:cSld>
     <p:spTree>
@@ -6390,7 +8089,7 @@
 </p:sld>
 </file>
 
-<file path=ppt/slides/slide19.xml><?xml version="1.0" encoding="utf-8"?>
+<file path=ppt/slides/slide23.xml><?xml version="1.0" encoding="utf-8"?>
 <p:sld xmlns:a="http://schemas.openxmlformats.org/drawingml/2006/main" xmlns:r="http://schemas.openxmlformats.org/officeDocument/2006/relationships" xmlns:p="http://schemas.openxmlformats.org/presentationml/2006/main">
   <p:cSld>
     <p:spTree>
@@ -7315,896 +9014,7 @@
 </p:sld>
 </file>
 
-<file path=ppt/slides/slide2.xml><?xml version="1.0" encoding="utf-8"?>
-<p:sld xmlns:a="http://schemas.openxmlformats.org/drawingml/2006/main" xmlns:r="http://schemas.openxmlformats.org/officeDocument/2006/relationships" xmlns:p="http://schemas.openxmlformats.org/presentationml/2006/main">
-  <p:cSld>
-    <p:spTree>
-      <p:nvGrpSpPr>
-        <p:cNvPr id="1" name=""/>
-        <p:cNvGrpSpPr/>
-        <p:nvPr/>
-      </p:nvGrpSpPr>
-      <p:grpSpPr>
-        <a:xfrm>
-          <a:off x="0" y="0"/>
-          <a:ext cx="0" cy="0"/>
-          <a:chOff x="0" y="0"/>
-          <a:chExt cx="0" cy="0"/>
-        </a:xfrm>
-      </p:grpSpPr>
-      <p:graphicFrame>
-        <p:nvGraphicFramePr>
-          <p:cNvPr id="4" name="Tabel 3"/>
-          <p:cNvGraphicFramePr>
-            <a:graphicFrameLocks noGrp="1"/>
-          </p:cNvGraphicFramePr>
-          <p:nvPr>
-            <p:extLst>
-              <p:ext uri="{D42A27DB-BD31-4B8C-83A1-F6EECF244321}">
-                <p14:modId xmlns:p14="http://schemas.microsoft.com/office/powerpoint/2010/main" val="1785237915"/>
-              </p:ext>
-            </p:extLst>
-          </p:nvPr>
-        </p:nvGraphicFramePr>
-        <p:xfrm>
-          <a:off x="830178" y="328638"/>
-          <a:ext cx="10160668" cy="5410424"/>
-        </p:xfrm>
-        <a:graphic>
-          <a:graphicData uri="http://schemas.openxmlformats.org/drawingml/2006/table">
-            <a:tbl>
-              <a:tblPr firstRow="1" bandRow="1">
-                <a:tableStyleId>{5940675A-B579-460E-94D1-54222C63F5DA}</a:tableStyleId>
-              </a:tblPr>
-              <a:tblGrid>
-                <a:gridCol w="2540167">
-                  <a:extLst>
-                    <a:ext uri="{9D8B030D-6E8A-4147-A177-3AD203B41FA5}">
-                      <a16:colId xmlns:a16="http://schemas.microsoft.com/office/drawing/2014/main" val="47363412"/>
-                    </a:ext>
-                  </a:extLst>
-                </a:gridCol>
-                <a:gridCol w="2540167">
-                  <a:extLst>
-                    <a:ext uri="{9D8B030D-6E8A-4147-A177-3AD203B41FA5}">
-                      <a16:colId xmlns:a16="http://schemas.microsoft.com/office/drawing/2014/main" val="3935601631"/>
-                    </a:ext>
-                  </a:extLst>
-                </a:gridCol>
-                <a:gridCol w="2540167">
-                  <a:extLst>
-                    <a:ext uri="{9D8B030D-6E8A-4147-A177-3AD203B41FA5}">
-                      <a16:colId xmlns:a16="http://schemas.microsoft.com/office/drawing/2014/main" val="4119078486"/>
-                    </a:ext>
-                  </a:extLst>
-                </a:gridCol>
-                <a:gridCol w="2540167">
-                  <a:extLst>
-                    <a:ext uri="{9D8B030D-6E8A-4147-A177-3AD203B41FA5}">
-                      <a16:colId xmlns:a16="http://schemas.microsoft.com/office/drawing/2014/main" val="371862353"/>
-                    </a:ext>
-                  </a:extLst>
-                </a:gridCol>
-              </a:tblGrid>
-              <a:tr h="1047179">
-                <a:tc>
-                  <a:txBody>
-                    <a:bodyPr/>
-                    <a:lstStyle/>
-                    <a:p>
-                      <a:pPr>
-                        <a:spcAft>
-                          <a:spcPts val="0"/>
-                        </a:spcAft>
-                      </a:pPr>
-                      <a:r>
-                        <a:rPr lang="en-US" sz="3200" b="1" i="1">
-                          <a:effectLst/>
-                          <a:latin typeface="Calibri" panose="020F0502020204030204" pitchFamily="34" charset="0"/>
-                          <a:ea typeface="Calibri" panose="020F0502020204030204" pitchFamily="34" charset="0"/>
-                          <a:cs typeface="Times New Roman" panose="02020603050405020304" pitchFamily="18" charset="0"/>
-                        </a:rPr>
-                        <a:t>Title</a:t>
-                      </a:r>
-                      <a:endParaRPr lang="da-DK" sz="3200">
-                        <a:effectLst/>
-                        <a:latin typeface="Calibri" panose="020F0502020204030204" pitchFamily="34" charset="0"/>
-                        <a:ea typeface="Calibri" panose="020F0502020204030204" pitchFamily="34" charset="0"/>
-                        <a:cs typeface="Times New Roman" panose="02020603050405020304" pitchFamily="18" charset="0"/>
-                      </a:endParaRPr>
-                    </a:p>
-                  </a:txBody>
-                  <a:tcPr marL="68580" marR="68580" marT="0" marB="0"/>
-                </a:tc>
-                <a:tc>
-                  <a:txBody>
-                    <a:bodyPr/>
-                    <a:lstStyle/>
-                    <a:p>
-                      <a:pPr>
-                        <a:spcAft>
-                          <a:spcPts val="0"/>
-                        </a:spcAft>
-                      </a:pPr>
-                      <a:r>
-                        <a:rPr lang="en-US" sz="3200" b="1" i="1">
-                          <a:effectLst/>
-                          <a:latin typeface="Calibri" panose="020F0502020204030204" pitchFamily="34" charset="0"/>
-                          <a:ea typeface="Calibri" panose="020F0502020204030204" pitchFamily="34" charset="0"/>
-                          <a:cs typeface="Times New Roman" panose="02020603050405020304" pitchFamily="18" charset="0"/>
-                        </a:rPr>
-                        <a:t>Year</a:t>
-                      </a:r>
-                      <a:endParaRPr lang="da-DK" sz="3200">
-                        <a:effectLst/>
-                        <a:latin typeface="Calibri" panose="020F0502020204030204" pitchFamily="34" charset="0"/>
-                        <a:ea typeface="Calibri" panose="020F0502020204030204" pitchFamily="34" charset="0"/>
-                        <a:cs typeface="Times New Roman" panose="02020603050405020304" pitchFamily="18" charset="0"/>
-                      </a:endParaRPr>
-                    </a:p>
-                  </a:txBody>
-                  <a:tcPr marL="68580" marR="68580" marT="0" marB="0"/>
-                </a:tc>
-                <a:tc>
-                  <a:txBody>
-                    <a:bodyPr/>
-                    <a:lstStyle/>
-                    <a:p>
-                      <a:pPr>
-                        <a:spcAft>
-                          <a:spcPts val="0"/>
-                        </a:spcAft>
-                      </a:pPr>
-                      <a:r>
-                        <a:rPr lang="en-US" sz="3200" b="1" i="1" smtClean="0">
-                          <a:effectLst/>
-                          <a:latin typeface="Calibri" panose="020F0502020204030204" pitchFamily="34" charset="0"/>
-                          <a:ea typeface="Calibri" panose="020F0502020204030204" pitchFamily="34" charset="0"/>
-                          <a:cs typeface="Times New Roman" panose="02020603050405020304" pitchFamily="18" charset="0"/>
-                        </a:rPr>
-                        <a:t>Duration</a:t>
-                      </a:r>
-                    </a:p>
-                    <a:p>
-                      <a:pPr>
-                        <a:spcAft>
-                          <a:spcPts val="0"/>
-                        </a:spcAft>
-                      </a:pPr>
-                      <a:r>
-                        <a:rPr lang="en-US" sz="3200" b="1" i="1" smtClean="0">
-                          <a:effectLst/>
-                          <a:latin typeface="Calibri" panose="020F0502020204030204" pitchFamily="34" charset="0"/>
-                          <a:ea typeface="Calibri" panose="020F0502020204030204" pitchFamily="34" charset="0"/>
-                          <a:cs typeface="Times New Roman" panose="02020603050405020304" pitchFamily="18" charset="0"/>
-                        </a:rPr>
-                        <a:t>InMins</a:t>
-                      </a:r>
-                      <a:endParaRPr lang="da-DK" sz="3200">
-                        <a:effectLst/>
-                        <a:latin typeface="Calibri" panose="020F0502020204030204" pitchFamily="34" charset="0"/>
-                        <a:ea typeface="Calibri" panose="020F0502020204030204" pitchFamily="34" charset="0"/>
-                        <a:cs typeface="Times New Roman" panose="02020603050405020304" pitchFamily="18" charset="0"/>
-                      </a:endParaRPr>
-                    </a:p>
-                  </a:txBody>
-                  <a:tcPr marL="68580" marR="68580" marT="0" marB="0"/>
-                </a:tc>
-                <a:tc>
-                  <a:txBody>
-                    <a:bodyPr/>
-                    <a:lstStyle/>
-                    <a:p>
-                      <a:pPr>
-                        <a:spcAft>
-                          <a:spcPts val="0"/>
-                        </a:spcAft>
-                      </a:pPr>
-                      <a:r>
-                        <a:rPr lang="en-US" sz="3200" b="1" i="1">
-                          <a:effectLst/>
-                          <a:latin typeface="Calibri" panose="020F0502020204030204" pitchFamily="34" charset="0"/>
-                          <a:ea typeface="Calibri" panose="020F0502020204030204" pitchFamily="34" charset="0"/>
-                          <a:cs typeface="Times New Roman" panose="02020603050405020304" pitchFamily="18" charset="0"/>
-                        </a:rPr>
-                        <a:t>StudioName</a:t>
-                      </a:r>
-                      <a:endParaRPr lang="da-DK" sz="3200">
-                        <a:effectLst/>
-                        <a:latin typeface="Calibri" panose="020F0502020204030204" pitchFamily="34" charset="0"/>
-                        <a:ea typeface="Calibri" panose="020F0502020204030204" pitchFamily="34" charset="0"/>
-                        <a:cs typeface="Times New Roman" panose="02020603050405020304" pitchFamily="18" charset="0"/>
-                      </a:endParaRPr>
-                    </a:p>
-                  </a:txBody>
-                  <a:tcPr marL="68580" marR="68580" marT="0" marB="0"/>
-                </a:tc>
-                <a:extLst>
-                  <a:ext uri="{0D108BD9-81ED-4DB2-BD59-A6C34878D82A}">
-                    <a16:rowId xmlns:a16="http://schemas.microsoft.com/office/drawing/2014/main" val="2788163691"/>
-                  </a:ext>
-                </a:extLst>
-              </a:tr>
-              <a:tr h="872649">
-                <a:tc>
-                  <a:txBody>
-                    <a:bodyPr/>
-                    <a:lstStyle/>
-                    <a:p>
-                      <a:pPr>
-                        <a:spcAft>
-                          <a:spcPts val="0"/>
-                        </a:spcAft>
-                      </a:pPr>
-                      <a:r>
-                        <a:rPr lang="en-US" sz="2800">
-                          <a:effectLst/>
-                          <a:latin typeface="Calibri" panose="020F0502020204030204" pitchFamily="34" charset="0"/>
-                          <a:ea typeface="Calibri" panose="020F0502020204030204" pitchFamily="34" charset="0"/>
-                          <a:cs typeface="Times New Roman" panose="02020603050405020304" pitchFamily="18" charset="0"/>
-                        </a:rPr>
-                        <a:t>Se7en</a:t>
-                      </a:r>
-                      <a:endParaRPr lang="da-DK" sz="2800">
-                        <a:effectLst/>
-                        <a:latin typeface="Calibri" panose="020F0502020204030204" pitchFamily="34" charset="0"/>
-                        <a:ea typeface="Calibri" panose="020F0502020204030204" pitchFamily="34" charset="0"/>
-                        <a:cs typeface="Times New Roman" panose="02020603050405020304" pitchFamily="18" charset="0"/>
-                      </a:endParaRPr>
-                    </a:p>
-                  </a:txBody>
-                  <a:tcPr marL="68580" marR="68580" marT="0" marB="0"/>
-                </a:tc>
-                <a:tc>
-                  <a:txBody>
-                    <a:bodyPr/>
-                    <a:lstStyle/>
-                    <a:p>
-                      <a:pPr>
-                        <a:spcAft>
-                          <a:spcPts val="0"/>
-                        </a:spcAft>
-                      </a:pPr>
-                      <a:r>
-                        <a:rPr lang="en-US" sz="2800">
-                          <a:effectLst/>
-                          <a:latin typeface="Calibri" panose="020F0502020204030204" pitchFamily="34" charset="0"/>
-                          <a:ea typeface="Calibri" panose="020F0502020204030204" pitchFamily="34" charset="0"/>
-                          <a:cs typeface="Times New Roman" panose="02020603050405020304" pitchFamily="18" charset="0"/>
-                        </a:rPr>
-                        <a:t>1995</a:t>
-                      </a:r>
-                      <a:endParaRPr lang="da-DK" sz="2800">
-                        <a:effectLst/>
-                        <a:latin typeface="Calibri" panose="020F0502020204030204" pitchFamily="34" charset="0"/>
-                        <a:ea typeface="Calibri" panose="020F0502020204030204" pitchFamily="34" charset="0"/>
-                        <a:cs typeface="Times New Roman" panose="02020603050405020304" pitchFamily="18" charset="0"/>
-                      </a:endParaRPr>
-                    </a:p>
-                  </a:txBody>
-                  <a:tcPr marL="68580" marR="68580" marT="0" marB="0"/>
-                </a:tc>
-                <a:tc>
-                  <a:txBody>
-                    <a:bodyPr/>
-                    <a:lstStyle/>
-                    <a:p>
-                      <a:pPr>
-                        <a:spcAft>
-                          <a:spcPts val="0"/>
-                        </a:spcAft>
-                      </a:pPr>
-                      <a:r>
-                        <a:rPr lang="en-US" sz="2800">
-                          <a:effectLst/>
-                          <a:latin typeface="Calibri" panose="020F0502020204030204" pitchFamily="34" charset="0"/>
-                          <a:ea typeface="Calibri" panose="020F0502020204030204" pitchFamily="34" charset="0"/>
-                          <a:cs typeface="Times New Roman" panose="02020603050405020304" pitchFamily="18" charset="0"/>
-                        </a:rPr>
-                        <a:t>127</a:t>
-                      </a:r>
-                      <a:endParaRPr lang="da-DK" sz="2800">
-                        <a:effectLst/>
-                        <a:latin typeface="Calibri" panose="020F0502020204030204" pitchFamily="34" charset="0"/>
-                        <a:ea typeface="Calibri" panose="020F0502020204030204" pitchFamily="34" charset="0"/>
-                        <a:cs typeface="Times New Roman" panose="02020603050405020304" pitchFamily="18" charset="0"/>
-                      </a:endParaRPr>
-                    </a:p>
-                  </a:txBody>
-                  <a:tcPr marL="68580" marR="68580" marT="0" marB="0"/>
-                </a:tc>
-                <a:tc>
-                  <a:txBody>
-                    <a:bodyPr/>
-                    <a:lstStyle/>
-                    <a:p>
-                      <a:pPr>
-                        <a:spcAft>
-                          <a:spcPts val="0"/>
-                        </a:spcAft>
-                      </a:pPr>
-                      <a:r>
-                        <a:rPr lang="en-US" sz="2800">
-                          <a:effectLst/>
-                          <a:latin typeface="Calibri" panose="020F0502020204030204" pitchFamily="34" charset="0"/>
-                          <a:ea typeface="Calibri" panose="020F0502020204030204" pitchFamily="34" charset="0"/>
-                          <a:cs typeface="Times New Roman" panose="02020603050405020304" pitchFamily="18" charset="0"/>
-                        </a:rPr>
-                        <a:t>New Line Cinema</a:t>
-                      </a:r>
-                      <a:endParaRPr lang="da-DK" sz="2800">
-                        <a:effectLst/>
-                        <a:latin typeface="Calibri" panose="020F0502020204030204" pitchFamily="34" charset="0"/>
-                        <a:ea typeface="Calibri" panose="020F0502020204030204" pitchFamily="34" charset="0"/>
-                        <a:cs typeface="Times New Roman" panose="02020603050405020304" pitchFamily="18" charset="0"/>
-                      </a:endParaRPr>
-                    </a:p>
-                  </a:txBody>
-                  <a:tcPr marL="68580" marR="68580" marT="0" marB="0"/>
-                </a:tc>
-                <a:extLst>
-                  <a:ext uri="{0D108BD9-81ED-4DB2-BD59-A6C34878D82A}">
-                    <a16:rowId xmlns:a16="http://schemas.microsoft.com/office/drawing/2014/main" val="4183597378"/>
-                  </a:ext>
-                </a:extLst>
-              </a:tr>
-              <a:tr h="872649">
-                <a:tc>
-                  <a:txBody>
-                    <a:bodyPr/>
-                    <a:lstStyle/>
-                    <a:p>
-                      <a:pPr>
-                        <a:spcAft>
-                          <a:spcPts val="0"/>
-                        </a:spcAft>
-                      </a:pPr>
-                      <a:r>
-                        <a:rPr lang="en-US" sz="2800">
-                          <a:effectLst/>
-                          <a:latin typeface="Calibri" panose="020F0502020204030204" pitchFamily="34" charset="0"/>
-                          <a:ea typeface="Calibri" panose="020F0502020204030204" pitchFamily="34" charset="0"/>
-                          <a:cs typeface="Times New Roman" panose="02020603050405020304" pitchFamily="18" charset="0"/>
-                        </a:rPr>
-                        <a:t>Alien</a:t>
-                      </a:r>
-                      <a:endParaRPr lang="da-DK" sz="2800">
-                        <a:effectLst/>
-                        <a:latin typeface="Calibri" panose="020F0502020204030204" pitchFamily="34" charset="0"/>
-                        <a:ea typeface="Calibri" panose="020F0502020204030204" pitchFamily="34" charset="0"/>
-                        <a:cs typeface="Times New Roman" panose="02020603050405020304" pitchFamily="18" charset="0"/>
-                      </a:endParaRPr>
-                    </a:p>
-                  </a:txBody>
-                  <a:tcPr marL="68580" marR="68580" marT="0" marB="0"/>
-                </a:tc>
-                <a:tc>
-                  <a:txBody>
-                    <a:bodyPr/>
-                    <a:lstStyle/>
-                    <a:p>
-                      <a:pPr>
-                        <a:spcAft>
-                          <a:spcPts val="0"/>
-                        </a:spcAft>
-                      </a:pPr>
-                      <a:r>
-                        <a:rPr lang="en-US" sz="2800">
-                          <a:effectLst/>
-                          <a:latin typeface="Calibri" panose="020F0502020204030204" pitchFamily="34" charset="0"/>
-                          <a:ea typeface="Calibri" panose="020F0502020204030204" pitchFamily="34" charset="0"/>
-                          <a:cs typeface="Times New Roman" panose="02020603050405020304" pitchFamily="18" charset="0"/>
-                        </a:rPr>
-                        <a:t>1979</a:t>
-                      </a:r>
-                      <a:endParaRPr lang="da-DK" sz="2800">
-                        <a:effectLst/>
-                        <a:latin typeface="Calibri" panose="020F0502020204030204" pitchFamily="34" charset="0"/>
-                        <a:ea typeface="Calibri" panose="020F0502020204030204" pitchFamily="34" charset="0"/>
-                        <a:cs typeface="Times New Roman" panose="02020603050405020304" pitchFamily="18" charset="0"/>
-                      </a:endParaRPr>
-                    </a:p>
-                  </a:txBody>
-                  <a:tcPr marL="68580" marR="68580" marT="0" marB="0"/>
-                </a:tc>
-                <a:tc>
-                  <a:txBody>
-                    <a:bodyPr/>
-                    <a:lstStyle/>
-                    <a:p>
-                      <a:pPr>
-                        <a:spcAft>
-                          <a:spcPts val="0"/>
-                        </a:spcAft>
-                      </a:pPr>
-                      <a:r>
-                        <a:rPr lang="en-US" sz="2800">
-                          <a:effectLst/>
-                          <a:latin typeface="Calibri" panose="020F0502020204030204" pitchFamily="34" charset="0"/>
-                          <a:ea typeface="Calibri" panose="020F0502020204030204" pitchFamily="34" charset="0"/>
-                          <a:cs typeface="Times New Roman" panose="02020603050405020304" pitchFamily="18" charset="0"/>
-                        </a:rPr>
-                        <a:t>117</a:t>
-                      </a:r>
-                      <a:endParaRPr lang="da-DK" sz="2800">
-                        <a:effectLst/>
-                        <a:latin typeface="Calibri" panose="020F0502020204030204" pitchFamily="34" charset="0"/>
-                        <a:ea typeface="Calibri" panose="020F0502020204030204" pitchFamily="34" charset="0"/>
-                        <a:cs typeface="Times New Roman" panose="02020603050405020304" pitchFamily="18" charset="0"/>
-                      </a:endParaRPr>
-                    </a:p>
-                  </a:txBody>
-                  <a:tcPr marL="68580" marR="68580" marT="0" marB="0"/>
-                </a:tc>
-                <a:tc>
-                  <a:txBody>
-                    <a:bodyPr/>
-                    <a:lstStyle/>
-                    <a:p>
-                      <a:pPr>
-                        <a:spcAft>
-                          <a:spcPts val="0"/>
-                        </a:spcAft>
-                      </a:pPr>
-                      <a:r>
-                        <a:rPr lang="en-US" sz="2800">
-                          <a:effectLst/>
-                          <a:latin typeface="Calibri" panose="020F0502020204030204" pitchFamily="34" charset="0"/>
-                          <a:ea typeface="Calibri" panose="020F0502020204030204" pitchFamily="34" charset="0"/>
-                          <a:cs typeface="Times New Roman" panose="02020603050405020304" pitchFamily="18" charset="0"/>
-                        </a:rPr>
-                        <a:t>20</a:t>
-                      </a:r>
-                      <a:r>
-                        <a:rPr lang="en-US" sz="2800" baseline="30000">
-                          <a:effectLst/>
-                          <a:latin typeface="Calibri" panose="020F0502020204030204" pitchFamily="34" charset="0"/>
-                          <a:ea typeface="Calibri" panose="020F0502020204030204" pitchFamily="34" charset="0"/>
-                          <a:cs typeface="Times New Roman" panose="02020603050405020304" pitchFamily="18" charset="0"/>
-                        </a:rPr>
-                        <a:t>th</a:t>
-                      </a:r>
-                      <a:r>
-                        <a:rPr lang="en-US" sz="2800">
-                          <a:effectLst/>
-                          <a:latin typeface="Calibri" panose="020F0502020204030204" pitchFamily="34" charset="0"/>
-                          <a:ea typeface="Calibri" panose="020F0502020204030204" pitchFamily="34" charset="0"/>
-                          <a:cs typeface="Times New Roman" panose="02020603050405020304" pitchFamily="18" charset="0"/>
-                        </a:rPr>
-                        <a:t> Century </a:t>
-                      </a:r>
-                      <a:endParaRPr lang="en-US" sz="2800" smtClean="0">
-                        <a:effectLst/>
-                        <a:latin typeface="Calibri" panose="020F0502020204030204" pitchFamily="34" charset="0"/>
-                        <a:ea typeface="Calibri" panose="020F0502020204030204" pitchFamily="34" charset="0"/>
-                        <a:cs typeface="Times New Roman" panose="02020603050405020304" pitchFamily="18" charset="0"/>
-                      </a:endParaRPr>
-                    </a:p>
-                    <a:p>
-                      <a:pPr>
-                        <a:spcAft>
-                          <a:spcPts val="0"/>
-                        </a:spcAft>
-                      </a:pPr>
-                      <a:r>
-                        <a:rPr lang="en-US" sz="2800" smtClean="0">
-                          <a:effectLst/>
-                          <a:latin typeface="Calibri" panose="020F0502020204030204" pitchFamily="34" charset="0"/>
-                          <a:ea typeface="Calibri" panose="020F0502020204030204" pitchFamily="34" charset="0"/>
-                          <a:cs typeface="Times New Roman" panose="02020603050405020304" pitchFamily="18" charset="0"/>
-                        </a:rPr>
-                        <a:t>Fox</a:t>
-                      </a:r>
-                      <a:endParaRPr lang="da-DK" sz="2800">
-                        <a:effectLst/>
-                        <a:latin typeface="Calibri" panose="020F0502020204030204" pitchFamily="34" charset="0"/>
-                        <a:ea typeface="Calibri" panose="020F0502020204030204" pitchFamily="34" charset="0"/>
-                        <a:cs typeface="Times New Roman" panose="02020603050405020304" pitchFamily="18" charset="0"/>
-                      </a:endParaRPr>
-                    </a:p>
-                  </a:txBody>
-                  <a:tcPr marL="68580" marR="68580" marT="0" marB="0"/>
-                </a:tc>
-                <a:extLst>
-                  <a:ext uri="{0D108BD9-81ED-4DB2-BD59-A6C34878D82A}">
-                    <a16:rowId xmlns:a16="http://schemas.microsoft.com/office/drawing/2014/main" val="897639513"/>
-                  </a:ext>
-                </a:extLst>
-              </a:tr>
-              <a:tr h="872649">
-                <a:tc>
-                  <a:txBody>
-                    <a:bodyPr/>
-                    <a:lstStyle/>
-                    <a:p>
-                      <a:pPr>
-                        <a:spcAft>
-                          <a:spcPts val="0"/>
-                        </a:spcAft>
-                      </a:pPr>
-                      <a:r>
-                        <a:rPr lang="en-US" sz="2800">
-                          <a:effectLst/>
-                          <a:latin typeface="Calibri" panose="020F0502020204030204" pitchFamily="34" charset="0"/>
-                          <a:ea typeface="Calibri" panose="020F0502020204030204" pitchFamily="34" charset="0"/>
-                          <a:cs typeface="Times New Roman" panose="02020603050405020304" pitchFamily="18" charset="0"/>
-                        </a:rPr>
-                        <a:t>Forrest Gump</a:t>
-                      </a:r>
-                      <a:endParaRPr lang="da-DK" sz="2800">
-                        <a:effectLst/>
-                        <a:latin typeface="Calibri" panose="020F0502020204030204" pitchFamily="34" charset="0"/>
-                        <a:ea typeface="Calibri" panose="020F0502020204030204" pitchFamily="34" charset="0"/>
-                        <a:cs typeface="Times New Roman" panose="02020603050405020304" pitchFamily="18" charset="0"/>
-                      </a:endParaRPr>
-                    </a:p>
-                  </a:txBody>
-                  <a:tcPr marL="68580" marR="68580" marT="0" marB="0"/>
-                </a:tc>
-                <a:tc>
-                  <a:txBody>
-                    <a:bodyPr/>
-                    <a:lstStyle/>
-                    <a:p>
-                      <a:pPr>
-                        <a:spcAft>
-                          <a:spcPts val="0"/>
-                        </a:spcAft>
-                      </a:pPr>
-                      <a:r>
-                        <a:rPr lang="en-US" sz="2800">
-                          <a:effectLst/>
-                          <a:latin typeface="Calibri" panose="020F0502020204030204" pitchFamily="34" charset="0"/>
-                          <a:ea typeface="Calibri" panose="020F0502020204030204" pitchFamily="34" charset="0"/>
-                          <a:cs typeface="Times New Roman" panose="02020603050405020304" pitchFamily="18" charset="0"/>
-                        </a:rPr>
-                        <a:t>1994</a:t>
-                      </a:r>
-                      <a:endParaRPr lang="da-DK" sz="2800">
-                        <a:effectLst/>
-                        <a:latin typeface="Calibri" panose="020F0502020204030204" pitchFamily="34" charset="0"/>
-                        <a:ea typeface="Calibri" panose="020F0502020204030204" pitchFamily="34" charset="0"/>
-                        <a:cs typeface="Times New Roman" panose="02020603050405020304" pitchFamily="18" charset="0"/>
-                      </a:endParaRPr>
-                    </a:p>
-                  </a:txBody>
-                  <a:tcPr marL="68580" marR="68580" marT="0" marB="0"/>
-                </a:tc>
-                <a:tc>
-                  <a:txBody>
-                    <a:bodyPr/>
-                    <a:lstStyle/>
-                    <a:p>
-                      <a:pPr>
-                        <a:spcAft>
-                          <a:spcPts val="0"/>
-                        </a:spcAft>
-                      </a:pPr>
-                      <a:r>
-                        <a:rPr lang="en-US" sz="2800">
-                          <a:effectLst/>
-                          <a:latin typeface="Calibri" panose="020F0502020204030204" pitchFamily="34" charset="0"/>
-                          <a:ea typeface="Calibri" panose="020F0502020204030204" pitchFamily="34" charset="0"/>
-                          <a:cs typeface="Times New Roman" panose="02020603050405020304" pitchFamily="18" charset="0"/>
-                        </a:rPr>
-                        <a:t>142</a:t>
-                      </a:r>
-                      <a:endParaRPr lang="da-DK" sz="2800">
-                        <a:effectLst/>
-                        <a:latin typeface="Calibri" panose="020F0502020204030204" pitchFamily="34" charset="0"/>
-                        <a:ea typeface="Calibri" panose="020F0502020204030204" pitchFamily="34" charset="0"/>
-                        <a:cs typeface="Times New Roman" panose="02020603050405020304" pitchFamily="18" charset="0"/>
-                      </a:endParaRPr>
-                    </a:p>
-                  </a:txBody>
-                  <a:tcPr marL="68580" marR="68580" marT="0" marB="0"/>
-                </a:tc>
-                <a:tc>
-                  <a:txBody>
-                    <a:bodyPr/>
-                    <a:lstStyle/>
-                    <a:p>
-                      <a:pPr>
-                        <a:spcAft>
-                          <a:spcPts val="0"/>
-                        </a:spcAft>
-                      </a:pPr>
-                      <a:r>
-                        <a:rPr lang="en-US" sz="2800">
-                          <a:effectLst/>
-                          <a:latin typeface="Calibri" panose="020F0502020204030204" pitchFamily="34" charset="0"/>
-                          <a:ea typeface="Calibri" panose="020F0502020204030204" pitchFamily="34" charset="0"/>
-                          <a:cs typeface="Times New Roman" panose="02020603050405020304" pitchFamily="18" charset="0"/>
-                        </a:rPr>
-                        <a:t>Paramount Pictures</a:t>
-                      </a:r>
-                      <a:endParaRPr lang="da-DK" sz="2800">
-                        <a:effectLst/>
-                        <a:latin typeface="Calibri" panose="020F0502020204030204" pitchFamily="34" charset="0"/>
-                        <a:ea typeface="Calibri" panose="020F0502020204030204" pitchFamily="34" charset="0"/>
-                        <a:cs typeface="Times New Roman" panose="02020603050405020304" pitchFamily="18" charset="0"/>
-                      </a:endParaRPr>
-                    </a:p>
-                  </a:txBody>
-                  <a:tcPr marL="68580" marR="68580" marT="0" marB="0"/>
-                </a:tc>
-                <a:extLst>
-                  <a:ext uri="{0D108BD9-81ED-4DB2-BD59-A6C34878D82A}">
-                    <a16:rowId xmlns:a16="http://schemas.microsoft.com/office/drawing/2014/main" val="2980531286"/>
-                  </a:ext>
-                </a:extLst>
-              </a:tr>
-              <a:tr h="872649">
-                <a:tc>
-                  <a:txBody>
-                    <a:bodyPr/>
-                    <a:lstStyle/>
-                    <a:p>
-                      <a:pPr>
-                        <a:spcAft>
-                          <a:spcPts val="0"/>
-                        </a:spcAft>
-                      </a:pPr>
-                      <a:r>
-                        <a:rPr lang="en-US" sz="2800">
-                          <a:effectLst/>
-                          <a:latin typeface="Calibri" panose="020F0502020204030204" pitchFamily="34" charset="0"/>
-                          <a:ea typeface="Calibri" panose="020F0502020204030204" pitchFamily="34" charset="0"/>
-                          <a:cs typeface="Times New Roman" panose="02020603050405020304" pitchFamily="18" charset="0"/>
-                        </a:rPr>
-                        <a:t>True Grit</a:t>
-                      </a:r>
-                      <a:endParaRPr lang="da-DK" sz="2800">
-                        <a:effectLst/>
-                        <a:latin typeface="Calibri" panose="020F0502020204030204" pitchFamily="34" charset="0"/>
-                        <a:ea typeface="Calibri" panose="020F0502020204030204" pitchFamily="34" charset="0"/>
-                        <a:cs typeface="Times New Roman" panose="02020603050405020304" pitchFamily="18" charset="0"/>
-                      </a:endParaRPr>
-                    </a:p>
-                  </a:txBody>
-                  <a:tcPr marL="68580" marR="68580" marT="0" marB="0"/>
-                </a:tc>
-                <a:tc>
-                  <a:txBody>
-                    <a:bodyPr/>
-                    <a:lstStyle/>
-                    <a:p>
-                      <a:pPr>
-                        <a:spcAft>
-                          <a:spcPts val="0"/>
-                        </a:spcAft>
-                      </a:pPr>
-                      <a:r>
-                        <a:rPr lang="en-US" sz="2800">
-                          <a:effectLst/>
-                          <a:latin typeface="Calibri" panose="020F0502020204030204" pitchFamily="34" charset="0"/>
-                          <a:ea typeface="Calibri" panose="020F0502020204030204" pitchFamily="34" charset="0"/>
-                          <a:cs typeface="Times New Roman" panose="02020603050405020304" pitchFamily="18" charset="0"/>
-                        </a:rPr>
-                        <a:t>2010</a:t>
-                      </a:r>
-                      <a:endParaRPr lang="da-DK" sz="2800">
-                        <a:effectLst/>
-                        <a:latin typeface="Calibri" panose="020F0502020204030204" pitchFamily="34" charset="0"/>
-                        <a:ea typeface="Calibri" panose="020F0502020204030204" pitchFamily="34" charset="0"/>
-                        <a:cs typeface="Times New Roman" panose="02020603050405020304" pitchFamily="18" charset="0"/>
-                      </a:endParaRPr>
-                    </a:p>
-                  </a:txBody>
-                  <a:tcPr marL="68580" marR="68580" marT="0" marB="0"/>
-                </a:tc>
-                <a:tc>
-                  <a:txBody>
-                    <a:bodyPr/>
-                    <a:lstStyle/>
-                    <a:p>
-                      <a:pPr>
-                        <a:spcAft>
-                          <a:spcPts val="0"/>
-                        </a:spcAft>
-                      </a:pPr>
-                      <a:r>
-                        <a:rPr lang="en-US" sz="2800">
-                          <a:effectLst/>
-                          <a:latin typeface="Calibri" panose="020F0502020204030204" pitchFamily="34" charset="0"/>
-                          <a:ea typeface="Calibri" panose="020F0502020204030204" pitchFamily="34" charset="0"/>
-                          <a:cs typeface="Times New Roman" panose="02020603050405020304" pitchFamily="18" charset="0"/>
-                        </a:rPr>
-                        <a:t>110</a:t>
-                      </a:r>
-                      <a:endParaRPr lang="da-DK" sz="2800">
-                        <a:effectLst/>
-                        <a:latin typeface="Calibri" panose="020F0502020204030204" pitchFamily="34" charset="0"/>
-                        <a:ea typeface="Calibri" panose="020F0502020204030204" pitchFamily="34" charset="0"/>
-                        <a:cs typeface="Times New Roman" panose="02020603050405020304" pitchFamily="18" charset="0"/>
-                      </a:endParaRPr>
-                    </a:p>
-                  </a:txBody>
-                  <a:tcPr marL="68580" marR="68580" marT="0" marB="0"/>
-                </a:tc>
-                <a:tc>
-                  <a:txBody>
-                    <a:bodyPr/>
-                    <a:lstStyle/>
-                    <a:p>
-                      <a:pPr>
-                        <a:spcAft>
-                          <a:spcPts val="0"/>
-                        </a:spcAft>
-                      </a:pPr>
-                      <a:r>
-                        <a:rPr lang="en-US" sz="2800">
-                          <a:effectLst/>
-                          <a:latin typeface="Calibri" panose="020F0502020204030204" pitchFamily="34" charset="0"/>
-                          <a:ea typeface="Calibri" panose="020F0502020204030204" pitchFamily="34" charset="0"/>
-                          <a:cs typeface="Times New Roman" panose="02020603050405020304" pitchFamily="18" charset="0"/>
-                        </a:rPr>
-                        <a:t>Paramount Pictures</a:t>
-                      </a:r>
-                      <a:endParaRPr lang="da-DK" sz="2800">
-                        <a:effectLst/>
-                        <a:latin typeface="Calibri" panose="020F0502020204030204" pitchFamily="34" charset="0"/>
-                        <a:ea typeface="Calibri" panose="020F0502020204030204" pitchFamily="34" charset="0"/>
-                        <a:cs typeface="Times New Roman" panose="02020603050405020304" pitchFamily="18" charset="0"/>
-                      </a:endParaRPr>
-                    </a:p>
-                  </a:txBody>
-                  <a:tcPr marL="68580" marR="68580" marT="0" marB="0"/>
-                </a:tc>
-                <a:extLst>
-                  <a:ext uri="{0D108BD9-81ED-4DB2-BD59-A6C34878D82A}">
-                    <a16:rowId xmlns:a16="http://schemas.microsoft.com/office/drawing/2014/main" val="4059942850"/>
-                  </a:ext>
-                </a:extLst>
-              </a:tr>
-              <a:tr h="872649">
-                <a:tc>
-                  <a:txBody>
-                    <a:bodyPr/>
-                    <a:lstStyle/>
-                    <a:p>
-                      <a:pPr>
-                        <a:spcAft>
-                          <a:spcPts val="0"/>
-                        </a:spcAft>
-                      </a:pPr>
-                      <a:r>
-                        <a:rPr lang="en-US" sz="2800">
-                          <a:effectLst/>
-                          <a:latin typeface="Calibri" panose="020F0502020204030204" pitchFamily="34" charset="0"/>
-                          <a:ea typeface="Calibri" panose="020F0502020204030204" pitchFamily="34" charset="0"/>
-                          <a:cs typeface="Times New Roman" panose="02020603050405020304" pitchFamily="18" charset="0"/>
-                        </a:rPr>
-                        <a:t>Dark City</a:t>
-                      </a:r>
-                      <a:endParaRPr lang="da-DK" sz="2800">
-                        <a:effectLst/>
-                        <a:latin typeface="Calibri" panose="020F0502020204030204" pitchFamily="34" charset="0"/>
-                        <a:ea typeface="Calibri" panose="020F0502020204030204" pitchFamily="34" charset="0"/>
-                        <a:cs typeface="Times New Roman" panose="02020603050405020304" pitchFamily="18" charset="0"/>
-                      </a:endParaRPr>
-                    </a:p>
-                  </a:txBody>
-                  <a:tcPr marL="68580" marR="68580" marT="0" marB="0"/>
-                </a:tc>
-                <a:tc>
-                  <a:txBody>
-                    <a:bodyPr/>
-                    <a:lstStyle/>
-                    <a:p>
-                      <a:pPr>
-                        <a:spcAft>
-                          <a:spcPts val="0"/>
-                        </a:spcAft>
-                      </a:pPr>
-                      <a:r>
-                        <a:rPr lang="en-US" sz="2800">
-                          <a:effectLst/>
-                          <a:latin typeface="Calibri" panose="020F0502020204030204" pitchFamily="34" charset="0"/>
-                          <a:ea typeface="Calibri" panose="020F0502020204030204" pitchFamily="34" charset="0"/>
-                          <a:cs typeface="Times New Roman" panose="02020603050405020304" pitchFamily="18" charset="0"/>
-                        </a:rPr>
-                        <a:t>1998</a:t>
-                      </a:r>
-                      <a:endParaRPr lang="da-DK" sz="2800">
-                        <a:effectLst/>
-                        <a:latin typeface="Calibri" panose="020F0502020204030204" pitchFamily="34" charset="0"/>
-                        <a:ea typeface="Calibri" panose="020F0502020204030204" pitchFamily="34" charset="0"/>
-                        <a:cs typeface="Times New Roman" panose="02020603050405020304" pitchFamily="18" charset="0"/>
-                      </a:endParaRPr>
-                    </a:p>
-                  </a:txBody>
-                  <a:tcPr marL="68580" marR="68580" marT="0" marB="0"/>
-                </a:tc>
-                <a:tc>
-                  <a:txBody>
-                    <a:bodyPr/>
-                    <a:lstStyle/>
-                    <a:p>
-                      <a:pPr>
-                        <a:spcAft>
-                          <a:spcPts val="0"/>
-                        </a:spcAft>
-                      </a:pPr>
-                      <a:r>
-                        <a:rPr lang="en-US" sz="2800">
-                          <a:effectLst/>
-                          <a:latin typeface="Calibri" panose="020F0502020204030204" pitchFamily="34" charset="0"/>
-                          <a:ea typeface="Calibri" panose="020F0502020204030204" pitchFamily="34" charset="0"/>
-                          <a:cs typeface="Times New Roman" panose="02020603050405020304" pitchFamily="18" charset="0"/>
-                        </a:rPr>
-                        <a:t>111</a:t>
-                      </a:r>
-                      <a:endParaRPr lang="da-DK" sz="2800">
-                        <a:effectLst/>
-                        <a:latin typeface="Calibri" panose="020F0502020204030204" pitchFamily="34" charset="0"/>
-                        <a:ea typeface="Calibri" panose="020F0502020204030204" pitchFamily="34" charset="0"/>
-                        <a:cs typeface="Times New Roman" panose="02020603050405020304" pitchFamily="18" charset="0"/>
-                      </a:endParaRPr>
-                    </a:p>
-                  </a:txBody>
-                  <a:tcPr marL="68580" marR="68580" marT="0" marB="0"/>
-                </a:tc>
-                <a:tc>
-                  <a:txBody>
-                    <a:bodyPr/>
-                    <a:lstStyle/>
-                    <a:p>
-                      <a:pPr>
-                        <a:spcAft>
-                          <a:spcPts val="0"/>
-                        </a:spcAft>
-                      </a:pPr>
-                      <a:r>
-                        <a:rPr lang="en-US" sz="2800">
-                          <a:effectLst/>
-                          <a:latin typeface="Calibri" panose="020F0502020204030204" pitchFamily="34" charset="0"/>
-                          <a:ea typeface="Calibri" panose="020F0502020204030204" pitchFamily="34" charset="0"/>
-                          <a:cs typeface="Times New Roman" panose="02020603050405020304" pitchFamily="18" charset="0"/>
-                        </a:rPr>
-                        <a:t>New Line Cinema</a:t>
-                      </a:r>
-                      <a:endParaRPr lang="da-DK" sz="2800">
-                        <a:effectLst/>
-                        <a:latin typeface="Calibri" panose="020F0502020204030204" pitchFamily="34" charset="0"/>
-                        <a:ea typeface="Calibri" panose="020F0502020204030204" pitchFamily="34" charset="0"/>
-                        <a:cs typeface="Times New Roman" panose="02020603050405020304" pitchFamily="18" charset="0"/>
-                      </a:endParaRPr>
-                    </a:p>
-                  </a:txBody>
-                  <a:tcPr marL="68580" marR="68580" marT="0" marB="0"/>
-                </a:tc>
-                <a:extLst>
-                  <a:ext uri="{0D108BD9-81ED-4DB2-BD59-A6C34878D82A}">
-                    <a16:rowId xmlns:a16="http://schemas.microsoft.com/office/drawing/2014/main" val="1071557111"/>
-                  </a:ext>
-                </a:extLst>
-              </a:tr>
-            </a:tbl>
-          </a:graphicData>
-        </a:graphic>
-      </p:graphicFrame>
-    </p:spTree>
-    <p:extLst>
-      <p:ext uri="{BB962C8B-B14F-4D97-AF65-F5344CB8AC3E}">
-        <p14:creationId xmlns:p14="http://schemas.microsoft.com/office/powerpoint/2010/main" val="1869552900"/>
-      </p:ext>
-    </p:extLst>
-  </p:cSld>
-  <p:clrMapOvr>
-    <a:masterClrMapping/>
-  </p:clrMapOvr>
-  <p:timing>
-    <p:tnLst>
-      <p:par>
-        <p:cTn id="1" dur="indefinite" restart="never" nodeType="tmRoot"/>
-      </p:par>
-    </p:tnLst>
-  </p:timing>
-</p:sld>
-</file>
-
-<file path=ppt/slides/slide20.xml><?xml version="1.0" encoding="utf-8"?>
+<file path=ppt/slides/slide24.xml><?xml version="1.0" encoding="utf-8"?>
 <p:sld xmlns:a="http://schemas.openxmlformats.org/drawingml/2006/main" xmlns:r="http://schemas.openxmlformats.org/officeDocument/2006/relationships" xmlns:p="http://schemas.openxmlformats.org/presentationml/2006/main">
   <p:cSld>
     <p:spTree>
@@ -8422,7 +9232,7 @@
 </p:sld>
 </file>
 
-<file path=ppt/slides/slide21.xml><?xml version="1.0" encoding="utf-8"?>
+<file path=ppt/slides/slide25.xml><?xml version="1.0" encoding="utf-8"?>
 <p:sld xmlns:a="http://schemas.openxmlformats.org/drawingml/2006/main" xmlns:r="http://schemas.openxmlformats.org/officeDocument/2006/relationships" xmlns:p="http://schemas.openxmlformats.org/presentationml/2006/main">
   <p:cSld>
     <p:spTree>
@@ -8594,7 +9404,509 @@
 </p:sld>
 </file>
 
-<file path=ppt/slides/slide22.xml><?xml version="1.0" encoding="utf-8"?>
+<file path=ppt/slides/slide26.xml><?xml version="1.0" encoding="utf-8"?>
+<p:sld xmlns:a="http://schemas.openxmlformats.org/drawingml/2006/main" xmlns:r="http://schemas.openxmlformats.org/officeDocument/2006/relationships" xmlns:p="http://schemas.openxmlformats.org/presentationml/2006/main">
+  <p:cSld>
+    <p:spTree>
+      <p:nvGrpSpPr>
+        <p:cNvPr id="1" name=""/>
+        <p:cNvGrpSpPr/>
+        <p:nvPr/>
+      </p:nvGrpSpPr>
+      <p:grpSpPr>
+        <a:xfrm>
+          <a:off x="0" y="0"/>
+          <a:ext cx="0" cy="0"/>
+          <a:chOff x="0" y="0"/>
+          <a:chExt cx="0" cy="0"/>
+        </a:xfrm>
+      </p:grpSpPr>
+      <p:sp>
+        <p:nvSpPr>
+          <p:cNvPr id="3" name="Pladsholder til indhold 2"/>
+          <p:cNvSpPr>
+            <a:spLocks noGrp="1"/>
+          </p:cNvSpPr>
+          <p:nvPr>
+            <p:ph idx="1"/>
+          </p:nvPr>
+        </p:nvSpPr>
+        <p:spPr>
+          <a:xfrm>
+            <a:off x="838200" y="531341"/>
+            <a:ext cx="10515600" cy="5634682"/>
+          </a:xfrm>
+        </p:spPr>
+        <p:txBody>
+          <a:bodyPr>
+            <a:normAutofit/>
+          </a:bodyPr>
+          <a:lstStyle/>
+          <a:p>
+            <a:pPr marL="0" indent="0">
+              <a:spcBef>
+                <a:spcPts val="0"/>
+              </a:spcBef>
+              <a:buNone/>
+            </a:pPr>
+            <a:r>
+              <a:rPr lang="da-DK" b="1" smtClean="0">
+                <a:solidFill>
+                  <a:srgbClr val="0000FF"/>
+                </a:solidFill>
+                <a:latin typeface="Consolas" panose="020B0609020204030204" pitchFamily="49" charset="0"/>
+              </a:rPr>
+              <a:t>public</a:t>
+            </a:r>
+            <a:r>
+              <a:rPr lang="da-DK" b="1" smtClean="0">
+                <a:solidFill>
+                  <a:srgbClr val="000000"/>
+                </a:solidFill>
+                <a:latin typeface="Consolas" panose="020B0609020204030204" pitchFamily="49" charset="0"/>
+              </a:rPr>
+              <a:t> </a:t>
+            </a:r>
+            <a:r>
+              <a:rPr lang="da-DK" b="1">
+                <a:solidFill>
+                  <a:srgbClr val="0000FF"/>
+                </a:solidFill>
+                <a:latin typeface="Consolas" panose="020B0609020204030204" pitchFamily="49" charset="0"/>
+              </a:rPr>
+              <a:t>class</a:t>
+            </a:r>
+            <a:r>
+              <a:rPr lang="da-DK" b="1">
+                <a:solidFill>
+                  <a:srgbClr val="000000"/>
+                </a:solidFill>
+                <a:latin typeface="Consolas" panose="020B0609020204030204" pitchFamily="49" charset="0"/>
+              </a:rPr>
+              <a:t> </a:t>
+            </a:r>
+            <a:r>
+              <a:rPr lang="da-DK" b="1" smtClean="0">
+                <a:solidFill>
+                  <a:srgbClr val="2B91AF"/>
+                </a:solidFill>
+                <a:latin typeface="Consolas" panose="020B0609020204030204" pitchFamily="49" charset="0"/>
+              </a:rPr>
+              <a:t>Studio</a:t>
+            </a:r>
+            <a:endParaRPr lang="da-DK" b="1">
+              <a:solidFill>
+                <a:srgbClr val="000000"/>
+              </a:solidFill>
+              <a:latin typeface="Consolas" panose="020B0609020204030204" pitchFamily="49" charset="0"/>
+            </a:endParaRPr>
+          </a:p>
+          <a:p>
+            <a:pPr marL="0" indent="0">
+              <a:spcBef>
+                <a:spcPts val="0"/>
+              </a:spcBef>
+              <a:buNone/>
+            </a:pPr>
+            <a:r>
+              <a:rPr lang="da-DK" b="1" smtClean="0">
+                <a:solidFill>
+                  <a:srgbClr val="000000"/>
+                </a:solidFill>
+                <a:latin typeface="Consolas" panose="020B0609020204030204" pitchFamily="49" charset="0"/>
+              </a:rPr>
+              <a:t>{</a:t>
+            </a:r>
+            <a:endParaRPr lang="da-DK" b="1">
+              <a:solidFill>
+                <a:srgbClr val="000000"/>
+              </a:solidFill>
+              <a:latin typeface="Consolas" panose="020B0609020204030204" pitchFamily="49" charset="0"/>
+            </a:endParaRPr>
+          </a:p>
+          <a:p>
+            <a:pPr marL="0" indent="0">
+              <a:spcBef>
+                <a:spcPts val="0"/>
+              </a:spcBef>
+              <a:buNone/>
+            </a:pPr>
+            <a:r>
+              <a:rPr lang="en-US" b="1" smtClean="0">
+                <a:solidFill>
+                  <a:srgbClr val="0000FF"/>
+                </a:solidFill>
+                <a:latin typeface="Consolas" panose="020B0609020204030204" pitchFamily="49" charset="0"/>
+              </a:rPr>
+              <a:t>	public</a:t>
+            </a:r>
+            <a:r>
+              <a:rPr lang="en-US" b="1" smtClean="0">
+                <a:solidFill>
+                  <a:srgbClr val="000000"/>
+                </a:solidFill>
+                <a:latin typeface="Consolas" panose="020B0609020204030204" pitchFamily="49" charset="0"/>
+              </a:rPr>
+              <a:t> </a:t>
+            </a:r>
+            <a:r>
+              <a:rPr lang="en-US" b="1">
+                <a:solidFill>
+                  <a:srgbClr val="0000FF"/>
+                </a:solidFill>
+                <a:latin typeface="Consolas" panose="020B0609020204030204" pitchFamily="49" charset="0"/>
+              </a:rPr>
+              <a:t>string</a:t>
+            </a:r>
+            <a:r>
+              <a:rPr lang="en-US" b="1">
+                <a:solidFill>
+                  <a:srgbClr val="000000"/>
+                </a:solidFill>
+                <a:latin typeface="Consolas" panose="020B0609020204030204" pitchFamily="49" charset="0"/>
+              </a:rPr>
+              <a:t> </a:t>
+            </a:r>
+            <a:r>
+              <a:rPr lang="en-US" b="1" smtClean="0">
+                <a:solidFill>
+                  <a:srgbClr val="000000"/>
+                </a:solidFill>
+                <a:latin typeface="Consolas" panose="020B0609020204030204" pitchFamily="49" charset="0"/>
+              </a:rPr>
+              <a:t>Name </a:t>
+            </a:r>
+            <a:r>
+              <a:rPr lang="en-US" b="1">
+                <a:solidFill>
+                  <a:srgbClr val="000000"/>
+                </a:solidFill>
+                <a:latin typeface="Consolas" panose="020B0609020204030204" pitchFamily="49" charset="0"/>
+              </a:rPr>
+              <a:t>{ </a:t>
+            </a:r>
+            <a:r>
+              <a:rPr lang="en-US" b="1">
+                <a:solidFill>
+                  <a:srgbClr val="0000FF"/>
+                </a:solidFill>
+                <a:latin typeface="Consolas" panose="020B0609020204030204" pitchFamily="49" charset="0"/>
+              </a:rPr>
+              <a:t>get</a:t>
+            </a:r>
+            <a:r>
+              <a:rPr lang="en-US" b="1">
+                <a:solidFill>
+                  <a:srgbClr val="000000"/>
+                </a:solidFill>
+                <a:latin typeface="Consolas" panose="020B0609020204030204" pitchFamily="49" charset="0"/>
+              </a:rPr>
+              <a:t>; </a:t>
+            </a:r>
+            <a:r>
+              <a:rPr lang="en-US" b="1">
+                <a:solidFill>
+                  <a:srgbClr val="0000FF"/>
+                </a:solidFill>
+                <a:latin typeface="Consolas" panose="020B0609020204030204" pitchFamily="49" charset="0"/>
+              </a:rPr>
+              <a:t>set</a:t>
+            </a:r>
+            <a:r>
+              <a:rPr lang="en-US" b="1">
+                <a:solidFill>
+                  <a:srgbClr val="000000"/>
+                </a:solidFill>
+                <a:latin typeface="Consolas" panose="020B0609020204030204" pitchFamily="49" charset="0"/>
+              </a:rPr>
+              <a:t>; </a:t>
+            </a:r>
+            <a:r>
+              <a:rPr lang="en-US" b="1" smtClean="0">
+                <a:solidFill>
+                  <a:srgbClr val="000000"/>
+                </a:solidFill>
+                <a:latin typeface="Consolas" panose="020B0609020204030204" pitchFamily="49" charset="0"/>
+              </a:rPr>
+              <a:t>}</a:t>
+            </a:r>
+          </a:p>
+          <a:p>
+            <a:pPr marL="0" indent="0">
+              <a:spcBef>
+                <a:spcPts val="0"/>
+              </a:spcBef>
+              <a:buNone/>
+            </a:pPr>
+            <a:r>
+              <a:rPr lang="en-US" b="1" smtClean="0">
+                <a:solidFill>
+                  <a:srgbClr val="0000FF"/>
+                </a:solidFill>
+                <a:latin typeface="Consolas" panose="020B0609020204030204" pitchFamily="49" charset="0"/>
+              </a:rPr>
+              <a:t>	public</a:t>
+            </a:r>
+            <a:r>
+              <a:rPr lang="en-US" b="1" smtClean="0">
+                <a:solidFill>
+                  <a:srgbClr val="000000"/>
+                </a:solidFill>
+                <a:latin typeface="Consolas" panose="020B0609020204030204" pitchFamily="49" charset="0"/>
+              </a:rPr>
+              <a:t> </a:t>
+            </a:r>
+            <a:r>
+              <a:rPr lang="en-US" b="1">
+                <a:solidFill>
+                  <a:srgbClr val="0000FF"/>
+                </a:solidFill>
+                <a:latin typeface="Consolas" panose="020B0609020204030204" pitchFamily="49" charset="0"/>
+              </a:rPr>
+              <a:t>string</a:t>
+            </a:r>
+            <a:r>
+              <a:rPr lang="en-US" b="1">
+                <a:solidFill>
+                  <a:srgbClr val="000000"/>
+                </a:solidFill>
+                <a:latin typeface="Consolas" panose="020B0609020204030204" pitchFamily="49" charset="0"/>
+              </a:rPr>
+              <a:t> </a:t>
+            </a:r>
+            <a:r>
+              <a:rPr lang="en-US" b="1" smtClean="0">
+                <a:solidFill>
+                  <a:srgbClr val="000000"/>
+                </a:solidFill>
+                <a:latin typeface="Consolas" panose="020B0609020204030204" pitchFamily="49" charset="0"/>
+              </a:rPr>
+              <a:t>HQCity </a:t>
+            </a:r>
+            <a:r>
+              <a:rPr lang="en-US" b="1">
+                <a:solidFill>
+                  <a:srgbClr val="000000"/>
+                </a:solidFill>
+                <a:latin typeface="Consolas" panose="020B0609020204030204" pitchFamily="49" charset="0"/>
+              </a:rPr>
+              <a:t>{ </a:t>
+            </a:r>
+            <a:r>
+              <a:rPr lang="en-US" b="1">
+                <a:solidFill>
+                  <a:srgbClr val="0000FF"/>
+                </a:solidFill>
+                <a:latin typeface="Consolas" panose="020B0609020204030204" pitchFamily="49" charset="0"/>
+              </a:rPr>
+              <a:t>get</a:t>
+            </a:r>
+            <a:r>
+              <a:rPr lang="en-US" b="1">
+                <a:solidFill>
+                  <a:srgbClr val="000000"/>
+                </a:solidFill>
+                <a:latin typeface="Consolas" panose="020B0609020204030204" pitchFamily="49" charset="0"/>
+              </a:rPr>
+              <a:t>; </a:t>
+            </a:r>
+            <a:r>
+              <a:rPr lang="en-US" b="1">
+                <a:solidFill>
+                  <a:srgbClr val="0000FF"/>
+                </a:solidFill>
+                <a:latin typeface="Consolas" panose="020B0609020204030204" pitchFamily="49" charset="0"/>
+              </a:rPr>
+              <a:t>set</a:t>
+            </a:r>
+            <a:r>
+              <a:rPr lang="en-US" b="1">
+                <a:solidFill>
+                  <a:srgbClr val="000000"/>
+                </a:solidFill>
+                <a:latin typeface="Consolas" panose="020B0609020204030204" pitchFamily="49" charset="0"/>
+              </a:rPr>
+              <a:t>; </a:t>
+            </a:r>
+            <a:r>
+              <a:rPr lang="en-US" b="1" smtClean="0">
+                <a:solidFill>
+                  <a:srgbClr val="000000"/>
+                </a:solidFill>
+                <a:latin typeface="Consolas" panose="020B0609020204030204" pitchFamily="49" charset="0"/>
+              </a:rPr>
+              <a:t>}</a:t>
+            </a:r>
+            <a:endParaRPr lang="en-US" b="1">
+              <a:solidFill>
+                <a:srgbClr val="000000"/>
+              </a:solidFill>
+              <a:latin typeface="Consolas" panose="020B0609020204030204" pitchFamily="49" charset="0"/>
+            </a:endParaRPr>
+          </a:p>
+          <a:p>
+            <a:pPr marL="0" indent="0">
+              <a:spcBef>
+                <a:spcPts val="0"/>
+              </a:spcBef>
+              <a:buNone/>
+            </a:pPr>
+            <a:r>
+              <a:rPr lang="en-US" b="1" smtClean="0">
+                <a:solidFill>
+                  <a:srgbClr val="0000FF"/>
+                </a:solidFill>
+                <a:latin typeface="Consolas" panose="020B0609020204030204" pitchFamily="49" charset="0"/>
+              </a:rPr>
+              <a:t>	public</a:t>
+            </a:r>
+            <a:r>
+              <a:rPr lang="en-US" b="1" smtClean="0">
+                <a:solidFill>
+                  <a:srgbClr val="000000"/>
+                </a:solidFill>
+                <a:latin typeface="Consolas" panose="020B0609020204030204" pitchFamily="49" charset="0"/>
+              </a:rPr>
+              <a:t> </a:t>
+            </a:r>
+            <a:r>
+              <a:rPr lang="en-US" b="1">
+                <a:solidFill>
+                  <a:srgbClr val="0000FF"/>
+                </a:solidFill>
+                <a:latin typeface="Consolas" panose="020B0609020204030204" pitchFamily="49" charset="0"/>
+              </a:rPr>
+              <a:t>int</a:t>
+            </a:r>
+            <a:r>
+              <a:rPr lang="en-US" b="1">
+                <a:solidFill>
+                  <a:srgbClr val="000000"/>
+                </a:solidFill>
+                <a:latin typeface="Consolas" panose="020B0609020204030204" pitchFamily="49" charset="0"/>
+              </a:rPr>
+              <a:t> </a:t>
+            </a:r>
+            <a:r>
+              <a:rPr lang="en-US" b="1" smtClean="0">
+                <a:solidFill>
+                  <a:srgbClr val="000000"/>
+                </a:solidFill>
+                <a:latin typeface="Consolas" panose="020B0609020204030204" pitchFamily="49" charset="0"/>
+              </a:rPr>
+              <a:t>NoOfEmployees </a:t>
+            </a:r>
+            <a:r>
+              <a:rPr lang="en-US" b="1">
+                <a:solidFill>
+                  <a:srgbClr val="000000"/>
+                </a:solidFill>
+                <a:latin typeface="Consolas" panose="020B0609020204030204" pitchFamily="49" charset="0"/>
+              </a:rPr>
+              <a:t>{ </a:t>
+            </a:r>
+            <a:r>
+              <a:rPr lang="en-US" b="1">
+                <a:solidFill>
+                  <a:srgbClr val="0000FF"/>
+                </a:solidFill>
+                <a:latin typeface="Consolas" panose="020B0609020204030204" pitchFamily="49" charset="0"/>
+              </a:rPr>
+              <a:t>get</a:t>
+            </a:r>
+            <a:r>
+              <a:rPr lang="en-US" b="1">
+                <a:solidFill>
+                  <a:srgbClr val="000000"/>
+                </a:solidFill>
+                <a:latin typeface="Consolas" panose="020B0609020204030204" pitchFamily="49" charset="0"/>
+              </a:rPr>
+              <a:t>; </a:t>
+            </a:r>
+            <a:r>
+              <a:rPr lang="en-US" b="1">
+                <a:solidFill>
+                  <a:srgbClr val="0000FF"/>
+                </a:solidFill>
+                <a:latin typeface="Consolas" panose="020B0609020204030204" pitchFamily="49" charset="0"/>
+              </a:rPr>
+              <a:t>set</a:t>
+            </a:r>
+            <a:r>
+              <a:rPr lang="en-US" b="1">
+                <a:solidFill>
+                  <a:srgbClr val="000000"/>
+                </a:solidFill>
+                <a:latin typeface="Consolas" panose="020B0609020204030204" pitchFamily="49" charset="0"/>
+              </a:rPr>
+              <a:t>; </a:t>
+            </a:r>
+            <a:r>
+              <a:rPr lang="en-US" b="1" smtClean="0">
+                <a:solidFill>
+                  <a:srgbClr val="000000"/>
+                </a:solidFill>
+                <a:latin typeface="Consolas" panose="020B0609020204030204" pitchFamily="49" charset="0"/>
+              </a:rPr>
+              <a:t>}</a:t>
+            </a:r>
+            <a:r>
+              <a:rPr lang="en-US" b="1" smtClean="0">
+                <a:solidFill>
+                  <a:srgbClr val="0000FF"/>
+                </a:solidFill>
+                <a:latin typeface="Consolas" panose="020B0609020204030204" pitchFamily="49" charset="0"/>
+              </a:rPr>
+              <a:t>	</a:t>
+            </a:r>
+            <a:endParaRPr lang="en-US" b="1" smtClean="0">
+              <a:solidFill>
+                <a:srgbClr val="0000FF"/>
+              </a:solidFill>
+              <a:latin typeface="Consolas" panose="020B0609020204030204" pitchFamily="49" charset="0"/>
+            </a:endParaRPr>
+          </a:p>
+          <a:p>
+            <a:pPr marL="0" indent="0">
+              <a:spcBef>
+                <a:spcPts val="0"/>
+              </a:spcBef>
+              <a:buNone/>
+            </a:pPr>
+            <a:r>
+              <a:rPr lang="da-DK" b="1" smtClean="0">
+                <a:solidFill>
+                  <a:srgbClr val="000000"/>
+                </a:solidFill>
+                <a:latin typeface="Consolas" panose="020B0609020204030204" pitchFamily="49" charset="0"/>
+              </a:rPr>
+              <a:t>}</a:t>
+            </a:r>
+            <a:endParaRPr lang="da-DK" b="1"/>
+          </a:p>
+        </p:txBody>
+      </p:sp>
+    </p:spTree>
+    <p:extLst>
+      <p:ext uri="{BB962C8B-B14F-4D97-AF65-F5344CB8AC3E}">
+        <p14:creationId xmlns:p14="http://schemas.microsoft.com/office/powerpoint/2010/main" val="2717191838"/>
+      </p:ext>
+    </p:extLst>
+  </p:cSld>
+  <p:clrMapOvr>
+    <a:masterClrMapping/>
+  </p:clrMapOvr>
+  <p:timing>
+    <p:tnLst>
+      <p:par>
+        <p:cTn id="1" dur="indefinite" restart="never" nodeType="tmRoot"/>
+      </p:par>
+    </p:tnLst>
+  </p:timing>
+</p:sld>
+</file>
+
+<file path=ppt/slides/slide27.xml><?xml version="1.0" encoding="utf-8"?>
 <p:sld xmlns:a="http://schemas.openxmlformats.org/drawingml/2006/main" xmlns:r="http://schemas.openxmlformats.org/officeDocument/2006/relationships" xmlns:p="http://schemas.openxmlformats.org/presentationml/2006/main">
   <p:cSld>
     <p:spTree>
@@ -9479,7 +10791,7 @@
 </p:sld>
 </file>
 
-<file path=ppt/slides/slide23.xml><?xml version="1.0" encoding="utf-8"?>
+<file path=ppt/slides/slide28.xml><?xml version="1.0" encoding="utf-8"?>
 <p:sld xmlns:a="http://schemas.openxmlformats.org/drawingml/2006/main" xmlns:r="http://schemas.openxmlformats.org/officeDocument/2006/relationships" xmlns:p="http://schemas.openxmlformats.org/presentationml/2006/main">
   <p:cSld>
     <p:spTree>
@@ -9505,7 +10817,7 @@
           <p:nvPr>
             <p:extLst>
               <p:ext uri="{D42A27DB-BD31-4B8C-83A1-F6EECF244321}">
-                <p14:modId xmlns:p14="http://schemas.microsoft.com/office/powerpoint/2010/main" val="1272163023"/>
+                <p14:modId xmlns:p14="http://schemas.microsoft.com/office/powerpoint/2010/main" val="3336330249"/>
               </p:ext>
             </p:extLst>
           </p:nvPr>
@@ -9561,7 +10873,7 @@
                           <a:ea typeface="Calibri" panose="020F0502020204030204" pitchFamily="34" charset="0"/>
                           <a:cs typeface="Times New Roman" panose="02020603050405020304" pitchFamily="18" charset="0"/>
                         </a:rPr>
-                        <a:t>StudioName</a:t>
+                        <a:t>Name</a:t>
                       </a:r>
                       <a:endParaRPr lang="da-DK" sz="3200">
                         <a:effectLst/>
@@ -9973,7 +11285,7 @@
 </p:sld>
 </file>
 
-<file path=ppt/slides/slide24.xml><?xml version="1.0" encoding="utf-8"?>
+<file path=ppt/slides/slide29.xml><?xml version="1.0" encoding="utf-8"?>
 <p:sld xmlns:a="http://schemas.openxmlformats.org/drawingml/2006/main" xmlns:r="http://schemas.openxmlformats.org/officeDocument/2006/relationships" xmlns:p="http://schemas.openxmlformats.org/presentationml/2006/main">
   <p:cSld>
     <p:spTree>
@@ -9999,7 +11311,7 @@
           <p:nvPr>
             <p:extLst>
               <p:ext uri="{D42A27DB-BD31-4B8C-83A1-F6EECF244321}">
-                <p14:modId xmlns:p14="http://schemas.microsoft.com/office/powerpoint/2010/main" val="1960129639"/>
+                <p14:modId xmlns:p14="http://schemas.microsoft.com/office/powerpoint/2010/main" val="3099869824"/>
               </p:ext>
             </p:extLst>
           </p:nvPr>
@@ -10259,22 +11571,6 @@
                           <a:ea typeface="Calibri" panose="020F0502020204030204" pitchFamily="34" charset="0"/>
                           <a:cs typeface="Times New Roman" panose="02020603050405020304" pitchFamily="18" charset="0"/>
                         </a:rPr>
-                        <a:t>Studio</a:t>
-                      </a:r>
-                    </a:p>
-                    <a:p>
-                      <a:pPr>
-                        <a:spcAft>
-                          <a:spcPts val="0"/>
-                        </a:spcAft>
-                      </a:pPr>
-                      <a:r>
-                        <a:rPr lang="en-US" sz="2000" b="1" i="1" smtClean="0">
-                          <a:effectLst/>
-                          <a:latin typeface="Calibri" panose="020F0502020204030204" pitchFamily="34" charset="0"/>
-                          <a:ea typeface="Calibri" panose="020F0502020204030204" pitchFamily="34" charset="0"/>
-                          <a:cs typeface="Times New Roman" panose="02020603050405020304" pitchFamily="18" charset="0"/>
-                        </a:rPr>
                         <a:t>Name</a:t>
                       </a:r>
                       <a:endParaRPr lang="da-DK" sz="2000">
@@ -14657,7 +15953,761 @@
 </p:sld>
 </file>
 
-<file path=ppt/slides/slide25.xml><?xml version="1.0" encoding="utf-8"?>
+<file path=ppt/slides/slide3.xml><?xml version="1.0" encoding="utf-8"?>
+<p:sld xmlns:a="http://schemas.openxmlformats.org/drawingml/2006/main" xmlns:r="http://schemas.openxmlformats.org/officeDocument/2006/relationships" xmlns:p="http://schemas.openxmlformats.org/presentationml/2006/main">
+  <p:cSld>
+    <p:spTree>
+      <p:nvGrpSpPr>
+        <p:cNvPr id="1" name=""/>
+        <p:cNvGrpSpPr/>
+        <p:nvPr/>
+      </p:nvGrpSpPr>
+      <p:grpSpPr>
+        <a:xfrm>
+          <a:off x="0" y="0"/>
+          <a:ext cx="0" cy="0"/>
+          <a:chOff x="0" y="0"/>
+          <a:chExt cx="0" cy="0"/>
+        </a:xfrm>
+      </p:grpSpPr>
+      <p:sp>
+        <p:nvSpPr>
+          <p:cNvPr id="2" name="Titel 1"/>
+          <p:cNvSpPr>
+            <a:spLocks noGrp="1"/>
+          </p:cNvSpPr>
+          <p:nvPr>
+            <p:ph type="title"/>
+          </p:nvPr>
+        </p:nvSpPr>
+        <p:spPr/>
+        <p:txBody>
+          <a:bodyPr/>
+          <a:lstStyle/>
+          <a:p>
+            <a:r>
+              <a:rPr lang="da-DK" b="1" smtClean="0"/>
+              <a:t>LINQ – IEnumerable/IEnumerator</a:t>
+            </a:r>
+            <a:endParaRPr lang="da-DK" b="1"/>
+          </a:p>
+        </p:txBody>
+      </p:sp>
+      <p:sp>
+        <p:nvSpPr>
+          <p:cNvPr id="3" name="Pladsholder til indhold 2"/>
+          <p:cNvSpPr>
+            <a:spLocks noGrp="1"/>
+          </p:cNvSpPr>
+          <p:nvPr>
+            <p:ph idx="1"/>
+          </p:nvPr>
+        </p:nvSpPr>
+        <p:spPr>
+          <a:xfrm>
+            <a:off x="838200" y="1825625"/>
+            <a:ext cx="9047205" cy="4340398"/>
+          </a:xfrm>
+        </p:spPr>
+        <p:txBody>
+          <a:bodyPr>
+            <a:normAutofit/>
+          </a:bodyPr>
+          <a:lstStyle/>
+          <a:p>
+            <a:pPr marL="0" indent="0">
+              <a:spcBef>
+                <a:spcPts val="0"/>
+              </a:spcBef>
+              <a:spcAft>
+                <a:spcPts val="0"/>
+              </a:spcAft>
+              <a:buNone/>
+            </a:pPr>
+            <a:r>
+              <a:rPr lang="en-US" sz="2400" b="1">
+                <a:solidFill>
+                  <a:srgbClr val="0000FF"/>
+                </a:solidFill>
+                <a:latin typeface="Consolas" panose="020B0609020204030204" pitchFamily="49" charset="0"/>
+                <a:ea typeface="Calibri" panose="020F0502020204030204" pitchFamily="34" charset="0"/>
+                <a:cs typeface="Consolas" panose="020B0609020204030204" pitchFamily="49" charset="0"/>
+              </a:rPr>
+              <a:t>public</a:t>
+            </a:r>
+            <a:r>
+              <a:rPr lang="en-US" sz="2400" b="1">
+                <a:solidFill>
+                  <a:srgbClr val="000000"/>
+                </a:solidFill>
+                <a:latin typeface="Consolas" panose="020B0609020204030204" pitchFamily="49" charset="0"/>
+                <a:ea typeface="Calibri" panose="020F0502020204030204" pitchFamily="34" charset="0"/>
+                <a:cs typeface="Consolas" panose="020B0609020204030204" pitchFamily="49" charset="0"/>
+              </a:rPr>
+              <a:t> </a:t>
+            </a:r>
+            <a:r>
+              <a:rPr lang="en-US" sz="2400" b="1">
+                <a:solidFill>
+                  <a:srgbClr val="0000FF"/>
+                </a:solidFill>
+                <a:latin typeface="Consolas" panose="020B0609020204030204" pitchFamily="49" charset="0"/>
+                <a:ea typeface="Calibri" panose="020F0502020204030204" pitchFamily="34" charset="0"/>
+                <a:cs typeface="Consolas" panose="020B0609020204030204" pitchFamily="49" charset="0"/>
+              </a:rPr>
+              <a:t>interface</a:t>
+            </a:r>
+            <a:r>
+              <a:rPr lang="en-US" sz="2400" b="1">
+                <a:solidFill>
+                  <a:srgbClr val="000000"/>
+                </a:solidFill>
+                <a:latin typeface="Consolas" panose="020B0609020204030204" pitchFamily="49" charset="0"/>
+                <a:ea typeface="Calibri" panose="020F0502020204030204" pitchFamily="34" charset="0"/>
+                <a:cs typeface="Consolas" panose="020B0609020204030204" pitchFamily="49" charset="0"/>
+              </a:rPr>
+              <a:t> </a:t>
+            </a:r>
+            <a:r>
+              <a:rPr lang="en-US" sz="2400" b="1">
+                <a:solidFill>
+                  <a:srgbClr val="2B91AF"/>
+                </a:solidFill>
+                <a:latin typeface="Consolas" panose="020B0609020204030204" pitchFamily="49" charset="0"/>
+                <a:ea typeface="Calibri" panose="020F0502020204030204" pitchFamily="34" charset="0"/>
+                <a:cs typeface="Consolas" panose="020B0609020204030204" pitchFamily="49" charset="0"/>
+              </a:rPr>
+              <a:t>IEnumerable</a:t>
+            </a:r>
+            <a:r>
+              <a:rPr lang="en-US" sz="2400" b="1">
+                <a:latin typeface="Consolas" panose="020B0609020204030204" pitchFamily="49" charset="0"/>
+                <a:ea typeface="Calibri" panose="020F0502020204030204" pitchFamily="34" charset="0"/>
+                <a:cs typeface="Consolas" panose="020B0609020204030204" pitchFamily="49" charset="0"/>
+              </a:rPr>
+              <a:t>&lt;</a:t>
+            </a:r>
+            <a:r>
+              <a:rPr lang="en-US" sz="2400" b="1">
+                <a:solidFill>
+                  <a:srgbClr val="0000FF"/>
+                </a:solidFill>
+                <a:latin typeface="Consolas" panose="020B0609020204030204" pitchFamily="49" charset="0"/>
+                <a:ea typeface="Calibri" panose="020F0502020204030204" pitchFamily="34" charset="0"/>
+                <a:cs typeface="Consolas" panose="020B0609020204030204" pitchFamily="49" charset="0"/>
+              </a:rPr>
+              <a:t>out</a:t>
+            </a:r>
+            <a:r>
+              <a:rPr lang="en-US" sz="2400" b="1">
+                <a:solidFill>
+                  <a:srgbClr val="000000"/>
+                </a:solidFill>
+                <a:latin typeface="Consolas" panose="020B0609020204030204" pitchFamily="49" charset="0"/>
+                <a:ea typeface="Calibri" panose="020F0502020204030204" pitchFamily="34" charset="0"/>
+                <a:cs typeface="Consolas" panose="020B0609020204030204" pitchFamily="49" charset="0"/>
+              </a:rPr>
+              <a:t> </a:t>
+            </a:r>
+            <a:r>
+              <a:rPr lang="en-US" sz="2400" b="1">
+                <a:solidFill>
+                  <a:srgbClr val="2B91AF"/>
+                </a:solidFill>
+                <a:latin typeface="Consolas" panose="020B0609020204030204" pitchFamily="49" charset="0"/>
+                <a:ea typeface="Calibri" panose="020F0502020204030204" pitchFamily="34" charset="0"/>
+                <a:cs typeface="Consolas" panose="020B0609020204030204" pitchFamily="49" charset="0"/>
+              </a:rPr>
+              <a:t>T</a:t>
+            </a:r>
+            <a:r>
+              <a:rPr lang="en-US" sz="2400" b="1">
+                <a:latin typeface="Consolas" panose="020B0609020204030204" pitchFamily="49" charset="0"/>
+                <a:ea typeface="Calibri" panose="020F0502020204030204" pitchFamily="34" charset="0"/>
+                <a:cs typeface="Consolas" panose="020B0609020204030204" pitchFamily="49" charset="0"/>
+              </a:rPr>
+              <a:t>&gt;</a:t>
+            </a:r>
+            <a:endParaRPr lang="da-DK" sz="2400" b="1">
+              <a:latin typeface="Calibri" panose="020F0502020204030204" pitchFamily="34" charset="0"/>
+              <a:ea typeface="Calibri" panose="020F0502020204030204" pitchFamily="34" charset="0"/>
+              <a:cs typeface="Times New Roman" panose="02020603050405020304" pitchFamily="18" charset="0"/>
+            </a:endParaRPr>
+          </a:p>
+          <a:p>
+            <a:pPr marL="0" indent="0">
+              <a:spcBef>
+                <a:spcPts val="0"/>
+              </a:spcBef>
+              <a:spcAft>
+                <a:spcPts val="0"/>
+              </a:spcAft>
+              <a:buNone/>
+            </a:pPr>
+            <a:r>
+              <a:rPr lang="en-US" sz="2400" b="1" smtClean="0">
+                <a:solidFill>
+                  <a:srgbClr val="000000"/>
+                </a:solidFill>
+                <a:latin typeface="Consolas" panose="020B0609020204030204" pitchFamily="49" charset="0"/>
+                <a:ea typeface="Calibri" panose="020F0502020204030204" pitchFamily="34" charset="0"/>
+                <a:cs typeface="Consolas" panose="020B0609020204030204" pitchFamily="49" charset="0"/>
+              </a:rPr>
+              <a:t>{</a:t>
+            </a:r>
+            <a:endParaRPr lang="da-DK" sz="2400" b="1" smtClean="0">
+              <a:latin typeface="Calibri" panose="020F0502020204030204" pitchFamily="34" charset="0"/>
+              <a:ea typeface="Calibri" panose="020F0502020204030204" pitchFamily="34" charset="0"/>
+              <a:cs typeface="Times New Roman" panose="02020603050405020304" pitchFamily="18" charset="0"/>
+            </a:endParaRPr>
+          </a:p>
+          <a:p>
+            <a:pPr marL="0" indent="0">
+              <a:spcBef>
+                <a:spcPts val="0"/>
+              </a:spcBef>
+              <a:spcAft>
+                <a:spcPts val="0"/>
+              </a:spcAft>
+              <a:buNone/>
+            </a:pPr>
+            <a:r>
+              <a:rPr lang="da-DK" sz="2400" b="1">
+                <a:solidFill>
+                  <a:srgbClr val="2B91AF"/>
+                </a:solidFill>
+                <a:latin typeface="Calibri" panose="020F0502020204030204" pitchFamily="34" charset="0"/>
+                <a:ea typeface="Calibri" panose="020F0502020204030204" pitchFamily="34" charset="0"/>
+                <a:cs typeface="Times New Roman" panose="02020603050405020304" pitchFamily="18" charset="0"/>
+              </a:rPr>
+              <a:t>	</a:t>
+            </a:r>
+            <a:r>
+              <a:rPr lang="en-US" sz="2400" b="1" smtClean="0">
+                <a:solidFill>
+                  <a:srgbClr val="2B91AF"/>
+                </a:solidFill>
+                <a:latin typeface="Consolas" panose="020B0609020204030204" pitchFamily="49" charset="0"/>
+                <a:ea typeface="Calibri" panose="020F0502020204030204" pitchFamily="34" charset="0"/>
+                <a:cs typeface="Consolas" panose="020B0609020204030204" pitchFamily="49" charset="0"/>
+              </a:rPr>
+              <a:t>IEnumerator&lt;T</a:t>
+            </a:r>
+            <a:r>
+              <a:rPr lang="en-US" sz="2400" b="1">
+                <a:solidFill>
+                  <a:srgbClr val="2B91AF"/>
+                </a:solidFill>
+                <a:latin typeface="Consolas" panose="020B0609020204030204" pitchFamily="49" charset="0"/>
+                <a:ea typeface="Calibri" panose="020F0502020204030204" pitchFamily="34" charset="0"/>
+                <a:cs typeface="Consolas" panose="020B0609020204030204" pitchFamily="49" charset="0"/>
+              </a:rPr>
+              <a:t>&gt;</a:t>
+            </a:r>
+            <a:r>
+              <a:rPr lang="en-US" sz="2400" b="1">
+                <a:solidFill>
+                  <a:srgbClr val="000000"/>
+                </a:solidFill>
+                <a:latin typeface="Consolas" panose="020B0609020204030204" pitchFamily="49" charset="0"/>
+                <a:ea typeface="Calibri" panose="020F0502020204030204" pitchFamily="34" charset="0"/>
+                <a:cs typeface="Consolas" panose="020B0609020204030204" pitchFamily="49" charset="0"/>
+              </a:rPr>
+              <a:t> GetEnumerator();</a:t>
+            </a:r>
+            <a:endParaRPr lang="da-DK" sz="2400" b="1">
+              <a:latin typeface="Calibri" panose="020F0502020204030204" pitchFamily="34" charset="0"/>
+              <a:ea typeface="Calibri" panose="020F0502020204030204" pitchFamily="34" charset="0"/>
+              <a:cs typeface="Times New Roman" panose="02020603050405020304" pitchFamily="18" charset="0"/>
+            </a:endParaRPr>
+          </a:p>
+          <a:p>
+            <a:pPr marL="0" indent="0">
+              <a:spcBef>
+                <a:spcPts val="0"/>
+              </a:spcBef>
+              <a:spcAft>
+                <a:spcPts val="0"/>
+              </a:spcAft>
+              <a:buNone/>
+            </a:pPr>
+            <a:r>
+              <a:rPr lang="en-US" sz="2400" b="1" smtClean="0">
+                <a:solidFill>
+                  <a:srgbClr val="000000"/>
+                </a:solidFill>
+                <a:latin typeface="Consolas" panose="020B0609020204030204" pitchFamily="49" charset="0"/>
+                <a:ea typeface="Calibri" panose="020F0502020204030204" pitchFamily="34" charset="0"/>
+                <a:cs typeface="Consolas" panose="020B0609020204030204" pitchFamily="49" charset="0"/>
+              </a:rPr>
+              <a:t>}</a:t>
+            </a:r>
+          </a:p>
+          <a:p>
+            <a:pPr marL="0" indent="0">
+              <a:spcBef>
+                <a:spcPts val="0"/>
+              </a:spcBef>
+              <a:spcAft>
+                <a:spcPts val="0"/>
+              </a:spcAft>
+              <a:buNone/>
+            </a:pPr>
+            <a:endParaRPr lang="en-US" sz="2400" b="1">
+              <a:solidFill>
+                <a:srgbClr val="000000"/>
+              </a:solidFill>
+              <a:latin typeface="Consolas" panose="020B0609020204030204" pitchFamily="49" charset="0"/>
+              <a:ea typeface="Calibri" panose="020F0502020204030204" pitchFamily="34" charset="0"/>
+              <a:cs typeface="Consolas" panose="020B0609020204030204" pitchFamily="49" charset="0"/>
+            </a:endParaRPr>
+          </a:p>
+          <a:p>
+            <a:pPr marL="0" indent="0">
+              <a:spcBef>
+                <a:spcPts val="0"/>
+              </a:spcBef>
+              <a:spcAft>
+                <a:spcPts val="0"/>
+              </a:spcAft>
+              <a:buNone/>
+            </a:pPr>
+            <a:endParaRPr lang="en-US" sz="2400" b="1" smtClean="0">
+              <a:solidFill>
+                <a:srgbClr val="000000"/>
+              </a:solidFill>
+              <a:latin typeface="Consolas" panose="020B0609020204030204" pitchFamily="49" charset="0"/>
+              <a:ea typeface="Calibri" panose="020F0502020204030204" pitchFamily="34" charset="0"/>
+              <a:cs typeface="Consolas" panose="020B0609020204030204" pitchFamily="49" charset="0"/>
+            </a:endParaRPr>
+          </a:p>
+          <a:p>
+            <a:pPr marL="0" indent="0">
+              <a:spcBef>
+                <a:spcPts val="0"/>
+              </a:spcBef>
+              <a:spcAft>
+                <a:spcPts val="0"/>
+              </a:spcAft>
+              <a:buNone/>
+            </a:pPr>
+            <a:r>
+              <a:rPr lang="en-US" sz="2400" b="1" smtClean="0">
+                <a:solidFill>
+                  <a:srgbClr val="0000FF"/>
+                </a:solidFill>
+                <a:latin typeface="Consolas" panose="020B0609020204030204" pitchFamily="49" charset="0"/>
+                <a:ea typeface="Calibri" panose="020F0502020204030204" pitchFamily="34" charset="0"/>
+                <a:cs typeface="Consolas" panose="020B0609020204030204" pitchFamily="49" charset="0"/>
+              </a:rPr>
+              <a:t>public</a:t>
+            </a:r>
+            <a:r>
+              <a:rPr lang="en-US" sz="2400" b="1" smtClean="0">
+                <a:solidFill>
+                  <a:srgbClr val="000000"/>
+                </a:solidFill>
+                <a:latin typeface="Consolas" panose="020B0609020204030204" pitchFamily="49" charset="0"/>
+                <a:ea typeface="Calibri" panose="020F0502020204030204" pitchFamily="34" charset="0"/>
+                <a:cs typeface="Consolas" panose="020B0609020204030204" pitchFamily="49" charset="0"/>
+              </a:rPr>
+              <a:t> </a:t>
+            </a:r>
+            <a:r>
+              <a:rPr lang="en-US" sz="2400" b="1">
+                <a:solidFill>
+                  <a:srgbClr val="0000FF"/>
+                </a:solidFill>
+                <a:latin typeface="Consolas" panose="020B0609020204030204" pitchFamily="49" charset="0"/>
+                <a:ea typeface="Calibri" panose="020F0502020204030204" pitchFamily="34" charset="0"/>
+                <a:cs typeface="Consolas" panose="020B0609020204030204" pitchFamily="49" charset="0"/>
+              </a:rPr>
+              <a:t>interface</a:t>
+            </a:r>
+            <a:r>
+              <a:rPr lang="en-US" sz="2400" b="1">
+                <a:solidFill>
+                  <a:srgbClr val="000000"/>
+                </a:solidFill>
+                <a:latin typeface="Consolas" panose="020B0609020204030204" pitchFamily="49" charset="0"/>
+                <a:ea typeface="Calibri" panose="020F0502020204030204" pitchFamily="34" charset="0"/>
+                <a:cs typeface="Consolas" panose="020B0609020204030204" pitchFamily="49" charset="0"/>
+              </a:rPr>
+              <a:t> </a:t>
+            </a:r>
+            <a:r>
+              <a:rPr lang="en-US" sz="2400" b="1">
+                <a:solidFill>
+                  <a:srgbClr val="2B91AF"/>
+                </a:solidFill>
+                <a:latin typeface="Consolas" panose="020B0609020204030204" pitchFamily="49" charset="0"/>
+                <a:ea typeface="Calibri" panose="020F0502020204030204" pitchFamily="34" charset="0"/>
+                <a:cs typeface="Consolas" panose="020B0609020204030204" pitchFamily="49" charset="0"/>
+              </a:rPr>
+              <a:t>IEnumerator</a:t>
+            </a:r>
+            <a:r>
+              <a:rPr lang="en-US" sz="2400" b="1">
+                <a:solidFill>
+                  <a:srgbClr val="000000"/>
+                </a:solidFill>
+                <a:latin typeface="Consolas" panose="020B0609020204030204" pitchFamily="49" charset="0"/>
+                <a:ea typeface="Calibri" panose="020F0502020204030204" pitchFamily="34" charset="0"/>
+                <a:cs typeface="Consolas" panose="020B0609020204030204" pitchFamily="49" charset="0"/>
+              </a:rPr>
+              <a:t>&lt;</a:t>
+            </a:r>
+            <a:r>
+              <a:rPr lang="en-US" sz="2400" b="1">
+                <a:solidFill>
+                  <a:srgbClr val="0000FF"/>
+                </a:solidFill>
+                <a:latin typeface="Consolas" panose="020B0609020204030204" pitchFamily="49" charset="0"/>
+                <a:ea typeface="Calibri" panose="020F0502020204030204" pitchFamily="34" charset="0"/>
+                <a:cs typeface="Consolas" panose="020B0609020204030204" pitchFamily="49" charset="0"/>
+              </a:rPr>
+              <a:t>out</a:t>
+            </a:r>
+            <a:r>
+              <a:rPr lang="en-US" sz="2400" b="1">
+                <a:solidFill>
+                  <a:srgbClr val="000000"/>
+                </a:solidFill>
+                <a:latin typeface="Consolas" panose="020B0609020204030204" pitchFamily="49" charset="0"/>
+                <a:ea typeface="Calibri" panose="020F0502020204030204" pitchFamily="34" charset="0"/>
+                <a:cs typeface="Consolas" panose="020B0609020204030204" pitchFamily="49" charset="0"/>
+              </a:rPr>
+              <a:t> </a:t>
+            </a:r>
+            <a:r>
+              <a:rPr lang="en-US" sz="2400" b="1">
+                <a:solidFill>
+                  <a:srgbClr val="2B91AF"/>
+                </a:solidFill>
+                <a:latin typeface="Consolas" panose="020B0609020204030204" pitchFamily="49" charset="0"/>
+                <a:ea typeface="Calibri" panose="020F0502020204030204" pitchFamily="34" charset="0"/>
+                <a:cs typeface="Consolas" panose="020B0609020204030204" pitchFamily="49" charset="0"/>
+              </a:rPr>
+              <a:t>T</a:t>
+            </a:r>
+            <a:r>
+              <a:rPr lang="en-US" sz="2400" b="1">
+                <a:solidFill>
+                  <a:srgbClr val="000000"/>
+                </a:solidFill>
+                <a:latin typeface="Consolas" panose="020B0609020204030204" pitchFamily="49" charset="0"/>
+                <a:ea typeface="Calibri" panose="020F0502020204030204" pitchFamily="34" charset="0"/>
+                <a:cs typeface="Consolas" panose="020B0609020204030204" pitchFamily="49" charset="0"/>
+              </a:rPr>
+              <a:t>&gt;</a:t>
+            </a:r>
+            <a:endParaRPr lang="da-DK" sz="2400">
+              <a:latin typeface="Calibri" panose="020F0502020204030204" pitchFamily="34" charset="0"/>
+              <a:ea typeface="Calibri" panose="020F0502020204030204" pitchFamily="34" charset="0"/>
+              <a:cs typeface="Times New Roman" panose="02020603050405020304" pitchFamily="18" charset="0"/>
+            </a:endParaRPr>
+          </a:p>
+          <a:p>
+            <a:pPr marL="0" indent="0">
+              <a:spcBef>
+                <a:spcPts val="0"/>
+              </a:spcBef>
+              <a:spcAft>
+                <a:spcPts val="0"/>
+              </a:spcAft>
+              <a:buNone/>
+            </a:pPr>
+            <a:r>
+              <a:rPr lang="en-US" sz="2400" b="1" smtClean="0">
+                <a:solidFill>
+                  <a:srgbClr val="000000"/>
+                </a:solidFill>
+                <a:latin typeface="Consolas" panose="020B0609020204030204" pitchFamily="49" charset="0"/>
+                <a:ea typeface="Calibri" panose="020F0502020204030204" pitchFamily="34" charset="0"/>
+                <a:cs typeface="Consolas" panose="020B0609020204030204" pitchFamily="49" charset="0"/>
+              </a:rPr>
+              <a:t>{</a:t>
+            </a:r>
+            <a:endParaRPr lang="da-DK" sz="2400" smtClean="0">
+              <a:latin typeface="Calibri" panose="020F0502020204030204" pitchFamily="34" charset="0"/>
+              <a:ea typeface="Calibri" panose="020F0502020204030204" pitchFamily="34" charset="0"/>
+              <a:cs typeface="Times New Roman" panose="02020603050405020304" pitchFamily="18" charset="0"/>
+            </a:endParaRPr>
+          </a:p>
+          <a:p>
+            <a:pPr marL="0" indent="0">
+              <a:spcBef>
+                <a:spcPts val="0"/>
+              </a:spcBef>
+              <a:spcAft>
+                <a:spcPts val="0"/>
+              </a:spcAft>
+              <a:buNone/>
+            </a:pPr>
+            <a:r>
+              <a:rPr lang="da-DK" sz="2400" b="1">
+                <a:solidFill>
+                  <a:srgbClr val="0000FF"/>
+                </a:solidFill>
+                <a:latin typeface="Calibri" panose="020F0502020204030204" pitchFamily="34" charset="0"/>
+                <a:ea typeface="Calibri" panose="020F0502020204030204" pitchFamily="34" charset="0"/>
+                <a:cs typeface="Times New Roman" panose="02020603050405020304" pitchFamily="18" charset="0"/>
+              </a:rPr>
+              <a:t>	</a:t>
+            </a:r>
+            <a:r>
+              <a:rPr lang="en-US" sz="2400" b="1" smtClean="0">
+                <a:solidFill>
+                  <a:srgbClr val="0000FF"/>
+                </a:solidFill>
+                <a:latin typeface="Consolas" panose="020B0609020204030204" pitchFamily="49" charset="0"/>
+                <a:ea typeface="Calibri" panose="020F0502020204030204" pitchFamily="34" charset="0"/>
+                <a:cs typeface="Consolas" panose="020B0609020204030204" pitchFamily="49" charset="0"/>
+              </a:rPr>
+              <a:t>bool</a:t>
+            </a:r>
+            <a:r>
+              <a:rPr lang="en-US" sz="2400" b="1" smtClean="0">
+                <a:solidFill>
+                  <a:srgbClr val="000000"/>
+                </a:solidFill>
+                <a:latin typeface="Consolas" panose="020B0609020204030204" pitchFamily="49" charset="0"/>
+                <a:ea typeface="Calibri" panose="020F0502020204030204" pitchFamily="34" charset="0"/>
+                <a:cs typeface="Consolas" panose="020B0609020204030204" pitchFamily="49" charset="0"/>
+              </a:rPr>
+              <a:t> </a:t>
+            </a:r>
+            <a:r>
+              <a:rPr lang="en-US" sz="2400" b="1">
+                <a:solidFill>
+                  <a:srgbClr val="000000"/>
+                </a:solidFill>
+                <a:latin typeface="Consolas" panose="020B0609020204030204" pitchFamily="49" charset="0"/>
+                <a:ea typeface="Calibri" panose="020F0502020204030204" pitchFamily="34" charset="0"/>
+                <a:cs typeface="Consolas" panose="020B0609020204030204" pitchFamily="49" charset="0"/>
+              </a:rPr>
+              <a:t>MoveNext</a:t>
+            </a:r>
+            <a:r>
+              <a:rPr lang="en-US" sz="2400" b="1" smtClean="0">
+                <a:solidFill>
+                  <a:srgbClr val="000000"/>
+                </a:solidFill>
+                <a:latin typeface="Consolas" panose="020B0609020204030204" pitchFamily="49" charset="0"/>
+                <a:ea typeface="Calibri" panose="020F0502020204030204" pitchFamily="34" charset="0"/>
+                <a:cs typeface="Consolas" panose="020B0609020204030204" pitchFamily="49" charset="0"/>
+              </a:rPr>
+              <a:t>();</a:t>
+            </a:r>
+            <a:endParaRPr lang="da-DK" sz="2400" smtClean="0">
+              <a:latin typeface="Calibri" panose="020F0502020204030204" pitchFamily="34" charset="0"/>
+              <a:ea typeface="Calibri" panose="020F0502020204030204" pitchFamily="34" charset="0"/>
+              <a:cs typeface="Times New Roman" panose="02020603050405020304" pitchFamily="18" charset="0"/>
+            </a:endParaRPr>
+          </a:p>
+          <a:p>
+            <a:pPr marL="0" indent="0">
+              <a:spcBef>
+                <a:spcPts val="0"/>
+              </a:spcBef>
+              <a:spcAft>
+                <a:spcPts val="0"/>
+              </a:spcAft>
+              <a:buNone/>
+            </a:pPr>
+            <a:r>
+              <a:rPr lang="da-DK" sz="2400" b="1">
+                <a:solidFill>
+                  <a:srgbClr val="0000FF"/>
+                </a:solidFill>
+                <a:latin typeface="Calibri" panose="020F0502020204030204" pitchFamily="34" charset="0"/>
+                <a:ea typeface="Calibri" panose="020F0502020204030204" pitchFamily="34" charset="0"/>
+                <a:cs typeface="Times New Roman" panose="02020603050405020304" pitchFamily="18" charset="0"/>
+              </a:rPr>
+              <a:t>	</a:t>
+            </a:r>
+            <a:r>
+              <a:rPr lang="en-US" sz="2400" b="1" smtClean="0">
+                <a:solidFill>
+                  <a:srgbClr val="0000FF"/>
+                </a:solidFill>
+                <a:latin typeface="Consolas" panose="020B0609020204030204" pitchFamily="49" charset="0"/>
+                <a:ea typeface="Calibri" panose="020F0502020204030204" pitchFamily="34" charset="0"/>
+                <a:cs typeface="Consolas" panose="020B0609020204030204" pitchFamily="49" charset="0"/>
+              </a:rPr>
+              <a:t>void</a:t>
+            </a:r>
+            <a:r>
+              <a:rPr lang="en-US" sz="2400" b="1" smtClean="0">
+                <a:solidFill>
+                  <a:srgbClr val="000000"/>
+                </a:solidFill>
+                <a:latin typeface="Consolas" panose="020B0609020204030204" pitchFamily="49" charset="0"/>
+                <a:ea typeface="Calibri" panose="020F0502020204030204" pitchFamily="34" charset="0"/>
+                <a:cs typeface="Consolas" panose="020B0609020204030204" pitchFamily="49" charset="0"/>
+              </a:rPr>
+              <a:t> </a:t>
+            </a:r>
+            <a:r>
+              <a:rPr lang="en-US" sz="2400" b="1">
+                <a:solidFill>
+                  <a:srgbClr val="000000"/>
+                </a:solidFill>
+                <a:latin typeface="Consolas" panose="020B0609020204030204" pitchFamily="49" charset="0"/>
+                <a:ea typeface="Calibri" panose="020F0502020204030204" pitchFamily="34" charset="0"/>
+                <a:cs typeface="Consolas" panose="020B0609020204030204" pitchFamily="49" charset="0"/>
+              </a:rPr>
+              <a:t>Reset</a:t>
+            </a:r>
+            <a:r>
+              <a:rPr lang="en-US" sz="2400" b="1" smtClean="0">
+                <a:solidFill>
+                  <a:srgbClr val="000000"/>
+                </a:solidFill>
+                <a:latin typeface="Consolas" panose="020B0609020204030204" pitchFamily="49" charset="0"/>
+                <a:ea typeface="Calibri" panose="020F0502020204030204" pitchFamily="34" charset="0"/>
+                <a:cs typeface="Consolas" panose="020B0609020204030204" pitchFamily="49" charset="0"/>
+              </a:rPr>
+              <a:t>();</a:t>
+            </a:r>
+            <a:endParaRPr lang="da-DK" sz="2400" smtClean="0">
+              <a:latin typeface="Calibri" panose="020F0502020204030204" pitchFamily="34" charset="0"/>
+              <a:ea typeface="Calibri" panose="020F0502020204030204" pitchFamily="34" charset="0"/>
+              <a:cs typeface="Times New Roman" panose="02020603050405020304" pitchFamily="18" charset="0"/>
+            </a:endParaRPr>
+          </a:p>
+          <a:p>
+            <a:pPr marL="0" indent="0">
+              <a:spcBef>
+                <a:spcPts val="0"/>
+              </a:spcBef>
+              <a:spcAft>
+                <a:spcPts val="0"/>
+              </a:spcAft>
+              <a:buNone/>
+            </a:pPr>
+            <a:r>
+              <a:rPr lang="da-DK" sz="2400" b="1">
+                <a:solidFill>
+                  <a:srgbClr val="2B91AF"/>
+                </a:solidFill>
+                <a:latin typeface="Calibri" panose="020F0502020204030204" pitchFamily="34" charset="0"/>
+                <a:ea typeface="Calibri" panose="020F0502020204030204" pitchFamily="34" charset="0"/>
+                <a:cs typeface="Times New Roman" panose="02020603050405020304" pitchFamily="18" charset="0"/>
+              </a:rPr>
+              <a:t>	</a:t>
+            </a:r>
+            <a:r>
+              <a:rPr lang="en-US" sz="2400" b="1" smtClean="0">
+                <a:solidFill>
+                  <a:srgbClr val="2B91AF"/>
+                </a:solidFill>
+                <a:latin typeface="Consolas" panose="020B0609020204030204" pitchFamily="49" charset="0"/>
+                <a:ea typeface="Calibri" panose="020F0502020204030204" pitchFamily="34" charset="0"/>
+                <a:cs typeface="Consolas" panose="020B0609020204030204" pitchFamily="49" charset="0"/>
+              </a:rPr>
+              <a:t>T</a:t>
+            </a:r>
+            <a:r>
+              <a:rPr lang="en-US" sz="2400" b="1" smtClean="0">
+                <a:solidFill>
+                  <a:srgbClr val="000000"/>
+                </a:solidFill>
+                <a:latin typeface="Consolas" panose="020B0609020204030204" pitchFamily="49" charset="0"/>
+                <a:ea typeface="Calibri" panose="020F0502020204030204" pitchFamily="34" charset="0"/>
+                <a:cs typeface="Consolas" panose="020B0609020204030204" pitchFamily="49" charset="0"/>
+              </a:rPr>
+              <a:t> </a:t>
+            </a:r>
+            <a:r>
+              <a:rPr lang="en-US" sz="2400" b="1">
+                <a:solidFill>
+                  <a:srgbClr val="000000"/>
+                </a:solidFill>
+                <a:latin typeface="Consolas" panose="020B0609020204030204" pitchFamily="49" charset="0"/>
+                <a:ea typeface="Calibri" panose="020F0502020204030204" pitchFamily="34" charset="0"/>
+                <a:cs typeface="Consolas" panose="020B0609020204030204" pitchFamily="49" charset="0"/>
+              </a:rPr>
+              <a:t>Current { </a:t>
+            </a:r>
+            <a:r>
+              <a:rPr lang="en-US" sz="2400" b="1">
+                <a:solidFill>
+                  <a:srgbClr val="0000FF"/>
+                </a:solidFill>
+                <a:latin typeface="Consolas" panose="020B0609020204030204" pitchFamily="49" charset="0"/>
+                <a:ea typeface="Calibri" panose="020F0502020204030204" pitchFamily="34" charset="0"/>
+                <a:cs typeface="Consolas" panose="020B0609020204030204" pitchFamily="49" charset="0"/>
+              </a:rPr>
+              <a:t>get</a:t>
+            </a:r>
+            <a:r>
+              <a:rPr lang="en-US" sz="2400" b="1">
+                <a:solidFill>
+                  <a:srgbClr val="000000"/>
+                </a:solidFill>
+                <a:latin typeface="Consolas" panose="020B0609020204030204" pitchFamily="49" charset="0"/>
+                <a:ea typeface="Calibri" panose="020F0502020204030204" pitchFamily="34" charset="0"/>
+                <a:cs typeface="Consolas" panose="020B0609020204030204" pitchFamily="49" charset="0"/>
+              </a:rPr>
+              <a:t>; }</a:t>
+            </a:r>
+            <a:endParaRPr lang="da-DK" sz="2400">
+              <a:latin typeface="Calibri" panose="020F0502020204030204" pitchFamily="34" charset="0"/>
+              <a:ea typeface="Calibri" panose="020F0502020204030204" pitchFamily="34" charset="0"/>
+              <a:cs typeface="Times New Roman" panose="02020603050405020304" pitchFamily="18" charset="0"/>
+            </a:endParaRPr>
+          </a:p>
+          <a:p>
+            <a:pPr marL="0" indent="0">
+              <a:spcBef>
+                <a:spcPts val="0"/>
+              </a:spcBef>
+              <a:spcAft>
+                <a:spcPts val="0"/>
+              </a:spcAft>
+              <a:buNone/>
+            </a:pPr>
+            <a:r>
+              <a:rPr lang="en-US" sz="2400" b="1" smtClean="0">
+                <a:solidFill>
+                  <a:srgbClr val="000000"/>
+                </a:solidFill>
+                <a:latin typeface="Consolas" panose="020B0609020204030204" pitchFamily="49" charset="0"/>
+                <a:ea typeface="Calibri" panose="020F0502020204030204" pitchFamily="34" charset="0"/>
+                <a:cs typeface="Consolas" panose="020B0609020204030204" pitchFamily="49" charset="0"/>
+              </a:rPr>
+              <a:t>}</a:t>
+            </a:r>
+            <a:endParaRPr lang="da-DK" smtClean="0"/>
+          </a:p>
+          <a:p>
+            <a:pPr lvl="0"/>
+            <a:endParaRPr lang="da-DK"/>
+          </a:p>
+        </p:txBody>
+      </p:sp>
+    </p:spTree>
+    <p:extLst>
+      <p:ext uri="{BB962C8B-B14F-4D97-AF65-F5344CB8AC3E}">
+        <p14:creationId xmlns:p14="http://schemas.microsoft.com/office/powerpoint/2010/main" val="1159229173"/>
+      </p:ext>
+    </p:extLst>
+  </p:cSld>
+  <p:clrMapOvr>
+    <a:masterClrMapping/>
+  </p:clrMapOvr>
+  <p:timing>
+    <p:tnLst>
+      <p:par>
+        <p:cTn id="1" dur="indefinite" restart="never" nodeType="tmRoot"/>
+      </p:par>
+    </p:tnLst>
+  </p:timing>
+</p:sld>
+</file>
+
+<file path=ppt/slides/slide30.xml><?xml version="1.0" encoding="utf-8"?>
 <p:sld xmlns:a="http://schemas.openxmlformats.org/drawingml/2006/main" xmlns:r="http://schemas.openxmlformats.org/officeDocument/2006/relationships" xmlns:p="http://schemas.openxmlformats.org/presentationml/2006/main">
   <p:cSld>
     <p:spTree>
@@ -14860,8 +16910,17 @@
               <a:rPr lang="en-US" sz="3200" b="1" smtClean="0">
                 <a:latin typeface="Consolas" panose="020B0609020204030204" pitchFamily="49" charset="0"/>
               </a:rPr>
-              <a:t> s.StudioName</a:t>
-            </a:r>
+              <a:t> </a:t>
+            </a:r>
+            <a:r>
+              <a:rPr lang="en-US" sz="3200" b="1" smtClean="0">
+                <a:latin typeface="Consolas" panose="020B0609020204030204" pitchFamily="49" charset="0"/>
+              </a:rPr>
+              <a:t>s.Name</a:t>
+            </a:r>
+            <a:endParaRPr lang="en-US" sz="3200" b="1" smtClean="0">
+              <a:latin typeface="Consolas" panose="020B0609020204030204" pitchFamily="49" charset="0"/>
+            </a:endParaRPr>
           </a:p>
           <a:p>
             <a:pPr marL="0" indent="0">
@@ -14893,7 +16952,7 @@
 </p:sld>
 </file>
 
-<file path=ppt/slides/slide26.xml><?xml version="1.0" encoding="utf-8"?>
+<file path=ppt/slides/slide31.xml><?xml version="1.0" encoding="utf-8"?>
 <p:sld xmlns:a="http://schemas.openxmlformats.org/drawingml/2006/main" xmlns:r="http://schemas.openxmlformats.org/officeDocument/2006/relationships" xmlns:p="http://schemas.openxmlformats.org/presentationml/2006/main">
   <p:cSld>
     <p:spTree>
@@ -14919,7 +16978,7 @@
           <p:nvPr>
             <p:extLst>
               <p:ext uri="{D42A27DB-BD31-4B8C-83A1-F6EECF244321}">
-                <p14:modId xmlns:p14="http://schemas.microsoft.com/office/powerpoint/2010/main" val="3224746624"/>
+                <p14:modId xmlns:p14="http://schemas.microsoft.com/office/powerpoint/2010/main" val="2319297953"/>
               </p:ext>
             </p:extLst>
           </p:nvPr>
@@ -15159,22 +17218,6 @@
                           <a:ea typeface="Calibri" panose="020F0502020204030204" pitchFamily="34" charset="0"/>
                           <a:cs typeface="Times New Roman" panose="02020603050405020304" pitchFamily="18" charset="0"/>
                         </a:rPr>
-                        <a:t>Studio</a:t>
-                      </a:r>
-                    </a:p>
-                    <a:p>
-                      <a:pPr>
-                        <a:spcAft>
-                          <a:spcPts val="0"/>
-                        </a:spcAft>
-                      </a:pPr>
-                      <a:r>
-                        <a:rPr lang="en-US" sz="2000" b="1" i="1" smtClean="0">
-                          <a:effectLst/>
-                          <a:latin typeface="Calibri" panose="020F0502020204030204" pitchFamily="34" charset="0"/>
-                          <a:ea typeface="Calibri" panose="020F0502020204030204" pitchFamily="34" charset="0"/>
-                          <a:cs typeface="Times New Roman" panose="02020603050405020304" pitchFamily="18" charset="0"/>
-                        </a:rPr>
                         <a:t>Name</a:t>
                       </a:r>
                       <a:endParaRPr lang="da-DK" sz="2000">
@@ -19157,7 +21200,7 @@
 </p:sld>
 </file>
 
-<file path=ppt/slides/slide27.xml><?xml version="1.0" encoding="utf-8"?>
+<file path=ppt/slides/slide32.xml><?xml version="1.0" encoding="utf-8"?>
 <p:sld xmlns:a="http://schemas.openxmlformats.org/drawingml/2006/main" xmlns:r="http://schemas.openxmlformats.org/officeDocument/2006/relationships" xmlns:p="http://schemas.openxmlformats.org/presentationml/2006/main">
   <p:cSld>
     <p:spTree>
@@ -19183,7 +21226,7 @@
           <p:nvPr>
             <p:extLst>
               <p:ext uri="{D42A27DB-BD31-4B8C-83A1-F6EECF244321}">
-                <p14:modId xmlns:p14="http://schemas.microsoft.com/office/powerpoint/2010/main" val="2016629816"/>
+                <p14:modId xmlns:p14="http://schemas.microsoft.com/office/powerpoint/2010/main" val="1039142954"/>
               </p:ext>
             </p:extLst>
           </p:nvPr>
@@ -19423,22 +21466,6 @@
                           <a:ea typeface="Calibri" panose="020F0502020204030204" pitchFamily="34" charset="0"/>
                           <a:cs typeface="Times New Roman" panose="02020603050405020304" pitchFamily="18" charset="0"/>
                         </a:rPr>
-                        <a:t>Studio</a:t>
-                      </a:r>
-                    </a:p>
-                    <a:p>
-                      <a:pPr>
-                        <a:spcAft>
-                          <a:spcPts val="0"/>
-                        </a:spcAft>
-                      </a:pPr>
-                      <a:r>
-                        <a:rPr lang="en-US" sz="2000" b="1" i="1" smtClean="0">
-                          <a:effectLst/>
-                          <a:latin typeface="Calibri" panose="020F0502020204030204" pitchFamily="34" charset="0"/>
-                          <a:ea typeface="Calibri" panose="020F0502020204030204" pitchFamily="34" charset="0"/>
-                          <a:cs typeface="Times New Roman" panose="02020603050405020304" pitchFamily="18" charset="0"/>
-                        </a:rPr>
                         <a:t>Name</a:t>
                       </a:r>
                       <a:endParaRPr lang="da-DK" sz="2000">
@@ -20935,7 +22962,7 @@
 </p:sld>
 </file>
 
-<file path=ppt/slides/slide28.xml><?xml version="1.0" encoding="utf-8"?>
+<file path=ppt/slides/slide33.xml><?xml version="1.0" encoding="utf-8"?>
 <p:sld xmlns:a="http://schemas.openxmlformats.org/drawingml/2006/main" xmlns:r="http://schemas.openxmlformats.org/officeDocument/2006/relationships" xmlns:p="http://schemas.openxmlformats.org/presentationml/2006/main">
   <p:cSld>
     <p:spTree>
@@ -22457,7 +24484,7 @@
 </p:sld>
 </file>
 
-<file path=ppt/slides/slide29.xml><?xml version="1.0" encoding="utf-8"?>
+<file path=ppt/slides/slide34.xml><?xml version="1.0" encoding="utf-8"?>
 <p:sld xmlns:a="http://schemas.openxmlformats.org/drawingml/2006/main" xmlns:r="http://schemas.openxmlformats.org/officeDocument/2006/relationships" xmlns:p="http://schemas.openxmlformats.org/presentationml/2006/main">
   <p:cSld>
     <p:spTree>
@@ -22660,8 +24687,17 @@
               <a:rPr lang="en-US" sz="3200" b="1" smtClean="0">
                 <a:latin typeface="Consolas" panose="020B0609020204030204" pitchFamily="49" charset="0"/>
               </a:rPr>
-              <a:t> s.StudioName</a:t>
-            </a:r>
+              <a:t> </a:t>
+            </a:r>
+            <a:r>
+              <a:rPr lang="en-US" sz="3200" b="1" smtClean="0">
+                <a:latin typeface="Consolas" panose="020B0609020204030204" pitchFamily="49" charset="0"/>
+              </a:rPr>
+              <a:t>s.Name</a:t>
+            </a:r>
+            <a:endParaRPr lang="en-US" sz="3200" b="1" smtClean="0">
+              <a:latin typeface="Consolas" panose="020B0609020204030204" pitchFamily="49" charset="0"/>
+            </a:endParaRPr>
           </a:p>
           <a:p>
             <a:pPr marL="0" indent="0">
@@ -22742,501 +24778,7 @@
 </p:sld>
 </file>
 
-<file path=ppt/slides/slide3.xml><?xml version="1.0" encoding="utf-8"?>
-<p:sld xmlns:a="http://schemas.openxmlformats.org/drawingml/2006/main" xmlns:r="http://schemas.openxmlformats.org/officeDocument/2006/relationships" xmlns:p="http://schemas.openxmlformats.org/presentationml/2006/main">
-  <p:cSld>
-    <p:spTree>
-      <p:nvGrpSpPr>
-        <p:cNvPr id="1" name=""/>
-        <p:cNvGrpSpPr/>
-        <p:nvPr/>
-      </p:nvGrpSpPr>
-      <p:grpSpPr>
-        <a:xfrm>
-          <a:off x="0" y="0"/>
-          <a:ext cx="0" cy="0"/>
-          <a:chOff x="0" y="0"/>
-          <a:chExt cx="0" cy="0"/>
-        </a:xfrm>
-      </p:grpSpPr>
-      <p:graphicFrame>
-        <p:nvGraphicFramePr>
-          <p:cNvPr id="4" name="Tabel 3"/>
-          <p:cNvGraphicFramePr>
-            <a:graphicFrameLocks noGrp="1"/>
-          </p:cNvGraphicFramePr>
-          <p:nvPr>
-            <p:extLst>
-              <p:ext uri="{D42A27DB-BD31-4B8C-83A1-F6EECF244321}">
-                <p14:modId xmlns:p14="http://schemas.microsoft.com/office/powerpoint/2010/main" val="1458750678"/>
-              </p:ext>
-            </p:extLst>
-          </p:nvPr>
-        </p:nvGraphicFramePr>
-        <p:xfrm>
-          <a:off x="890336" y="2304048"/>
-          <a:ext cx="10160670" cy="2099510"/>
-        </p:xfrm>
-        <a:graphic>
-          <a:graphicData uri="http://schemas.openxmlformats.org/drawingml/2006/table">
-            <a:tbl>
-              <a:tblPr firstRow="1" bandRow="1">
-                <a:tableStyleId>{5940675A-B579-460E-94D1-54222C63F5DA}</a:tableStyleId>
-              </a:tblPr>
-              <a:tblGrid>
-                <a:gridCol w="2032134">
-                  <a:extLst>
-                    <a:ext uri="{9D8B030D-6E8A-4147-A177-3AD203B41FA5}">
-                      <a16:colId xmlns:a16="http://schemas.microsoft.com/office/drawing/2014/main" val="47363412"/>
-                    </a:ext>
-                  </a:extLst>
-                </a:gridCol>
-                <a:gridCol w="2032134">
-                  <a:extLst>
-                    <a:ext uri="{9D8B030D-6E8A-4147-A177-3AD203B41FA5}">
-                      <a16:colId xmlns:a16="http://schemas.microsoft.com/office/drawing/2014/main" val="1977153358"/>
-                    </a:ext>
-                  </a:extLst>
-                </a:gridCol>
-                <a:gridCol w="2032134">
-                  <a:extLst>
-                    <a:ext uri="{9D8B030D-6E8A-4147-A177-3AD203B41FA5}">
-                      <a16:colId xmlns:a16="http://schemas.microsoft.com/office/drawing/2014/main" val="3935601631"/>
-                    </a:ext>
-                  </a:extLst>
-                </a:gridCol>
-                <a:gridCol w="2032134">
-                  <a:extLst>
-                    <a:ext uri="{9D8B030D-6E8A-4147-A177-3AD203B41FA5}">
-                      <a16:colId xmlns:a16="http://schemas.microsoft.com/office/drawing/2014/main" val="4119078486"/>
-                    </a:ext>
-                  </a:extLst>
-                </a:gridCol>
-                <a:gridCol w="2032134">
-                  <a:extLst>
-                    <a:ext uri="{9D8B030D-6E8A-4147-A177-3AD203B41FA5}">
-                      <a16:colId xmlns:a16="http://schemas.microsoft.com/office/drawing/2014/main" val="371862353"/>
-                    </a:ext>
-                  </a:extLst>
-                </a:gridCol>
-              </a:tblGrid>
-              <a:tr h="2099510">
-                <a:tc>
-                  <a:txBody>
-                    <a:bodyPr/>
-                    <a:lstStyle/>
-                    <a:p>
-                      <a:pPr>
-                        <a:spcAft>
-                          <a:spcPts val="0"/>
-                        </a:spcAft>
-                      </a:pPr>
-                      <a:endParaRPr lang="da-DK" sz="2800">
-                        <a:effectLst/>
-                        <a:latin typeface="Calibri" panose="020F0502020204030204" pitchFamily="34" charset="0"/>
-                        <a:ea typeface="Calibri" panose="020F0502020204030204" pitchFamily="34" charset="0"/>
-                        <a:cs typeface="Times New Roman" panose="02020603050405020304" pitchFamily="18" charset="0"/>
-                      </a:endParaRPr>
-                    </a:p>
-                  </a:txBody>
-                  <a:tcPr marL="68580" marR="68580" marT="0" marB="0"/>
-                </a:tc>
-                <a:tc>
-                  <a:txBody>
-                    <a:bodyPr/>
-                    <a:lstStyle/>
-                    <a:p>
-                      <a:pPr>
-                        <a:spcAft>
-                          <a:spcPts val="0"/>
-                        </a:spcAft>
-                      </a:pPr>
-                      <a:endParaRPr lang="da-DK" sz="2800">
-                        <a:effectLst/>
-                        <a:latin typeface="Calibri" panose="020F0502020204030204" pitchFamily="34" charset="0"/>
-                        <a:ea typeface="Calibri" panose="020F0502020204030204" pitchFamily="34" charset="0"/>
-                        <a:cs typeface="Times New Roman" panose="02020603050405020304" pitchFamily="18" charset="0"/>
-                      </a:endParaRPr>
-                    </a:p>
-                  </a:txBody>
-                  <a:tcPr marL="68580" marR="68580" marT="0" marB="0"/>
-                </a:tc>
-                <a:tc>
-                  <a:txBody>
-                    <a:bodyPr/>
-                    <a:lstStyle/>
-                    <a:p>
-                      <a:pPr>
-                        <a:spcAft>
-                          <a:spcPts val="0"/>
-                        </a:spcAft>
-                      </a:pPr>
-                      <a:endParaRPr lang="da-DK" sz="2800">
-                        <a:effectLst/>
-                        <a:latin typeface="Calibri" panose="020F0502020204030204" pitchFamily="34" charset="0"/>
-                        <a:ea typeface="Calibri" panose="020F0502020204030204" pitchFamily="34" charset="0"/>
-                        <a:cs typeface="Times New Roman" panose="02020603050405020304" pitchFamily="18" charset="0"/>
-                      </a:endParaRPr>
-                    </a:p>
-                  </a:txBody>
-                  <a:tcPr marL="68580" marR="68580" marT="0" marB="0"/>
-                </a:tc>
-                <a:tc>
-                  <a:txBody>
-                    <a:bodyPr/>
-                    <a:lstStyle/>
-                    <a:p>
-                      <a:pPr>
-                        <a:spcAft>
-                          <a:spcPts val="0"/>
-                        </a:spcAft>
-                      </a:pPr>
-                      <a:endParaRPr lang="da-DK" sz="2800">
-                        <a:effectLst/>
-                        <a:latin typeface="Calibri" panose="020F0502020204030204" pitchFamily="34" charset="0"/>
-                        <a:ea typeface="Calibri" panose="020F0502020204030204" pitchFamily="34" charset="0"/>
-                        <a:cs typeface="Times New Roman" panose="02020603050405020304" pitchFamily="18" charset="0"/>
-                      </a:endParaRPr>
-                    </a:p>
-                  </a:txBody>
-                  <a:tcPr marL="68580" marR="68580" marT="0" marB="0"/>
-                </a:tc>
-                <a:tc>
-                  <a:txBody>
-                    <a:bodyPr/>
-                    <a:lstStyle/>
-                    <a:p>
-                      <a:pPr>
-                        <a:spcAft>
-                          <a:spcPts val="0"/>
-                        </a:spcAft>
-                      </a:pPr>
-                      <a:endParaRPr lang="da-DK" sz="2800">
-                        <a:effectLst/>
-                        <a:latin typeface="Calibri" panose="020F0502020204030204" pitchFamily="34" charset="0"/>
-                        <a:ea typeface="Calibri" panose="020F0502020204030204" pitchFamily="34" charset="0"/>
-                        <a:cs typeface="Times New Roman" panose="02020603050405020304" pitchFamily="18" charset="0"/>
-                      </a:endParaRPr>
-                    </a:p>
-                  </a:txBody>
-                  <a:tcPr marL="68580" marR="68580" marT="0" marB="0"/>
-                </a:tc>
-                <a:extLst>
-                  <a:ext uri="{0D108BD9-81ED-4DB2-BD59-A6C34878D82A}">
-                    <a16:rowId xmlns:a16="http://schemas.microsoft.com/office/drawing/2014/main" val="1071557111"/>
-                  </a:ext>
-                </a:extLst>
-              </a:tr>
-            </a:tbl>
-          </a:graphicData>
-        </a:graphic>
-      </p:graphicFrame>
-      <p:sp>
-        <p:nvSpPr>
-          <p:cNvPr id="5" name="Pladsholder til indhold 2"/>
-          <p:cNvSpPr>
-            <a:spLocks noGrp="1"/>
-          </p:cNvSpPr>
-          <p:nvPr>
-            <p:ph idx="1"/>
-          </p:nvPr>
-        </p:nvSpPr>
-        <p:spPr>
-          <a:xfrm>
-            <a:off x="890336" y="676609"/>
-            <a:ext cx="10515600" cy="1176254"/>
-          </a:xfrm>
-        </p:spPr>
-        <p:txBody>
-          <a:bodyPr>
-            <a:normAutofit/>
-          </a:bodyPr>
-          <a:lstStyle/>
-          <a:p>
-            <a:pPr marL="0" indent="0">
-              <a:buNone/>
-            </a:pPr>
-            <a:r>
-              <a:rPr lang="da-DK" sz="4800" b="1" smtClean="0">
-                <a:solidFill>
-                  <a:schemeClr val="accent6">
-                    <a:lumMod val="75000"/>
-                  </a:schemeClr>
-                </a:solidFill>
-                <a:latin typeface="Consolas" panose="020B0609020204030204" pitchFamily="49" charset="0"/>
-              </a:rPr>
-              <a:t>List</a:t>
-            </a:r>
-            <a:r>
-              <a:rPr lang="da-DK" sz="4800" b="1" smtClean="0">
-                <a:latin typeface="Consolas" panose="020B0609020204030204" pitchFamily="49" charset="0"/>
-              </a:rPr>
-              <a:t>&lt;</a:t>
-            </a:r>
-            <a:r>
-              <a:rPr lang="da-DK" sz="4800" b="1" smtClean="0">
-                <a:solidFill>
-                  <a:schemeClr val="accent6">
-                    <a:lumMod val="75000"/>
-                  </a:schemeClr>
-                </a:solidFill>
-                <a:latin typeface="Consolas" panose="020B0609020204030204" pitchFamily="49" charset="0"/>
-              </a:rPr>
-              <a:t>Movie</a:t>
-            </a:r>
-            <a:r>
-              <a:rPr lang="da-DK" sz="4800" b="1" smtClean="0">
-                <a:latin typeface="Consolas" panose="020B0609020204030204" pitchFamily="49" charset="0"/>
-              </a:rPr>
-              <a:t>&gt; movies</a:t>
-            </a:r>
-            <a:endParaRPr lang="da-DK" sz="4800" b="1">
-              <a:latin typeface="Consolas" panose="020B0609020204030204" pitchFamily="49" charset="0"/>
-            </a:endParaRPr>
-          </a:p>
-        </p:txBody>
-      </p:sp>
-      <p:sp>
-        <p:nvSpPr>
-          <p:cNvPr id="2" name="Sky 1"/>
-          <p:cNvSpPr/>
-          <p:nvPr/>
-        </p:nvSpPr>
-        <p:spPr>
-          <a:xfrm>
-            <a:off x="962525" y="2622884"/>
-            <a:ext cx="1882942" cy="1648327"/>
-          </a:xfrm>
-          <a:prstGeom prst="cloud">
-            <a:avLst/>
-          </a:prstGeom>
-        </p:spPr>
-        <p:style>
-          <a:lnRef idx="2">
-            <a:schemeClr val="accent1">
-              <a:shade val="50000"/>
-            </a:schemeClr>
-          </a:lnRef>
-          <a:fillRef idx="1">
-            <a:schemeClr val="accent1"/>
-          </a:fillRef>
-          <a:effectRef idx="0">
-            <a:schemeClr val="accent1"/>
-          </a:effectRef>
-          <a:fontRef idx="minor">
-            <a:schemeClr val="lt1"/>
-          </a:fontRef>
-        </p:style>
-        <p:txBody>
-          <a:bodyPr rtlCol="0" anchor="ctr"/>
-          <a:lstStyle/>
-          <a:p>
-            <a:pPr algn="ctr"/>
-            <a:r>
-              <a:rPr lang="da-DK" sz="3200" smtClean="0"/>
-              <a:t>Movie</a:t>
-            </a:r>
-            <a:endParaRPr lang="da-DK" sz="3200"/>
-          </a:p>
-        </p:txBody>
-      </p:sp>
-      <p:sp>
-        <p:nvSpPr>
-          <p:cNvPr id="6" name="Sky 5"/>
-          <p:cNvSpPr/>
-          <p:nvPr/>
-        </p:nvSpPr>
-        <p:spPr>
-          <a:xfrm>
-            <a:off x="2979820" y="2529639"/>
-            <a:ext cx="1882942" cy="1648327"/>
-          </a:xfrm>
-          <a:prstGeom prst="cloud">
-            <a:avLst/>
-          </a:prstGeom>
-        </p:spPr>
-        <p:style>
-          <a:lnRef idx="2">
-            <a:schemeClr val="accent1">
-              <a:shade val="50000"/>
-            </a:schemeClr>
-          </a:lnRef>
-          <a:fillRef idx="1">
-            <a:schemeClr val="accent1"/>
-          </a:fillRef>
-          <a:effectRef idx="0">
-            <a:schemeClr val="accent1"/>
-          </a:effectRef>
-          <a:fontRef idx="minor">
-            <a:schemeClr val="lt1"/>
-          </a:fontRef>
-        </p:style>
-        <p:txBody>
-          <a:bodyPr rtlCol="0" anchor="ctr"/>
-          <a:lstStyle/>
-          <a:p>
-            <a:pPr algn="ctr"/>
-            <a:r>
-              <a:rPr lang="da-DK" sz="3200" smtClean="0"/>
-              <a:t>Movie</a:t>
-            </a:r>
-            <a:endParaRPr lang="da-DK" sz="3200"/>
-          </a:p>
-        </p:txBody>
-      </p:sp>
-      <p:sp>
-        <p:nvSpPr>
-          <p:cNvPr id="7" name="Sky 6"/>
-          <p:cNvSpPr/>
-          <p:nvPr/>
-        </p:nvSpPr>
-        <p:spPr>
-          <a:xfrm>
-            <a:off x="5029200" y="2538662"/>
-            <a:ext cx="1882942" cy="1648327"/>
-          </a:xfrm>
-          <a:prstGeom prst="cloud">
-            <a:avLst/>
-          </a:prstGeom>
-        </p:spPr>
-        <p:style>
-          <a:lnRef idx="2">
-            <a:schemeClr val="accent1">
-              <a:shade val="50000"/>
-            </a:schemeClr>
-          </a:lnRef>
-          <a:fillRef idx="1">
-            <a:schemeClr val="accent1"/>
-          </a:fillRef>
-          <a:effectRef idx="0">
-            <a:schemeClr val="accent1"/>
-          </a:effectRef>
-          <a:fontRef idx="minor">
-            <a:schemeClr val="lt1"/>
-          </a:fontRef>
-        </p:style>
-        <p:txBody>
-          <a:bodyPr rtlCol="0" anchor="ctr"/>
-          <a:lstStyle/>
-          <a:p>
-            <a:pPr algn="ctr"/>
-            <a:r>
-              <a:rPr lang="da-DK" sz="3200" smtClean="0"/>
-              <a:t>Movie</a:t>
-            </a:r>
-            <a:endParaRPr lang="da-DK" sz="3200"/>
-          </a:p>
-        </p:txBody>
-      </p:sp>
-      <p:sp>
-        <p:nvSpPr>
-          <p:cNvPr id="8" name="Sky 7"/>
-          <p:cNvSpPr/>
-          <p:nvPr/>
-        </p:nvSpPr>
-        <p:spPr>
-          <a:xfrm>
-            <a:off x="7078580" y="2538661"/>
-            <a:ext cx="1882942" cy="1648327"/>
-          </a:xfrm>
-          <a:prstGeom prst="cloud">
-            <a:avLst/>
-          </a:prstGeom>
-        </p:spPr>
-        <p:style>
-          <a:lnRef idx="2">
-            <a:schemeClr val="accent1">
-              <a:shade val="50000"/>
-            </a:schemeClr>
-          </a:lnRef>
-          <a:fillRef idx="1">
-            <a:schemeClr val="accent1"/>
-          </a:fillRef>
-          <a:effectRef idx="0">
-            <a:schemeClr val="accent1"/>
-          </a:effectRef>
-          <a:fontRef idx="minor">
-            <a:schemeClr val="lt1"/>
-          </a:fontRef>
-        </p:style>
-        <p:txBody>
-          <a:bodyPr rtlCol="0" anchor="ctr"/>
-          <a:lstStyle/>
-          <a:p>
-            <a:pPr algn="ctr"/>
-            <a:r>
-              <a:rPr lang="da-DK" sz="3200" smtClean="0"/>
-              <a:t>Movie</a:t>
-            </a:r>
-            <a:endParaRPr lang="da-DK" sz="3200"/>
-          </a:p>
-        </p:txBody>
-      </p:sp>
-      <p:sp>
-        <p:nvSpPr>
-          <p:cNvPr id="9" name="Sky 8"/>
-          <p:cNvSpPr/>
-          <p:nvPr/>
-        </p:nvSpPr>
-        <p:spPr>
-          <a:xfrm>
-            <a:off x="9095875" y="2532645"/>
-            <a:ext cx="1882942" cy="1648327"/>
-          </a:xfrm>
-          <a:prstGeom prst="cloud">
-            <a:avLst/>
-          </a:prstGeom>
-        </p:spPr>
-        <p:style>
-          <a:lnRef idx="2">
-            <a:schemeClr val="accent1">
-              <a:shade val="50000"/>
-            </a:schemeClr>
-          </a:lnRef>
-          <a:fillRef idx="1">
-            <a:schemeClr val="accent1"/>
-          </a:fillRef>
-          <a:effectRef idx="0">
-            <a:schemeClr val="accent1"/>
-          </a:effectRef>
-          <a:fontRef idx="minor">
-            <a:schemeClr val="lt1"/>
-          </a:fontRef>
-        </p:style>
-        <p:txBody>
-          <a:bodyPr rtlCol="0" anchor="ctr"/>
-          <a:lstStyle/>
-          <a:p>
-            <a:pPr algn="ctr"/>
-            <a:r>
-              <a:rPr lang="da-DK" sz="3200" smtClean="0"/>
-              <a:t>Movie</a:t>
-            </a:r>
-            <a:endParaRPr lang="da-DK" sz="3200"/>
-          </a:p>
-        </p:txBody>
-      </p:sp>
-    </p:spTree>
-    <p:extLst>
-      <p:ext uri="{BB962C8B-B14F-4D97-AF65-F5344CB8AC3E}">
-        <p14:creationId xmlns:p14="http://schemas.microsoft.com/office/powerpoint/2010/main" val="2408320788"/>
-      </p:ext>
-    </p:extLst>
-  </p:cSld>
-  <p:clrMapOvr>
-    <a:masterClrMapping/>
-  </p:clrMapOvr>
-  <p:timing>
-    <p:tnLst>
-      <p:par>
-        <p:cTn id="1" dur="indefinite" restart="never" nodeType="tmRoot"/>
-      </p:par>
-    </p:tnLst>
-  </p:timing>
-</p:sld>
-</file>
-
-<file path=ppt/slides/slide30.xml><?xml version="1.0" encoding="utf-8"?>
+<file path=ppt/slides/slide35.xml><?xml version="1.0" encoding="utf-8"?>
 <p:sld xmlns:a="http://schemas.openxmlformats.org/drawingml/2006/main" xmlns:r="http://schemas.openxmlformats.org/officeDocument/2006/relationships" xmlns:p="http://schemas.openxmlformats.org/presentationml/2006/main">
   <p:cSld>
     <p:spTree>
@@ -23439,8 +24981,17 @@
               <a:rPr lang="en-US" sz="3200" b="1" smtClean="0">
                 <a:latin typeface="Consolas" panose="020B0609020204030204" pitchFamily="49" charset="0"/>
               </a:rPr>
-              <a:t> s.StudioName</a:t>
-            </a:r>
+              <a:t> </a:t>
+            </a:r>
+            <a:r>
+              <a:rPr lang="en-US" sz="3200" b="1" smtClean="0">
+                <a:latin typeface="Consolas" panose="020B0609020204030204" pitchFamily="49" charset="0"/>
+              </a:rPr>
+              <a:t>s.Name</a:t>
+            </a:r>
+            <a:endParaRPr lang="en-US" sz="3200" b="1" smtClean="0">
+              <a:latin typeface="Consolas" panose="020B0609020204030204" pitchFamily="49" charset="0"/>
+            </a:endParaRPr>
           </a:p>
           <a:p>
             <a:pPr marL="0" indent="0">
@@ -23576,7 +25127,7 @@
 </p:sld>
 </file>
 
-<file path=ppt/slides/slide31.xml><?xml version="1.0" encoding="utf-8"?>
+<file path=ppt/slides/slide36.xml><?xml version="1.0" encoding="utf-8"?>
 <p:sld xmlns:a="http://schemas.openxmlformats.org/drawingml/2006/main" xmlns:r="http://schemas.openxmlformats.org/officeDocument/2006/relationships" xmlns:p="http://schemas.openxmlformats.org/presentationml/2006/main">
   <p:cSld>
     <p:spTree>
@@ -24640,7 +26191,7 @@
 </p:sld>
 </file>
 
-<file path=ppt/slides/slide32.xml><?xml version="1.0" encoding="utf-8"?>
+<file path=ppt/slides/slide37.xml><?xml version="1.0" encoding="utf-8"?>
 <p:sld xmlns:a="http://schemas.openxmlformats.org/drawingml/2006/main" xmlns:r="http://schemas.openxmlformats.org/officeDocument/2006/relationships" xmlns:p="http://schemas.openxmlformats.org/presentationml/2006/main">
   <p:cSld>
     <p:spTree>
@@ -24666,7 +26217,7 @@
           <p:nvPr>
             <p:extLst>
               <p:ext uri="{D42A27DB-BD31-4B8C-83A1-F6EECF244321}">
-                <p14:modId xmlns:p14="http://schemas.microsoft.com/office/powerpoint/2010/main" val="2401784170"/>
+                <p14:modId xmlns:p14="http://schemas.microsoft.com/office/powerpoint/2010/main" val="60299578"/>
               </p:ext>
             </p:extLst>
           </p:nvPr>
@@ -24682,14 +26233,14 @@
                 <a:tableStyleId>{5940675A-B579-460E-94D1-54222C63F5DA}</a:tableStyleId>
               </a:tblPr>
               <a:tblGrid>
-                <a:gridCol w="2168757">
+                <a:gridCol w="1904465">
                   <a:extLst>
                     <a:ext uri="{9D8B030D-6E8A-4147-A177-3AD203B41FA5}">
                       <a16:colId xmlns:a16="http://schemas.microsoft.com/office/drawing/2014/main" val="47363412"/>
                     </a:ext>
                   </a:extLst>
                 </a:gridCol>
-                <a:gridCol w="7977696">
+                <a:gridCol w="8241988">
                   <a:extLst>
                     <a:ext uri="{9D8B030D-6E8A-4147-A177-3AD203B41FA5}">
                       <a16:colId xmlns:a16="http://schemas.microsoft.com/office/drawing/2014/main" val="3935601631"/>
@@ -24715,7 +26266,7 @@
                           <a:ea typeface="Calibri" panose="020F0502020204030204" pitchFamily="34" charset="0"/>
                           <a:cs typeface="Times New Roman" panose="02020603050405020304" pitchFamily="18" charset="0"/>
                         </a:rPr>
-                        <a:t>Identifikation</a:t>
+                        <a:t>Identification</a:t>
                       </a:r>
                       <a:endParaRPr lang="da-DK" sz="2400" b="1">
                         <a:effectLst/>
@@ -24750,7 +26301,7 @@
                         <a:defRPr/>
                       </a:pPr>
                       <a:r>
-                        <a:rPr lang="en-US" sz="1800" b="1" smtClean="0">
+                        <a:rPr lang="en-US" sz="1600" b="1" smtClean="0">
                           <a:solidFill>
                             <a:schemeClr val="accent1">
                               <a:lumMod val="75000"/>
@@ -24761,25 +26312,25 @@
                         <a:t>from</a:t>
                       </a:r>
                       <a:r>
-                        <a:rPr lang="en-US" sz="1800" b="1" smtClean="0">
+                        <a:rPr lang="en-US" sz="1600" b="1" smtClean="0">
                           <a:latin typeface="Consolas" panose="020B0609020204030204" pitchFamily="49" charset="0"/>
                         </a:rPr>
                         <a:t> (</a:t>
                       </a:r>
                       <a:r>
-                        <a:rPr lang="en-US" sz="1800" b="1" i="1" smtClean="0">
+                        <a:rPr lang="en-US" sz="1600" b="1" i="1" smtClean="0">
                           <a:latin typeface="Consolas" panose="020B0609020204030204" pitchFamily="49" charset="0"/>
                         </a:rPr>
-                        <a:t>variabel</a:t>
-                      </a:r>
-                      <a:r>
-                        <a:rPr lang="en-US" sz="1800" b="1" smtClean="0">
+                        <a:t>variableName</a:t>
+                      </a:r>
+                      <a:r>
+                        <a:rPr lang="en-US" sz="1600" b="1" smtClean="0">
                           <a:latin typeface="Consolas" panose="020B0609020204030204" pitchFamily="49" charset="0"/>
                         </a:rPr>
                         <a:t>) </a:t>
                       </a:r>
                       <a:r>
-                        <a:rPr lang="en-US" sz="1800" b="1" smtClean="0">
+                        <a:rPr lang="en-US" sz="1600" b="1" smtClean="0">
                           <a:solidFill>
                             <a:schemeClr val="accent1">
                               <a:lumMod val="75000"/>
@@ -24790,19 +26341,19 @@
                         <a:t>in</a:t>
                       </a:r>
                       <a:r>
-                        <a:rPr lang="en-US" sz="1800" b="1" smtClean="0">
+                        <a:rPr lang="en-US" sz="1600" b="1" smtClean="0">
                           <a:latin typeface="Consolas" panose="020B0609020204030204" pitchFamily="49" charset="0"/>
                         </a:rPr>
                         <a:t> (</a:t>
                       </a:r>
                       <a:r>
-                        <a:rPr lang="en-US" sz="1800" b="1" i="1" smtClean="0">
+                        <a:rPr lang="en-US" sz="1600" b="1" i="1" smtClean="0">
                           <a:latin typeface="Consolas" panose="020B0609020204030204" pitchFamily="49" charset="0"/>
                         </a:rPr>
-                        <a:t>datastruktur</a:t>
-                      </a:r>
-                      <a:r>
-                        <a:rPr lang="en-US" sz="1800" b="1" smtClean="0">
+                        <a:t>collectionName</a:t>
+                      </a:r>
+                      <a:r>
+                        <a:rPr lang="en-US" sz="1600" b="1" smtClean="0">
                           <a:latin typeface="Consolas" panose="020B0609020204030204" pitchFamily="49" charset="0"/>
                         </a:rPr>
                         <a:t>)</a:t>
@@ -24835,7 +26386,7 @@
                           <a:ea typeface="Calibri" panose="020F0502020204030204" pitchFamily="34" charset="0"/>
                           <a:cs typeface="Times New Roman" panose="02020603050405020304" pitchFamily="18" charset="0"/>
                         </a:rPr>
-                        <a:t>Selektion</a:t>
+                        <a:t>Selection</a:t>
                       </a:r>
                       <a:endParaRPr lang="da-DK" sz="2400" b="1">
                         <a:effectLst/>
@@ -24858,7 +26409,7 @@
                         </a:spcAft>
                       </a:pPr>
                       <a:r>
-                        <a:rPr lang="en-US" sz="1800" b="1" smtClean="0">
+                        <a:rPr lang="en-US" sz="1600" b="1" smtClean="0">
                           <a:solidFill>
                             <a:schemeClr val="accent1">
                               <a:lumMod val="75000"/>
@@ -24869,36 +26420,36 @@
                         <a:t>select</a:t>
                       </a:r>
                       <a:r>
-                        <a:rPr lang="en-US" sz="1800" b="1" smtClean="0">
+                        <a:rPr lang="en-US" sz="1600" b="1" smtClean="0">
                           <a:latin typeface="Consolas" panose="020B0609020204030204" pitchFamily="49" charset="0"/>
                         </a:rPr>
                         <a:t> (</a:t>
                       </a:r>
                       <a:r>
-                        <a:rPr lang="en-US" sz="1800" b="1" i="1" smtClean="0">
+                        <a:rPr lang="en-US" sz="1600" b="1" i="1" smtClean="0">
                           <a:latin typeface="Consolas" panose="020B0609020204030204" pitchFamily="49" charset="0"/>
                         </a:rPr>
-                        <a:t>variabel</a:t>
-                      </a:r>
-                      <a:r>
-                        <a:rPr lang="en-US" sz="1800" b="1" smtClean="0">
+                        <a:t>variableName</a:t>
+                      </a:r>
+                      <a:r>
+                        <a:rPr lang="en-US" sz="1600" b="1" smtClean="0">
                           <a:latin typeface="Consolas" panose="020B0609020204030204" pitchFamily="49" charset="0"/>
                         </a:rPr>
                         <a:t>).(</a:t>
                       </a:r>
                       <a:r>
-                        <a:rPr lang="en-US" sz="1800" b="1" i="1" smtClean="0">
+                        <a:rPr lang="en-US" sz="1600" b="1" i="1" smtClean="0">
                           <a:latin typeface="Consolas" panose="020B0609020204030204" pitchFamily="49" charset="0"/>
                         </a:rPr>
-                        <a:t>propertynavn</a:t>
-                      </a:r>
-                      <a:r>
-                        <a:rPr lang="en-US" sz="1800" b="1" smtClean="0">
+                        <a:t>propertyName</a:t>
+                      </a:r>
+                      <a:r>
+                        <a:rPr lang="en-US" sz="1600" b="1" smtClean="0">
                           <a:latin typeface="Consolas" panose="020B0609020204030204" pitchFamily="49" charset="0"/>
                         </a:rPr>
                         <a:t>)</a:t>
                       </a:r>
-                      <a:endParaRPr lang="en-US" sz="1800" b="1" smtClean="0">
+                      <a:endParaRPr lang="en-US" sz="1600" b="1" smtClean="0">
                         <a:solidFill>
                           <a:schemeClr val="accent1">
                             <a:lumMod val="75000"/>
@@ -24914,7 +26465,7 @@
                         </a:spcAft>
                       </a:pPr>
                       <a:r>
-                        <a:rPr lang="en-US" sz="1800" b="1" smtClean="0">
+                        <a:rPr lang="en-US" sz="1600" b="1" smtClean="0">
                           <a:solidFill>
                             <a:schemeClr val="accent1">
                               <a:lumMod val="75000"/>
@@ -24925,13 +26476,13 @@
                         <a:t>select</a:t>
                       </a:r>
                       <a:r>
-                        <a:rPr lang="en-US" sz="1800" b="1" smtClean="0">
+                        <a:rPr lang="en-US" sz="1600" b="1" smtClean="0">
                           <a:latin typeface="Consolas" panose="020B0609020204030204" pitchFamily="49" charset="0"/>
                         </a:rPr>
                         <a:t> </a:t>
                       </a:r>
                       <a:r>
-                        <a:rPr lang="en-US" sz="1800" b="1" smtClean="0">
+                        <a:rPr lang="en-US" sz="1600" b="1" smtClean="0">
                           <a:solidFill>
                             <a:schemeClr val="accent1">
                               <a:lumMod val="75000"/>
@@ -24942,36 +26493,36 @@
                         <a:t>new</a:t>
                       </a:r>
                       <a:r>
-                        <a:rPr lang="en-US" sz="1800" b="1" smtClean="0">
+                        <a:rPr lang="en-US" sz="1600" b="1" smtClean="0">
                           <a:latin typeface="Consolas" panose="020B0609020204030204" pitchFamily="49" charset="0"/>
                         </a:rPr>
                         <a:t> {(</a:t>
                       </a:r>
                       <a:r>
-                        <a:rPr lang="en-US" sz="1800" b="1" i="1" smtClean="0">
+                        <a:rPr lang="en-US" sz="1600" b="1" i="1" smtClean="0">
                           <a:latin typeface="Consolas" panose="020B0609020204030204" pitchFamily="49" charset="0"/>
                         </a:rPr>
-                        <a:t>variabel</a:t>
-                      </a:r>
-                      <a:r>
-                        <a:rPr lang="en-US" sz="1800" b="1" smtClean="0">
+                        <a:t>variableName</a:t>
+                      </a:r>
+                      <a:r>
+                        <a:rPr lang="en-US" sz="1600" b="1" smtClean="0">
                           <a:latin typeface="Consolas" panose="020B0609020204030204" pitchFamily="49" charset="0"/>
                         </a:rPr>
                         <a:t>).(</a:t>
                       </a:r>
                       <a:r>
-                        <a:rPr lang="en-US" sz="1800" b="1" i="1" smtClean="0">
+                        <a:rPr lang="en-US" sz="1600" b="1" i="1" smtClean="0">
                           <a:latin typeface="Consolas" panose="020B0609020204030204" pitchFamily="49" charset="0"/>
                         </a:rPr>
-                        <a:t>propertynavn</a:t>
-                      </a:r>
-                      <a:r>
-                        <a:rPr lang="en-US" sz="1800" b="1" smtClean="0">
+                        <a:t>propertyName</a:t>
+                      </a:r>
+                      <a:r>
+                        <a:rPr lang="en-US" sz="1600" b="1" smtClean="0">
                           <a:latin typeface="Consolas" panose="020B0609020204030204" pitchFamily="49" charset="0"/>
                         </a:rPr>
                         <a:t>),…}</a:t>
                       </a:r>
-                      <a:endParaRPr lang="da-DK" sz="1800">
+                      <a:endParaRPr lang="da-DK" sz="1600">
                         <a:effectLst/>
                         <a:latin typeface="Calibri" panose="020F0502020204030204" pitchFamily="34" charset="0"/>
                         <a:ea typeface="Calibri" panose="020F0502020204030204" pitchFamily="34" charset="0"/>
@@ -25005,7 +26556,7 @@
                           <a:ea typeface="Calibri" panose="020F0502020204030204" pitchFamily="34" charset="0"/>
                           <a:cs typeface="Times New Roman" panose="02020603050405020304" pitchFamily="18" charset="0"/>
                         </a:rPr>
-                        <a:t>Filtrering</a:t>
+                        <a:t>Filtering</a:t>
                       </a:r>
                       <a:endParaRPr lang="da-DK" sz="2400" b="1">
                         <a:effectLst/>
@@ -25040,7 +26591,7 @@
                         <a:defRPr/>
                       </a:pPr>
                       <a:r>
-                        <a:rPr lang="en-US" sz="1800" b="1" smtClean="0">
+                        <a:rPr lang="en-US" sz="1600" b="1" smtClean="0">
                           <a:solidFill>
                             <a:schemeClr val="accent1">
                               <a:lumMod val="75000"/>
@@ -25051,19 +26602,19 @@
                         <a:t>where </a:t>
                       </a:r>
                       <a:r>
-                        <a:rPr lang="en-US" sz="1800" b="1" smtClean="0">
+                        <a:rPr lang="en-US" sz="1600" b="1" smtClean="0">
                           <a:latin typeface="Consolas" panose="020B0609020204030204" pitchFamily="49" charset="0"/>
                         </a:rPr>
                         <a:t>(</a:t>
                       </a:r>
                       <a:r>
-                        <a:rPr lang="en-US" sz="1800" b="1" i="1" smtClean="0">
+                        <a:rPr lang="en-US" sz="1600" b="1" i="1" smtClean="0">
                           <a:latin typeface="Consolas" panose="020B0609020204030204" pitchFamily="49" charset="0"/>
                         </a:rPr>
-                        <a:t>logisk betingelse</a:t>
-                      </a:r>
-                      <a:r>
-                        <a:rPr lang="en-US" sz="1800" b="1" smtClean="0">
+                        <a:t>logical condition</a:t>
+                      </a:r>
+                      <a:r>
+                        <a:rPr lang="en-US" sz="1600" b="1" smtClean="0">
                           <a:latin typeface="Consolas" panose="020B0609020204030204" pitchFamily="49" charset="0"/>
                         </a:rPr>
                         <a:t>)</a:t>
@@ -25096,7 +26647,7 @@
                           <a:ea typeface="Calibri" panose="020F0502020204030204" pitchFamily="34" charset="0"/>
                           <a:cs typeface="Times New Roman" panose="02020603050405020304" pitchFamily="18" charset="0"/>
                         </a:rPr>
-                        <a:t>Ordning</a:t>
+                        <a:t>Ordering</a:t>
                       </a:r>
                       <a:endParaRPr lang="da-DK" sz="2400" b="1">
                         <a:effectLst/>
@@ -25131,7 +26682,7 @@
                         <a:defRPr/>
                       </a:pPr>
                       <a:r>
-                        <a:rPr lang="en-US" sz="1800" b="1" smtClean="0">
+                        <a:rPr lang="en-US" sz="1600" b="1" smtClean="0">
                           <a:solidFill>
                             <a:schemeClr val="accent1">
                               <a:lumMod val="75000"/>
@@ -25142,31 +26693,31 @@
                         <a:t>orderby </a:t>
                       </a:r>
                       <a:r>
-                        <a:rPr lang="en-US" sz="1800" b="1" smtClean="0">
+                        <a:rPr lang="en-US" sz="1600" b="1" smtClean="0">
                           <a:latin typeface="Consolas" panose="020B0609020204030204" pitchFamily="49" charset="0"/>
                         </a:rPr>
                         <a:t>(</a:t>
                       </a:r>
                       <a:r>
-                        <a:rPr lang="en-US" sz="1800" b="1" i="1" smtClean="0">
+                        <a:rPr lang="en-US" sz="1600" b="1" i="1" smtClean="0">
                           <a:latin typeface="Consolas" panose="020B0609020204030204" pitchFamily="49" charset="0"/>
                         </a:rPr>
-                        <a:t>variabel</a:t>
-                      </a:r>
-                      <a:r>
-                        <a:rPr lang="en-US" sz="1800" b="1" smtClean="0">
+                        <a:t>variableName</a:t>
+                      </a:r>
+                      <a:r>
+                        <a:rPr lang="en-US" sz="1600" b="1" smtClean="0">
                           <a:latin typeface="Consolas" panose="020B0609020204030204" pitchFamily="49" charset="0"/>
                         </a:rPr>
                         <a:t>).(</a:t>
                       </a:r>
                       <a:r>
-                        <a:rPr lang="en-US" sz="1800" b="1" i="1" smtClean="0">
+                        <a:rPr lang="en-US" sz="1600" b="1" i="1" smtClean="0">
                           <a:latin typeface="Consolas" panose="020B0609020204030204" pitchFamily="49" charset="0"/>
                         </a:rPr>
-                        <a:t>propertynavn</a:t>
-                      </a:r>
-                      <a:r>
-                        <a:rPr lang="en-US" sz="1800" b="1" smtClean="0">
+                        <a:t>propertyName</a:t>
+                      </a:r>
+                      <a:r>
+                        <a:rPr lang="en-US" sz="1600" b="1" smtClean="0">
                           <a:latin typeface="Consolas" panose="020B0609020204030204" pitchFamily="49" charset="0"/>
                         </a:rPr>
                         <a:t>)</a:t>
@@ -25199,7 +26750,7 @@
                           <a:ea typeface="Calibri" panose="020F0502020204030204" pitchFamily="34" charset="0"/>
                           <a:cs typeface="Times New Roman" panose="02020603050405020304" pitchFamily="18" charset="0"/>
                         </a:rPr>
-                        <a:t>Aggregering</a:t>
+                        <a:t>Aggregation</a:t>
                       </a:r>
                       <a:endParaRPr lang="da-DK" sz="2400" b="1">
                         <a:effectLst/>
@@ -25222,36 +26773,36 @@
                         </a:spcAft>
                       </a:pPr>
                       <a:r>
-                        <a:rPr lang="en-US" sz="1800" b="1" smtClean="0">
+                        <a:rPr lang="en-US" sz="1600" b="1" smtClean="0">
                           <a:latin typeface="Consolas" panose="020B0609020204030204" pitchFamily="49" charset="0"/>
                         </a:rPr>
                         <a:t>(</a:t>
                       </a:r>
                       <a:r>
-                        <a:rPr lang="en-US" sz="1800" b="1" i="1" smtClean="0">
+                        <a:rPr lang="en-US" sz="1600" b="1" i="1" smtClean="0">
                           <a:latin typeface="Consolas" panose="020B0609020204030204" pitchFamily="49" charset="0"/>
                         </a:rPr>
-                        <a:t>resultat af query</a:t>
-                      </a:r>
-                      <a:r>
-                        <a:rPr lang="en-US" sz="1800" b="1" smtClean="0">
+                        <a:t>queryResult</a:t>
+                      </a:r>
+                      <a:r>
+                        <a:rPr lang="en-US" sz="1600" b="1" smtClean="0">
                           <a:latin typeface="Consolas" panose="020B0609020204030204" pitchFamily="49" charset="0"/>
                         </a:rPr>
                         <a:t>).</a:t>
                       </a:r>
                       <a:r>
-                        <a:rPr lang="en-US" sz="1800" b="1" i="1" smtClean="0">
+                        <a:rPr lang="en-US" sz="1600" b="1" i="1" smtClean="0">
                           <a:latin typeface="Consolas" panose="020B0609020204030204" pitchFamily="49" charset="0"/>
                         </a:rPr>
-                        <a:t>Funktion</a:t>
-                      </a:r>
-                      <a:r>
-                        <a:rPr lang="en-US" sz="1800" b="1" smtClean="0">
+                        <a:t>Function</a:t>
+                      </a:r>
+                      <a:r>
+                        <a:rPr lang="en-US" sz="1600" b="1" smtClean="0">
                           <a:latin typeface="Consolas" panose="020B0609020204030204" pitchFamily="49" charset="0"/>
                         </a:rPr>
                         <a:t>()</a:t>
                       </a:r>
-                      <a:endParaRPr lang="da-DK" sz="1800">
+                      <a:endParaRPr lang="da-DK" sz="1600">
                         <a:effectLst/>
                         <a:latin typeface="Calibri" panose="020F0502020204030204" pitchFamily="34" charset="0"/>
                         <a:ea typeface="Calibri" panose="020F0502020204030204" pitchFamily="34" charset="0"/>
@@ -25320,7 +26871,7 @@
                         <a:defRPr/>
                       </a:pPr>
                       <a:r>
-                        <a:rPr lang="en-US" sz="1800" b="1" smtClean="0">
+                        <a:rPr lang="en-US" sz="1600" b="1" smtClean="0">
                           <a:solidFill>
                             <a:schemeClr val="accent1">
                               <a:lumMod val="75000"/>
@@ -25331,25 +26882,25 @@
                         <a:t>join</a:t>
                       </a:r>
                       <a:r>
-                        <a:rPr lang="en-US" sz="1800" b="1" smtClean="0">
+                        <a:rPr lang="en-US" sz="1600" b="1" smtClean="0">
                           <a:latin typeface="Consolas" panose="020B0609020204030204" pitchFamily="49" charset="0"/>
                         </a:rPr>
                         <a:t> (</a:t>
                       </a:r>
                       <a:r>
-                        <a:rPr lang="en-US" sz="1800" b="1" i="1" smtClean="0">
+                        <a:rPr lang="en-US" sz="1600" b="1" i="1" smtClean="0">
                           <a:latin typeface="Consolas" panose="020B0609020204030204" pitchFamily="49" charset="0"/>
                         </a:rPr>
-                        <a:t>variabel</a:t>
-                      </a:r>
-                      <a:r>
-                        <a:rPr lang="en-US" sz="1800" b="1" smtClean="0">
+                        <a:t>variableName</a:t>
+                      </a:r>
+                      <a:r>
+                        <a:rPr lang="en-US" sz="1600" b="1" smtClean="0">
                           <a:latin typeface="Consolas" panose="020B0609020204030204" pitchFamily="49" charset="0"/>
                         </a:rPr>
                         <a:t>) </a:t>
                       </a:r>
                       <a:r>
-                        <a:rPr lang="en-US" sz="1800" b="1" smtClean="0">
+                        <a:rPr lang="en-US" sz="1600" b="1" smtClean="0">
                           <a:solidFill>
                             <a:schemeClr val="accent1">
                               <a:lumMod val="75000"/>
@@ -25360,23 +26911,32 @@
                         <a:t>in</a:t>
                       </a:r>
                       <a:r>
-                        <a:rPr lang="en-US" sz="1800" b="1" smtClean="0">
+                        <a:rPr lang="en-US" sz="1600" b="1" smtClean="0">
                           <a:latin typeface="Consolas" panose="020B0609020204030204" pitchFamily="49" charset="0"/>
                         </a:rPr>
                         <a:t> (</a:t>
                       </a:r>
                       <a:r>
-                        <a:rPr lang="en-US" sz="1800" b="1" i="1" smtClean="0">
+                        <a:rPr lang="en-US" sz="1600" b="1" i="1" smtClean="0">
                           <a:latin typeface="Consolas" panose="020B0609020204030204" pitchFamily="49" charset="0"/>
                         </a:rPr>
-                        <a:t>datastruktur</a:t>
-                      </a:r>
-                      <a:r>
-                        <a:rPr lang="en-US" sz="1800" b="1" smtClean="0">
+                        <a:t>collectionName</a:t>
+                      </a:r>
+                      <a:r>
+                        <a:rPr lang="en-US" sz="1600" b="1" smtClean="0">
                           <a:latin typeface="Consolas" panose="020B0609020204030204" pitchFamily="49" charset="0"/>
                         </a:rPr>
                         <a:t>)</a:t>
                       </a:r>
+                      <a:r>
+                        <a:rPr lang="en-US" sz="1600" b="1" baseline="0" smtClean="0">
+                          <a:latin typeface="Consolas" panose="020B0609020204030204" pitchFamily="49" charset="0"/>
+                        </a:rPr>
+                        <a:t> </a:t>
+                      </a:r>
+                      <a:endParaRPr lang="en-US" sz="1600" b="1" baseline="0" smtClean="0">
+                        <a:latin typeface="Consolas" panose="020B0609020204030204" pitchFamily="49" charset="0"/>
+                      </a:endParaRPr>
                     </a:p>
                     <a:p>
                       <a:pPr marL="0" marR="0" lvl="0" indent="0" algn="l" defTabSz="914400" rtl="0" eaLnBrk="1" fontAlgn="auto" latinLnBrk="0" hangingPunct="1">
@@ -25397,7 +26957,7 @@
                         <a:defRPr/>
                       </a:pPr>
                       <a:r>
-                        <a:rPr lang="en-US" sz="1800" b="1" smtClean="0">
+                        <a:rPr lang="en-US" sz="1600" b="1" smtClean="0">
                           <a:solidFill>
                             <a:schemeClr val="accent1">
                               <a:lumMod val="75000"/>
@@ -25408,37 +26968,37 @@
                         <a:t>on</a:t>
                       </a:r>
                       <a:r>
-                        <a:rPr lang="en-US" sz="1800" b="1" smtClean="0">
+                        <a:rPr lang="en-US" sz="1600" b="1" smtClean="0">
                           <a:latin typeface="Consolas" panose="020B0609020204030204" pitchFamily="49" charset="0"/>
                         </a:rPr>
                         <a:t> (</a:t>
                       </a:r>
                       <a:r>
-                        <a:rPr lang="en-US" sz="1800" b="1" i="1" smtClean="0">
+                        <a:rPr lang="en-US" sz="1600" b="1" i="1" smtClean="0">
                           <a:latin typeface="Consolas" panose="020B0609020204030204" pitchFamily="49" charset="0"/>
                         </a:rPr>
-                        <a:t>variabel</a:t>
-                      </a:r>
-                      <a:r>
-                        <a:rPr lang="en-US" sz="1800" b="1" smtClean="0">
+                        <a:t>variableName</a:t>
+                      </a:r>
+                      <a:r>
+                        <a:rPr lang="en-US" sz="1600" b="1" smtClean="0">
                           <a:latin typeface="Consolas" panose="020B0609020204030204" pitchFamily="49" charset="0"/>
                         </a:rPr>
                         <a:t>).(</a:t>
                       </a:r>
                       <a:r>
-                        <a:rPr lang="en-US" sz="1800" b="1" i="1" smtClean="0">
+                        <a:rPr lang="en-US" sz="1600" b="1" i="1" smtClean="0">
                           <a:latin typeface="Consolas" panose="020B0609020204030204" pitchFamily="49" charset="0"/>
                         </a:rPr>
-                        <a:t>propertynavn</a:t>
-                      </a:r>
-                      <a:r>
-                        <a:rPr lang="en-US" sz="1800" b="1" smtClean="0">
+                        <a:t>propertyName</a:t>
+                      </a:r>
+                      <a:r>
+                        <a:rPr lang="en-US" sz="1600" b="1" smtClean="0">
                           <a:latin typeface="Consolas" panose="020B0609020204030204" pitchFamily="49" charset="0"/>
                         </a:rPr>
                         <a:t>) </a:t>
                       </a:r>
                       <a:r>
-                        <a:rPr lang="en-US" sz="1800" b="1" smtClean="0">
+                        <a:rPr lang="en-US" sz="1600" b="1" smtClean="0">
                           <a:solidFill>
                             <a:schemeClr val="accent1">
                               <a:lumMod val="75000"/>
@@ -25449,36 +27009,42 @@
                         <a:t>equals</a:t>
                       </a:r>
                       <a:r>
-                        <a:rPr lang="en-US" sz="1800" b="1" smtClean="0">
+                        <a:rPr lang="en-US" sz="1600" b="1" smtClean="0">
                           <a:latin typeface="Consolas" panose="020B0609020204030204" pitchFamily="49" charset="0"/>
                         </a:rPr>
-                        <a:t> (</a:t>
-                      </a:r>
-                      <a:r>
-                        <a:rPr lang="en-US" sz="1800" b="1" i="1" smtClean="0">
+                        <a:t> </a:t>
+                      </a:r>
+                      <a:r>
+                        <a:rPr lang="en-US" sz="1600" b="1" smtClean="0">
                           <a:latin typeface="Consolas" panose="020B0609020204030204" pitchFamily="49" charset="0"/>
                         </a:rPr>
-                        <a:t>variabel</a:t>
-                      </a:r>
-                      <a:r>
-                        <a:rPr lang="en-US" sz="1800" b="1" smtClean="0">
+                        <a:t>(</a:t>
+                      </a:r>
+                      <a:r>
+                        <a:rPr lang="en-US" sz="1600" b="1" i="1" smtClean="0">
                           <a:latin typeface="Consolas" panose="020B0609020204030204" pitchFamily="49" charset="0"/>
                         </a:rPr>
+                        <a:t>variableName</a:t>
+                      </a:r>
+                      <a:r>
+                        <a:rPr lang="en-US" sz="1600" b="1" smtClean="0">
+                          <a:latin typeface="Consolas" panose="020B0609020204030204" pitchFamily="49" charset="0"/>
+                        </a:rPr>
                         <a:t>).(</a:t>
                       </a:r>
                       <a:r>
-                        <a:rPr lang="en-US" sz="1800" b="1" i="1" smtClean="0">
+                        <a:rPr lang="en-US" sz="1600" b="1" i="1" smtClean="0">
                           <a:latin typeface="Consolas" panose="020B0609020204030204" pitchFamily="49" charset="0"/>
                         </a:rPr>
-                        <a:t>propertynavn</a:t>
-                      </a:r>
-                      <a:r>
-                        <a:rPr lang="en-US" sz="1800" b="1" smtClean="0">
+                        <a:t>propertyName</a:t>
+                      </a:r>
+                      <a:r>
+                        <a:rPr lang="en-US" sz="1600" b="1" smtClean="0">
                           <a:latin typeface="Consolas" panose="020B0609020204030204" pitchFamily="49" charset="0"/>
                         </a:rPr>
                         <a:t>)</a:t>
                       </a:r>
-                      <a:endParaRPr lang="en-US" sz="1800" b="1" smtClean="0">
+                      <a:endParaRPr lang="en-US" sz="1600" b="1" smtClean="0">
                         <a:solidFill>
                           <a:schemeClr val="accent1">
                             <a:lumMod val="75000"/>
@@ -25521,6 +27087,2345 @@
 </file>
 
 <file path=ppt/slides/slide4.xml><?xml version="1.0" encoding="utf-8"?>
+<p:sld xmlns:a="http://schemas.openxmlformats.org/drawingml/2006/main" xmlns:r="http://schemas.openxmlformats.org/officeDocument/2006/relationships" xmlns:p="http://schemas.openxmlformats.org/presentationml/2006/main">
+  <p:cSld>
+    <p:spTree>
+      <p:nvGrpSpPr>
+        <p:cNvPr id="1" name=""/>
+        <p:cNvGrpSpPr/>
+        <p:nvPr/>
+      </p:nvGrpSpPr>
+      <p:grpSpPr>
+        <a:xfrm>
+          <a:off x="0" y="0"/>
+          <a:ext cx="0" cy="0"/>
+          <a:chOff x="0" y="0"/>
+          <a:chExt cx="0" cy="0"/>
+        </a:xfrm>
+      </p:grpSpPr>
+      <p:sp>
+        <p:nvSpPr>
+          <p:cNvPr id="2" name="Titel 1"/>
+          <p:cNvSpPr>
+            <a:spLocks noGrp="1"/>
+          </p:cNvSpPr>
+          <p:nvPr>
+            <p:ph type="title"/>
+          </p:nvPr>
+        </p:nvSpPr>
+        <p:spPr/>
+        <p:txBody>
+          <a:bodyPr/>
+          <a:lstStyle/>
+          <a:p>
+            <a:r>
+              <a:rPr lang="da-DK" b="1" smtClean="0"/>
+              <a:t>LINQ – IEnumerable/IEnumerator</a:t>
+            </a:r>
+            <a:endParaRPr lang="da-DK" b="1"/>
+          </a:p>
+        </p:txBody>
+      </p:sp>
+      <p:sp>
+        <p:nvSpPr>
+          <p:cNvPr id="3" name="Pladsholder til indhold 2"/>
+          <p:cNvSpPr>
+            <a:spLocks noGrp="1"/>
+          </p:cNvSpPr>
+          <p:nvPr>
+            <p:ph idx="1"/>
+          </p:nvPr>
+        </p:nvSpPr>
+        <p:spPr>
+          <a:xfrm>
+            <a:off x="838200" y="1825625"/>
+            <a:ext cx="10515600" cy="4340398"/>
+          </a:xfrm>
+        </p:spPr>
+        <p:txBody>
+          <a:bodyPr>
+            <a:normAutofit/>
+          </a:bodyPr>
+          <a:lstStyle/>
+          <a:p>
+            <a:pPr indent="0">
+              <a:spcBef>
+                <a:spcPts val="0"/>
+              </a:spcBef>
+              <a:spcAft>
+                <a:spcPts val="0"/>
+              </a:spcAft>
+              <a:buNone/>
+            </a:pPr>
+            <a:r>
+              <a:rPr lang="en-US" b="1">
+                <a:solidFill>
+                  <a:srgbClr val="2B91AF"/>
+                </a:solidFill>
+                <a:latin typeface="Consolas" panose="020B0609020204030204" pitchFamily="49" charset="0"/>
+                <a:ea typeface="Calibri" panose="020F0502020204030204" pitchFamily="34" charset="0"/>
+                <a:cs typeface="Consolas" panose="020B0609020204030204" pitchFamily="49" charset="0"/>
+              </a:rPr>
+              <a:t>IEnumerable</a:t>
+            </a:r>
+            <a:r>
+              <a:rPr lang="en-US" b="1">
+                <a:solidFill>
+                  <a:srgbClr val="000000"/>
+                </a:solidFill>
+                <a:latin typeface="Consolas" panose="020B0609020204030204" pitchFamily="49" charset="0"/>
+                <a:ea typeface="Calibri" panose="020F0502020204030204" pitchFamily="34" charset="0"/>
+                <a:cs typeface="Consolas" panose="020B0609020204030204" pitchFamily="49" charset="0"/>
+              </a:rPr>
+              <a:t>&lt;</a:t>
+            </a:r>
+            <a:r>
+              <a:rPr lang="en-US" b="1">
+                <a:solidFill>
+                  <a:srgbClr val="0000FF"/>
+                </a:solidFill>
+                <a:latin typeface="Consolas" panose="020B0609020204030204" pitchFamily="49" charset="0"/>
+                <a:ea typeface="Calibri" panose="020F0502020204030204" pitchFamily="34" charset="0"/>
+                <a:cs typeface="Consolas" panose="020B0609020204030204" pitchFamily="49" charset="0"/>
+              </a:rPr>
+              <a:t>int</a:t>
+            </a:r>
+            <a:r>
+              <a:rPr lang="en-US" b="1">
+                <a:solidFill>
+                  <a:srgbClr val="000000"/>
+                </a:solidFill>
+                <a:latin typeface="Consolas" panose="020B0609020204030204" pitchFamily="49" charset="0"/>
+                <a:ea typeface="Calibri" panose="020F0502020204030204" pitchFamily="34" charset="0"/>
+                <a:cs typeface="Consolas" panose="020B0609020204030204" pitchFamily="49" charset="0"/>
+              </a:rPr>
+              <a:t>&gt; collection = </a:t>
+            </a:r>
+            <a:r>
+              <a:rPr lang="en-US" b="1">
+                <a:solidFill>
+                  <a:srgbClr val="0000FF"/>
+                </a:solidFill>
+                <a:latin typeface="Consolas" panose="020B0609020204030204" pitchFamily="49" charset="0"/>
+                <a:ea typeface="Calibri" panose="020F0502020204030204" pitchFamily="34" charset="0"/>
+                <a:cs typeface="Consolas" panose="020B0609020204030204" pitchFamily="49" charset="0"/>
+              </a:rPr>
+              <a:t>new</a:t>
+            </a:r>
+            <a:r>
+              <a:rPr lang="en-US" b="1">
+                <a:solidFill>
+                  <a:srgbClr val="000000"/>
+                </a:solidFill>
+                <a:latin typeface="Consolas" panose="020B0609020204030204" pitchFamily="49" charset="0"/>
+                <a:ea typeface="Calibri" panose="020F0502020204030204" pitchFamily="34" charset="0"/>
+                <a:cs typeface="Consolas" panose="020B0609020204030204" pitchFamily="49" charset="0"/>
+              </a:rPr>
+              <a:t> </a:t>
+            </a:r>
+            <a:r>
+              <a:rPr lang="en-US" b="1">
+                <a:solidFill>
+                  <a:srgbClr val="2B91AF"/>
+                </a:solidFill>
+                <a:latin typeface="Consolas" panose="020B0609020204030204" pitchFamily="49" charset="0"/>
+                <a:ea typeface="Calibri" panose="020F0502020204030204" pitchFamily="34" charset="0"/>
+                <a:cs typeface="Consolas" panose="020B0609020204030204" pitchFamily="49" charset="0"/>
+              </a:rPr>
+              <a:t>List</a:t>
+            </a:r>
+            <a:r>
+              <a:rPr lang="en-US" b="1">
+                <a:solidFill>
+                  <a:srgbClr val="000000"/>
+                </a:solidFill>
+                <a:latin typeface="Consolas" panose="020B0609020204030204" pitchFamily="49" charset="0"/>
+                <a:ea typeface="Calibri" panose="020F0502020204030204" pitchFamily="34" charset="0"/>
+                <a:cs typeface="Consolas" panose="020B0609020204030204" pitchFamily="49" charset="0"/>
+              </a:rPr>
+              <a:t>&lt;</a:t>
+            </a:r>
+            <a:r>
+              <a:rPr lang="en-US" b="1">
+                <a:solidFill>
+                  <a:srgbClr val="0000FF"/>
+                </a:solidFill>
+                <a:latin typeface="Consolas" panose="020B0609020204030204" pitchFamily="49" charset="0"/>
+                <a:ea typeface="Calibri" panose="020F0502020204030204" pitchFamily="34" charset="0"/>
+                <a:cs typeface="Consolas" panose="020B0609020204030204" pitchFamily="49" charset="0"/>
+              </a:rPr>
+              <a:t>int</a:t>
+            </a:r>
+            <a:r>
+              <a:rPr lang="en-US" b="1">
+                <a:solidFill>
+                  <a:srgbClr val="000000"/>
+                </a:solidFill>
+                <a:latin typeface="Consolas" panose="020B0609020204030204" pitchFamily="49" charset="0"/>
+                <a:ea typeface="Calibri" panose="020F0502020204030204" pitchFamily="34" charset="0"/>
+                <a:cs typeface="Consolas" panose="020B0609020204030204" pitchFamily="49" charset="0"/>
+              </a:rPr>
+              <a:t>&gt;();</a:t>
+            </a:r>
+            <a:endParaRPr lang="da-DK">
+              <a:latin typeface="Calibri" panose="020F0502020204030204" pitchFamily="34" charset="0"/>
+              <a:ea typeface="Calibri" panose="020F0502020204030204" pitchFamily="34" charset="0"/>
+              <a:cs typeface="Times New Roman" panose="02020603050405020304" pitchFamily="18" charset="0"/>
+            </a:endParaRPr>
+          </a:p>
+          <a:p>
+            <a:pPr indent="0">
+              <a:spcBef>
+                <a:spcPts val="0"/>
+              </a:spcBef>
+              <a:spcAft>
+                <a:spcPts val="0"/>
+              </a:spcAft>
+              <a:buNone/>
+            </a:pPr>
+            <a:endParaRPr lang="en-US" b="1" smtClean="0">
+              <a:solidFill>
+                <a:srgbClr val="0000FF"/>
+              </a:solidFill>
+              <a:latin typeface="Consolas" panose="020B0609020204030204" pitchFamily="49" charset="0"/>
+              <a:ea typeface="Calibri" panose="020F0502020204030204" pitchFamily="34" charset="0"/>
+              <a:cs typeface="Consolas" panose="020B0609020204030204" pitchFamily="49" charset="0"/>
+            </a:endParaRPr>
+          </a:p>
+          <a:p>
+            <a:pPr indent="0">
+              <a:spcBef>
+                <a:spcPts val="0"/>
+              </a:spcBef>
+              <a:spcAft>
+                <a:spcPts val="0"/>
+              </a:spcAft>
+              <a:buNone/>
+            </a:pPr>
+            <a:r>
+              <a:rPr lang="en-US" b="1" smtClean="0">
+                <a:solidFill>
+                  <a:srgbClr val="0000FF"/>
+                </a:solidFill>
+                <a:latin typeface="Consolas" panose="020B0609020204030204" pitchFamily="49" charset="0"/>
+                <a:ea typeface="Calibri" panose="020F0502020204030204" pitchFamily="34" charset="0"/>
+                <a:cs typeface="Consolas" panose="020B0609020204030204" pitchFamily="49" charset="0"/>
+              </a:rPr>
+              <a:t>foreach</a:t>
+            </a:r>
+            <a:r>
+              <a:rPr lang="en-US" b="1" smtClean="0">
+                <a:solidFill>
+                  <a:srgbClr val="000000"/>
+                </a:solidFill>
+                <a:latin typeface="Consolas" panose="020B0609020204030204" pitchFamily="49" charset="0"/>
+                <a:ea typeface="Calibri" panose="020F0502020204030204" pitchFamily="34" charset="0"/>
+                <a:cs typeface="Consolas" panose="020B0609020204030204" pitchFamily="49" charset="0"/>
+              </a:rPr>
+              <a:t> </a:t>
+            </a:r>
+            <a:r>
+              <a:rPr lang="en-US" b="1">
+                <a:solidFill>
+                  <a:srgbClr val="000000"/>
+                </a:solidFill>
+                <a:latin typeface="Consolas" panose="020B0609020204030204" pitchFamily="49" charset="0"/>
+                <a:ea typeface="Calibri" panose="020F0502020204030204" pitchFamily="34" charset="0"/>
+                <a:cs typeface="Consolas" panose="020B0609020204030204" pitchFamily="49" charset="0"/>
+              </a:rPr>
+              <a:t>(</a:t>
+            </a:r>
+            <a:r>
+              <a:rPr lang="en-US" b="1">
+                <a:solidFill>
+                  <a:srgbClr val="0000FF"/>
+                </a:solidFill>
+                <a:latin typeface="Consolas" panose="020B0609020204030204" pitchFamily="49" charset="0"/>
+                <a:ea typeface="Calibri" panose="020F0502020204030204" pitchFamily="34" charset="0"/>
+                <a:cs typeface="Consolas" panose="020B0609020204030204" pitchFamily="49" charset="0"/>
+              </a:rPr>
+              <a:t>var</a:t>
+            </a:r>
+            <a:r>
+              <a:rPr lang="en-US" b="1">
+                <a:solidFill>
+                  <a:srgbClr val="000000"/>
+                </a:solidFill>
+                <a:latin typeface="Consolas" panose="020B0609020204030204" pitchFamily="49" charset="0"/>
+                <a:ea typeface="Calibri" panose="020F0502020204030204" pitchFamily="34" charset="0"/>
+                <a:cs typeface="Consolas" panose="020B0609020204030204" pitchFamily="49" charset="0"/>
+              </a:rPr>
+              <a:t> item </a:t>
+            </a:r>
+            <a:r>
+              <a:rPr lang="en-US" b="1">
+                <a:solidFill>
+                  <a:srgbClr val="0000FF"/>
+                </a:solidFill>
+                <a:latin typeface="Consolas" panose="020B0609020204030204" pitchFamily="49" charset="0"/>
+                <a:ea typeface="Calibri" panose="020F0502020204030204" pitchFamily="34" charset="0"/>
+                <a:cs typeface="Consolas" panose="020B0609020204030204" pitchFamily="49" charset="0"/>
+              </a:rPr>
+              <a:t>in</a:t>
+            </a:r>
+            <a:r>
+              <a:rPr lang="en-US" b="1">
+                <a:solidFill>
+                  <a:srgbClr val="000000"/>
+                </a:solidFill>
+                <a:latin typeface="Consolas" panose="020B0609020204030204" pitchFamily="49" charset="0"/>
+                <a:ea typeface="Calibri" panose="020F0502020204030204" pitchFamily="34" charset="0"/>
+                <a:cs typeface="Consolas" panose="020B0609020204030204" pitchFamily="49" charset="0"/>
+              </a:rPr>
+              <a:t> </a:t>
+            </a:r>
+            <a:r>
+              <a:rPr lang="en-US" b="1">
+                <a:solidFill>
+                  <a:srgbClr val="000000"/>
+                </a:solidFill>
+                <a:latin typeface="Consolas" panose="020B0609020204030204" pitchFamily="49" charset="0"/>
+                <a:ea typeface="Calibri" panose="020F0502020204030204" pitchFamily="34" charset="0"/>
+                <a:cs typeface="Consolas" panose="020B0609020204030204" pitchFamily="49" charset="0"/>
+              </a:rPr>
+              <a:t>collection</a:t>
+            </a:r>
+            <a:r>
+              <a:rPr lang="en-US" b="1" smtClean="0">
+                <a:solidFill>
+                  <a:srgbClr val="000000"/>
+                </a:solidFill>
+                <a:latin typeface="Consolas" panose="020B0609020204030204" pitchFamily="49" charset="0"/>
+                <a:ea typeface="Calibri" panose="020F0502020204030204" pitchFamily="34" charset="0"/>
+                <a:cs typeface="Consolas" panose="020B0609020204030204" pitchFamily="49" charset="0"/>
+              </a:rPr>
+              <a:t>)</a:t>
+            </a:r>
+            <a:endParaRPr lang="da-DK" smtClean="0">
+              <a:latin typeface="Calibri" panose="020F0502020204030204" pitchFamily="34" charset="0"/>
+              <a:ea typeface="Calibri" panose="020F0502020204030204" pitchFamily="34" charset="0"/>
+              <a:cs typeface="Times New Roman" panose="02020603050405020304" pitchFamily="18" charset="0"/>
+            </a:endParaRPr>
+          </a:p>
+          <a:p>
+            <a:pPr indent="0">
+              <a:spcBef>
+                <a:spcPts val="0"/>
+              </a:spcBef>
+              <a:spcAft>
+                <a:spcPts val="0"/>
+              </a:spcAft>
+              <a:buNone/>
+            </a:pPr>
+            <a:r>
+              <a:rPr lang="en-US" b="1" smtClean="0">
+                <a:solidFill>
+                  <a:srgbClr val="000000"/>
+                </a:solidFill>
+                <a:latin typeface="Consolas" panose="020B0609020204030204" pitchFamily="49" charset="0"/>
+                <a:ea typeface="Calibri" panose="020F0502020204030204" pitchFamily="34" charset="0"/>
+                <a:cs typeface="Consolas" panose="020B0609020204030204" pitchFamily="49" charset="0"/>
+              </a:rPr>
+              <a:t>{</a:t>
+            </a:r>
+            <a:endParaRPr lang="da-DK" smtClean="0">
+              <a:latin typeface="Calibri" panose="020F0502020204030204" pitchFamily="34" charset="0"/>
+              <a:ea typeface="Calibri" panose="020F0502020204030204" pitchFamily="34" charset="0"/>
+              <a:cs typeface="Times New Roman" panose="02020603050405020304" pitchFamily="18" charset="0"/>
+            </a:endParaRPr>
+          </a:p>
+          <a:p>
+            <a:pPr indent="0">
+              <a:spcBef>
+                <a:spcPts val="0"/>
+              </a:spcBef>
+              <a:spcAft>
+                <a:spcPts val="0"/>
+              </a:spcAft>
+              <a:buNone/>
+            </a:pPr>
+            <a:r>
+              <a:rPr lang="da-DK" b="1">
+                <a:solidFill>
+                  <a:srgbClr val="008000"/>
+                </a:solidFill>
+                <a:latin typeface="Calibri" panose="020F0502020204030204" pitchFamily="34" charset="0"/>
+                <a:ea typeface="Calibri" panose="020F0502020204030204" pitchFamily="34" charset="0"/>
+                <a:cs typeface="Times New Roman" panose="02020603050405020304" pitchFamily="18" charset="0"/>
+              </a:rPr>
+              <a:t>	</a:t>
+            </a:r>
+            <a:r>
+              <a:rPr lang="en-US" b="1" smtClean="0">
+                <a:solidFill>
+                  <a:srgbClr val="008000"/>
+                </a:solidFill>
+                <a:latin typeface="Consolas" panose="020B0609020204030204" pitchFamily="49" charset="0"/>
+                <a:ea typeface="Calibri" panose="020F0502020204030204" pitchFamily="34" charset="0"/>
+                <a:cs typeface="Consolas" panose="020B0609020204030204" pitchFamily="49" charset="0"/>
+              </a:rPr>
+              <a:t>// </a:t>
+            </a:r>
+            <a:r>
+              <a:rPr lang="en-US" b="1">
+                <a:solidFill>
+                  <a:srgbClr val="008000"/>
+                </a:solidFill>
+                <a:latin typeface="Consolas" panose="020B0609020204030204" pitchFamily="49" charset="0"/>
+                <a:ea typeface="Calibri" panose="020F0502020204030204" pitchFamily="34" charset="0"/>
+                <a:cs typeface="Consolas" panose="020B0609020204030204" pitchFamily="49" charset="0"/>
+              </a:rPr>
+              <a:t>do something with the item</a:t>
+            </a:r>
+            <a:endParaRPr lang="da-DK">
+              <a:latin typeface="Calibri" panose="020F0502020204030204" pitchFamily="34" charset="0"/>
+              <a:ea typeface="Calibri" panose="020F0502020204030204" pitchFamily="34" charset="0"/>
+              <a:cs typeface="Times New Roman" panose="02020603050405020304" pitchFamily="18" charset="0"/>
+            </a:endParaRPr>
+          </a:p>
+          <a:p>
+            <a:pPr indent="0">
+              <a:spcBef>
+                <a:spcPts val="0"/>
+              </a:spcBef>
+              <a:spcAft>
+                <a:spcPts val="0"/>
+              </a:spcAft>
+              <a:buNone/>
+            </a:pPr>
+            <a:r>
+              <a:rPr lang="en-US" b="1">
+                <a:solidFill>
+                  <a:srgbClr val="000000"/>
+                </a:solidFill>
+                <a:latin typeface="Consolas" panose="020B0609020204030204" pitchFamily="49" charset="0"/>
+                <a:ea typeface="Calibri" panose="020F0502020204030204" pitchFamily="34" charset="0"/>
+                <a:cs typeface="Consolas" panose="020B0609020204030204" pitchFamily="49" charset="0"/>
+              </a:rPr>
+              <a:t>}</a:t>
+            </a:r>
+            <a:endParaRPr lang="da-DK">
+              <a:latin typeface="Calibri" panose="020F0502020204030204" pitchFamily="34" charset="0"/>
+              <a:ea typeface="Calibri" panose="020F0502020204030204" pitchFamily="34" charset="0"/>
+              <a:cs typeface="Times New Roman" panose="02020603050405020304" pitchFamily="18" charset="0"/>
+            </a:endParaRPr>
+          </a:p>
+          <a:p>
+            <a:pPr marL="0" lvl="0" indent="0">
+              <a:buNone/>
+            </a:pPr>
+            <a:endParaRPr lang="da-DK"/>
+          </a:p>
+        </p:txBody>
+      </p:sp>
+    </p:spTree>
+    <p:extLst>
+      <p:ext uri="{BB962C8B-B14F-4D97-AF65-F5344CB8AC3E}">
+        <p14:creationId xmlns:p14="http://schemas.microsoft.com/office/powerpoint/2010/main" val="2193310075"/>
+      </p:ext>
+    </p:extLst>
+  </p:cSld>
+  <p:clrMapOvr>
+    <a:masterClrMapping/>
+  </p:clrMapOvr>
+  <p:timing>
+    <p:tnLst>
+      <p:par>
+        <p:cTn id="1" dur="indefinite" restart="never" nodeType="tmRoot"/>
+      </p:par>
+    </p:tnLst>
+  </p:timing>
+</p:sld>
+</file>
+
+<file path=ppt/slides/slide5.xml><?xml version="1.0" encoding="utf-8"?>
+<p:sld xmlns:a="http://schemas.openxmlformats.org/drawingml/2006/main" xmlns:r="http://schemas.openxmlformats.org/officeDocument/2006/relationships" xmlns:p="http://schemas.openxmlformats.org/presentationml/2006/main">
+  <p:cSld>
+    <p:spTree>
+      <p:nvGrpSpPr>
+        <p:cNvPr id="1" name=""/>
+        <p:cNvGrpSpPr/>
+        <p:nvPr/>
+      </p:nvGrpSpPr>
+      <p:grpSpPr>
+        <a:xfrm>
+          <a:off x="0" y="0"/>
+          <a:ext cx="0" cy="0"/>
+          <a:chOff x="0" y="0"/>
+          <a:chExt cx="0" cy="0"/>
+        </a:xfrm>
+      </p:grpSpPr>
+      <p:sp>
+        <p:nvSpPr>
+          <p:cNvPr id="3" name="Pladsholder til indhold 2"/>
+          <p:cNvSpPr>
+            <a:spLocks noGrp="1"/>
+          </p:cNvSpPr>
+          <p:nvPr>
+            <p:ph idx="1"/>
+          </p:nvPr>
+        </p:nvSpPr>
+        <p:spPr>
+          <a:xfrm>
+            <a:off x="838200" y="531341"/>
+            <a:ext cx="10515600" cy="5634682"/>
+          </a:xfrm>
+        </p:spPr>
+        <p:txBody>
+          <a:bodyPr>
+            <a:normAutofit/>
+          </a:bodyPr>
+          <a:lstStyle/>
+          <a:p>
+            <a:pPr marL="0" indent="0">
+              <a:spcBef>
+                <a:spcPts val="0"/>
+              </a:spcBef>
+              <a:buNone/>
+            </a:pPr>
+            <a:r>
+              <a:rPr lang="da-DK" b="1" smtClean="0">
+                <a:solidFill>
+                  <a:srgbClr val="0000FF"/>
+                </a:solidFill>
+                <a:latin typeface="Consolas" panose="020B0609020204030204" pitchFamily="49" charset="0"/>
+              </a:rPr>
+              <a:t>public</a:t>
+            </a:r>
+            <a:r>
+              <a:rPr lang="da-DK" b="1" smtClean="0">
+                <a:solidFill>
+                  <a:srgbClr val="000000"/>
+                </a:solidFill>
+                <a:latin typeface="Consolas" panose="020B0609020204030204" pitchFamily="49" charset="0"/>
+              </a:rPr>
+              <a:t> </a:t>
+            </a:r>
+            <a:r>
+              <a:rPr lang="da-DK" b="1">
+                <a:solidFill>
+                  <a:srgbClr val="0000FF"/>
+                </a:solidFill>
+                <a:latin typeface="Consolas" panose="020B0609020204030204" pitchFamily="49" charset="0"/>
+              </a:rPr>
+              <a:t>class</a:t>
+            </a:r>
+            <a:r>
+              <a:rPr lang="da-DK" b="1">
+                <a:solidFill>
+                  <a:srgbClr val="000000"/>
+                </a:solidFill>
+                <a:latin typeface="Consolas" panose="020B0609020204030204" pitchFamily="49" charset="0"/>
+              </a:rPr>
+              <a:t> </a:t>
+            </a:r>
+            <a:r>
+              <a:rPr lang="da-DK" b="1">
+                <a:solidFill>
+                  <a:srgbClr val="2B91AF"/>
+                </a:solidFill>
+                <a:latin typeface="Consolas" panose="020B0609020204030204" pitchFamily="49" charset="0"/>
+              </a:rPr>
+              <a:t>Movie</a:t>
+            </a:r>
+            <a:endParaRPr lang="da-DK" b="1">
+              <a:solidFill>
+                <a:srgbClr val="000000"/>
+              </a:solidFill>
+              <a:latin typeface="Consolas" panose="020B0609020204030204" pitchFamily="49" charset="0"/>
+            </a:endParaRPr>
+          </a:p>
+          <a:p>
+            <a:pPr marL="0" indent="0">
+              <a:spcBef>
+                <a:spcPts val="0"/>
+              </a:spcBef>
+              <a:buNone/>
+            </a:pPr>
+            <a:r>
+              <a:rPr lang="da-DK" b="1" smtClean="0">
+                <a:solidFill>
+                  <a:srgbClr val="000000"/>
+                </a:solidFill>
+                <a:latin typeface="Consolas" panose="020B0609020204030204" pitchFamily="49" charset="0"/>
+              </a:rPr>
+              <a:t>{</a:t>
+            </a:r>
+            <a:endParaRPr lang="da-DK" b="1">
+              <a:solidFill>
+                <a:srgbClr val="000000"/>
+              </a:solidFill>
+              <a:latin typeface="Consolas" panose="020B0609020204030204" pitchFamily="49" charset="0"/>
+            </a:endParaRPr>
+          </a:p>
+          <a:p>
+            <a:pPr marL="0" indent="0">
+              <a:spcBef>
+                <a:spcPts val="0"/>
+              </a:spcBef>
+              <a:buNone/>
+            </a:pPr>
+            <a:r>
+              <a:rPr lang="en-US" b="1" smtClean="0">
+                <a:solidFill>
+                  <a:srgbClr val="0000FF"/>
+                </a:solidFill>
+                <a:latin typeface="Consolas" panose="020B0609020204030204" pitchFamily="49" charset="0"/>
+              </a:rPr>
+              <a:t>	public</a:t>
+            </a:r>
+            <a:r>
+              <a:rPr lang="en-US" b="1" smtClean="0">
+                <a:solidFill>
+                  <a:srgbClr val="000000"/>
+                </a:solidFill>
+                <a:latin typeface="Consolas" panose="020B0609020204030204" pitchFamily="49" charset="0"/>
+              </a:rPr>
+              <a:t> </a:t>
+            </a:r>
+            <a:r>
+              <a:rPr lang="en-US" b="1">
+                <a:solidFill>
+                  <a:srgbClr val="0000FF"/>
+                </a:solidFill>
+                <a:latin typeface="Consolas" panose="020B0609020204030204" pitchFamily="49" charset="0"/>
+              </a:rPr>
+              <a:t>string</a:t>
+            </a:r>
+            <a:r>
+              <a:rPr lang="en-US" b="1">
+                <a:solidFill>
+                  <a:srgbClr val="000000"/>
+                </a:solidFill>
+                <a:latin typeface="Consolas" panose="020B0609020204030204" pitchFamily="49" charset="0"/>
+              </a:rPr>
+              <a:t> Title { </a:t>
+            </a:r>
+            <a:r>
+              <a:rPr lang="en-US" b="1">
+                <a:solidFill>
+                  <a:srgbClr val="0000FF"/>
+                </a:solidFill>
+                <a:latin typeface="Consolas" panose="020B0609020204030204" pitchFamily="49" charset="0"/>
+              </a:rPr>
+              <a:t>get</a:t>
+            </a:r>
+            <a:r>
+              <a:rPr lang="en-US" b="1">
+                <a:solidFill>
+                  <a:srgbClr val="000000"/>
+                </a:solidFill>
+                <a:latin typeface="Consolas" panose="020B0609020204030204" pitchFamily="49" charset="0"/>
+              </a:rPr>
+              <a:t>; </a:t>
+            </a:r>
+            <a:r>
+              <a:rPr lang="en-US" b="1">
+                <a:solidFill>
+                  <a:srgbClr val="0000FF"/>
+                </a:solidFill>
+                <a:latin typeface="Consolas" panose="020B0609020204030204" pitchFamily="49" charset="0"/>
+              </a:rPr>
+              <a:t>set</a:t>
+            </a:r>
+            <a:r>
+              <a:rPr lang="en-US" b="1">
+                <a:solidFill>
+                  <a:srgbClr val="000000"/>
+                </a:solidFill>
+                <a:latin typeface="Consolas" panose="020B0609020204030204" pitchFamily="49" charset="0"/>
+              </a:rPr>
+              <a:t>; }</a:t>
+            </a:r>
+          </a:p>
+          <a:p>
+            <a:pPr marL="0" indent="0">
+              <a:spcBef>
+                <a:spcPts val="0"/>
+              </a:spcBef>
+              <a:buNone/>
+            </a:pPr>
+            <a:r>
+              <a:rPr lang="en-US" b="1" smtClean="0">
+                <a:solidFill>
+                  <a:srgbClr val="0000FF"/>
+                </a:solidFill>
+                <a:latin typeface="Consolas" panose="020B0609020204030204" pitchFamily="49" charset="0"/>
+              </a:rPr>
+              <a:t>	public</a:t>
+            </a:r>
+            <a:r>
+              <a:rPr lang="en-US" b="1" smtClean="0">
+                <a:solidFill>
+                  <a:srgbClr val="000000"/>
+                </a:solidFill>
+                <a:latin typeface="Consolas" panose="020B0609020204030204" pitchFamily="49" charset="0"/>
+              </a:rPr>
+              <a:t> </a:t>
+            </a:r>
+            <a:r>
+              <a:rPr lang="en-US" b="1">
+                <a:solidFill>
+                  <a:srgbClr val="0000FF"/>
+                </a:solidFill>
+                <a:latin typeface="Consolas" panose="020B0609020204030204" pitchFamily="49" charset="0"/>
+              </a:rPr>
+              <a:t>int</a:t>
+            </a:r>
+            <a:r>
+              <a:rPr lang="en-US" b="1">
+                <a:solidFill>
+                  <a:srgbClr val="000000"/>
+                </a:solidFill>
+                <a:latin typeface="Consolas" panose="020B0609020204030204" pitchFamily="49" charset="0"/>
+              </a:rPr>
+              <a:t> Year { </a:t>
+            </a:r>
+            <a:r>
+              <a:rPr lang="en-US" b="1">
+                <a:solidFill>
+                  <a:srgbClr val="0000FF"/>
+                </a:solidFill>
+                <a:latin typeface="Consolas" panose="020B0609020204030204" pitchFamily="49" charset="0"/>
+              </a:rPr>
+              <a:t>get</a:t>
+            </a:r>
+            <a:r>
+              <a:rPr lang="en-US" b="1">
+                <a:solidFill>
+                  <a:srgbClr val="000000"/>
+                </a:solidFill>
+                <a:latin typeface="Consolas" panose="020B0609020204030204" pitchFamily="49" charset="0"/>
+              </a:rPr>
+              <a:t>; </a:t>
+            </a:r>
+            <a:r>
+              <a:rPr lang="en-US" b="1">
+                <a:solidFill>
+                  <a:srgbClr val="0000FF"/>
+                </a:solidFill>
+                <a:latin typeface="Consolas" panose="020B0609020204030204" pitchFamily="49" charset="0"/>
+              </a:rPr>
+              <a:t>set</a:t>
+            </a:r>
+            <a:r>
+              <a:rPr lang="en-US" b="1">
+                <a:solidFill>
+                  <a:srgbClr val="000000"/>
+                </a:solidFill>
+                <a:latin typeface="Consolas" panose="020B0609020204030204" pitchFamily="49" charset="0"/>
+              </a:rPr>
+              <a:t>; }</a:t>
+            </a:r>
+          </a:p>
+          <a:p>
+            <a:pPr marL="0" indent="0">
+              <a:spcBef>
+                <a:spcPts val="0"/>
+              </a:spcBef>
+              <a:buNone/>
+            </a:pPr>
+            <a:r>
+              <a:rPr lang="en-US" b="1" smtClean="0">
+                <a:solidFill>
+                  <a:srgbClr val="0000FF"/>
+                </a:solidFill>
+                <a:latin typeface="Consolas" panose="020B0609020204030204" pitchFamily="49" charset="0"/>
+              </a:rPr>
+              <a:t>	public</a:t>
+            </a:r>
+            <a:r>
+              <a:rPr lang="en-US" b="1" smtClean="0">
+                <a:solidFill>
+                  <a:srgbClr val="000000"/>
+                </a:solidFill>
+                <a:latin typeface="Consolas" panose="020B0609020204030204" pitchFamily="49" charset="0"/>
+              </a:rPr>
+              <a:t> </a:t>
+            </a:r>
+            <a:r>
+              <a:rPr lang="en-US" b="1">
+                <a:solidFill>
+                  <a:srgbClr val="0000FF"/>
+                </a:solidFill>
+                <a:latin typeface="Consolas" panose="020B0609020204030204" pitchFamily="49" charset="0"/>
+              </a:rPr>
+              <a:t>int</a:t>
+            </a:r>
+            <a:r>
+              <a:rPr lang="en-US" b="1">
+                <a:solidFill>
+                  <a:srgbClr val="000000"/>
+                </a:solidFill>
+                <a:latin typeface="Consolas" panose="020B0609020204030204" pitchFamily="49" charset="0"/>
+              </a:rPr>
+              <a:t> DurationInMins { </a:t>
+            </a:r>
+            <a:r>
+              <a:rPr lang="en-US" b="1">
+                <a:solidFill>
+                  <a:srgbClr val="0000FF"/>
+                </a:solidFill>
+                <a:latin typeface="Consolas" panose="020B0609020204030204" pitchFamily="49" charset="0"/>
+              </a:rPr>
+              <a:t>get</a:t>
+            </a:r>
+            <a:r>
+              <a:rPr lang="en-US" b="1">
+                <a:solidFill>
+                  <a:srgbClr val="000000"/>
+                </a:solidFill>
+                <a:latin typeface="Consolas" panose="020B0609020204030204" pitchFamily="49" charset="0"/>
+              </a:rPr>
+              <a:t>; </a:t>
+            </a:r>
+            <a:r>
+              <a:rPr lang="en-US" b="1">
+                <a:solidFill>
+                  <a:srgbClr val="0000FF"/>
+                </a:solidFill>
+                <a:latin typeface="Consolas" panose="020B0609020204030204" pitchFamily="49" charset="0"/>
+              </a:rPr>
+              <a:t>set</a:t>
+            </a:r>
+            <a:r>
+              <a:rPr lang="en-US" b="1">
+                <a:solidFill>
+                  <a:srgbClr val="000000"/>
+                </a:solidFill>
+                <a:latin typeface="Consolas" panose="020B0609020204030204" pitchFamily="49" charset="0"/>
+              </a:rPr>
+              <a:t>; </a:t>
+            </a:r>
+            <a:r>
+              <a:rPr lang="en-US" b="1" smtClean="0">
+                <a:solidFill>
+                  <a:srgbClr val="000000"/>
+                </a:solidFill>
+                <a:latin typeface="Consolas" panose="020B0609020204030204" pitchFamily="49" charset="0"/>
+              </a:rPr>
+              <a:t>}</a:t>
+            </a:r>
+            <a:endParaRPr lang="en-US" b="1" smtClean="0">
+              <a:solidFill>
+                <a:srgbClr val="0000FF"/>
+              </a:solidFill>
+              <a:latin typeface="Consolas" panose="020B0609020204030204" pitchFamily="49" charset="0"/>
+            </a:endParaRPr>
+          </a:p>
+          <a:p>
+            <a:pPr marL="0" indent="0">
+              <a:spcBef>
+                <a:spcPts val="0"/>
+              </a:spcBef>
+              <a:buNone/>
+            </a:pPr>
+            <a:r>
+              <a:rPr lang="en-US" b="1">
+                <a:solidFill>
+                  <a:srgbClr val="0000FF"/>
+                </a:solidFill>
+                <a:latin typeface="Consolas" panose="020B0609020204030204" pitchFamily="49" charset="0"/>
+              </a:rPr>
+              <a:t>	</a:t>
+            </a:r>
+            <a:r>
+              <a:rPr lang="en-US" b="1" smtClean="0">
+                <a:solidFill>
+                  <a:srgbClr val="0000FF"/>
+                </a:solidFill>
+                <a:latin typeface="Consolas" panose="020B0609020204030204" pitchFamily="49" charset="0"/>
+              </a:rPr>
+              <a:t>public</a:t>
+            </a:r>
+            <a:r>
+              <a:rPr lang="en-US" b="1" smtClean="0">
+                <a:solidFill>
+                  <a:srgbClr val="000000"/>
+                </a:solidFill>
+                <a:latin typeface="Consolas" panose="020B0609020204030204" pitchFamily="49" charset="0"/>
+              </a:rPr>
+              <a:t> </a:t>
+            </a:r>
+            <a:r>
+              <a:rPr lang="en-US" b="1">
+                <a:solidFill>
+                  <a:srgbClr val="0000FF"/>
+                </a:solidFill>
+                <a:latin typeface="Consolas" panose="020B0609020204030204" pitchFamily="49" charset="0"/>
+              </a:rPr>
+              <a:t>string</a:t>
+            </a:r>
+            <a:r>
+              <a:rPr lang="en-US" b="1">
+                <a:solidFill>
+                  <a:srgbClr val="000000"/>
+                </a:solidFill>
+                <a:latin typeface="Consolas" panose="020B0609020204030204" pitchFamily="49" charset="0"/>
+              </a:rPr>
+              <a:t> StudioName { </a:t>
+            </a:r>
+            <a:r>
+              <a:rPr lang="en-US" b="1">
+                <a:solidFill>
+                  <a:srgbClr val="0000FF"/>
+                </a:solidFill>
+                <a:latin typeface="Consolas" panose="020B0609020204030204" pitchFamily="49" charset="0"/>
+              </a:rPr>
+              <a:t>get</a:t>
+            </a:r>
+            <a:r>
+              <a:rPr lang="en-US" b="1">
+                <a:solidFill>
+                  <a:srgbClr val="000000"/>
+                </a:solidFill>
+                <a:latin typeface="Consolas" panose="020B0609020204030204" pitchFamily="49" charset="0"/>
+              </a:rPr>
+              <a:t>; </a:t>
+            </a:r>
+            <a:r>
+              <a:rPr lang="en-US" b="1">
+                <a:solidFill>
+                  <a:srgbClr val="0000FF"/>
+                </a:solidFill>
+                <a:latin typeface="Consolas" panose="020B0609020204030204" pitchFamily="49" charset="0"/>
+              </a:rPr>
+              <a:t>set</a:t>
+            </a:r>
+            <a:r>
+              <a:rPr lang="en-US" b="1">
+                <a:solidFill>
+                  <a:srgbClr val="000000"/>
+                </a:solidFill>
+                <a:latin typeface="Consolas" panose="020B0609020204030204" pitchFamily="49" charset="0"/>
+              </a:rPr>
+              <a:t>; }</a:t>
+            </a:r>
+          </a:p>
+          <a:p>
+            <a:pPr marL="0" indent="0">
+              <a:spcBef>
+                <a:spcPts val="0"/>
+              </a:spcBef>
+              <a:buNone/>
+            </a:pPr>
+            <a:r>
+              <a:rPr lang="da-DK" b="1" smtClean="0">
+                <a:solidFill>
+                  <a:srgbClr val="000000"/>
+                </a:solidFill>
+                <a:latin typeface="Consolas" panose="020B0609020204030204" pitchFamily="49" charset="0"/>
+              </a:rPr>
+              <a:t>}</a:t>
+            </a:r>
+            <a:endParaRPr lang="da-DK" b="1"/>
+          </a:p>
+        </p:txBody>
+      </p:sp>
+    </p:spTree>
+    <p:extLst>
+      <p:ext uri="{BB962C8B-B14F-4D97-AF65-F5344CB8AC3E}">
+        <p14:creationId xmlns:p14="http://schemas.microsoft.com/office/powerpoint/2010/main" val="716087897"/>
+      </p:ext>
+    </p:extLst>
+  </p:cSld>
+  <p:clrMapOvr>
+    <a:masterClrMapping/>
+  </p:clrMapOvr>
+  <p:timing>
+    <p:tnLst>
+      <p:par>
+        <p:cTn id="1" dur="indefinite" restart="never" nodeType="tmRoot"/>
+      </p:par>
+    </p:tnLst>
+  </p:timing>
+</p:sld>
+</file>
+
+<file path=ppt/slides/slide6.xml><?xml version="1.0" encoding="utf-8"?>
+<p:sld xmlns:a="http://schemas.openxmlformats.org/drawingml/2006/main" xmlns:r="http://schemas.openxmlformats.org/officeDocument/2006/relationships" xmlns:p="http://schemas.openxmlformats.org/presentationml/2006/main">
+  <p:cSld>
+    <p:spTree>
+      <p:nvGrpSpPr>
+        <p:cNvPr id="1" name=""/>
+        <p:cNvGrpSpPr/>
+        <p:nvPr/>
+      </p:nvGrpSpPr>
+      <p:grpSpPr>
+        <a:xfrm>
+          <a:off x="0" y="0"/>
+          <a:ext cx="0" cy="0"/>
+          <a:chOff x="0" y="0"/>
+          <a:chExt cx="0" cy="0"/>
+        </a:xfrm>
+      </p:grpSpPr>
+      <p:graphicFrame>
+        <p:nvGraphicFramePr>
+          <p:cNvPr id="4" name="Tabel 3"/>
+          <p:cNvGraphicFramePr>
+            <a:graphicFrameLocks noGrp="1"/>
+          </p:cNvGraphicFramePr>
+          <p:nvPr>
+            <p:extLst>
+              <p:ext uri="{D42A27DB-BD31-4B8C-83A1-F6EECF244321}">
+                <p14:modId xmlns:p14="http://schemas.microsoft.com/office/powerpoint/2010/main" val="1785237915"/>
+              </p:ext>
+            </p:extLst>
+          </p:nvPr>
+        </p:nvGraphicFramePr>
+        <p:xfrm>
+          <a:off x="830178" y="328638"/>
+          <a:ext cx="10160668" cy="5410424"/>
+        </p:xfrm>
+        <a:graphic>
+          <a:graphicData uri="http://schemas.openxmlformats.org/drawingml/2006/table">
+            <a:tbl>
+              <a:tblPr firstRow="1" bandRow="1">
+                <a:tableStyleId>{5940675A-B579-460E-94D1-54222C63F5DA}</a:tableStyleId>
+              </a:tblPr>
+              <a:tblGrid>
+                <a:gridCol w="2540167">
+                  <a:extLst>
+                    <a:ext uri="{9D8B030D-6E8A-4147-A177-3AD203B41FA5}">
+                      <a16:colId xmlns:a16="http://schemas.microsoft.com/office/drawing/2014/main" val="47363412"/>
+                    </a:ext>
+                  </a:extLst>
+                </a:gridCol>
+                <a:gridCol w="2540167">
+                  <a:extLst>
+                    <a:ext uri="{9D8B030D-6E8A-4147-A177-3AD203B41FA5}">
+                      <a16:colId xmlns:a16="http://schemas.microsoft.com/office/drawing/2014/main" val="3935601631"/>
+                    </a:ext>
+                  </a:extLst>
+                </a:gridCol>
+                <a:gridCol w="2540167">
+                  <a:extLst>
+                    <a:ext uri="{9D8B030D-6E8A-4147-A177-3AD203B41FA5}">
+                      <a16:colId xmlns:a16="http://schemas.microsoft.com/office/drawing/2014/main" val="4119078486"/>
+                    </a:ext>
+                  </a:extLst>
+                </a:gridCol>
+                <a:gridCol w="2540167">
+                  <a:extLst>
+                    <a:ext uri="{9D8B030D-6E8A-4147-A177-3AD203B41FA5}">
+                      <a16:colId xmlns:a16="http://schemas.microsoft.com/office/drawing/2014/main" val="371862353"/>
+                    </a:ext>
+                  </a:extLst>
+                </a:gridCol>
+              </a:tblGrid>
+              <a:tr h="1047179">
+                <a:tc>
+                  <a:txBody>
+                    <a:bodyPr/>
+                    <a:lstStyle/>
+                    <a:p>
+                      <a:pPr>
+                        <a:spcAft>
+                          <a:spcPts val="0"/>
+                        </a:spcAft>
+                      </a:pPr>
+                      <a:r>
+                        <a:rPr lang="en-US" sz="3200" b="1" i="1">
+                          <a:effectLst/>
+                          <a:latin typeface="Calibri" panose="020F0502020204030204" pitchFamily="34" charset="0"/>
+                          <a:ea typeface="Calibri" panose="020F0502020204030204" pitchFamily="34" charset="0"/>
+                          <a:cs typeface="Times New Roman" panose="02020603050405020304" pitchFamily="18" charset="0"/>
+                        </a:rPr>
+                        <a:t>Title</a:t>
+                      </a:r>
+                      <a:endParaRPr lang="da-DK" sz="3200">
+                        <a:effectLst/>
+                        <a:latin typeface="Calibri" panose="020F0502020204030204" pitchFamily="34" charset="0"/>
+                        <a:ea typeface="Calibri" panose="020F0502020204030204" pitchFamily="34" charset="0"/>
+                        <a:cs typeface="Times New Roman" panose="02020603050405020304" pitchFamily="18" charset="0"/>
+                      </a:endParaRPr>
+                    </a:p>
+                  </a:txBody>
+                  <a:tcPr marL="68580" marR="68580" marT="0" marB="0"/>
+                </a:tc>
+                <a:tc>
+                  <a:txBody>
+                    <a:bodyPr/>
+                    <a:lstStyle/>
+                    <a:p>
+                      <a:pPr>
+                        <a:spcAft>
+                          <a:spcPts val="0"/>
+                        </a:spcAft>
+                      </a:pPr>
+                      <a:r>
+                        <a:rPr lang="en-US" sz="3200" b="1" i="1">
+                          <a:effectLst/>
+                          <a:latin typeface="Calibri" panose="020F0502020204030204" pitchFamily="34" charset="0"/>
+                          <a:ea typeface="Calibri" panose="020F0502020204030204" pitchFamily="34" charset="0"/>
+                          <a:cs typeface="Times New Roman" panose="02020603050405020304" pitchFamily="18" charset="0"/>
+                        </a:rPr>
+                        <a:t>Year</a:t>
+                      </a:r>
+                      <a:endParaRPr lang="da-DK" sz="3200">
+                        <a:effectLst/>
+                        <a:latin typeface="Calibri" panose="020F0502020204030204" pitchFamily="34" charset="0"/>
+                        <a:ea typeface="Calibri" panose="020F0502020204030204" pitchFamily="34" charset="0"/>
+                        <a:cs typeface="Times New Roman" panose="02020603050405020304" pitchFamily="18" charset="0"/>
+                      </a:endParaRPr>
+                    </a:p>
+                  </a:txBody>
+                  <a:tcPr marL="68580" marR="68580" marT="0" marB="0"/>
+                </a:tc>
+                <a:tc>
+                  <a:txBody>
+                    <a:bodyPr/>
+                    <a:lstStyle/>
+                    <a:p>
+                      <a:pPr>
+                        <a:spcAft>
+                          <a:spcPts val="0"/>
+                        </a:spcAft>
+                      </a:pPr>
+                      <a:r>
+                        <a:rPr lang="en-US" sz="3200" b="1" i="1" smtClean="0">
+                          <a:effectLst/>
+                          <a:latin typeface="Calibri" panose="020F0502020204030204" pitchFamily="34" charset="0"/>
+                          <a:ea typeface="Calibri" panose="020F0502020204030204" pitchFamily="34" charset="0"/>
+                          <a:cs typeface="Times New Roman" panose="02020603050405020304" pitchFamily="18" charset="0"/>
+                        </a:rPr>
+                        <a:t>Duration</a:t>
+                      </a:r>
+                    </a:p>
+                    <a:p>
+                      <a:pPr>
+                        <a:spcAft>
+                          <a:spcPts val="0"/>
+                        </a:spcAft>
+                      </a:pPr>
+                      <a:r>
+                        <a:rPr lang="en-US" sz="3200" b="1" i="1" smtClean="0">
+                          <a:effectLst/>
+                          <a:latin typeface="Calibri" panose="020F0502020204030204" pitchFamily="34" charset="0"/>
+                          <a:ea typeface="Calibri" panose="020F0502020204030204" pitchFamily="34" charset="0"/>
+                          <a:cs typeface="Times New Roman" panose="02020603050405020304" pitchFamily="18" charset="0"/>
+                        </a:rPr>
+                        <a:t>InMins</a:t>
+                      </a:r>
+                      <a:endParaRPr lang="da-DK" sz="3200">
+                        <a:effectLst/>
+                        <a:latin typeface="Calibri" panose="020F0502020204030204" pitchFamily="34" charset="0"/>
+                        <a:ea typeface="Calibri" panose="020F0502020204030204" pitchFamily="34" charset="0"/>
+                        <a:cs typeface="Times New Roman" panose="02020603050405020304" pitchFamily="18" charset="0"/>
+                      </a:endParaRPr>
+                    </a:p>
+                  </a:txBody>
+                  <a:tcPr marL="68580" marR="68580" marT="0" marB="0"/>
+                </a:tc>
+                <a:tc>
+                  <a:txBody>
+                    <a:bodyPr/>
+                    <a:lstStyle/>
+                    <a:p>
+                      <a:pPr>
+                        <a:spcAft>
+                          <a:spcPts val="0"/>
+                        </a:spcAft>
+                      </a:pPr>
+                      <a:r>
+                        <a:rPr lang="en-US" sz="3200" b="1" i="1">
+                          <a:effectLst/>
+                          <a:latin typeface="Calibri" panose="020F0502020204030204" pitchFamily="34" charset="0"/>
+                          <a:ea typeface="Calibri" panose="020F0502020204030204" pitchFamily="34" charset="0"/>
+                          <a:cs typeface="Times New Roman" panose="02020603050405020304" pitchFamily="18" charset="0"/>
+                        </a:rPr>
+                        <a:t>StudioName</a:t>
+                      </a:r>
+                      <a:endParaRPr lang="da-DK" sz="3200">
+                        <a:effectLst/>
+                        <a:latin typeface="Calibri" panose="020F0502020204030204" pitchFamily="34" charset="0"/>
+                        <a:ea typeface="Calibri" panose="020F0502020204030204" pitchFamily="34" charset="0"/>
+                        <a:cs typeface="Times New Roman" panose="02020603050405020304" pitchFamily="18" charset="0"/>
+                      </a:endParaRPr>
+                    </a:p>
+                  </a:txBody>
+                  <a:tcPr marL="68580" marR="68580" marT="0" marB="0"/>
+                </a:tc>
+                <a:extLst>
+                  <a:ext uri="{0D108BD9-81ED-4DB2-BD59-A6C34878D82A}">
+                    <a16:rowId xmlns:a16="http://schemas.microsoft.com/office/drawing/2014/main" val="2788163691"/>
+                  </a:ext>
+                </a:extLst>
+              </a:tr>
+              <a:tr h="872649">
+                <a:tc>
+                  <a:txBody>
+                    <a:bodyPr/>
+                    <a:lstStyle/>
+                    <a:p>
+                      <a:pPr>
+                        <a:spcAft>
+                          <a:spcPts val="0"/>
+                        </a:spcAft>
+                      </a:pPr>
+                      <a:r>
+                        <a:rPr lang="en-US" sz="2800">
+                          <a:effectLst/>
+                          <a:latin typeface="Calibri" panose="020F0502020204030204" pitchFamily="34" charset="0"/>
+                          <a:ea typeface="Calibri" panose="020F0502020204030204" pitchFamily="34" charset="0"/>
+                          <a:cs typeface="Times New Roman" panose="02020603050405020304" pitchFamily="18" charset="0"/>
+                        </a:rPr>
+                        <a:t>Se7en</a:t>
+                      </a:r>
+                      <a:endParaRPr lang="da-DK" sz="2800">
+                        <a:effectLst/>
+                        <a:latin typeface="Calibri" panose="020F0502020204030204" pitchFamily="34" charset="0"/>
+                        <a:ea typeface="Calibri" panose="020F0502020204030204" pitchFamily="34" charset="0"/>
+                        <a:cs typeface="Times New Roman" panose="02020603050405020304" pitchFamily="18" charset="0"/>
+                      </a:endParaRPr>
+                    </a:p>
+                  </a:txBody>
+                  <a:tcPr marL="68580" marR="68580" marT="0" marB="0"/>
+                </a:tc>
+                <a:tc>
+                  <a:txBody>
+                    <a:bodyPr/>
+                    <a:lstStyle/>
+                    <a:p>
+                      <a:pPr>
+                        <a:spcAft>
+                          <a:spcPts val="0"/>
+                        </a:spcAft>
+                      </a:pPr>
+                      <a:r>
+                        <a:rPr lang="en-US" sz="2800">
+                          <a:effectLst/>
+                          <a:latin typeface="Calibri" panose="020F0502020204030204" pitchFamily="34" charset="0"/>
+                          <a:ea typeface="Calibri" panose="020F0502020204030204" pitchFamily="34" charset="0"/>
+                          <a:cs typeface="Times New Roman" panose="02020603050405020304" pitchFamily="18" charset="0"/>
+                        </a:rPr>
+                        <a:t>1995</a:t>
+                      </a:r>
+                      <a:endParaRPr lang="da-DK" sz="2800">
+                        <a:effectLst/>
+                        <a:latin typeface="Calibri" panose="020F0502020204030204" pitchFamily="34" charset="0"/>
+                        <a:ea typeface="Calibri" panose="020F0502020204030204" pitchFamily="34" charset="0"/>
+                        <a:cs typeface="Times New Roman" panose="02020603050405020304" pitchFamily="18" charset="0"/>
+                      </a:endParaRPr>
+                    </a:p>
+                  </a:txBody>
+                  <a:tcPr marL="68580" marR="68580" marT="0" marB="0"/>
+                </a:tc>
+                <a:tc>
+                  <a:txBody>
+                    <a:bodyPr/>
+                    <a:lstStyle/>
+                    <a:p>
+                      <a:pPr>
+                        <a:spcAft>
+                          <a:spcPts val="0"/>
+                        </a:spcAft>
+                      </a:pPr>
+                      <a:r>
+                        <a:rPr lang="en-US" sz="2800">
+                          <a:effectLst/>
+                          <a:latin typeface="Calibri" panose="020F0502020204030204" pitchFamily="34" charset="0"/>
+                          <a:ea typeface="Calibri" panose="020F0502020204030204" pitchFamily="34" charset="0"/>
+                          <a:cs typeface="Times New Roman" panose="02020603050405020304" pitchFamily="18" charset="0"/>
+                        </a:rPr>
+                        <a:t>127</a:t>
+                      </a:r>
+                      <a:endParaRPr lang="da-DK" sz="2800">
+                        <a:effectLst/>
+                        <a:latin typeface="Calibri" panose="020F0502020204030204" pitchFamily="34" charset="0"/>
+                        <a:ea typeface="Calibri" panose="020F0502020204030204" pitchFamily="34" charset="0"/>
+                        <a:cs typeface="Times New Roman" panose="02020603050405020304" pitchFamily="18" charset="0"/>
+                      </a:endParaRPr>
+                    </a:p>
+                  </a:txBody>
+                  <a:tcPr marL="68580" marR="68580" marT="0" marB="0"/>
+                </a:tc>
+                <a:tc>
+                  <a:txBody>
+                    <a:bodyPr/>
+                    <a:lstStyle/>
+                    <a:p>
+                      <a:pPr>
+                        <a:spcAft>
+                          <a:spcPts val="0"/>
+                        </a:spcAft>
+                      </a:pPr>
+                      <a:r>
+                        <a:rPr lang="en-US" sz="2800">
+                          <a:effectLst/>
+                          <a:latin typeface="Calibri" panose="020F0502020204030204" pitchFamily="34" charset="0"/>
+                          <a:ea typeface="Calibri" panose="020F0502020204030204" pitchFamily="34" charset="0"/>
+                          <a:cs typeface="Times New Roman" panose="02020603050405020304" pitchFamily="18" charset="0"/>
+                        </a:rPr>
+                        <a:t>New Line Cinema</a:t>
+                      </a:r>
+                      <a:endParaRPr lang="da-DK" sz="2800">
+                        <a:effectLst/>
+                        <a:latin typeface="Calibri" panose="020F0502020204030204" pitchFamily="34" charset="0"/>
+                        <a:ea typeface="Calibri" panose="020F0502020204030204" pitchFamily="34" charset="0"/>
+                        <a:cs typeface="Times New Roman" panose="02020603050405020304" pitchFamily="18" charset="0"/>
+                      </a:endParaRPr>
+                    </a:p>
+                  </a:txBody>
+                  <a:tcPr marL="68580" marR="68580" marT="0" marB="0"/>
+                </a:tc>
+                <a:extLst>
+                  <a:ext uri="{0D108BD9-81ED-4DB2-BD59-A6C34878D82A}">
+                    <a16:rowId xmlns:a16="http://schemas.microsoft.com/office/drawing/2014/main" val="4183597378"/>
+                  </a:ext>
+                </a:extLst>
+              </a:tr>
+              <a:tr h="872649">
+                <a:tc>
+                  <a:txBody>
+                    <a:bodyPr/>
+                    <a:lstStyle/>
+                    <a:p>
+                      <a:pPr>
+                        <a:spcAft>
+                          <a:spcPts val="0"/>
+                        </a:spcAft>
+                      </a:pPr>
+                      <a:r>
+                        <a:rPr lang="en-US" sz="2800">
+                          <a:effectLst/>
+                          <a:latin typeface="Calibri" panose="020F0502020204030204" pitchFamily="34" charset="0"/>
+                          <a:ea typeface="Calibri" panose="020F0502020204030204" pitchFamily="34" charset="0"/>
+                          <a:cs typeface="Times New Roman" panose="02020603050405020304" pitchFamily="18" charset="0"/>
+                        </a:rPr>
+                        <a:t>Alien</a:t>
+                      </a:r>
+                      <a:endParaRPr lang="da-DK" sz="2800">
+                        <a:effectLst/>
+                        <a:latin typeface="Calibri" panose="020F0502020204030204" pitchFamily="34" charset="0"/>
+                        <a:ea typeface="Calibri" panose="020F0502020204030204" pitchFamily="34" charset="0"/>
+                        <a:cs typeface="Times New Roman" panose="02020603050405020304" pitchFamily="18" charset="0"/>
+                      </a:endParaRPr>
+                    </a:p>
+                  </a:txBody>
+                  <a:tcPr marL="68580" marR="68580" marT="0" marB="0"/>
+                </a:tc>
+                <a:tc>
+                  <a:txBody>
+                    <a:bodyPr/>
+                    <a:lstStyle/>
+                    <a:p>
+                      <a:pPr>
+                        <a:spcAft>
+                          <a:spcPts val="0"/>
+                        </a:spcAft>
+                      </a:pPr>
+                      <a:r>
+                        <a:rPr lang="en-US" sz="2800">
+                          <a:effectLst/>
+                          <a:latin typeface="Calibri" panose="020F0502020204030204" pitchFamily="34" charset="0"/>
+                          <a:ea typeface="Calibri" panose="020F0502020204030204" pitchFamily="34" charset="0"/>
+                          <a:cs typeface="Times New Roman" panose="02020603050405020304" pitchFamily="18" charset="0"/>
+                        </a:rPr>
+                        <a:t>1979</a:t>
+                      </a:r>
+                      <a:endParaRPr lang="da-DK" sz="2800">
+                        <a:effectLst/>
+                        <a:latin typeface="Calibri" panose="020F0502020204030204" pitchFamily="34" charset="0"/>
+                        <a:ea typeface="Calibri" panose="020F0502020204030204" pitchFamily="34" charset="0"/>
+                        <a:cs typeface="Times New Roman" panose="02020603050405020304" pitchFamily="18" charset="0"/>
+                      </a:endParaRPr>
+                    </a:p>
+                  </a:txBody>
+                  <a:tcPr marL="68580" marR="68580" marT="0" marB="0"/>
+                </a:tc>
+                <a:tc>
+                  <a:txBody>
+                    <a:bodyPr/>
+                    <a:lstStyle/>
+                    <a:p>
+                      <a:pPr>
+                        <a:spcAft>
+                          <a:spcPts val="0"/>
+                        </a:spcAft>
+                      </a:pPr>
+                      <a:r>
+                        <a:rPr lang="en-US" sz="2800">
+                          <a:effectLst/>
+                          <a:latin typeface="Calibri" panose="020F0502020204030204" pitchFamily="34" charset="0"/>
+                          <a:ea typeface="Calibri" panose="020F0502020204030204" pitchFamily="34" charset="0"/>
+                          <a:cs typeface="Times New Roman" panose="02020603050405020304" pitchFamily="18" charset="0"/>
+                        </a:rPr>
+                        <a:t>117</a:t>
+                      </a:r>
+                      <a:endParaRPr lang="da-DK" sz="2800">
+                        <a:effectLst/>
+                        <a:latin typeface="Calibri" panose="020F0502020204030204" pitchFamily="34" charset="0"/>
+                        <a:ea typeface="Calibri" panose="020F0502020204030204" pitchFamily="34" charset="0"/>
+                        <a:cs typeface="Times New Roman" panose="02020603050405020304" pitchFamily="18" charset="0"/>
+                      </a:endParaRPr>
+                    </a:p>
+                  </a:txBody>
+                  <a:tcPr marL="68580" marR="68580" marT="0" marB="0"/>
+                </a:tc>
+                <a:tc>
+                  <a:txBody>
+                    <a:bodyPr/>
+                    <a:lstStyle/>
+                    <a:p>
+                      <a:pPr>
+                        <a:spcAft>
+                          <a:spcPts val="0"/>
+                        </a:spcAft>
+                      </a:pPr>
+                      <a:r>
+                        <a:rPr lang="en-US" sz="2800">
+                          <a:effectLst/>
+                          <a:latin typeface="Calibri" panose="020F0502020204030204" pitchFamily="34" charset="0"/>
+                          <a:ea typeface="Calibri" panose="020F0502020204030204" pitchFamily="34" charset="0"/>
+                          <a:cs typeface="Times New Roman" panose="02020603050405020304" pitchFamily="18" charset="0"/>
+                        </a:rPr>
+                        <a:t>20</a:t>
+                      </a:r>
+                      <a:r>
+                        <a:rPr lang="en-US" sz="2800" baseline="30000">
+                          <a:effectLst/>
+                          <a:latin typeface="Calibri" panose="020F0502020204030204" pitchFamily="34" charset="0"/>
+                          <a:ea typeface="Calibri" panose="020F0502020204030204" pitchFamily="34" charset="0"/>
+                          <a:cs typeface="Times New Roman" panose="02020603050405020304" pitchFamily="18" charset="0"/>
+                        </a:rPr>
+                        <a:t>th</a:t>
+                      </a:r>
+                      <a:r>
+                        <a:rPr lang="en-US" sz="2800">
+                          <a:effectLst/>
+                          <a:latin typeface="Calibri" panose="020F0502020204030204" pitchFamily="34" charset="0"/>
+                          <a:ea typeface="Calibri" panose="020F0502020204030204" pitchFamily="34" charset="0"/>
+                          <a:cs typeface="Times New Roman" panose="02020603050405020304" pitchFamily="18" charset="0"/>
+                        </a:rPr>
+                        <a:t> Century </a:t>
+                      </a:r>
+                      <a:endParaRPr lang="en-US" sz="2800" smtClean="0">
+                        <a:effectLst/>
+                        <a:latin typeface="Calibri" panose="020F0502020204030204" pitchFamily="34" charset="0"/>
+                        <a:ea typeface="Calibri" panose="020F0502020204030204" pitchFamily="34" charset="0"/>
+                        <a:cs typeface="Times New Roman" panose="02020603050405020304" pitchFamily="18" charset="0"/>
+                      </a:endParaRPr>
+                    </a:p>
+                    <a:p>
+                      <a:pPr>
+                        <a:spcAft>
+                          <a:spcPts val="0"/>
+                        </a:spcAft>
+                      </a:pPr>
+                      <a:r>
+                        <a:rPr lang="en-US" sz="2800" smtClean="0">
+                          <a:effectLst/>
+                          <a:latin typeface="Calibri" panose="020F0502020204030204" pitchFamily="34" charset="0"/>
+                          <a:ea typeface="Calibri" panose="020F0502020204030204" pitchFamily="34" charset="0"/>
+                          <a:cs typeface="Times New Roman" panose="02020603050405020304" pitchFamily="18" charset="0"/>
+                        </a:rPr>
+                        <a:t>Fox</a:t>
+                      </a:r>
+                      <a:endParaRPr lang="da-DK" sz="2800">
+                        <a:effectLst/>
+                        <a:latin typeface="Calibri" panose="020F0502020204030204" pitchFamily="34" charset="0"/>
+                        <a:ea typeface="Calibri" panose="020F0502020204030204" pitchFamily="34" charset="0"/>
+                        <a:cs typeface="Times New Roman" panose="02020603050405020304" pitchFamily="18" charset="0"/>
+                      </a:endParaRPr>
+                    </a:p>
+                  </a:txBody>
+                  <a:tcPr marL="68580" marR="68580" marT="0" marB="0"/>
+                </a:tc>
+                <a:extLst>
+                  <a:ext uri="{0D108BD9-81ED-4DB2-BD59-A6C34878D82A}">
+                    <a16:rowId xmlns:a16="http://schemas.microsoft.com/office/drawing/2014/main" val="897639513"/>
+                  </a:ext>
+                </a:extLst>
+              </a:tr>
+              <a:tr h="872649">
+                <a:tc>
+                  <a:txBody>
+                    <a:bodyPr/>
+                    <a:lstStyle/>
+                    <a:p>
+                      <a:pPr>
+                        <a:spcAft>
+                          <a:spcPts val="0"/>
+                        </a:spcAft>
+                      </a:pPr>
+                      <a:r>
+                        <a:rPr lang="en-US" sz="2800">
+                          <a:effectLst/>
+                          <a:latin typeface="Calibri" panose="020F0502020204030204" pitchFamily="34" charset="0"/>
+                          <a:ea typeface="Calibri" panose="020F0502020204030204" pitchFamily="34" charset="0"/>
+                          <a:cs typeface="Times New Roman" panose="02020603050405020304" pitchFamily="18" charset="0"/>
+                        </a:rPr>
+                        <a:t>Forrest Gump</a:t>
+                      </a:r>
+                      <a:endParaRPr lang="da-DK" sz="2800">
+                        <a:effectLst/>
+                        <a:latin typeface="Calibri" panose="020F0502020204030204" pitchFamily="34" charset="0"/>
+                        <a:ea typeface="Calibri" panose="020F0502020204030204" pitchFamily="34" charset="0"/>
+                        <a:cs typeface="Times New Roman" panose="02020603050405020304" pitchFamily="18" charset="0"/>
+                      </a:endParaRPr>
+                    </a:p>
+                  </a:txBody>
+                  <a:tcPr marL="68580" marR="68580" marT="0" marB="0"/>
+                </a:tc>
+                <a:tc>
+                  <a:txBody>
+                    <a:bodyPr/>
+                    <a:lstStyle/>
+                    <a:p>
+                      <a:pPr>
+                        <a:spcAft>
+                          <a:spcPts val="0"/>
+                        </a:spcAft>
+                      </a:pPr>
+                      <a:r>
+                        <a:rPr lang="en-US" sz="2800">
+                          <a:effectLst/>
+                          <a:latin typeface="Calibri" panose="020F0502020204030204" pitchFamily="34" charset="0"/>
+                          <a:ea typeface="Calibri" panose="020F0502020204030204" pitchFamily="34" charset="0"/>
+                          <a:cs typeface="Times New Roman" panose="02020603050405020304" pitchFamily="18" charset="0"/>
+                        </a:rPr>
+                        <a:t>1994</a:t>
+                      </a:r>
+                      <a:endParaRPr lang="da-DK" sz="2800">
+                        <a:effectLst/>
+                        <a:latin typeface="Calibri" panose="020F0502020204030204" pitchFamily="34" charset="0"/>
+                        <a:ea typeface="Calibri" panose="020F0502020204030204" pitchFamily="34" charset="0"/>
+                        <a:cs typeface="Times New Roman" panose="02020603050405020304" pitchFamily="18" charset="0"/>
+                      </a:endParaRPr>
+                    </a:p>
+                  </a:txBody>
+                  <a:tcPr marL="68580" marR="68580" marT="0" marB="0"/>
+                </a:tc>
+                <a:tc>
+                  <a:txBody>
+                    <a:bodyPr/>
+                    <a:lstStyle/>
+                    <a:p>
+                      <a:pPr>
+                        <a:spcAft>
+                          <a:spcPts val="0"/>
+                        </a:spcAft>
+                      </a:pPr>
+                      <a:r>
+                        <a:rPr lang="en-US" sz="2800">
+                          <a:effectLst/>
+                          <a:latin typeface="Calibri" panose="020F0502020204030204" pitchFamily="34" charset="0"/>
+                          <a:ea typeface="Calibri" panose="020F0502020204030204" pitchFamily="34" charset="0"/>
+                          <a:cs typeface="Times New Roman" panose="02020603050405020304" pitchFamily="18" charset="0"/>
+                        </a:rPr>
+                        <a:t>142</a:t>
+                      </a:r>
+                      <a:endParaRPr lang="da-DK" sz="2800">
+                        <a:effectLst/>
+                        <a:latin typeface="Calibri" panose="020F0502020204030204" pitchFamily="34" charset="0"/>
+                        <a:ea typeface="Calibri" panose="020F0502020204030204" pitchFamily="34" charset="0"/>
+                        <a:cs typeface="Times New Roman" panose="02020603050405020304" pitchFamily="18" charset="0"/>
+                      </a:endParaRPr>
+                    </a:p>
+                  </a:txBody>
+                  <a:tcPr marL="68580" marR="68580" marT="0" marB="0"/>
+                </a:tc>
+                <a:tc>
+                  <a:txBody>
+                    <a:bodyPr/>
+                    <a:lstStyle/>
+                    <a:p>
+                      <a:pPr>
+                        <a:spcAft>
+                          <a:spcPts val="0"/>
+                        </a:spcAft>
+                      </a:pPr>
+                      <a:r>
+                        <a:rPr lang="en-US" sz="2800">
+                          <a:effectLst/>
+                          <a:latin typeface="Calibri" panose="020F0502020204030204" pitchFamily="34" charset="0"/>
+                          <a:ea typeface="Calibri" panose="020F0502020204030204" pitchFamily="34" charset="0"/>
+                          <a:cs typeface="Times New Roman" panose="02020603050405020304" pitchFamily="18" charset="0"/>
+                        </a:rPr>
+                        <a:t>Paramount Pictures</a:t>
+                      </a:r>
+                      <a:endParaRPr lang="da-DK" sz="2800">
+                        <a:effectLst/>
+                        <a:latin typeface="Calibri" panose="020F0502020204030204" pitchFamily="34" charset="0"/>
+                        <a:ea typeface="Calibri" panose="020F0502020204030204" pitchFamily="34" charset="0"/>
+                        <a:cs typeface="Times New Roman" panose="02020603050405020304" pitchFamily="18" charset="0"/>
+                      </a:endParaRPr>
+                    </a:p>
+                  </a:txBody>
+                  <a:tcPr marL="68580" marR="68580" marT="0" marB="0"/>
+                </a:tc>
+                <a:extLst>
+                  <a:ext uri="{0D108BD9-81ED-4DB2-BD59-A6C34878D82A}">
+                    <a16:rowId xmlns:a16="http://schemas.microsoft.com/office/drawing/2014/main" val="2980531286"/>
+                  </a:ext>
+                </a:extLst>
+              </a:tr>
+              <a:tr h="872649">
+                <a:tc>
+                  <a:txBody>
+                    <a:bodyPr/>
+                    <a:lstStyle/>
+                    <a:p>
+                      <a:pPr>
+                        <a:spcAft>
+                          <a:spcPts val="0"/>
+                        </a:spcAft>
+                      </a:pPr>
+                      <a:r>
+                        <a:rPr lang="en-US" sz="2800">
+                          <a:effectLst/>
+                          <a:latin typeface="Calibri" panose="020F0502020204030204" pitchFamily="34" charset="0"/>
+                          <a:ea typeface="Calibri" panose="020F0502020204030204" pitchFamily="34" charset="0"/>
+                          <a:cs typeface="Times New Roman" panose="02020603050405020304" pitchFamily="18" charset="0"/>
+                        </a:rPr>
+                        <a:t>True Grit</a:t>
+                      </a:r>
+                      <a:endParaRPr lang="da-DK" sz="2800">
+                        <a:effectLst/>
+                        <a:latin typeface="Calibri" panose="020F0502020204030204" pitchFamily="34" charset="0"/>
+                        <a:ea typeface="Calibri" panose="020F0502020204030204" pitchFamily="34" charset="0"/>
+                        <a:cs typeface="Times New Roman" panose="02020603050405020304" pitchFamily="18" charset="0"/>
+                      </a:endParaRPr>
+                    </a:p>
+                  </a:txBody>
+                  <a:tcPr marL="68580" marR="68580" marT="0" marB="0"/>
+                </a:tc>
+                <a:tc>
+                  <a:txBody>
+                    <a:bodyPr/>
+                    <a:lstStyle/>
+                    <a:p>
+                      <a:pPr>
+                        <a:spcAft>
+                          <a:spcPts val="0"/>
+                        </a:spcAft>
+                      </a:pPr>
+                      <a:r>
+                        <a:rPr lang="en-US" sz="2800">
+                          <a:effectLst/>
+                          <a:latin typeface="Calibri" panose="020F0502020204030204" pitchFamily="34" charset="0"/>
+                          <a:ea typeface="Calibri" panose="020F0502020204030204" pitchFamily="34" charset="0"/>
+                          <a:cs typeface="Times New Roman" panose="02020603050405020304" pitchFamily="18" charset="0"/>
+                        </a:rPr>
+                        <a:t>2010</a:t>
+                      </a:r>
+                      <a:endParaRPr lang="da-DK" sz="2800">
+                        <a:effectLst/>
+                        <a:latin typeface="Calibri" panose="020F0502020204030204" pitchFamily="34" charset="0"/>
+                        <a:ea typeface="Calibri" panose="020F0502020204030204" pitchFamily="34" charset="0"/>
+                        <a:cs typeface="Times New Roman" panose="02020603050405020304" pitchFamily="18" charset="0"/>
+                      </a:endParaRPr>
+                    </a:p>
+                  </a:txBody>
+                  <a:tcPr marL="68580" marR="68580" marT="0" marB="0"/>
+                </a:tc>
+                <a:tc>
+                  <a:txBody>
+                    <a:bodyPr/>
+                    <a:lstStyle/>
+                    <a:p>
+                      <a:pPr>
+                        <a:spcAft>
+                          <a:spcPts val="0"/>
+                        </a:spcAft>
+                      </a:pPr>
+                      <a:r>
+                        <a:rPr lang="en-US" sz="2800">
+                          <a:effectLst/>
+                          <a:latin typeface="Calibri" panose="020F0502020204030204" pitchFamily="34" charset="0"/>
+                          <a:ea typeface="Calibri" panose="020F0502020204030204" pitchFamily="34" charset="0"/>
+                          <a:cs typeface="Times New Roman" panose="02020603050405020304" pitchFamily="18" charset="0"/>
+                        </a:rPr>
+                        <a:t>110</a:t>
+                      </a:r>
+                      <a:endParaRPr lang="da-DK" sz="2800">
+                        <a:effectLst/>
+                        <a:latin typeface="Calibri" panose="020F0502020204030204" pitchFamily="34" charset="0"/>
+                        <a:ea typeface="Calibri" panose="020F0502020204030204" pitchFamily="34" charset="0"/>
+                        <a:cs typeface="Times New Roman" panose="02020603050405020304" pitchFamily="18" charset="0"/>
+                      </a:endParaRPr>
+                    </a:p>
+                  </a:txBody>
+                  <a:tcPr marL="68580" marR="68580" marT="0" marB="0"/>
+                </a:tc>
+                <a:tc>
+                  <a:txBody>
+                    <a:bodyPr/>
+                    <a:lstStyle/>
+                    <a:p>
+                      <a:pPr>
+                        <a:spcAft>
+                          <a:spcPts val="0"/>
+                        </a:spcAft>
+                      </a:pPr>
+                      <a:r>
+                        <a:rPr lang="en-US" sz="2800">
+                          <a:effectLst/>
+                          <a:latin typeface="Calibri" panose="020F0502020204030204" pitchFamily="34" charset="0"/>
+                          <a:ea typeface="Calibri" panose="020F0502020204030204" pitchFamily="34" charset="0"/>
+                          <a:cs typeface="Times New Roman" panose="02020603050405020304" pitchFamily="18" charset="0"/>
+                        </a:rPr>
+                        <a:t>Paramount Pictures</a:t>
+                      </a:r>
+                      <a:endParaRPr lang="da-DK" sz="2800">
+                        <a:effectLst/>
+                        <a:latin typeface="Calibri" panose="020F0502020204030204" pitchFamily="34" charset="0"/>
+                        <a:ea typeface="Calibri" panose="020F0502020204030204" pitchFamily="34" charset="0"/>
+                        <a:cs typeface="Times New Roman" panose="02020603050405020304" pitchFamily="18" charset="0"/>
+                      </a:endParaRPr>
+                    </a:p>
+                  </a:txBody>
+                  <a:tcPr marL="68580" marR="68580" marT="0" marB="0"/>
+                </a:tc>
+                <a:extLst>
+                  <a:ext uri="{0D108BD9-81ED-4DB2-BD59-A6C34878D82A}">
+                    <a16:rowId xmlns:a16="http://schemas.microsoft.com/office/drawing/2014/main" val="4059942850"/>
+                  </a:ext>
+                </a:extLst>
+              </a:tr>
+              <a:tr h="872649">
+                <a:tc>
+                  <a:txBody>
+                    <a:bodyPr/>
+                    <a:lstStyle/>
+                    <a:p>
+                      <a:pPr>
+                        <a:spcAft>
+                          <a:spcPts val="0"/>
+                        </a:spcAft>
+                      </a:pPr>
+                      <a:r>
+                        <a:rPr lang="en-US" sz="2800">
+                          <a:effectLst/>
+                          <a:latin typeface="Calibri" panose="020F0502020204030204" pitchFamily="34" charset="0"/>
+                          <a:ea typeface="Calibri" panose="020F0502020204030204" pitchFamily="34" charset="0"/>
+                          <a:cs typeface="Times New Roman" panose="02020603050405020304" pitchFamily="18" charset="0"/>
+                        </a:rPr>
+                        <a:t>Dark City</a:t>
+                      </a:r>
+                      <a:endParaRPr lang="da-DK" sz="2800">
+                        <a:effectLst/>
+                        <a:latin typeface="Calibri" panose="020F0502020204030204" pitchFamily="34" charset="0"/>
+                        <a:ea typeface="Calibri" panose="020F0502020204030204" pitchFamily="34" charset="0"/>
+                        <a:cs typeface="Times New Roman" panose="02020603050405020304" pitchFamily="18" charset="0"/>
+                      </a:endParaRPr>
+                    </a:p>
+                  </a:txBody>
+                  <a:tcPr marL="68580" marR="68580" marT="0" marB="0"/>
+                </a:tc>
+                <a:tc>
+                  <a:txBody>
+                    <a:bodyPr/>
+                    <a:lstStyle/>
+                    <a:p>
+                      <a:pPr>
+                        <a:spcAft>
+                          <a:spcPts val="0"/>
+                        </a:spcAft>
+                      </a:pPr>
+                      <a:r>
+                        <a:rPr lang="en-US" sz="2800">
+                          <a:effectLst/>
+                          <a:latin typeface="Calibri" panose="020F0502020204030204" pitchFamily="34" charset="0"/>
+                          <a:ea typeface="Calibri" panose="020F0502020204030204" pitchFamily="34" charset="0"/>
+                          <a:cs typeface="Times New Roman" panose="02020603050405020304" pitchFamily="18" charset="0"/>
+                        </a:rPr>
+                        <a:t>1998</a:t>
+                      </a:r>
+                      <a:endParaRPr lang="da-DK" sz="2800">
+                        <a:effectLst/>
+                        <a:latin typeface="Calibri" panose="020F0502020204030204" pitchFamily="34" charset="0"/>
+                        <a:ea typeface="Calibri" panose="020F0502020204030204" pitchFamily="34" charset="0"/>
+                        <a:cs typeface="Times New Roman" panose="02020603050405020304" pitchFamily="18" charset="0"/>
+                      </a:endParaRPr>
+                    </a:p>
+                  </a:txBody>
+                  <a:tcPr marL="68580" marR="68580" marT="0" marB="0"/>
+                </a:tc>
+                <a:tc>
+                  <a:txBody>
+                    <a:bodyPr/>
+                    <a:lstStyle/>
+                    <a:p>
+                      <a:pPr>
+                        <a:spcAft>
+                          <a:spcPts val="0"/>
+                        </a:spcAft>
+                      </a:pPr>
+                      <a:r>
+                        <a:rPr lang="en-US" sz="2800">
+                          <a:effectLst/>
+                          <a:latin typeface="Calibri" panose="020F0502020204030204" pitchFamily="34" charset="0"/>
+                          <a:ea typeface="Calibri" panose="020F0502020204030204" pitchFamily="34" charset="0"/>
+                          <a:cs typeface="Times New Roman" panose="02020603050405020304" pitchFamily="18" charset="0"/>
+                        </a:rPr>
+                        <a:t>111</a:t>
+                      </a:r>
+                      <a:endParaRPr lang="da-DK" sz="2800">
+                        <a:effectLst/>
+                        <a:latin typeface="Calibri" panose="020F0502020204030204" pitchFamily="34" charset="0"/>
+                        <a:ea typeface="Calibri" panose="020F0502020204030204" pitchFamily="34" charset="0"/>
+                        <a:cs typeface="Times New Roman" panose="02020603050405020304" pitchFamily="18" charset="0"/>
+                      </a:endParaRPr>
+                    </a:p>
+                  </a:txBody>
+                  <a:tcPr marL="68580" marR="68580" marT="0" marB="0"/>
+                </a:tc>
+                <a:tc>
+                  <a:txBody>
+                    <a:bodyPr/>
+                    <a:lstStyle/>
+                    <a:p>
+                      <a:pPr>
+                        <a:spcAft>
+                          <a:spcPts val="0"/>
+                        </a:spcAft>
+                      </a:pPr>
+                      <a:r>
+                        <a:rPr lang="en-US" sz="2800">
+                          <a:effectLst/>
+                          <a:latin typeface="Calibri" panose="020F0502020204030204" pitchFamily="34" charset="0"/>
+                          <a:ea typeface="Calibri" panose="020F0502020204030204" pitchFamily="34" charset="0"/>
+                          <a:cs typeface="Times New Roman" panose="02020603050405020304" pitchFamily="18" charset="0"/>
+                        </a:rPr>
+                        <a:t>New Line Cinema</a:t>
+                      </a:r>
+                      <a:endParaRPr lang="da-DK" sz="2800">
+                        <a:effectLst/>
+                        <a:latin typeface="Calibri" panose="020F0502020204030204" pitchFamily="34" charset="0"/>
+                        <a:ea typeface="Calibri" panose="020F0502020204030204" pitchFamily="34" charset="0"/>
+                        <a:cs typeface="Times New Roman" panose="02020603050405020304" pitchFamily="18" charset="0"/>
+                      </a:endParaRPr>
+                    </a:p>
+                  </a:txBody>
+                  <a:tcPr marL="68580" marR="68580" marT="0" marB="0"/>
+                </a:tc>
+                <a:extLst>
+                  <a:ext uri="{0D108BD9-81ED-4DB2-BD59-A6C34878D82A}">
+                    <a16:rowId xmlns:a16="http://schemas.microsoft.com/office/drawing/2014/main" val="1071557111"/>
+                  </a:ext>
+                </a:extLst>
+              </a:tr>
+            </a:tbl>
+          </a:graphicData>
+        </a:graphic>
+      </p:graphicFrame>
+    </p:spTree>
+    <p:extLst>
+      <p:ext uri="{BB962C8B-B14F-4D97-AF65-F5344CB8AC3E}">
+        <p14:creationId xmlns:p14="http://schemas.microsoft.com/office/powerpoint/2010/main" val="1869552900"/>
+      </p:ext>
+    </p:extLst>
+  </p:cSld>
+  <p:clrMapOvr>
+    <a:masterClrMapping/>
+  </p:clrMapOvr>
+  <p:timing>
+    <p:tnLst>
+      <p:par>
+        <p:cTn id="1" dur="indefinite" restart="never" nodeType="tmRoot"/>
+      </p:par>
+    </p:tnLst>
+  </p:timing>
+</p:sld>
+</file>
+
+<file path=ppt/slides/slide7.xml><?xml version="1.0" encoding="utf-8"?>
+<p:sld xmlns:a="http://schemas.openxmlformats.org/drawingml/2006/main" xmlns:r="http://schemas.openxmlformats.org/officeDocument/2006/relationships" xmlns:p="http://schemas.openxmlformats.org/presentationml/2006/main">
+  <p:cSld>
+    <p:spTree>
+      <p:nvGrpSpPr>
+        <p:cNvPr id="1" name=""/>
+        <p:cNvGrpSpPr/>
+        <p:nvPr/>
+      </p:nvGrpSpPr>
+      <p:grpSpPr>
+        <a:xfrm>
+          <a:off x="0" y="0"/>
+          <a:ext cx="0" cy="0"/>
+          <a:chOff x="0" y="0"/>
+          <a:chExt cx="0" cy="0"/>
+        </a:xfrm>
+      </p:grpSpPr>
+      <p:graphicFrame>
+        <p:nvGraphicFramePr>
+          <p:cNvPr id="4" name="Tabel 3"/>
+          <p:cNvGraphicFramePr>
+            <a:graphicFrameLocks noGrp="1"/>
+          </p:cNvGraphicFramePr>
+          <p:nvPr>
+            <p:extLst>
+              <p:ext uri="{D42A27DB-BD31-4B8C-83A1-F6EECF244321}">
+                <p14:modId xmlns:p14="http://schemas.microsoft.com/office/powerpoint/2010/main" val="1458750678"/>
+              </p:ext>
+            </p:extLst>
+          </p:nvPr>
+        </p:nvGraphicFramePr>
+        <p:xfrm>
+          <a:off x="890336" y="2304048"/>
+          <a:ext cx="10160670" cy="2099510"/>
+        </p:xfrm>
+        <a:graphic>
+          <a:graphicData uri="http://schemas.openxmlformats.org/drawingml/2006/table">
+            <a:tbl>
+              <a:tblPr firstRow="1" bandRow="1">
+                <a:tableStyleId>{5940675A-B579-460E-94D1-54222C63F5DA}</a:tableStyleId>
+              </a:tblPr>
+              <a:tblGrid>
+                <a:gridCol w="2032134">
+                  <a:extLst>
+                    <a:ext uri="{9D8B030D-6E8A-4147-A177-3AD203B41FA5}">
+                      <a16:colId xmlns:a16="http://schemas.microsoft.com/office/drawing/2014/main" val="47363412"/>
+                    </a:ext>
+                  </a:extLst>
+                </a:gridCol>
+                <a:gridCol w="2032134">
+                  <a:extLst>
+                    <a:ext uri="{9D8B030D-6E8A-4147-A177-3AD203B41FA5}">
+                      <a16:colId xmlns:a16="http://schemas.microsoft.com/office/drawing/2014/main" val="1977153358"/>
+                    </a:ext>
+                  </a:extLst>
+                </a:gridCol>
+                <a:gridCol w="2032134">
+                  <a:extLst>
+                    <a:ext uri="{9D8B030D-6E8A-4147-A177-3AD203B41FA5}">
+                      <a16:colId xmlns:a16="http://schemas.microsoft.com/office/drawing/2014/main" val="3935601631"/>
+                    </a:ext>
+                  </a:extLst>
+                </a:gridCol>
+                <a:gridCol w="2032134">
+                  <a:extLst>
+                    <a:ext uri="{9D8B030D-6E8A-4147-A177-3AD203B41FA5}">
+                      <a16:colId xmlns:a16="http://schemas.microsoft.com/office/drawing/2014/main" val="4119078486"/>
+                    </a:ext>
+                  </a:extLst>
+                </a:gridCol>
+                <a:gridCol w="2032134">
+                  <a:extLst>
+                    <a:ext uri="{9D8B030D-6E8A-4147-A177-3AD203B41FA5}">
+                      <a16:colId xmlns:a16="http://schemas.microsoft.com/office/drawing/2014/main" val="371862353"/>
+                    </a:ext>
+                  </a:extLst>
+                </a:gridCol>
+              </a:tblGrid>
+              <a:tr h="2099510">
+                <a:tc>
+                  <a:txBody>
+                    <a:bodyPr/>
+                    <a:lstStyle/>
+                    <a:p>
+                      <a:pPr>
+                        <a:spcAft>
+                          <a:spcPts val="0"/>
+                        </a:spcAft>
+                      </a:pPr>
+                      <a:endParaRPr lang="da-DK" sz="2800">
+                        <a:effectLst/>
+                        <a:latin typeface="Calibri" panose="020F0502020204030204" pitchFamily="34" charset="0"/>
+                        <a:ea typeface="Calibri" panose="020F0502020204030204" pitchFamily="34" charset="0"/>
+                        <a:cs typeface="Times New Roman" panose="02020603050405020304" pitchFamily="18" charset="0"/>
+                      </a:endParaRPr>
+                    </a:p>
+                  </a:txBody>
+                  <a:tcPr marL="68580" marR="68580" marT="0" marB="0"/>
+                </a:tc>
+                <a:tc>
+                  <a:txBody>
+                    <a:bodyPr/>
+                    <a:lstStyle/>
+                    <a:p>
+                      <a:pPr>
+                        <a:spcAft>
+                          <a:spcPts val="0"/>
+                        </a:spcAft>
+                      </a:pPr>
+                      <a:endParaRPr lang="da-DK" sz="2800">
+                        <a:effectLst/>
+                        <a:latin typeface="Calibri" panose="020F0502020204030204" pitchFamily="34" charset="0"/>
+                        <a:ea typeface="Calibri" panose="020F0502020204030204" pitchFamily="34" charset="0"/>
+                        <a:cs typeface="Times New Roman" panose="02020603050405020304" pitchFamily="18" charset="0"/>
+                      </a:endParaRPr>
+                    </a:p>
+                  </a:txBody>
+                  <a:tcPr marL="68580" marR="68580" marT="0" marB="0"/>
+                </a:tc>
+                <a:tc>
+                  <a:txBody>
+                    <a:bodyPr/>
+                    <a:lstStyle/>
+                    <a:p>
+                      <a:pPr>
+                        <a:spcAft>
+                          <a:spcPts val="0"/>
+                        </a:spcAft>
+                      </a:pPr>
+                      <a:endParaRPr lang="da-DK" sz="2800">
+                        <a:effectLst/>
+                        <a:latin typeface="Calibri" panose="020F0502020204030204" pitchFamily="34" charset="0"/>
+                        <a:ea typeface="Calibri" panose="020F0502020204030204" pitchFamily="34" charset="0"/>
+                        <a:cs typeface="Times New Roman" panose="02020603050405020304" pitchFamily="18" charset="0"/>
+                      </a:endParaRPr>
+                    </a:p>
+                  </a:txBody>
+                  <a:tcPr marL="68580" marR="68580" marT="0" marB="0"/>
+                </a:tc>
+                <a:tc>
+                  <a:txBody>
+                    <a:bodyPr/>
+                    <a:lstStyle/>
+                    <a:p>
+                      <a:pPr>
+                        <a:spcAft>
+                          <a:spcPts val="0"/>
+                        </a:spcAft>
+                      </a:pPr>
+                      <a:endParaRPr lang="da-DK" sz="2800">
+                        <a:effectLst/>
+                        <a:latin typeface="Calibri" panose="020F0502020204030204" pitchFamily="34" charset="0"/>
+                        <a:ea typeface="Calibri" panose="020F0502020204030204" pitchFamily="34" charset="0"/>
+                        <a:cs typeface="Times New Roman" panose="02020603050405020304" pitchFamily="18" charset="0"/>
+                      </a:endParaRPr>
+                    </a:p>
+                  </a:txBody>
+                  <a:tcPr marL="68580" marR="68580" marT="0" marB="0"/>
+                </a:tc>
+                <a:tc>
+                  <a:txBody>
+                    <a:bodyPr/>
+                    <a:lstStyle/>
+                    <a:p>
+                      <a:pPr>
+                        <a:spcAft>
+                          <a:spcPts val="0"/>
+                        </a:spcAft>
+                      </a:pPr>
+                      <a:endParaRPr lang="da-DK" sz="2800">
+                        <a:effectLst/>
+                        <a:latin typeface="Calibri" panose="020F0502020204030204" pitchFamily="34" charset="0"/>
+                        <a:ea typeface="Calibri" panose="020F0502020204030204" pitchFamily="34" charset="0"/>
+                        <a:cs typeface="Times New Roman" panose="02020603050405020304" pitchFamily="18" charset="0"/>
+                      </a:endParaRPr>
+                    </a:p>
+                  </a:txBody>
+                  <a:tcPr marL="68580" marR="68580" marT="0" marB="0"/>
+                </a:tc>
+                <a:extLst>
+                  <a:ext uri="{0D108BD9-81ED-4DB2-BD59-A6C34878D82A}">
+                    <a16:rowId xmlns:a16="http://schemas.microsoft.com/office/drawing/2014/main" val="1071557111"/>
+                  </a:ext>
+                </a:extLst>
+              </a:tr>
+            </a:tbl>
+          </a:graphicData>
+        </a:graphic>
+      </p:graphicFrame>
+      <p:sp>
+        <p:nvSpPr>
+          <p:cNvPr id="5" name="Pladsholder til indhold 2"/>
+          <p:cNvSpPr>
+            <a:spLocks noGrp="1"/>
+          </p:cNvSpPr>
+          <p:nvPr>
+            <p:ph idx="1"/>
+          </p:nvPr>
+        </p:nvSpPr>
+        <p:spPr>
+          <a:xfrm>
+            <a:off x="890336" y="676609"/>
+            <a:ext cx="10515600" cy="1176254"/>
+          </a:xfrm>
+        </p:spPr>
+        <p:txBody>
+          <a:bodyPr>
+            <a:normAutofit/>
+          </a:bodyPr>
+          <a:lstStyle/>
+          <a:p>
+            <a:pPr marL="0" indent="0">
+              <a:buNone/>
+            </a:pPr>
+            <a:r>
+              <a:rPr lang="da-DK" sz="4800" b="1" smtClean="0">
+                <a:solidFill>
+                  <a:schemeClr val="accent6">
+                    <a:lumMod val="75000"/>
+                  </a:schemeClr>
+                </a:solidFill>
+                <a:latin typeface="Consolas" panose="020B0609020204030204" pitchFamily="49" charset="0"/>
+              </a:rPr>
+              <a:t>List</a:t>
+            </a:r>
+            <a:r>
+              <a:rPr lang="da-DK" sz="4800" b="1" smtClean="0">
+                <a:latin typeface="Consolas" panose="020B0609020204030204" pitchFamily="49" charset="0"/>
+              </a:rPr>
+              <a:t>&lt;</a:t>
+            </a:r>
+            <a:r>
+              <a:rPr lang="da-DK" sz="4800" b="1" smtClean="0">
+                <a:solidFill>
+                  <a:schemeClr val="accent6">
+                    <a:lumMod val="75000"/>
+                  </a:schemeClr>
+                </a:solidFill>
+                <a:latin typeface="Consolas" panose="020B0609020204030204" pitchFamily="49" charset="0"/>
+              </a:rPr>
+              <a:t>Movie</a:t>
+            </a:r>
+            <a:r>
+              <a:rPr lang="da-DK" sz="4800" b="1" smtClean="0">
+                <a:latin typeface="Consolas" panose="020B0609020204030204" pitchFamily="49" charset="0"/>
+              </a:rPr>
+              <a:t>&gt; movies</a:t>
+            </a:r>
+            <a:endParaRPr lang="da-DK" sz="4800" b="1">
+              <a:latin typeface="Consolas" panose="020B0609020204030204" pitchFamily="49" charset="0"/>
+            </a:endParaRPr>
+          </a:p>
+        </p:txBody>
+      </p:sp>
+      <p:sp>
+        <p:nvSpPr>
+          <p:cNvPr id="2" name="Sky 1"/>
+          <p:cNvSpPr/>
+          <p:nvPr/>
+        </p:nvSpPr>
+        <p:spPr>
+          <a:xfrm>
+            <a:off x="962525" y="2622884"/>
+            <a:ext cx="1882942" cy="1648327"/>
+          </a:xfrm>
+          <a:prstGeom prst="cloud">
+            <a:avLst/>
+          </a:prstGeom>
+        </p:spPr>
+        <p:style>
+          <a:lnRef idx="2">
+            <a:schemeClr val="accent1">
+              <a:shade val="50000"/>
+            </a:schemeClr>
+          </a:lnRef>
+          <a:fillRef idx="1">
+            <a:schemeClr val="accent1"/>
+          </a:fillRef>
+          <a:effectRef idx="0">
+            <a:schemeClr val="accent1"/>
+          </a:effectRef>
+          <a:fontRef idx="minor">
+            <a:schemeClr val="lt1"/>
+          </a:fontRef>
+        </p:style>
+        <p:txBody>
+          <a:bodyPr rtlCol="0" anchor="ctr"/>
+          <a:lstStyle/>
+          <a:p>
+            <a:pPr algn="ctr"/>
+            <a:r>
+              <a:rPr lang="da-DK" sz="3200" smtClean="0"/>
+              <a:t>Movie</a:t>
+            </a:r>
+            <a:endParaRPr lang="da-DK" sz="3200"/>
+          </a:p>
+        </p:txBody>
+      </p:sp>
+      <p:sp>
+        <p:nvSpPr>
+          <p:cNvPr id="6" name="Sky 5"/>
+          <p:cNvSpPr/>
+          <p:nvPr/>
+        </p:nvSpPr>
+        <p:spPr>
+          <a:xfrm>
+            <a:off x="2979820" y="2529639"/>
+            <a:ext cx="1882942" cy="1648327"/>
+          </a:xfrm>
+          <a:prstGeom prst="cloud">
+            <a:avLst/>
+          </a:prstGeom>
+        </p:spPr>
+        <p:style>
+          <a:lnRef idx="2">
+            <a:schemeClr val="accent1">
+              <a:shade val="50000"/>
+            </a:schemeClr>
+          </a:lnRef>
+          <a:fillRef idx="1">
+            <a:schemeClr val="accent1"/>
+          </a:fillRef>
+          <a:effectRef idx="0">
+            <a:schemeClr val="accent1"/>
+          </a:effectRef>
+          <a:fontRef idx="minor">
+            <a:schemeClr val="lt1"/>
+          </a:fontRef>
+        </p:style>
+        <p:txBody>
+          <a:bodyPr rtlCol="0" anchor="ctr"/>
+          <a:lstStyle/>
+          <a:p>
+            <a:pPr algn="ctr"/>
+            <a:r>
+              <a:rPr lang="da-DK" sz="3200" smtClean="0"/>
+              <a:t>Movie</a:t>
+            </a:r>
+            <a:endParaRPr lang="da-DK" sz="3200"/>
+          </a:p>
+        </p:txBody>
+      </p:sp>
+      <p:sp>
+        <p:nvSpPr>
+          <p:cNvPr id="7" name="Sky 6"/>
+          <p:cNvSpPr/>
+          <p:nvPr/>
+        </p:nvSpPr>
+        <p:spPr>
+          <a:xfrm>
+            <a:off x="5029200" y="2538662"/>
+            <a:ext cx="1882942" cy="1648327"/>
+          </a:xfrm>
+          <a:prstGeom prst="cloud">
+            <a:avLst/>
+          </a:prstGeom>
+        </p:spPr>
+        <p:style>
+          <a:lnRef idx="2">
+            <a:schemeClr val="accent1">
+              <a:shade val="50000"/>
+            </a:schemeClr>
+          </a:lnRef>
+          <a:fillRef idx="1">
+            <a:schemeClr val="accent1"/>
+          </a:fillRef>
+          <a:effectRef idx="0">
+            <a:schemeClr val="accent1"/>
+          </a:effectRef>
+          <a:fontRef idx="minor">
+            <a:schemeClr val="lt1"/>
+          </a:fontRef>
+        </p:style>
+        <p:txBody>
+          <a:bodyPr rtlCol="0" anchor="ctr"/>
+          <a:lstStyle/>
+          <a:p>
+            <a:pPr algn="ctr"/>
+            <a:r>
+              <a:rPr lang="da-DK" sz="3200" smtClean="0"/>
+              <a:t>Movie</a:t>
+            </a:r>
+            <a:endParaRPr lang="da-DK" sz="3200"/>
+          </a:p>
+        </p:txBody>
+      </p:sp>
+      <p:sp>
+        <p:nvSpPr>
+          <p:cNvPr id="8" name="Sky 7"/>
+          <p:cNvSpPr/>
+          <p:nvPr/>
+        </p:nvSpPr>
+        <p:spPr>
+          <a:xfrm>
+            <a:off x="7078580" y="2538661"/>
+            <a:ext cx="1882942" cy="1648327"/>
+          </a:xfrm>
+          <a:prstGeom prst="cloud">
+            <a:avLst/>
+          </a:prstGeom>
+        </p:spPr>
+        <p:style>
+          <a:lnRef idx="2">
+            <a:schemeClr val="accent1">
+              <a:shade val="50000"/>
+            </a:schemeClr>
+          </a:lnRef>
+          <a:fillRef idx="1">
+            <a:schemeClr val="accent1"/>
+          </a:fillRef>
+          <a:effectRef idx="0">
+            <a:schemeClr val="accent1"/>
+          </a:effectRef>
+          <a:fontRef idx="minor">
+            <a:schemeClr val="lt1"/>
+          </a:fontRef>
+        </p:style>
+        <p:txBody>
+          <a:bodyPr rtlCol="0" anchor="ctr"/>
+          <a:lstStyle/>
+          <a:p>
+            <a:pPr algn="ctr"/>
+            <a:r>
+              <a:rPr lang="da-DK" sz="3200" smtClean="0"/>
+              <a:t>Movie</a:t>
+            </a:r>
+            <a:endParaRPr lang="da-DK" sz="3200"/>
+          </a:p>
+        </p:txBody>
+      </p:sp>
+      <p:sp>
+        <p:nvSpPr>
+          <p:cNvPr id="9" name="Sky 8"/>
+          <p:cNvSpPr/>
+          <p:nvPr/>
+        </p:nvSpPr>
+        <p:spPr>
+          <a:xfrm>
+            <a:off x="9095875" y="2532645"/>
+            <a:ext cx="1882942" cy="1648327"/>
+          </a:xfrm>
+          <a:prstGeom prst="cloud">
+            <a:avLst/>
+          </a:prstGeom>
+        </p:spPr>
+        <p:style>
+          <a:lnRef idx="2">
+            <a:schemeClr val="accent1">
+              <a:shade val="50000"/>
+            </a:schemeClr>
+          </a:lnRef>
+          <a:fillRef idx="1">
+            <a:schemeClr val="accent1"/>
+          </a:fillRef>
+          <a:effectRef idx="0">
+            <a:schemeClr val="accent1"/>
+          </a:effectRef>
+          <a:fontRef idx="minor">
+            <a:schemeClr val="lt1"/>
+          </a:fontRef>
+        </p:style>
+        <p:txBody>
+          <a:bodyPr rtlCol="0" anchor="ctr"/>
+          <a:lstStyle/>
+          <a:p>
+            <a:pPr algn="ctr"/>
+            <a:r>
+              <a:rPr lang="da-DK" sz="3200" smtClean="0"/>
+              <a:t>Movie</a:t>
+            </a:r>
+            <a:endParaRPr lang="da-DK" sz="3200"/>
+          </a:p>
+        </p:txBody>
+      </p:sp>
+    </p:spTree>
+    <p:extLst>
+      <p:ext uri="{BB962C8B-B14F-4D97-AF65-F5344CB8AC3E}">
+        <p14:creationId xmlns:p14="http://schemas.microsoft.com/office/powerpoint/2010/main" val="2408320788"/>
+      </p:ext>
+    </p:extLst>
+  </p:cSld>
+  <p:clrMapOvr>
+    <a:masterClrMapping/>
+  </p:clrMapOvr>
+  <p:timing>
+    <p:tnLst>
+      <p:par>
+        <p:cTn id="1" dur="indefinite" restart="never" nodeType="tmRoot"/>
+      </p:par>
+    </p:tnLst>
+  </p:timing>
+</p:sld>
+</file>
+
+<file path=ppt/slides/slide8.xml><?xml version="1.0" encoding="utf-8"?>
 <p:sld xmlns:a="http://schemas.openxmlformats.org/drawingml/2006/main" xmlns:r="http://schemas.openxmlformats.org/officeDocument/2006/relationships" xmlns:p="http://schemas.openxmlformats.org/presentationml/2006/main">
   <p:cSld>
     <p:spTree>
@@ -26427,7 +30332,7 @@
             <a:pPr algn="ctr"/>
             <a:r>
               <a:rPr lang="da-DK" sz="4800" smtClean="0"/>
-              <a:t>Identifikation</a:t>
+              <a:t>Identification</a:t>
             </a:r>
           </a:p>
           <a:p>
@@ -26547,1523 +30452,6 @@
 </p:sld>
 </file>
 
-<file path=ppt/slides/slide5.xml><?xml version="1.0" encoding="utf-8"?>
-<p:sld xmlns:a="http://schemas.openxmlformats.org/drawingml/2006/main" xmlns:r="http://schemas.openxmlformats.org/officeDocument/2006/relationships" xmlns:p="http://schemas.openxmlformats.org/presentationml/2006/main">
-  <p:cSld>
-    <p:spTree>
-      <p:nvGrpSpPr>
-        <p:cNvPr id="1" name=""/>
-        <p:cNvGrpSpPr/>
-        <p:nvPr/>
-      </p:nvGrpSpPr>
-      <p:grpSpPr>
-        <a:xfrm>
-          <a:off x="0" y="0"/>
-          <a:ext cx="0" cy="0"/>
-          <a:chOff x="0" y="0"/>
-          <a:chExt cx="0" cy="0"/>
-        </a:xfrm>
-      </p:grpSpPr>
-      <p:sp>
-        <p:nvSpPr>
-          <p:cNvPr id="3" name="Pladsholder til indhold 2"/>
-          <p:cNvSpPr>
-            <a:spLocks noGrp="1"/>
-          </p:cNvSpPr>
-          <p:nvPr>
-            <p:ph idx="1"/>
-          </p:nvPr>
-        </p:nvSpPr>
-        <p:spPr/>
-        <p:txBody>
-          <a:bodyPr/>
-          <a:lstStyle/>
-          <a:p>
-            <a:pPr marL="0" indent="0">
-              <a:buNone/>
-            </a:pPr>
-            <a:r>
-              <a:rPr lang="en-US" sz="3200" b="1" smtClean="0">
-                <a:solidFill>
-                  <a:schemeClr val="accent1">
-                    <a:lumMod val="75000"/>
-                  </a:schemeClr>
-                </a:solidFill>
-                <a:latin typeface="Consolas" panose="020B0609020204030204" pitchFamily="49" charset="0"/>
-              </a:rPr>
-              <a:t>var</a:t>
-            </a:r>
-            <a:r>
-              <a:rPr lang="en-US" sz="3200" b="1" smtClean="0">
-                <a:latin typeface="Consolas" panose="020B0609020204030204" pitchFamily="49" charset="0"/>
-              </a:rPr>
-              <a:t> query = </a:t>
-            </a:r>
-            <a:r>
-              <a:rPr lang="en-US" sz="3200" b="1" smtClean="0">
-                <a:solidFill>
-                  <a:schemeClr val="accent1">
-                    <a:lumMod val="75000"/>
-                  </a:schemeClr>
-                </a:solidFill>
-                <a:latin typeface="Consolas" panose="020B0609020204030204" pitchFamily="49" charset="0"/>
-              </a:rPr>
-              <a:t>from</a:t>
-            </a:r>
-            <a:r>
-              <a:rPr lang="en-US" sz="3200" b="1" smtClean="0">
-                <a:latin typeface="Consolas" panose="020B0609020204030204" pitchFamily="49" charset="0"/>
-              </a:rPr>
-              <a:t> </a:t>
-            </a:r>
-            <a:r>
-              <a:rPr lang="en-US" sz="3200" b="1">
-                <a:latin typeface="Consolas" panose="020B0609020204030204" pitchFamily="49" charset="0"/>
-              </a:rPr>
-              <a:t>m </a:t>
-            </a:r>
-            <a:r>
-              <a:rPr lang="en-US" sz="3200" b="1">
-                <a:solidFill>
-                  <a:schemeClr val="accent1">
-                    <a:lumMod val="75000"/>
-                  </a:schemeClr>
-                </a:solidFill>
-                <a:latin typeface="Consolas" panose="020B0609020204030204" pitchFamily="49" charset="0"/>
-              </a:rPr>
-              <a:t>in</a:t>
-            </a:r>
-            <a:r>
-              <a:rPr lang="en-US" sz="3200" b="1">
-                <a:latin typeface="Consolas" panose="020B0609020204030204" pitchFamily="49" charset="0"/>
-              </a:rPr>
-              <a:t> </a:t>
-            </a:r>
-            <a:r>
-              <a:rPr lang="en-US" sz="3200" b="1" smtClean="0">
-                <a:latin typeface="Consolas" panose="020B0609020204030204" pitchFamily="49" charset="0"/>
-              </a:rPr>
-              <a:t>movies</a:t>
-            </a:r>
-          </a:p>
-        </p:txBody>
-      </p:sp>
-    </p:spTree>
-    <p:extLst>
-      <p:ext uri="{BB962C8B-B14F-4D97-AF65-F5344CB8AC3E}">
-        <p14:creationId xmlns:p14="http://schemas.microsoft.com/office/powerpoint/2010/main" val="2908048341"/>
-      </p:ext>
-    </p:extLst>
-  </p:cSld>
-  <p:clrMapOvr>
-    <a:masterClrMapping/>
-  </p:clrMapOvr>
-  <p:timing>
-    <p:tnLst>
-      <p:par>
-        <p:cTn id="1" dur="indefinite" restart="never" nodeType="tmRoot"/>
-      </p:par>
-    </p:tnLst>
-  </p:timing>
-</p:sld>
-</file>
-
-<file path=ppt/slides/slide6.xml><?xml version="1.0" encoding="utf-8"?>
-<p:sld xmlns:a="http://schemas.openxmlformats.org/drawingml/2006/main" xmlns:r="http://schemas.openxmlformats.org/officeDocument/2006/relationships" xmlns:p="http://schemas.openxmlformats.org/presentationml/2006/main">
-  <p:cSld>
-    <p:spTree>
-      <p:nvGrpSpPr>
-        <p:cNvPr id="1" name=""/>
-        <p:cNvGrpSpPr/>
-        <p:nvPr/>
-      </p:nvGrpSpPr>
-      <p:grpSpPr>
-        <a:xfrm>
-          <a:off x="0" y="0"/>
-          <a:ext cx="0" cy="0"/>
-          <a:chOff x="0" y="0"/>
-          <a:chExt cx="0" cy="0"/>
-        </a:xfrm>
-      </p:grpSpPr>
-      <p:sp>
-        <p:nvSpPr>
-          <p:cNvPr id="3" name="Pladsholder til indhold 2"/>
-          <p:cNvSpPr>
-            <a:spLocks noGrp="1"/>
-          </p:cNvSpPr>
-          <p:nvPr>
-            <p:ph idx="1"/>
-          </p:nvPr>
-        </p:nvSpPr>
-        <p:spPr/>
-        <p:txBody>
-          <a:bodyPr/>
-          <a:lstStyle/>
-          <a:p>
-            <a:pPr marL="0" indent="0">
-              <a:buNone/>
-            </a:pPr>
-            <a:r>
-              <a:rPr lang="en-US" sz="3200" b="1" smtClean="0">
-                <a:solidFill>
-                  <a:schemeClr val="accent1">
-                    <a:lumMod val="75000"/>
-                  </a:schemeClr>
-                </a:solidFill>
-                <a:latin typeface="Consolas" panose="020B0609020204030204" pitchFamily="49" charset="0"/>
-              </a:rPr>
-              <a:t>var</a:t>
-            </a:r>
-            <a:r>
-              <a:rPr lang="en-US" sz="3200" b="1" smtClean="0">
-                <a:latin typeface="Consolas" panose="020B0609020204030204" pitchFamily="49" charset="0"/>
-              </a:rPr>
-              <a:t> query = </a:t>
-            </a:r>
-            <a:r>
-              <a:rPr lang="en-US" sz="3200" b="1" smtClean="0">
-                <a:solidFill>
-                  <a:schemeClr val="accent1">
-                    <a:lumMod val="75000"/>
-                  </a:schemeClr>
-                </a:solidFill>
-                <a:latin typeface="Consolas" panose="020B0609020204030204" pitchFamily="49" charset="0"/>
-              </a:rPr>
-              <a:t>from</a:t>
-            </a:r>
-            <a:r>
-              <a:rPr lang="en-US" sz="3200" b="1" smtClean="0">
-                <a:latin typeface="Consolas" panose="020B0609020204030204" pitchFamily="49" charset="0"/>
-              </a:rPr>
-              <a:t> </a:t>
-            </a:r>
-            <a:r>
-              <a:rPr lang="en-US" sz="3200" b="1">
-                <a:latin typeface="Consolas" panose="020B0609020204030204" pitchFamily="49" charset="0"/>
-              </a:rPr>
-              <a:t>m </a:t>
-            </a:r>
-            <a:r>
-              <a:rPr lang="en-US" sz="3200" b="1">
-                <a:solidFill>
-                  <a:schemeClr val="accent1">
-                    <a:lumMod val="75000"/>
-                  </a:schemeClr>
-                </a:solidFill>
-                <a:latin typeface="Consolas" panose="020B0609020204030204" pitchFamily="49" charset="0"/>
-              </a:rPr>
-              <a:t>in</a:t>
-            </a:r>
-            <a:r>
-              <a:rPr lang="en-US" sz="3200" b="1">
-                <a:latin typeface="Consolas" panose="020B0609020204030204" pitchFamily="49" charset="0"/>
-              </a:rPr>
-              <a:t> </a:t>
-            </a:r>
-            <a:r>
-              <a:rPr lang="en-US" sz="3200" b="1" smtClean="0">
-                <a:latin typeface="Consolas" panose="020B0609020204030204" pitchFamily="49" charset="0"/>
-              </a:rPr>
-              <a:t>movies</a:t>
-            </a:r>
-          </a:p>
-          <a:p>
-            <a:pPr marL="0" indent="0">
-              <a:buNone/>
-            </a:pPr>
-            <a:endParaRPr lang="en-US" sz="3200" b="1">
-              <a:latin typeface="Consolas" panose="020B0609020204030204" pitchFamily="49" charset="0"/>
-            </a:endParaRPr>
-          </a:p>
-          <a:p>
-            <a:pPr marL="0" indent="0">
-              <a:buNone/>
-            </a:pPr>
-            <a:r>
-              <a:rPr lang="en-US" sz="3200" b="1" smtClean="0">
-                <a:solidFill>
-                  <a:schemeClr val="accent6">
-                    <a:lumMod val="75000"/>
-                  </a:schemeClr>
-                </a:solidFill>
-                <a:latin typeface="Consolas" panose="020B0609020204030204" pitchFamily="49" charset="0"/>
-              </a:rPr>
-              <a:t>// NB! Ikke en valid LINQ-statement</a:t>
-            </a:r>
-            <a:endParaRPr lang="da-DK">
-              <a:solidFill>
-                <a:schemeClr val="accent6">
-                  <a:lumMod val="75000"/>
-                </a:schemeClr>
-              </a:solidFill>
-            </a:endParaRPr>
-          </a:p>
-        </p:txBody>
-      </p:sp>
-    </p:spTree>
-    <p:extLst>
-      <p:ext uri="{BB962C8B-B14F-4D97-AF65-F5344CB8AC3E}">
-        <p14:creationId xmlns:p14="http://schemas.microsoft.com/office/powerpoint/2010/main" val="1387284960"/>
-      </p:ext>
-    </p:extLst>
-  </p:cSld>
-  <p:clrMapOvr>
-    <a:masterClrMapping/>
-  </p:clrMapOvr>
-  <p:timing>
-    <p:tnLst>
-      <p:par>
-        <p:cTn id="1" dur="indefinite" restart="never" nodeType="tmRoot"/>
-      </p:par>
-    </p:tnLst>
-  </p:timing>
-</p:sld>
-</file>
-
-<file path=ppt/slides/slide7.xml><?xml version="1.0" encoding="utf-8"?>
-<p:sld xmlns:a="http://schemas.openxmlformats.org/drawingml/2006/main" xmlns:r="http://schemas.openxmlformats.org/officeDocument/2006/relationships" xmlns:p="http://schemas.openxmlformats.org/presentationml/2006/main">
-  <p:cSld>
-    <p:spTree>
-      <p:nvGrpSpPr>
-        <p:cNvPr id="1" name=""/>
-        <p:cNvGrpSpPr/>
-        <p:nvPr/>
-      </p:nvGrpSpPr>
-      <p:grpSpPr>
-        <a:xfrm>
-          <a:off x="0" y="0"/>
-          <a:ext cx="0" cy="0"/>
-          <a:chOff x="0" y="0"/>
-          <a:chExt cx="0" cy="0"/>
-        </a:xfrm>
-      </p:grpSpPr>
-      <p:graphicFrame>
-        <p:nvGraphicFramePr>
-          <p:cNvPr id="4" name="Tabel 3"/>
-          <p:cNvGraphicFramePr>
-            <a:graphicFrameLocks noGrp="1"/>
-          </p:cNvGraphicFramePr>
-          <p:nvPr>
-            <p:extLst>
-              <p:ext uri="{D42A27DB-BD31-4B8C-83A1-F6EECF244321}">
-                <p14:modId xmlns:p14="http://schemas.microsoft.com/office/powerpoint/2010/main" val="1081556735"/>
-              </p:ext>
-            </p:extLst>
-          </p:nvPr>
-        </p:nvGraphicFramePr>
-        <p:xfrm>
-          <a:off x="830178" y="328638"/>
-          <a:ext cx="10160668" cy="5410424"/>
-        </p:xfrm>
-        <a:graphic>
-          <a:graphicData uri="http://schemas.openxmlformats.org/drawingml/2006/table">
-            <a:tbl>
-              <a:tblPr firstRow="1" bandRow="1">
-                <a:tableStyleId>{5940675A-B579-460E-94D1-54222C63F5DA}</a:tableStyleId>
-              </a:tblPr>
-              <a:tblGrid>
-                <a:gridCol w="2540167">
-                  <a:extLst>
-                    <a:ext uri="{9D8B030D-6E8A-4147-A177-3AD203B41FA5}">
-                      <a16:colId xmlns:a16="http://schemas.microsoft.com/office/drawing/2014/main" val="47363412"/>
-                    </a:ext>
-                  </a:extLst>
-                </a:gridCol>
-                <a:gridCol w="2540167">
-                  <a:extLst>
-                    <a:ext uri="{9D8B030D-6E8A-4147-A177-3AD203B41FA5}">
-                      <a16:colId xmlns:a16="http://schemas.microsoft.com/office/drawing/2014/main" val="3935601631"/>
-                    </a:ext>
-                  </a:extLst>
-                </a:gridCol>
-                <a:gridCol w="2540167">
-                  <a:extLst>
-                    <a:ext uri="{9D8B030D-6E8A-4147-A177-3AD203B41FA5}">
-                      <a16:colId xmlns:a16="http://schemas.microsoft.com/office/drawing/2014/main" val="4119078486"/>
-                    </a:ext>
-                  </a:extLst>
-                </a:gridCol>
-                <a:gridCol w="2540167">
-                  <a:extLst>
-                    <a:ext uri="{9D8B030D-6E8A-4147-A177-3AD203B41FA5}">
-                      <a16:colId xmlns:a16="http://schemas.microsoft.com/office/drawing/2014/main" val="371862353"/>
-                    </a:ext>
-                  </a:extLst>
-                </a:gridCol>
-              </a:tblGrid>
-              <a:tr h="1047179">
-                <a:tc>
-                  <a:txBody>
-                    <a:bodyPr/>
-                    <a:lstStyle/>
-                    <a:p>
-                      <a:pPr>
-                        <a:spcAft>
-                          <a:spcPts val="0"/>
-                        </a:spcAft>
-                      </a:pPr>
-                      <a:r>
-                        <a:rPr lang="en-US" sz="3200" b="1" i="1">
-                          <a:effectLst/>
-                          <a:latin typeface="Calibri" panose="020F0502020204030204" pitchFamily="34" charset="0"/>
-                          <a:ea typeface="Calibri" panose="020F0502020204030204" pitchFamily="34" charset="0"/>
-                          <a:cs typeface="Times New Roman" panose="02020603050405020304" pitchFamily="18" charset="0"/>
-                        </a:rPr>
-                        <a:t>Title</a:t>
-                      </a:r>
-                      <a:endParaRPr lang="da-DK" sz="3200">
-                        <a:effectLst/>
-                        <a:latin typeface="Calibri" panose="020F0502020204030204" pitchFamily="34" charset="0"/>
-                        <a:ea typeface="Calibri" panose="020F0502020204030204" pitchFamily="34" charset="0"/>
-                        <a:cs typeface="Times New Roman" panose="02020603050405020304" pitchFamily="18" charset="0"/>
-                      </a:endParaRPr>
-                    </a:p>
-                  </a:txBody>
-                  <a:tcPr marL="68580" marR="68580" marT="0" marB="0">
-                    <a:solidFill>
-                      <a:schemeClr val="bg1">
-                        <a:lumMod val="85000"/>
-                      </a:schemeClr>
-                    </a:solidFill>
-                  </a:tcPr>
-                </a:tc>
-                <a:tc>
-                  <a:txBody>
-                    <a:bodyPr/>
-                    <a:lstStyle/>
-                    <a:p>
-                      <a:pPr>
-                        <a:spcAft>
-                          <a:spcPts val="0"/>
-                        </a:spcAft>
-                      </a:pPr>
-                      <a:r>
-                        <a:rPr lang="en-US" sz="3200" b="1" i="1">
-                          <a:effectLst/>
-                          <a:latin typeface="Calibri" panose="020F0502020204030204" pitchFamily="34" charset="0"/>
-                          <a:ea typeface="Calibri" panose="020F0502020204030204" pitchFamily="34" charset="0"/>
-                          <a:cs typeface="Times New Roman" panose="02020603050405020304" pitchFamily="18" charset="0"/>
-                        </a:rPr>
-                        <a:t>Year</a:t>
-                      </a:r>
-                      <a:endParaRPr lang="da-DK" sz="3200">
-                        <a:effectLst/>
-                        <a:latin typeface="Calibri" panose="020F0502020204030204" pitchFamily="34" charset="0"/>
-                        <a:ea typeface="Calibri" panose="020F0502020204030204" pitchFamily="34" charset="0"/>
-                        <a:cs typeface="Times New Roman" panose="02020603050405020304" pitchFamily="18" charset="0"/>
-                      </a:endParaRPr>
-                    </a:p>
-                  </a:txBody>
-                  <a:tcPr marL="68580" marR="68580" marT="0" marB="0">
-                    <a:solidFill>
-                      <a:schemeClr val="bg1">
-                        <a:lumMod val="85000"/>
-                      </a:schemeClr>
-                    </a:solidFill>
-                  </a:tcPr>
-                </a:tc>
-                <a:tc>
-                  <a:txBody>
-                    <a:bodyPr/>
-                    <a:lstStyle/>
-                    <a:p>
-                      <a:pPr>
-                        <a:spcAft>
-                          <a:spcPts val="0"/>
-                        </a:spcAft>
-                      </a:pPr>
-                      <a:r>
-                        <a:rPr lang="en-US" sz="3200" b="1" i="1" smtClean="0">
-                          <a:effectLst/>
-                          <a:latin typeface="Calibri" panose="020F0502020204030204" pitchFamily="34" charset="0"/>
-                          <a:ea typeface="Calibri" panose="020F0502020204030204" pitchFamily="34" charset="0"/>
-                          <a:cs typeface="Times New Roman" panose="02020603050405020304" pitchFamily="18" charset="0"/>
-                        </a:rPr>
-                        <a:t>Duration</a:t>
-                      </a:r>
-                    </a:p>
-                    <a:p>
-                      <a:pPr>
-                        <a:spcAft>
-                          <a:spcPts val="0"/>
-                        </a:spcAft>
-                      </a:pPr>
-                      <a:r>
-                        <a:rPr lang="en-US" sz="3200" b="1" i="1" smtClean="0">
-                          <a:effectLst/>
-                          <a:latin typeface="Calibri" panose="020F0502020204030204" pitchFamily="34" charset="0"/>
-                          <a:ea typeface="Calibri" panose="020F0502020204030204" pitchFamily="34" charset="0"/>
-                          <a:cs typeface="Times New Roman" panose="02020603050405020304" pitchFamily="18" charset="0"/>
-                        </a:rPr>
-                        <a:t>InMins</a:t>
-                      </a:r>
-                      <a:endParaRPr lang="da-DK" sz="3200">
-                        <a:effectLst/>
-                        <a:latin typeface="Calibri" panose="020F0502020204030204" pitchFamily="34" charset="0"/>
-                        <a:ea typeface="Calibri" panose="020F0502020204030204" pitchFamily="34" charset="0"/>
-                        <a:cs typeface="Times New Roman" panose="02020603050405020304" pitchFamily="18" charset="0"/>
-                      </a:endParaRPr>
-                    </a:p>
-                  </a:txBody>
-                  <a:tcPr marL="68580" marR="68580" marT="0" marB="0"/>
-                </a:tc>
-                <a:tc>
-                  <a:txBody>
-                    <a:bodyPr/>
-                    <a:lstStyle/>
-                    <a:p>
-                      <a:pPr>
-                        <a:spcAft>
-                          <a:spcPts val="0"/>
-                        </a:spcAft>
-                      </a:pPr>
-                      <a:r>
-                        <a:rPr lang="en-US" sz="3200" b="1" i="1">
-                          <a:effectLst/>
-                          <a:latin typeface="Calibri" panose="020F0502020204030204" pitchFamily="34" charset="0"/>
-                          <a:ea typeface="Calibri" panose="020F0502020204030204" pitchFamily="34" charset="0"/>
-                          <a:cs typeface="Times New Roman" panose="02020603050405020304" pitchFamily="18" charset="0"/>
-                        </a:rPr>
-                        <a:t>StudioName</a:t>
-                      </a:r>
-                      <a:endParaRPr lang="da-DK" sz="3200">
-                        <a:effectLst/>
-                        <a:latin typeface="Calibri" panose="020F0502020204030204" pitchFamily="34" charset="0"/>
-                        <a:ea typeface="Calibri" panose="020F0502020204030204" pitchFamily="34" charset="0"/>
-                        <a:cs typeface="Times New Roman" panose="02020603050405020304" pitchFamily="18" charset="0"/>
-                      </a:endParaRPr>
-                    </a:p>
-                  </a:txBody>
-                  <a:tcPr marL="68580" marR="68580" marT="0" marB="0"/>
-                </a:tc>
-                <a:extLst>
-                  <a:ext uri="{0D108BD9-81ED-4DB2-BD59-A6C34878D82A}">
-                    <a16:rowId xmlns:a16="http://schemas.microsoft.com/office/drawing/2014/main" val="2788163691"/>
-                  </a:ext>
-                </a:extLst>
-              </a:tr>
-              <a:tr h="872649">
-                <a:tc>
-                  <a:txBody>
-                    <a:bodyPr/>
-                    <a:lstStyle/>
-                    <a:p>
-                      <a:pPr>
-                        <a:spcAft>
-                          <a:spcPts val="0"/>
-                        </a:spcAft>
-                      </a:pPr>
-                      <a:r>
-                        <a:rPr lang="en-US" sz="2800">
-                          <a:effectLst/>
-                          <a:latin typeface="Calibri" panose="020F0502020204030204" pitchFamily="34" charset="0"/>
-                          <a:ea typeface="Calibri" panose="020F0502020204030204" pitchFamily="34" charset="0"/>
-                          <a:cs typeface="Times New Roman" panose="02020603050405020304" pitchFamily="18" charset="0"/>
-                        </a:rPr>
-                        <a:t>Se7en</a:t>
-                      </a:r>
-                      <a:endParaRPr lang="da-DK" sz="2800">
-                        <a:effectLst/>
-                        <a:latin typeface="Calibri" panose="020F0502020204030204" pitchFamily="34" charset="0"/>
-                        <a:ea typeface="Calibri" panose="020F0502020204030204" pitchFamily="34" charset="0"/>
-                        <a:cs typeface="Times New Roman" panose="02020603050405020304" pitchFamily="18" charset="0"/>
-                      </a:endParaRPr>
-                    </a:p>
-                  </a:txBody>
-                  <a:tcPr marL="68580" marR="68580" marT="0" marB="0">
-                    <a:solidFill>
-                      <a:schemeClr val="bg1">
-                        <a:lumMod val="85000"/>
-                      </a:schemeClr>
-                    </a:solidFill>
-                  </a:tcPr>
-                </a:tc>
-                <a:tc>
-                  <a:txBody>
-                    <a:bodyPr/>
-                    <a:lstStyle/>
-                    <a:p>
-                      <a:pPr>
-                        <a:spcAft>
-                          <a:spcPts val="0"/>
-                        </a:spcAft>
-                      </a:pPr>
-                      <a:r>
-                        <a:rPr lang="en-US" sz="2800">
-                          <a:effectLst/>
-                          <a:latin typeface="Calibri" panose="020F0502020204030204" pitchFamily="34" charset="0"/>
-                          <a:ea typeface="Calibri" panose="020F0502020204030204" pitchFamily="34" charset="0"/>
-                          <a:cs typeface="Times New Roman" panose="02020603050405020304" pitchFamily="18" charset="0"/>
-                        </a:rPr>
-                        <a:t>1995</a:t>
-                      </a:r>
-                      <a:endParaRPr lang="da-DK" sz="2800">
-                        <a:effectLst/>
-                        <a:latin typeface="Calibri" panose="020F0502020204030204" pitchFamily="34" charset="0"/>
-                        <a:ea typeface="Calibri" panose="020F0502020204030204" pitchFamily="34" charset="0"/>
-                        <a:cs typeface="Times New Roman" panose="02020603050405020304" pitchFamily="18" charset="0"/>
-                      </a:endParaRPr>
-                    </a:p>
-                  </a:txBody>
-                  <a:tcPr marL="68580" marR="68580" marT="0" marB="0">
-                    <a:solidFill>
-                      <a:schemeClr val="bg1">
-                        <a:lumMod val="85000"/>
-                      </a:schemeClr>
-                    </a:solidFill>
-                  </a:tcPr>
-                </a:tc>
-                <a:tc>
-                  <a:txBody>
-                    <a:bodyPr/>
-                    <a:lstStyle/>
-                    <a:p>
-                      <a:pPr>
-                        <a:spcAft>
-                          <a:spcPts val="0"/>
-                        </a:spcAft>
-                      </a:pPr>
-                      <a:r>
-                        <a:rPr lang="en-US" sz="2800">
-                          <a:effectLst/>
-                          <a:latin typeface="Calibri" panose="020F0502020204030204" pitchFamily="34" charset="0"/>
-                          <a:ea typeface="Calibri" panose="020F0502020204030204" pitchFamily="34" charset="0"/>
-                          <a:cs typeface="Times New Roman" panose="02020603050405020304" pitchFamily="18" charset="0"/>
-                        </a:rPr>
-                        <a:t>127</a:t>
-                      </a:r>
-                      <a:endParaRPr lang="da-DK" sz="2800">
-                        <a:effectLst/>
-                        <a:latin typeface="Calibri" panose="020F0502020204030204" pitchFamily="34" charset="0"/>
-                        <a:ea typeface="Calibri" panose="020F0502020204030204" pitchFamily="34" charset="0"/>
-                        <a:cs typeface="Times New Roman" panose="02020603050405020304" pitchFamily="18" charset="0"/>
-                      </a:endParaRPr>
-                    </a:p>
-                  </a:txBody>
-                  <a:tcPr marL="68580" marR="68580" marT="0" marB="0"/>
-                </a:tc>
-                <a:tc>
-                  <a:txBody>
-                    <a:bodyPr/>
-                    <a:lstStyle/>
-                    <a:p>
-                      <a:pPr>
-                        <a:spcAft>
-                          <a:spcPts val="0"/>
-                        </a:spcAft>
-                      </a:pPr>
-                      <a:r>
-                        <a:rPr lang="en-US" sz="2800">
-                          <a:effectLst/>
-                          <a:latin typeface="Calibri" panose="020F0502020204030204" pitchFamily="34" charset="0"/>
-                          <a:ea typeface="Calibri" panose="020F0502020204030204" pitchFamily="34" charset="0"/>
-                          <a:cs typeface="Times New Roman" panose="02020603050405020304" pitchFamily="18" charset="0"/>
-                        </a:rPr>
-                        <a:t>New Line Cinema</a:t>
-                      </a:r>
-                      <a:endParaRPr lang="da-DK" sz="2800">
-                        <a:effectLst/>
-                        <a:latin typeface="Calibri" panose="020F0502020204030204" pitchFamily="34" charset="0"/>
-                        <a:ea typeface="Calibri" panose="020F0502020204030204" pitchFamily="34" charset="0"/>
-                        <a:cs typeface="Times New Roman" panose="02020603050405020304" pitchFamily="18" charset="0"/>
-                      </a:endParaRPr>
-                    </a:p>
-                  </a:txBody>
-                  <a:tcPr marL="68580" marR="68580" marT="0" marB="0"/>
-                </a:tc>
-                <a:extLst>
-                  <a:ext uri="{0D108BD9-81ED-4DB2-BD59-A6C34878D82A}">
-                    <a16:rowId xmlns:a16="http://schemas.microsoft.com/office/drawing/2014/main" val="4183597378"/>
-                  </a:ext>
-                </a:extLst>
-              </a:tr>
-              <a:tr h="872649">
-                <a:tc>
-                  <a:txBody>
-                    <a:bodyPr/>
-                    <a:lstStyle/>
-                    <a:p>
-                      <a:pPr>
-                        <a:spcAft>
-                          <a:spcPts val="0"/>
-                        </a:spcAft>
-                      </a:pPr>
-                      <a:r>
-                        <a:rPr lang="en-US" sz="2800">
-                          <a:effectLst/>
-                          <a:latin typeface="Calibri" panose="020F0502020204030204" pitchFamily="34" charset="0"/>
-                          <a:ea typeface="Calibri" panose="020F0502020204030204" pitchFamily="34" charset="0"/>
-                          <a:cs typeface="Times New Roman" panose="02020603050405020304" pitchFamily="18" charset="0"/>
-                        </a:rPr>
-                        <a:t>Alien</a:t>
-                      </a:r>
-                      <a:endParaRPr lang="da-DK" sz="2800">
-                        <a:effectLst/>
-                        <a:latin typeface="Calibri" panose="020F0502020204030204" pitchFamily="34" charset="0"/>
-                        <a:ea typeface="Calibri" panose="020F0502020204030204" pitchFamily="34" charset="0"/>
-                        <a:cs typeface="Times New Roman" panose="02020603050405020304" pitchFamily="18" charset="0"/>
-                      </a:endParaRPr>
-                    </a:p>
-                  </a:txBody>
-                  <a:tcPr marL="68580" marR="68580" marT="0" marB="0">
-                    <a:solidFill>
-                      <a:schemeClr val="bg1">
-                        <a:lumMod val="85000"/>
-                      </a:schemeClr>
-                    </a:solidFill>
-                  </a:tcPr>
-                </a:tc>
-                <a:tc>
-                  <a:txBody>
-                    <a:bodyPr/>
-                    <a:lstStyle/>
-                    <a:p>
-                      <a:pPr>
-                        <a:spcAft>
-                          <a:spcPts val="0"/>
-                        </a:spcAft>
-                      </a:pPr>
-                      <a:r>
-                        <a:rPr lang="en-US" sz="2800">
-                          <a:effectLst/>
-                          <a:latin typeface="Calibri" panose="020F0502020204030204" pitchFamily="34" charset="0"/>
-                          <a:ea typeface="Calibri" panose="020F0502020204030204" pitchFamily="34" charset="0"/>
-                          <a:cs typeface="Times New Roman" panose="02020603050405020304" pitchFamily="18" charset="0"/>
-                        </a:rPr>
-                        <a:t>1979</a:t>
-                      </a:r>
-                      <a:endParaRPr lang="da-DK" sz="2800">
-                        <a:effectLst/>
-                        <a:latin typeface="Calibri" panose="020F0502020204030204" pitchFamily="34" charset="0"/>
-                        <a:ea typeface="Calibri" panose="020F0502020204030204" pitchFamily="34" charset="0"/>
-                        <a:cs typeface="Times New Roman" panose="02020603050405020304" pitchFamily="18" charset="0"/>
-                      </a:endParaRPr>
-                    </a:p>
-                  </a:txBody>
-                  <a:tcPr marL="68580" marR="68580" marT="0" marB="0">
-                    <a:solidFill>
-                      <a:schemeClr val="bg1">
-                        <a:lumMod val="85000"/>
-                      </a:schemeClr>
-                    </a:solidFill>
-                  </a:tcPr>
-                </a:tc>
-                <a:tc>
-                  <a:txBody>
-                    <a:bodyPr/>
-                    <a:lstStyle/>
-                    <a:p>
-                      <a:pPr>
-                        <a:spcAft>
-                          <a:spcPts val="0"/>
-                        </a:spcAft>
-                      </a:pPr>
-                      <a:r>
-                        <a:rPr lang="en-US" sz="2800">
-                          <a:effectLst/>
-                          <a:latin typeface="Calibri" panose="020F0502020204030204" pitchFamily="34" charset="0"/>
-                          <a:ea typeface="Calibri" panose="020F0502020204030204" pitchFamily="34" charset="0"/>
-                          <a:cs typeface="Times New Roman" panose="02020603050405020304" pitchFamily="18" charset="0"/>
-                        </a:rPr>
-                        <a:t>117</a:t>
-                      </a:r>
-                      <a:endParaRPr lang="da-DK" sz="2800">
-                        <a:effectLst/>
-                        <a:latin typeface="Calibri" panose="020F0502020204030204" pitchFamily="34" charset="0"/>
-                        <a:ea typeface="Calibri" panose="020F0502020204030204" pitchFamily="34" charset="0"/>
-                        <a:cs typeface="Times New Roman" panose="02020603050405020304" pitchFamily="18" charset="0"/>
-                      </a:endParaRPr>
-                    </a:p>
-                  </a:txBody>
-                  <a:tcPr marL="68580" marR="68580" marT="0" marB="0"/>
-                </a:tc>
-                <a:tc>
-                  <a:txBody>
-                    <a:bodyPr/>
-                    <a:lstStyle/>
-                    <a:p>
-                      <a:pPr>
-                        <a:spcAft>
-                          <a:spcPts val="0"/>
-                        </a:spcAft>
-                      </a:pPr>
-                      <a:r>
-                        <a:rPr lang="en-US" sz="2800">
-                          <a:effectLst/>
-                          <a:latin typeface="Calibri" panose="020F0502020204030204" pitchFamily="34" charset="0"/>
-                          <a:ea typeface="Calibri" panose="020F0502020204030204" pitchFamily="34" charset="0"/>
-                          <a:cs typeface="Times New Roman" panose="02020603050405020304" pitchFamily="18" charset="0"/>
-                        </a:rPr>
-                        <a:t>20</a:t>
-                      </a:r>
-                      <a:r>
-                        <a:rPr lang="en-US" sz="2800" baseline="30000">
-                          <a:effectLst/>
-                          <a:latin typeface="Calibri" panose="020F0502020204030204" pitchFamily="34" charset="0"/>
-                          <a:ea typeface="Calibri" panose="020F0502020204030204" pitchFamily="34" charset="0"/>
-                          <a:cs typeface="Times New Roman" panose="02020603050405020304" pitchFamily="18" charset="0"/>
-                        </a:rPr>
-                        <a:t>th</a:t>
-                      </a:r>
-                      <a:r>
-                        <a:rPr lang="en-US" sz="2800">
-                          <a:effectLst/>
-                          <a:latin typeface="Calibri" panose="020F0502020204030204" pitchFamily="34" charset="0"/>
-                          <a:ea typeface="Calibri" panose="020F0502020204030204" pitchFamily="34" charset="0"/>
-                          <a:cs typeface="Times New Roman" panose="02020603050405020304" pitchFamily="18" charset="0"/>
-                        </a:rPr>
-                        <a:t> Century </a:t>
-                      </a:r>
-                      <a:endParaRPr lang="en-US" sz="2800" smtClean="0">
-                        <a:effectLst/>
-                        <a:latin typeface="Calibri" panose="020F0502020204030204" pitchFamily="34" charset="0"/>
-                        <a:ea typeface="Calibri" panose="020F0502020204030204" pitchFamily="34" charset="0"/>
-                        <a:cs typeface="Times New Roman" panose="02020603050405020304" pitchFamily="18" charset="0"/>
-                      </a:endParaRPr>
-                    </a:p>
-                    <a:p>
-                      <a:pPr>
-                        <a:spcAft>
-                          <a:spcPts val="0"/>
-                        </a:spcAft>
-                      </a:pPr>
-                      <a:r>
-                        <a:rPr lang="en-US" sz="2800" smtClean="0">
-                          <a:effectLst/>
-                          <a:latin typeface="Calibri" panose="020F0502020204030204" pitchFamily="34" charset="0"/>
-                          <a:ea typeface="Calibri" panose="020F0502020204030204" pitchFamily="34" charset="0"/>
-                          <a:cs typeface="Times New Roman" panose="02020603050405020304" pitchFamily="18" charset="0"/>
-                        </a:rPr>
-                        <a:t>Fox</a:t>
-                      </a:r>
-                      <a:endParaRPr lang="da-DK" sz="2800">
-                        <a:effectLst/>
-                        <a:latin typeface="Calibri" panose="020F0502020204030204" pitchFamily="34" charset="0"/>
-                        <a:ea typeface="Calibri" panose="020F0502020204030204" pitchFamily="34" charset="0"/>
-                        <a:cs typeface="Times New Roman" panose="02020603050405020304" pitchFamily="18" charset="0"/>
-                      </a:endParaRPr>
-                    </a:p>
-                  </a:txBody>
-                  <a:tcPr marL="68580" marR="68580" marT="0" marB="0"/>
-                </a:tc>
-                <a:extLst>
-                  <a:ext uri="{0D108BD9-81ED-4DB2-BD59-A6C34878D82A}">
-                    <a16:rowId xmlns:a16="http://schemas.microsoft.com/office/drawing/2014/main" val="897639513"/>
-                  </a:ext>
-                </a:extLst>
-              </a:tr>
-              <a:tr h="872649">
-                <a:tc>
-                  <a:txBody>
-                    <a:bodyPr/>
-                    <a:lstStyle/>
-                    <a:p>
-                      <a:pPr>
-                        <a:spcAft>
-                          <a:spcPts val="0"/>
-                        </a:spcAft>
-                      </a:pPr>
-                      <a:r>
-                        <a:rPr lang="en-US" sz="2800">
-                          <a:effectLst/>
-                          <a:latin typeface="Calibri" panose="020F0502020204030204" pitchFamily="34" charset="0"/>
-                          <a:ea typeface="Calibri" panose="020F0502020204030204" pitchFamily="34" charset="0"/>
-                          <a:cs typeface="Times New Roman" panose="02020603050405020304" pitchFamily="18" charset="0"/>
-                        </a:rPr>
-                        <a:t>Forrest Gump</a:t>
-                      </a:r>
-                      <a:endParaRPr lang="da-DK" sz="2800">
-                        <a:effectLst/>
-                        <a:latin typeface="Calibri" panose="020F0502020204030204" pitchFamily="34" charset="0"/>
-                        <a:ea typeface="Calibri" panose="020F0502020204030204" pitchFamily="34" charset="0"/>
-                        <a:cs typeface="Times New Roman" panose="02020603050405020304" pitchFamily="18" charset="0"/>
-                      </a:endParaRPr>
-                    </a:p>
-                  </a:txBody>
-                  <a:tcPr marL="68580" marR="68580" marT="0" marB="0">
-                    <a:solidFill>
-                      <a:schemeClr val="bg1">
-                        <a:lumMod val="85000"/>
-                      </a:schemeClr>
-                    </a:solidFill>
-                  </a:tcPr>
-                </a:tc>
-                <a:tc>
-                  <a:txBody>
-                    <a:bodyPr/>
-                    <a:lstStyle/>
-                    <a:p>
-                      <a:pPr>
-                        <a:spcAft>
-                          <a:spcPts val="0"/>
-                        </a:spcAft>
-                      </a:pPr>
-                      <a:r>
-                        <a:rPr lang="en-US" sz="2800">
-                          <a:effectLst/>
-                          <a:latin typeface="Calibri" panose="020F0502020204030204" pitchFamily="34" charset="0"/>
-                          <a:ea typeface="Calibri" panose="020F0502020204030204" pitchFamily="34" charset="0"/>
-                          <a:cs typeface="Times New Roman" panose="02020603050405020304" pitchFamily="18" charset="0"/>
-                        </a:rPr>
-                        <a:t>1994</a:t>
-                      </a:r>
-                      <a:endParaRPr lang="da-DK" sz="2800">
-                        <a:effectLst/>
-                        <a:latin typeface="Calibri" panose="020F0502020204030204" pitchFamily="34" charset="0"/>
-                        <a:ea typeface="Calibri" panose="020F0502020204030204" pitchFamily="34" charset="0"/>
-                        <a:cs typeface="Times New Roman" panose="02020603050405020304" pitchFamily="18" charset="0"/>
-                      </a:endParaRPr>
-                    </a:p>
-                  </a:txBody>
-                  <a:tcPr marL="68580" marR="68580" marT="0" marB="0">
-                    <a:solidFill>
-                      <a:schemeClr val="bg1">
-                        <a:lumMod val="85000"/>
-                      </a:schemeClr>
-                    </a:solidFill>
-                  </a:tcPr>
-                </a:tc>
-                <a:tc>
-                  <a:txBody>
-                    <a:bodyPr/>
-                    <a:lstStyle/>
-                    <a:p>
-                      <a:pPr>
-                        <a:spcAft>
-                          <a:spcPts val="0"/>
-                        </a:spcAft>
-                      </a:pPr>
-                      <a:r>
-                        <a:rPr lang="en-US" sz="2800">
-                          <a:effectLst/>
-                          <a:latin typeface="Calibri" panose="020F0502020204030204" pitchFamily="34" charset="0"/>
-                          <a:ea typeface="Calibri" panose="020F0502020204030204" pitchFamily="34" charset="0"/>
-                          <a:cs typeface="Times New Roman" panose="02020603050405020304" pitchFamily="18" charset="0"/>
-                        </a:rPr>
-                        <a:t>142</a:t>
-                      </a:r>
-                      <a:endParaRPr lang="da-DK" sz="2800">
-                        <a:effectLst/>
-                        <a:latin typeface="Calibri" panose="020F0502020204030204" pitchFamily="34" charset="0"/>
-                        <a:ea typeface="Calibri" panose="020F0502020204030204" pitchFamily="34" charset="0"/>
-                        <a:cs typeface="Times New Roman" panose="02020603050405020304" pitchFamily="18" charset="0"/>
-                      </a:endParaRPr>
-                    </a:p>
-                  </a:txBody>
-                  <a:tcPr marL="68580" marR="68580" marT="0" marB="0"/>
-                </a:tc>
-                <a:tc>
-                  <a:txBody>
-                    <a:bodyPr/>
-                    <a:lstStyle/>
-                    <a:p>
-                      <a:pPr>
-                        <a:spcAft>
-                          <a:spcPts val="0"/>
-                        </a:spcAft>
-                      </a:pPr>
-                      <a:r>
-                        <a:rPr lang="en-US" sz="2800">
-                          <a:effectLst/>
-                          <a:latin typeface="Calibri" panose="020F0502020204030204" pitchFamily="34" charset="0"/>
-                          <a:ea typeface="Calibri" panose="020F0502020204030204" pitchFamily="34" charset="0"/>
-                          <a:cs typeface="Times New Roman" panose="02020603050405020304" pitchFamily="18" charset="0"/>
-                        </a:rPr>
-                        <a:t>Paramount Pictures</a:t>
-                      </a:r>
-                      <a:endParaRPr lang="da-DK" sz="2800">
-                        <a:effectLst/>
-                        <a:latin typeface="Calibri" panose="020F0502020204030204" pitchFamily="34" charset="0"/>
-                        <a:ea typeface="Calibri" panose="020F0502020204030204" pitchFamily="34" charset="0"/>
-                        <a:cs typeface="Times New Roman" panose="02020603050405020304" pitchFamily="18" charset="0"/>
-                      </a:endParaRPr>
-                    </a:p>
-                  </a:txBody>
-                  <a:tcPr marL="68580" marR="68580" marT="0" marB="0"/>
-                </a:tc>
-                <a:extLst>
-                  <a:ext uri="{0D108BD9-81ED-4DB2-BD59-A6C34878D82A}">
-                    <a16:rowId xmlns:a16="http://schemas.microsoft.com/office/drawing/2014/main" val="2980531286"/>
-                  </a:ext>
-                </a:extLst>
-              </a:tr>
-              <a:tr h="872649">
-                <a:tc>
-                  <a:txBody>
-                    <a:bodyPr/>
-                    <a:lstStyle/>
-                    <a:p>
-                      <a:pPr>
-                        <a:spcAft>
-                          <a:spcPts val="0"/>
-                        </a:spcAft>
-                      </a:pPr>
-                      <a:r>
-                        <a:rPr lang="en-US" sz="2800">
-                          <a:effectLst/>
-                          <a:latin typeface="Calibri" panose="020F0502020204030204" pitchFamily="34" charset="0"/>
-                          <a:ea typeface="Calibri" panose="020F0502020204030204" pitchFamily="34" charset="0"/>
-                          <a:cs typeface="Times New Roman" panose="02020603050405020304" pitchFamily="18" charset="0"/>
-                        </a:rPr>
-                        <a:t>True Grit</a:t>
-                      </a:r>
-                      <a:endParaRPr lang="da-DK" sz="2800">
-                        <a:effectLst/>
-                        <a:latin typeface="Calibri" panose="020F0502020204030204" pitchFamily="34" charset="0"/>
-                        <a:ea typeface="Calibri" panose="020F0502020204030204" pitchFamily="34" charset="0"/>
-                        <a:cs typeface="Times New Roman" panose="02020603050405020304" pitchFamily="18" charset="0"/>
-                      </a:endParaRPr>
-                    </a:p>
-                  </a:txBody>
-                  <a:tcPr marL="68580" marR="68580" marT="0" marB="0">
-                    <a:solidFill>
-                      <a:schemeClr val="bg1">
-                        <a:lumMod val="85000"/>
-                      </a:schemeClr>
-                    </a:solidFill>
-                  </a:tcPr>
-                </a:tc>
-                <a:tc>
-                  <a:txBody>
-                    <a:bodyPr/>
-                    <a:lstStyle/>
-                    <a:p>
-                      <a:pPr>
-                        <a:spcAft>
-                          <a:spcPts val="0"/>
-                        </a:spcAft>
-                      </a:pPr>
-                      <a:r>
-                        <a:rPr lang="en-US" sz="2800">
-                          <a:effectLst/>
-                          <a:latin typeface="Calibri" panose="020F0502020204030204" pitchFamily="34" charset="0"/>
-                          <a:ea typeface="Calibri" panose="020F0502020204030204" pitchFamily="34" charset="0"/>
-                          <a:cs typeface="Times New Roman" panose="02020603050405020304" pitchFamily="18" charset="0"/>
-                        </a:rPr>
-                        <a:t>2010</a:t>
-                      </a:r>
-                      <a:endParaRPr lang="da-DK" sz="2800">
-                        <a:effectLst/>
-                        <a:latin typeface="Calibri" panose="020F0502020204030204" pitchFamily="34" charset="0"/>
-                        <a:ea typeface="Calibri" panose="020F0502020204030204" pitchFamily="34" charset="0"/>
-                        <a:cs typeface="Times New Roman" panose="02020603050405020304" pitchFamily="18" charset="0"/>
-                      </a:endParaRPr>
-                    </a:p>
-                  </a:txBody>
-                  <a:tcPr marL="68580" marR="68580" marT="0" marB="0">
-                    <a:solidFill>
-                      <a:schemeClr val="bg1">
-                        <a:lumMod val="85000"/>
-                      </a:schemeClr>
-                    </a:solidFill>
-                  </a:tcPr>
-                </a:tc>
-                <a:tc>
-                  <a:txBody>
-                    <a:bodyPr/>
-                    <a:lstStyle/>
-                    <a:p>
-                      <a:pPr>
-                        <a:spcAft>
-                          <a:spcPts val="0"/>
-                        </a:spcAft>
-                      </a:pPr>
-                      <a:r>
-                        <a:rPr lang="en-US" sz="2800">
-                          <a:effectLst/>
-                          <a:latin typeface="Calibri" panose="020F0502020204030204" pitchFamily="34" charset="0"/>
-                          <a:ea typeface="Calibri" panose="020F0502020204030204" pitchFamily="34" charset="0"/>
-                          <a:cs typeface="Times New Roman" panose="02020603050405020304" pitchFamily="18" charset="0"/>
-                        </a:rPr>
-                        <a:t>110</a:t>
-                      </a:r>
-                      <a:endParaRPr lang="da-DK" sz="2800">
-                        <a:effectLst/>
-                        <a:latin typeface="Calibri" panose="020F0502020204030204" pitchFamily="34" charset="0"/>
-                        <a:ea typeface="Calibri" panose="020F0502020204030204" pitchFamily="34" charset="0"/>
-                        <a:cs typeface="Times New Roman" panose="02020603050405020304" pitchFamily="18" charset="0"/>
-                      </a:endParaRPr>
-                    </a:p>
-                  </a:txBody>
-                  <a:tcPr marL="68580" marR="68580" marT="0" marB="0"/>
-                </a:tc>
-                <a:tc>
-                  <a:txBody>
-                    <a:bodyPr/>
-                    <a:lstStyle/>
-                    <a:p>
-                      <a:pPr>
-                        <a:spcAft>
-                          <a:spcPts val="0"/>
-                        </a:spcAft>
-                      </a:pPr>
-                      <a:r>
-                        <a:rPr lang="en-US" sz="2800">
-                          <a:effectLst/>
-                          <a:latin typeface="Calibri" panose="020F0502020204030204" pitchFamily="34" charset="0"/>
-                          <a:ea typeface="Calibri" panose="020F0502020204030204" pitchFamily="34" charset="0"/>
-                          <a:cs typeface="Times New Roman" panose="02020603050405020304" pitchFamily="18" charset="0"/>
-                        </a:rPr>
-                        <a:t>Paramount Pictures</a:t>
-                      </a:r>
-                      <a:endParaRPr lang="da-DK" sz="2800">
-                        <a:effectLst/>
-                        <a:latin typeface="Calibri" panose="020F0502020204030204" pitchFamily="34" charset="0"/>
-                        <a:ea typeface="Calibri" panose="020F0502020204030204" pitchFamily="34" charset="0"/>
-                        <a:cs typeface="Times New Roman" panose="02020603050405020304" pitchFamily="18" charset="0"/>
-                      </a:endParaRPr>
-                    </a:p>
-                  </a:txBody>
-                  <a:tcPr marL="68580" marR="68580" marT="0" marB="0"/>
-                </a:tc>
-                <a:extLst>
-                  <a:ext uri="{0D108BD9-81ED-4DB2-BD59-A6C34878D82A}">
-                    <a16:rowId xmlns:a16="http://schemas.microsoft.com/office/drawing/2014/main" val="4059942850"/>
-                  </a:ext>
-                </a:extLst>
-              </a:tr>
-              <a:tr h="872649">
-                <a:tc>
-                  <a:txBody>
-                    <a:bodyPr/>
-                    <a:lstStyle/>
-                    <a:p>
-                      <a:pPr>
-                        <a:spcAft>
-                          <a:spcPts val="0"/>
-                        </a:spcAft>
-                      </a:pPr>
-                      <a:r>
-                        <a:rPr lang="en-US" sz="2800">
-                          <a:effectLst/>
-                          <a:latin typeface="Calibri" panose="020F0502020204030204" pitchFamily="34" charset="0"/>
-                          <a:ea typeface="Calibri" panose="020F0502020204030204" pitchFamily="34" charset="0"/>
-                          <a:cs typeface="Times New Roman" panose="02020603050405020304" pitchFamily="18" charset="0"/>
-                        </a:rPr>
-                        <a:t>Dark City</a:t>
-                      </a:r>
-                      <a:endParaRPr lang="da-DK" sz="2800">
-                        <a:effectLst/>
-                        <a:latin typeface="Calibri" panose="020F0502020204030204" pitchFamily="34" charset="0"/>
-                        <a:ea typeface="Calibri" panose="020F0502020204030204" pitchFamily="34" charset="0"/>
-                        <a:cs typeface="Times New Roman" panose="02020603050405020304" pitchFamily="18" charset="0"/>
-                      </a:endParaRPr>
-                    </a:p>
-                  </a:txBody>
-                  <a:tcPr marL="68580" marR="68580" marT="0" marB="0">
-                    <a:solidFill>
-                      <a:schemeClr val="bg1">
-                        <a:lumMod val="85000"/>
-                      </a:schemeClr>
-                    </a:solidFill>
-                  </a:tcPr>
-                </a:tc>
-                <a:tc>
-                  <a:txBody>
-                    <a:bodyPr/>
-                    <a:lstStyle/>
-                    <a:p>
-                      <a:pPr>
-                        <a:spcAft>
-                          <a:spcPts val="0"/>
-                        </a:spcAft>
-                      </a:pPr>
-                      <a:r>
-                        <a:rPr lang="en-US" sz="2800">
-                          <a:effectLst/>
-                          <a:latin typeface="Calibri" panose="020F0502020204030204" pitchFamily="34" charset="0"/>
-                          <a:ea typeface="Calibri" panose="020F0502020204030204" pitchFamily="34" charset="0"/>
-                          <a:cs typeface="Times New Roman" panose="02020603050405020304" pitchFamily="18" charset="0"/>
-                        </a:rPr>
-                        <a:t>1998</a:t>
-                      </a:r>
-                      <a:endParaRPr lang="da-DK" sz="2800">
-                        <a:effectLst/>
-                        <a:latin typeface="Calibri" panose="020F0502020204030204" pitchFamily="34" charset="0"/>
-                        <a:ea typeface="Calibri" panose="020F0502020204030204" pitchFamily="34" charset="0"/>
-                        <a:cs typeface="Times New Roman" panose="02020603050405020304" pitchFamily="18" charset="0"/>
-                      </a:endParaRPr>
-                    </a:p>
-                  </a:txBody>
-                  <a:tcPr marL="68580" marR="68580" marT="0" marB="0">
-                    <a:solidFill>
-                      <a:schemeClr val="bg1">
-                        <a:lumMod val="85000"/>
-                      </a:schemeClr>
-                    </a:solidFill>
-                  </a:tcPr>
-                </a:tc>
-                <a:tc>
-                  <a:txBody>
-                    <a:bodyPr/>
-                    <a:lstStyle/>
-                    <a:p>
-                      <a:pPr>
-                        <a:spcAft>
-                          <a:spcPts val="0"/>
-                        </a:spcAft>
-                      </a:pPr>
-                      <a:r>
-                        <a:rPr lang="en-US" sz="2800">
-                          <a:effectLst/>
-                          <a:latin typeface="Calibri" panose="020F0502020204030204" pitchFamily="34" charset="0"/>
-                          <a:ea typeface="Calibri" panose="020F0502020204030204" pitchFamily="34" charset="0"/>
-                          <a:cs typeface="Times New Roman" panose="02020603050405020304" pitchFamily="18" charset="0"/>
-                        </a:rPr>
-                        <a:t>111</a:t>
-                      </a:r>
-                      <a:endParaRPr lang="da-DK" sz="2800">
-                        <a:effectLst/>
-                        <a:latin typeface="Calibri" panose="020F0502020204030204" pitchFamily="34" charset="0"/>
-                        <a:ea typeface="Calibri" panose="020F0502020204030204" pitchFamily="34" charset="0"/>
-                        <a:cs typeface="Times New Roman" panose="02020603050405020304" pitchFamily="18" charset="0"/>
-                      </a:endParaRPr>
-                    </a:p>
-                  </a:txBody>
-                  <a:tcPr marL="68580" marR="68580" marT="0" marB="0"/>
-                </a:tc>
-                <a:tc>
-                  <a:txBody>
-                    <a:bodyPr/>
-                    <a:lstStyle/>
-                    <a:p>
-                      <a:pPr>
-                        <a:spcAft>
-                          <a:spcPts val="0"/>
-                        </a:spcAft>
-                      </a:pPr>
-                      <a:r>
-                        <a:rPr lang="en-US" sz="2800">
-                          <a:effectLst/>
-                          <a:latin typeface="Calibri" panose="020F0502020204030204" pitchFamily="34" charset="0"/>
-                          <a:ea typeface="Calibri" panose="020F0502020204030204" pitchFamily="34" charset="0"/>
-                          <a:cs typeface="Times New Roman" panose="02020603050405020304" pitchFamily="18" charset="0"/>
-                        </a:rPr>
-                        <a:t>New Line Cinema</a:t>
-                      </a:r>
-                      <a:endParaRPr lang="da-DK" sz="2800">
-                        <a:effectLst/>
-                        <a:latin typeface="Calibri" panose="020F0502020204030204" pitchFamily="34" charset="0"/>
-                        <a:ea typeface="Calibri" panose="020F0502020204030204" pitchFamily="34" charset="0"/>
-                        <a:cs typeface="Times New Roman" panose="02020603050405020304" pitchFamily="18" charset="0"/>
-                      </a:endParaRPr>
-                    </a:p>
-                  </a:txBody>
-                  <a:tcPr marL="68580" marR="68580" marT="0" marB="0"/>
-                </a:tc>
-                <a:extLst>
-                  <a:ext uri="{0D108BD9-81ED-4DB2-BD59-A6C34878D82A}">
-                    <a16:rowId xmlns:a16="http://schemas.microsoft.com/office/drawing/2014/main" val="1071557111"/>
-                  </a:ext>
-                </a:extLst>
-              </a:tr>
-            </a:tbl>
-          </a:graphicData>
-        </a:graphic>
-      </p:graphicFrame>
-      <p:sp>
-        <p:nvSpPr>
-          <p:cNvPr id="2" name="Afrundet rektangulær billedforklaring 1"/>
-          <p:cNvSpPr/>
-          <p:nvPr/>
-        </p:nvSpPr>
-        <p:spPr>
-          <a:xfrm>
-            <a:off x="6286500" y="1275347"/>
-            <a:ext cx="4301289" cy="1696453"/>
-          </a:xfrm>
-          <a:prstGeom prst="wedgeRoundRectCallout">
-            <a:avLst>
-              <a:gd name="adj1" fmla="val -98036"/>
-              <a:gd name="adj2" fmla="val -66933"/>
-              <a:gd name="adj3" fmla="val 16667"/>
-            </a:avLst>
-          </a:prstGeom>
-        </p:spPr>
-        <p:style>
-          <a:lnRef idx="2">
-            <a:schemeClr val="accent1">
-              <a:shade val="50000"/>
-            </a:schemeClr>
-          </a:lnRef>
-          <a:fillRef idx="1">
-            <a:schemeClr val="accent1"/>
-          </a:fillRef>
-          <a:effectRef idx="0">
-            <a:schemeClr val="accent1"/>
-          </a:effectRef>
-          <a:fontRef idx="minor">
-            <a:schemeClr val="lt1"/>
-          </a:fontRef>
-        </p:style>
-        <p:txBody>
-          <a:bodyPr rtlCol="0" anchor="ctr"/>
-          <a:lstStyle/>
-          <a:p>
-            <a:pPr algn="ctr"/>
-            <a:r>
-              <a:rPr lang="da-DK" sz="4800" smtClean="0"/>
-              <a:t>Selektion</a:t>
-            </a:r>
-          </a:p>
-          <a:p>
-            <a:pPr algn="ctr"/>
-            <a:r>
-              <a:rPr lang="da-DK" sz="3600" smtClean="0">
-                <a:solidFill>
-                  <a:srgbClr val="FFFF00"/>
-                </a:solidFill>
-              </a:rPr>
-              <a:t>(Title, Year)</a:t>
-            </a:r>
-            <a:endParaRPr lang="da-DK" sz="3600">
-              <a:solidFill>
-                <a:srgbClr val="FFFF00"/>
-              </a:solidFill>
-            </a:endParaRPr>
-          </a:p>
-        </p:txBody>
-      </p:sp>
-    </p:spTree>
-    <p:extLst>
-      <p:ext uri="{BB962C8B-B14F-4D97-AF65-F5344CB8AC3E}">
-        <p14:creationId xmlns:p14="http://schemas.microsoft.com/office/powerpoint/2010/main" val="1036457541"/>
-      </p:ext>
-    </p:extLst>
-  </p:cSld>
-  <p:clrMapOvr>
-    <a:masterClrMapping/>
-  </p:clrMapOvr>
-  <mc:AlternateContent xmlns:mc="http://schemas.openxmlformats.org/markup-compatibility/2006" xmlns:p14="http://schemas.microsoft.com/office/powerpoint/2010/main">
-    <mc:Choice Requires="p14">
-      <p:transition spd="med" p14:dur="700">
-        <p:fade/>
-      </p:transition>
-    </mc:Choice>
-    <mc:Fallback xmlns="">
-      <p:transition spd="med">
-        <p:fade/>
-      </p:transition>
-    </mc:Fallback>
-  </mc:AlternateContent>
-  <p:timing>
-    <p:tnLst>
-      <p:par>
-        <p:cTn id="1" dur="indefinite" restart="never" nodeType="tmRoot">
-          <p:childTnLst>
-            <p:seq concurrent="1" nextAc="seek">
-              <p:cTn id="2" dur="indefinite" nodeType="mainSeq">
-                <p:childTnLst>
-                  <p:par>
-                    <p:cTn id="3" fill="hold">
-                      <p:stCondLst>
-                        <p:cond delay="indefinite"/>
-                      </p:stCondLst>
-                      <p:childTnLst>
-                        <p:par>
-                          <p:cTn id="4" fill="hold">
-                            <p:stCondLst>
-                              <p:cond delay="0"/>
-                            </p:stCondLst>
-                            <p:childTnLst>
-                              <p:par>
-                                <p:cTn id="5" presetID="10" presetClass="entr" presetSubtype="0" fill="hold" grpId="0" nodeType="clickEffect">
-                                  <p:stCondLst>
-                                    <p:cond delay="0"/>
-                                  </p:stCondLst>
-                                  <p:childTnLst>
-                                    <p:set>
-                                      <p:cBhvr>
-                                        <p:cTn id="6" dur="1" fill="hold">
-                                          <p:stCondLst>
-                                            <p:cond delay="0"/>
-                                          </p:stCondLst>
-                                        </p:cTn>
-                                        <p:tgtEl>
-                                          <p:spTgt spid="2"/>
-                                        </p:tgtEl>
-                                        <p:attrNameLst>
-                                          <p:attrName>style.visibility</p:attrName>
-                                        </p:attrNameLst>
-                                      </p:cBhvr>
-                                      <p:to>
-                                        <p:strVal val="visible"/>
-                                      </p:to>
-                                    </p:set>
-                                    <p:animEffect transition="in" filter="fade">
-                                      <p:cBhvr>
-                                        <p:cTn id="7" dur="500"/>
-                                        <p:tgtEl>
-                                          <p:spTgt spid="2"/>
-                                        </p:tgtEl>
-                                      </p:cBhvr>
-                                    </p:animEffect>
-                                  </p:childTnLst>
-                                </p:cTn>
-                              </p:par>
-                            </p:childTnLst>
-                          </p:cTn>
-                        </p:par>
-                      </p:childTnLst>
-                    </p:cTn>
-                  </p:par>
-                </p:childTnLst>
-              </p:cTn>
-              <p:prevCondLst>
-                <p:cond evt="onPrev" delay="0">
-                  <p:tgtEl>
-                    <p:sldTgt/>
-                  </p:tgtEl>
-                </p:cond>
-              </p:prevCondLst>
-              <p:nextCondLst>
-                <p:cond evt="onNext" delay="0">
-                  <p:tgtEl>
-                    <p:sldTgt/>
-                  </p:tgtEl>
-                </p:cond>
-              </p:nextCondLst>
-            </p:seq>
-          </p:childTnLst>
-        </p:cTn>
-      </p:par>
-    </p:tnLst>
-    <p:bldLst>
-      <p:bldP spid="2" grpId="0" animBg="1"/>
-    </p:bldLst>
-  </p:timing>
-</p:sld>
-</file>
-
-<file path=ppt/slides/slide8.xml><?xml version="1.0" encoding="utf-8"?>
-<p:sld xmlns:a="http://schemas.openxmlformats.org/drawingml/2006/main" xmlns:r="http://schemas.openxmlformats.org/officeDocument/2006/relationships" xmlns:p="http://schemas.openxmlformats.org/presentationml/2006/main">
-  <p:cSld>
-    <p:spTree>
-      <p:nvGrpSpPr>
-        <p:cNvPr id="1" name=""/>
-        <p:cNvGrpSpPr/>
-        <p:nvPr/>
-      </p:nvGrpSpPr>
-      <p:grpSpPr>
-        <a:xfrm>
-          <a:off x="0" y="0"/>
-          <a:ext cx="0" cy="0"/>
-          <a:chOff x="0" y="0"/>
-          <a:chExt cx="0" cy="0"/>
-        </a:xfrm>
-      </p:grpSpPr>
-      <p:sp>
-        <p:nvSpPr>
-          <p:cNvPr id="3" name="Pladsholder til indhold 2"/>
-          <p:cNvSpPr>
-            <a:spLocks noGrp="1"/>
-          </p:cNvSpPr>
-          <p:nvPr>
-            <p:ph idx="1"/>
-          </p:nvPr>
-        </p:nvSpPr>
-        <p:spPr/>
-        <p:txBody>
-          <a:bodyPr/>
-          <a:lstStyle/>
-          <a:p>
-            <a:pPr marL="0" indent="0">
-              <a:buNone/>
-            </a:pPr>
-            <a:r>
-              <a:rPr lang="en-US" sz="3200" b="1" smtClean="0">
-                <a:solidFill>
-                  <a:schemeClr val="accent1">
-                    <a:lumMod val="75000"/>
-                  </a:schemeClr>
-                </a:solidFill>
-                <a:latin typeface="Consolas" panose="020B0609020204030204" pitchFamily="49" charset="0"/>
-              </a:rPr>
-              <a:t>var</a:t>
-            </a:r>
-            <a:r>
-              <a:rPr lang="en-US" sz="3200" b="1" smtClean="0">
-                <a:latin typeface="Consolas" panose="020B0609020204030204" pitchFamily="49" charset="0"/>
-              </a:rPr>
-              <a:t> query = </a:t>
-            </a:r>
-            <a:r>
-              <a:rPr lang="en-US" sz="3200" b="1" smtClean="0">
-                <a:solidFill>
-                  <a:schemeClr val="accent1">
-                    <a:lumMod val="75000"/>
-                  </a:schemeClr>
-                </a:solidFill>
-                <a:latin typeface="Consolas" panose="020B0609020204030204" pitchFamily="49" charset="0"/>
-              </a:rPr>
-              <a:t>from</a:t>
-            </a:r>
-            <a:r>
-              <a:rPr lang="en-US" sz="3200" b="1" smtClean="0">
-                <a:latin typeface="Consolas" panose="020B0609020204030204" pitchFamily="49" charset="0"/>
-              </a:rPr>
-              <a:t> </a:t>
-            </a:r>
-            <a:r>
-              <a:rPr lang="en-US" sz="3200" b="1">
-                <a:latin typeface="Consolas" panose="020B0609020204030204" pitchFamily="49" charset="0"/>
-              </a:rPr>
-              <a:t>m </a:t>
-            </a:r>
-            <a:r>
-              <a:rPr lang="en-US" sz="3200" b="1">
-                <a:solidFill>
-                  <a:schemeClr val="accent1">
-                    <a:lumMod val="75000"/>
-                  </a:schemeClr>
-                </a:solidFill>
-                <a:latin typeface="Consolas" panose="020B0609020204030204" pitchFamily="49" charset="0"/>
-              </a:rPr>
-              <a:t>in</a:t>
-            </a:r>
-            <a:r>
-              <a:rPr lang="en-US" sz="3200" b="1">
-                <a:latin typeface="Consolas" panose="020B0609020204030204" pitchFamily="49" charset="0"/>
-              </a:rPr>
-              <a:t> </a:t>
-            </a:r>
-            <a:r>
-              <a:rPr lang="en-US" sz="3200" b="1" smtClean="0">
-                <a:latin typeface="Consolas" panose="020B0609020204030204" pitchFamily="49" charset="0"/>
-              </a:rPr>
-              <a:t>movies</a:t>
-            </a:r>
-          </a:p>
-          <a:p>
-            <a:pPr marL="0" indent="0">
-              <a:buNone/>
-            </a:pPr>
-            <a:endParaRPr lang="en-US" sz="3200" b="1">
-              <a:latin typeface="Consolas" panose="020B0609020204030204" pitchFamily="49" charset="0"/>
-            </a:endParaRPr>
-          </a:p>
-        </p:txBody>
-      </p:sp>
-    </p:spTree>
-    <p:extLst>
-      <p:ext uri="{BB962C8B-B14F-4D97-AF65-F5344CB8AC3E}">
-        <p14:creationId xmlns:p14="http://schemas.microsoft.com/office/powerpoint/2010/main" val="707936207"/>
-      </p:ext>
-    </p:extLst>
-  </p:cSld>
-  <p:clrMapOvr>
-    <a:masterClrMapping/>
-  </p:clrMapOvr>
-  <p:timing>
-    <p:tnLst>
-      <p:par>
-        <p:cTn id="1" dur="indefinite" restart="never" nodeType="tmRoot"/>
-      </p:par>
-    </p:tnLst>
-  </p:timing>
-</p:sld>
-</file>
-
 <file path=ppt/slides/slide9.xml><?xml version="1.0" encoding="utf-8"?>
 <p:sld xmlns:a="http://schemas.openxmlformats.org/drawingml/2006/main" xmlns:r="http://schemas.openxmlformats.org/officeDocument/2006/relationships" xmlns:p="http://schemas.openxmlformats.org/presentationml/2006/main">
   <p:cSld>
@@ -28162,87 +30550,19 @@
               </a:rPr>
               <a:t>movies</a:t>
             </a:r>
-            <a:endParaRPr lang="da-DK" sz="3200" b="1">
-              <a:latin typeface="Consolas" panose="020B0609020204030204" pitchFamily="49" charset="0"/>
-            </a:endParaRPr>
-          </a:p>
-          <a:p>
-            <a:pPr marL="0" indent="0">
-              <a:buNone/>
-            </a:pPr>
-            <a:r>
-              <a:rPr lang="da-DK" sz="3200" b="1">
-                <a:solidFill>
-                  <a:schemeClr val="accent1">
-                    <a:lumMod val="75000"/>
-                  </a:schemeClr>
-                </a:solidFill>
-                <a:latin typeface="Consolas" panose="020B0609020204030204" pitchFamily="49" charset="0"/>
-              </a:rPr>
-              <a:t>	</a:t>
-            </a:r>
-            <a:r>
-              <a:rPr lang="da-DK" sz="3200" b="1" smtClean="0">
-                <a:solidFill>
-                  <a:schemeClr val="accent1">
-                    <a:lumMod val="75000"/>
-                  </a:schemeClr>
-                </a:solidFill>
-                <a:latin typeface="Consolas" panose="020B0609020204030204" pitchFamily="49" charset="0"/>
-              </a:rPr>
-              <a:t>		</a:t>
-            </a:r>
-            <a:r>
-              <a:rPr lang="en-US" sz="3200" b="1" smtClean="0">
-                <a:solidFill>
-                  <a:schemeClr val="accent1">
-                    <a:lumMod val="75000"/>
-                  </a:schemeClr>
-                </a:solidFill>
-                <a:latin typeface="Consolas" panose="020B0609020204030204" pitchFamily="49" charset="0"/>
-              </a:rPr>
-              <a:t>select</a:t>
-            </a:r>
-            <a:r>
-              <a:rPr lang="en-US" sz="3200" b="1" smtClean="0">
-                <a:latin typeface="Consolas" panose="020B0609020204030204" pitchFamily="49" charset="0"/>
-              </a:rPr>
-              <a:t> m.Title;</a:t>
-            </a:r>
-            <a:endParaRPr lang="da-DK" sz="3200" b="1">
-              <a:latin typeface="Consolas" panose="020B0609020204030204" pitchFamily="49" charset="0"/>
-            </a:endParaRPr>
-          </a:p>
-          <a:p>
-            <a:pPr marL="0" indent="0">
-              <a:buNone/>
-            </a:pPr>
-            <a:endParaRPr lang="da-DK"/>
           </a:p>
         </p:txBody>
       </p:sp>
     </p:spTree>
     <p:extLst>
       <p:ext uri="{BB962C8B-B14F-4D97-AF65-F5344CB8AC3E}">
-        <p14:creationId xmlns:p14="http://schemas.microsoft.com/office/powerpoint/2010/main" val="529164851"/>
+        <p14:creationId xmlns:p14="http://schemas.microsoft.com/office/powerpoint/2010/main" val="2908048341"/>
       </p:ext>
     </p:extLst>
   </p:cSld>
   <p:clrMapOvr>
     <a:masterClrMapping/>
   </p:clrMapOvr>
-  <mc:AlternateContent xmlns:mc="http://schemas.openxmlformats.org/markup-compatibility/2006" xmlns:p14="http://schemas.microsoft.com/office/powerpoint/2010/main">
-    <mc:Choice Requires="p14">
-      <p:transition spd="med" p14:dur="700">
-        <p:fade/>
-      </p:transition>
-    </mc:Choice>
-    <mc:Fallback xmlns="">
-      <p:transition spd="med">
-        <p:fade/>
-      </p:transition>
-    </mc:Fallback>
-  </mc:AlternateContent>
   <p:timing>
     <p:tnLst>
       <p:par>

--- a/Chap/Prog03/Presentations/LINQ.pptx
+++ b/Chap/Prog03/Presentations/LINQ.pptx
@@ -42,6 +42,21 @@
     <p:sldId id="338" r:id="rId36"/>
     <p:sldId id="336" r:id="rId37"/>
     <p:sldId id="321" r:id="rId38"/>
+    <p:sldId id="344" r:id="rId39"/>
+    <p:sldId id="355" r:id="rId40"/>
+    <p:sldId id="345" r:id="rId41"/>
+    <p:sldId id="356" r:id="rId42"/>
+    <p:sldId id="346" r:id="rId43"/>
+    <p:sldId id="347" r:id="rId44"/>
+    <p:sldId id="348" r:id="rId45"/>
+    <p:sldId id="357" r:id="rId46"/>
+    <p:sldId id="350" r:id="rId47"/>
+    <p:sldId id="358" r:id="rId48"/>
+    <p:sldId id="351" r:id="rId49"/>
+    <p:sldId id="352" r:id="rId50"/>
+    <p:sldId id="349" r:id="rId51"/>
+    <p:sldId id="353" r:id="rId52"/>
+    <p:sldId id="354" r:id="rId53"/>
   </p:sldIdLst>
   <p:sldSz cx="12192000" cy="6858000"/>
   <p:notesSz cx="6858000" cy="9144000"/>
@@ -279,7 +294,7 @@
           <a:p>
             <a:fld id="{E15B7D8E-2A20-4C0E-991C-872DBB7459A8}" type="datetimeFigureOut">
               <a:rPr lang="da-DK" smtClean="0"/>
-              <a:t>21-10-2018</a:t>
+              <a:t>24-10-2018</a:t>
             </a:fld>
             <a:endParaRPr lang="da-DK"/>
           </a:p>
@@ -449,7 +464,7 @@
           <a:p>
             <a:fld id="{E15B7D8E-2A20-4C0E-991C-872DBB7459A8}" type="datetimeFigureOut">
               <a:rPr lang="da-DK" smtClean="0"/>
-              <a:t>21-10-2018</a:t>
+              <a:t>24-10-2018</a:t>
             </a:fld>
             <a:endParaRPr lang="da-DK"/>
           </a:p>
@@ -629,7 +644,7 @@
           <a:p>
             <a:fld id="{E15B7D8E-2A20-4C0E-991C-872DBB7459A8}" type="datetimeFigureOut">
               <a:rPr lang="da-DK" smtClean="0"/>
-              <a:t>21-10-2018</a:t>
+              <a:t>24-10-2018</a:t>
             </a:fld>
             <a:endParaRPr lang="da-DK"/>
           </a:p>
@@ -799,7 +814,7 @@
           <a:p>
             <a:fld id="{E15B7D8E-2A20-4C0E-991C-872DBB7459A8}" type="datetimeFigureOut">
               <a:rPr lang="da-DK" smtClean="0"/>
-              <a:t>21-10-2018</a:t>
+              <a:t>24-10-2018</a:t>
             </a:fld>
             <a:endParaRPr lang="da-DK"/>
           </a:p>
@@ -1045,7 +1060,7 @@
           <a:p>
             <a:fld id="{E15B7D8E-2A20-4C0E-991C-872DBB7459A8}" type="datetimeFigureOut">
               <a:rPr lang="da-DK" smtClean="0"/>
-              <a:t>21-10-2018</a:t>
+              <a:t>24-10-2018</a:t>
             </a:fld>
             <a:endParaRPr lang="da-DK"/>
           </a:p>
@@ -1277,7 +1292,7 @@
           <a:p>
             <a:fld id="{E15B7D8E-2A20-4C0E-991C-872DBB7459A8}" type="datetimeFigureOut">
               <a:rPr lang="da-DK" smtClean="0"/>
-              <a:t>21-10-2018</a:t>
+              <a:t>24-10-2018</a:t>
             </a:fld>
             <a:endParaRPr lang="da-DK"/>
           </a:p>
@@ -1644,7 +1659,7 @@
           <a:p>
             <a:fld id="{E15B7D8E-2A20-4C0E-991C-872DBB7459A8}" type="datetimeFigureOut">
               <a:rPr lang="da-DK" smtClean="0"/>
-              <a:t>21-10-2018</a:t>
+              <a:t>24-10-2018</a:t>
             </a:fld>
             <a:endParaRPr lang="da-DK"/>
           </a:p>
@@ -1762,7 +1777,7 @@
           <a:p>
             <a:fld id="{E15B7D8E-2A20-4C0E-991C-872DBB7459A8}" type="datetimeFigureOut">
               <a:rPr lang="da-DK" smtClean="0"/>
-              <a:t>21-10-2018</a:t>
+              <a:t>24-10-2018</a:t>
             </a:fld>
             <a:endParaRPr lang="da-DK"/>
           </a:p>
@@ -1857,7 +1872,7 @@
           <a:p>
             <a:fld id="{E15B7D8E-2A20-4C0E-991C-872DBB7459A8}" type="datetimeFigureOut">
               <a:rPr lang="da-DK" smtClean="0"/>
-              <a:t>21-10-2018</a:t>
+              <a:t>24-10-2018</a:t>
             </a:fld>
             <a:endParaRPr lang="da-DK"/>
           </a:p>
@@ -2134,7 +2149,7 @@
           <a:p>
             <a:fld id="{E15B7D8E-2A20-4C0E-991C-872DBB7459A8}" type="datetimeFigureOut">
               <a:rPr lang="da-DK" smtClean="0"/>
-              <a:t>21-10-2018</a:t>
+              <a:t>24-10-2018</a:t>
             </a:fld>
             <a:endParaRPr lang="da-DK"/>
           </a:p>
@@ -2387,7 +2402,7 @@
           <a:p>
             <a:fld id="{E15B7D8E-2A20-4C0E-991C-872DBB7459A8}" type="datetimeFigureOut">
               <a:rPr lang="da-DK" smtClean="0"/>
-              <a:t>21-10-2018</a:t>
+              <a:t>24-10-2018</a:t>
             </a:fld>
             <a:endParaRPr lang="da-DK"/>
           </a:p>
@@ -2600,7 +2615,7 @@
           <a:p>
             <a:fld id="{E15B7D8E-2A20-4C0E-991C-872DBB7459A8}" type="datetimeFigureOut">
               <a:rPr lang="da-DK" smtClean="0"/>
-              <a:t>21-10-2018</a:t>
+              <a:t>24-10-2018</a:t>
             </a:fld>
             <a:endParaRPr lang="da-DK"/>
           </a:p>
@@ -3028,21 +3043,21 @@
           <a:lstStyle/>
           <a:p>
             <a:r>
-              <a:rPr lang="da-DK" sz="16000" smtClean="0"/>
+              <a:rPr lang="da-DK" sz="16000" dirty="0" smtClean="0"/>
               <a:t>LINQ</a:t>
             </a:r>
             <a:br>
-              <a:rPr lang="da-DK" sz="16000" smtClean="0"/>
+              <a:rPr lang="da-DK" sz="16000" dirty="0" smtClean="0"/>
             </a:br>
             <a:r>
-              <a:rPr lang="da-DK" sz="5300" smtClean="0"/>
+              <a:rPr lang="da-DK" sz="5300" dirty="0" smtClean="0"/>
               <a:t/>
             </a:r>
             <a:br>
-              <a:rPr lang="da-DK" sz="5300" smtClean="0"/>
+              <a:rPr lang="da-DK" sz="5300" dirty="0" smtClean="0"/>
             </a:br>
             <a:r>
-              <a:rPr lang="da-DK" sz="5300" b="1" smtClean="0">
+              <a:rPr lang="da-DK" sz="5300" b="1" dirty="0" smtClean="0">
                 <a:solidFill>
                   <a:srgbClr val="FF0000"/>
                 </a:solidFill>
@@ -3050,11 +3065,11 @@
               <a:t>L</a:t>
             </a:r>
             <a:r>
-              <a:rPr lang="da-DK" sz="5300" smtClean="0"/>
+              <a:rPr lang="da-DK" sz="5300" dirty="0" smtClean="0"/>
               <a:t>anguage </a:t>
             </a:r>
             <a:r>
-              <a:rPr lang="da-DK" sz="5300" smtClean="0">
+              <a:rPr lang="da-DK" sz="5300" dirty="0" smtClean="0">
                 <a:solidFill>
                   <a:srgbClr val="FF0000"/>
                 </a:solidFill>
@@ -3062,11 +3077,11 @@
               <a:t>I</a:t>
             </a:r>
             <a:r>
-              <a:rPr lang="da-DK" sz="5300" smtClean="0"/>
+              <a:rPr lang="da-DK" sz="5300" dirty="0" smtClean="0"/>
               <a:t>n-</a:t>
             </a:r>
             <a:r>
-              <a:rPr lang="da-DK" sz="5300" smtClean="0">
+              <a:rPr lang="da-DK" sz="5300" dirty="0" smtClean="0">
                 <a:solidFill>
                   <a:srgbClr val="FF0000"/>
                 </a:solidFill>
@@ -3074,11 +3089,11 @@
               <a:t>L</a:t>
             </a:r>
             <a:r>
-              <a:rPr lang="da-DK" sz="5300" smtClean="0"/>
+              <a:rPr lang="da-DK" sz="5300" dirty="0" smtClean="0"/>
               <a:t>ine </a:t>
             </a:r>
             <a:r>
-              <a:rPr lang="da-DK" sz="5300" smtClean="0">
+              <a:rPr lang="da-DK" sz="5300" dirty="0" smtClean="0">
                 <a:solidFill>
                   <a:srgbClr val="FF0000"/>
                 </a:solidFill>
@@ -3086,10 +3101,10 @@
               <a:t>Q</a:t>
             </a:r>
             <a:r>
-              <a:rPr lang="da-DK" sz="5300" smtClean="0"/>
+              <a:rPr lang="da-DK" sz="5300" dirty="0" smtClean="0"/>
               <a:t>uery</a:t>
             </a:r>
-            <a:endParaRPr lang="da-DK" sz="5300"/>
+            <a:endParaRPr lang="da-DK" sz="5300" dirty="0"/>
           </a:p>
         </p:txBody>
       </p:sp>
@@ -4666,6 +4681,59 @@
           </a:p>
         </p:txBody>
       </p:sp>
+      <p:sp>
+        <p:nvSpPr>
+          <p:cNvPr id="2" name="Afrundet rektangulær billedforklaring 1"/>
+          <p:cNvSpPr/>
+          <p:nvPr/>
+        </p:nvSpPr>
+        <p:spPr>
+          <a:xfrm>
+            <a:off x="1037967" y="3525558"/>
+            <a:ext cx="4077731" cy="1346887"/>
+          </a:xfrm>
+          <a:prstGeom prst="wedgeRoundRectCallout">
+            <a:avLst>
+              <a:gd name="adj1" fmla="val -42954"/>
+              <a:gd name="adj2" fmla="val -135665"/>
+              <a:gd name="adj3" fmla="val 16667"/>
+            </a:avLst>
+          </a:prstGeom>
+        </p:spPr>
+        <p:style>
+          <a:lnRef idx="2">
+            <a:schemeClr val="accent1">
+              <a:shade val="50000"/>
+            </a:schemeClr>
+          </a:lnRef>
+          <a:fillRef idx="1">
+            <a:schemeClr val="accent1"/>
+          </a:fillRef>
+          <a:effectRef idx="0">
+            <a:schemeClr val="accent1"/>
+          </a:effectRef>
+          <a:fontRef idx="minor">
+            <a:schemeClr val="lt1"/>
+          </a:fontRef>
+        </p:style>
+        <p:txBody>
+          <a:bodyPr rtlCol="0" anchor="ctr"/>
+          <a:lstStyle/>
+          <a:p>
+            <a:r>
+              <a:rPr lang="da-DK" sz="3200" smtClean="0"/>
+              <a:t>Type of return value:</a:t>
+            </a:r>
+          </a:p>
+          <a:p>
+            <a:r>
+              <a:rPr lang="da-DK" sz="3200" b="1" smtClean="0"/>
+              <a:t>IEnumerable&lt;string&gt;</a:t>
+            </a:r>
+            <a:endParaRPr lang="da-DK" sz="3200" b="1"/>
+          </a:p>
+        </p:txBody>
+      </p:sp>
     </p:spTree>
     <p:extLst>
       <p:ext uri="{BB962C8B-B14F-4D97-AF65-F5344CB8AC3E}">
@@ -4869,6 +4937,59 @@
               <a:buNone/>
             </a:pPr>
             <a:endParaRPr lang="da-DK"/>
+          </a:p>
+        </p:txBody>
+      </p:sp>
+      <p:sp>
+        <p:nvSpPr>
+          <p:cNvPr id="4" name="Afrundet rektangulær billedforklaring 3"/>
+          <p:cNvSpPr/>
+          <p:nvPr/>
+        </p:nvSpPr>
+        <p:spPr>
+          <a:xfrm>
+            <a:off x="1013254" y="3488487"/>
+            <a:ext cx="4077731" cy="1346887"/>
+          </a:xfrm>
+          <a:prstGeom prst="wedgeRoundRectCallout">
+            <a:avLst>
+              <a:gd name="adj1" fmla="val -42954"/>
+              <a:gd name="adj2" fmla="val -135665"/>
+              <a:gd name="adj3" fmla="val 16667"/>
+            </a:avLst>
+          </a:prstGeom>
+        </p:spPr>
+        <p:style>
+          <a:lnRef idx="2">
+            <a:schemeClr val="accent1">
+              <a:shade val="50000"/>
+            </a:schemeClr>
+          </a:lnRef>
+          <a:fillRef idx="1">
+            <a:schemeClr val="accent1"/>
+          </a:fillRef>
+          <a:effectRef idx="0">
+            <a:schemeClr val="accent1"/>
+          </a:effectRef>
+          <a:fontRef idx="minor">
+            <a:schemeClr val="lt1"/>
+          </a:fontRef>
+        </p:style>
+        <p:txBody>
+          <a:bodyPr rtlCol="0" anchor="ctr"/>
+          <a:lstStyle/>
+          <a:p>
+            <a:r>
+              <a:rPr lang="da-DK" sz="3200" smtClean="0"/>
+              <a:t>Type of return value:</a:t>
+            </a:r>
+          </a:p>
+          <a:p>
+            <a:r>
+              <a:rPr lang="da-DK" sz="3200" b="1" smtClean="0"/>
+              <a:t>IEnumerable&lt;???&gt;</a:t>
+            </a:r>
+            <a:endParaRPr lang="da-DK" sz="3200" b="1"/>
           </a:p>
         </p:txBody>
       </p:sp>
@@ -6980,10 +7101,10 @@
           <a:lstStyle/>
           <a:p>
             <a:r>
-              <a:rPr lang="da-DK" b="1" smtClean="0"/>
+              <a:rPr lang="da-DK" b="1" dirty="0" smtClean="0"/>
               <a:t>LINQ – Main features</a:t>
             </a:r>
-            <a:endParaRPr lang="da-DK" b="1"/>
+            <a:endParaRPr lang="da-DK" b="1" dirty="0"/>
           </a:p>
         </p:txBody>
       </p:sp>
@@ -7009,8 +7130,12 @@
           <a:p>
             <a:pPr lvl="0"/>
             <a:r>
+              <a:rPr lang="da-DK" dirty="0" err="1" smtClean="0"/>
+              <a:t>Use</a:t>
+            </a:r>
+            <a:r>
               <a:rPr lang="da-DK" smtClean="0"/>
-              <a:t>Use declarative, SQL-like syntax for data selection</a:t>
+              <a:t> declarative, SQL-like syntax for data selection</a:t>
             </a:r>
           </a:p>
           <a:p>
@@ -9859,12 +9984,6 @@
               </a:rPr>
               <a:t>	</a:t>
             </a:r>
-            <a:endParaRPr lang="en-US" b="1" smtClean="0">
-              <a:solidFill>
-                <a:srgbClr val="0000FF"/>
-              </a:solidFill>
-              <a:latin typeface="Consolas" panose="020B0609020204030204" pitchFamily="49" charset="0"/>
-            </a:endParaRPr>
           </a:p>
           <a:p>
             <a:pPr marL="0" indent="0">
@@ -16910,17 +17029,8 @@
               <a:rPr lang="en-US" sz="3200" b="1" smtClean="0">
                 <a:latin typeface="Consolas" panose="020B0609020204030204" pitchFamily="49" charset="0"/>
               </a:rPr>
-              <a:t> </a:t>
-            </a:r>
-            <a:r>
-              <a:rPr lang="en-US" sz="3200" b="1" smtClean="0">
-                <a:latin typeface="Consolas" panose="020B0609020204030204" pitchFamily="49" charset="0"/>
-              </a:rPr>
-              <a:t>s.Name</a:t>
-            </a:r>
-            <a:endParaRPr lang="en-US" sz="3200" b="1" smtClean="0">
-              <a:latin typeface="Consolas" panose="020B0609020204030204" pitchFamily="49" charset="0"/>
-            </a:endParaRPr>
+              <a:t> s.Name</a:t>
+            </a:r>
           </a:p>
           <a:p>
             <a:pPr marL="0" indent="0">
@@ -24687,17 +24797,8 @@
               <a:rPr lang="en-US" sz="3200" b="1" smtClean="0">
                 <a:latin typeface="Consolas" panose="020B0609020204030204" pitchFamily="49" charset="0"/>
               </a:rPr>
-              <a:t> </a:t>
-            </a:r>
-            <a:r>
-              <a:rPr lang="en-US" sz="3200" b="1" smtClean="0">
-                <a:latin typeface="Consolas" panose="020B0609020204030204" pitchFamily="49" charset="0"/>
-              </a:rPr>
-              <a:t>s.Name</a:t>
-            </a:r>
-            <a:endParaRPr lang="en-US" sz="3200" b="1" smtClean="0">
-              <a:latin typeface="Consolas" panose="020B0609020204030204" pitchFamily="49" charset="0"/>
-            </a:endParaRPr>
+              <a:t> s.Name</a:t>
+            </a:r>
           </a:p>
           <a:p>
             <a:pPr marL="0" indent="0">
@@ -24981,17 +25082,8 @@
               <a:rPr lang="en-US" sz="3200" b="1" smtClean="0">
                 <a:latin typeface="Consolas" panose="020B0609020204030204" pitchFamily="49" charset="0"/>
               </a:rPr>
-              <a:t> </a:t>
-            </a:r>
-            <a:r>
-              <a:rPr lang="en-US" sz="3200" b="1" smtClean="0">
-                <a:latin typeface="Consolas" panose="020B0609020204030204" pitchFamily="49" charset="0"/>
-              </a:rPr>
-              <a:t>s.Name</a:t>
-            </a:r>
-            <a:endParaRPr lang="en-US" sz="3200" b="1" smtClean="0">
-              <a:latin typeface="Consolas" panose="020B0609020204030204" pitchFamily="49" charset="0"/>
-            </a:endParaRPr>
+              <a:t> s.Name</a:t>
+            </a:r>
           </a:p>
           <a:p>
             <a:pPr marL="0" indent="0">
@@ -26934,9 +27026,6 @@
                         </a:rPr>
                         <a:t> </a:t>
                       </a:r>
-                      <a:endParaRPr lang="en-US" sz="1600" b="1" baseline="0" smtClean="0">
-                        <a:latin typeface="Consolas" panose="020B0609020204030204" pitchFamily="49" charset="0"/>
-                      </a:endParaRPr>
                     </a:p>
                     <a:p>
                       <a:pPr marL="0" marR="0" lvl="0" indent="0" algn="l" defTabSz="914400" rtl="0" eaLnBrk="1" fontAlgn="auto" latinLnBrk="0" hangingPunct="1">
@@ -27012,13 +27101,7 @@
                         <a:rPr lang="en-US" sz="1600" b="1" smtClean="0">
                           <a:latin typeface="Consolas" panose="020B0609020204030204" pitchFamily="49" charset="0"/>
                         </a:rPr>
-                        <a:t> </a:t>
-                      </a:r>
-                      <a:r>
-                        <a:rPr lang="en-US" sz="1600" b="1" smtClean="0">
-                          <a:latin typeface="Consolas" panose="020B0609020204030204" pitchFamily="49" charset="0"/>
-                        </a:rPr>
-                        <a:t>(</a:t>
+                        <a:t> (</a:t>
                       </a:r>
                       <a:r>
                         <a:rPr lang="en-US" sz="1600" b="1" i="1" smtClean="0">
@@ -27076,6 +27159,332 @@
   <p:clrMapOvr>
     <a:masterClrMapping/>
   </p:clrMapOvr>
+  <p:timing>
+    <p:tnLst>
+      <p:par>
+        <p:cTn id="1" dur="indefinite" restart="never" nodeType="tmRoot"/>
+      </p:par>
+    </p:tnLst>
+  </p:timing>
+</p:sld>
+</file>
+
+<file path=ppt/slides/slide38.xml><?xml version="1.0" encoding="utf-8"?>
+<p:sld xmlns:a="http://schemas.openxmlformats.org/drawingml/2006/main" xmlns:r="http://schemas.openxmlformats.org/officeDocument/2006/relationships" xmlns:p="http://schemas.openxmlformats.org/presentationml/2006/main">
+  <p:cSld>
+    <p:spTree>
+      <p:nvGrpSpPr>
+        <p:cNvPr id="1" name=""/>
+        <p:cNvGrpSpPr/>
+        <p:nvPr/>
+      </p:nvGrpSpPr>
+      <p:grpSpPr>
+        <a:xfrm>
+          <a:off x="0" y="0"/>
+          <a:ext cx="0" cy="0"/>
+          <a:chOff x="0" y="0"/>
+          <a:chExt cx="0" cy="0"/>
+        </a:xfrm>
+      </p:grpSpPr>
+      <p:sp>
+        <p:nvSpPr>
+          <p:cNvPr id="2" name="Titel 1"/>
+          <p:cNvSpPr>
+            <a:spLocks noGrp="1"/>
+          </p:cNvSpPr>
+          <p:nvPr>
+            <p:ph type="title"/>
+          </p:nvPr>
+        </p:nvSpPr>
+        <p:spPr/>
+        <p:txBody>
+          <a:bodyPr/>
+          <a:lstStyle/>
+          <a:p>
+            <a:r>
+              <a:rPr lang="da-DK" b="1" smtClean="0"/>
+              <a:t>LINQ – </a:t>
+            </a:r>
+            <a:r>
+              <a:rPr lang="da-DK" b="1" smtClean="0"/>
+              <a:t>Fluent syntax</a:t>
+            </a:r>
+            <a:endParaRPr lang="da-DK" b="1"/>
+          </a:p>
+        </p:txBody>
+      </p:sp>
+      <p:sp>
+        <p:nvSpPr>
+          <p:cNvPr id="3" name="Pladsholder til indhold 2"/>
+          <p:cNvSpPr>
+            <a:spLocks noGrp="1"/>
+          </p:cNvSpPr>
+          <p:nvPr>
+            <p:ph idx="1"/>
+          </p:nvPr>
+        </p:nvSpPr>
+        <p:spPr>
+          <a:xfrm>
+            <a:off x="838200" y="1825625"/>
+            <a:ext cx="9726827" cy="4351338"/>
+          </a:xfrm>
+        </p:spPr>
+        <p:txBody>
+          <a:bodyPr/>
+          <a:lstStyle/>
+          <a:p>
+            <a:pPr lvl="0"/>
+            <a:r>
+              <a:rPr lang="da-DK" smtClean="0"/>
+              <a:t>Also possible to write LINQ queries using traditional, Object-Oriented method calls.</a:t>
+            </a:r>
+          </a:p>
+          <a:p>
+            <a:pPr lvl="0"/>
+            <a:r>
+              <a:rPr lang="da-DK" smtClean="0"/>
+              <a:t>.NET class library </a:t>
+            </a:r>
+            <a:r>
+              <a:rPr lang="da-DK" b="1" smtClean="0"/>
+              <a:t>System.Linq</a:t>
+            </a:r>
+            <a:r>
+              <a:rPr lang="da-DK" smtClean="0"/>
+              <a:t> contains methods corresponding to LINQ keywords (</a:t>
+            </a:r>
+            <a:r>
+              <a:rPr lang="da-DK" b="1" smtClean="0"/>
+              <a:t>select</a:t>
+            </a:r>
+            <a:r>
+              <a:rPr lang="da-DK" smtClean="0"/>
+              <a:t>, </a:t>
+            </a:r>
+            <a:r>
+              <a:rPr lang="da-DK" b="1" smtClean="0"/>
+              <a:t>where</a:t>
+            </a:r>
+            <a:r>
+              <a:rPr lang="da-DK" smtClean="0"/>
+              <a:t>, etc.)</a:t>
+            </a:r>
+            <a:endParaRPr lang="da-DK" smtClean="0"/>
+          </a:p>
+          <a:p>
+            <a:pPr lvl="0"/>
+            <a:endParaRPr lang="da-DK"/>
+          </a:p>
+        </p:txBody>
+      </p:sp>
+    </p:spTree>
+    <p:extLst>
+      <p:ext uri="{BB962C8B-B14F-4D97-AF65-F5344CB8AC3E}">
+        <p14:creationId xmlns:p14="http://schemas.microsoft.com/office/powerpoint/2010/main" val="2240425008"/>
+      </p:ext>
+    </p:extLst>
+  </p:cSld>
+  <p:clrMapOvr>
+    <a:masterClrMapping/>
+  </p:clrMapOvr>
+  <p:timing>
+    <p:tnLst>
+      <p:par>
+        <p:cTn id="1" dur="indefinite" restart="never" nodeType="tmRoot"/>
+      </p:par>
+    </p:tnLst>
+  </p:timing>
+</p:sld>
+</file>
+
+<file path=ppt/slides/slide39.xml><?xml version="1.0" encoding="utf-8"?>
+<p:sld xmlns:a="http://schemas.openxmlformats.org/drawingml/2006/main" xmlns:r="http://schemas.openxmlformats.org/officeDocument/2006/relationships" xmlns:p="http://schemas.openxmlformats.org/presentationml/2006/main">
+  <p:cSld>
+    <p:spTree>
+      <p:nvGrpSpPr>
+        <p:cNvPr id="1" name=""/>
+        <p:cNvGrpSpPr/>
+        <p:nvPr/>
+      </p:nvGrpSpPr>
+      <p:grpSpPr>
+        <a:xfrm>
+          <a:off x="0" y="0"/>
+          <a:ext cx="0" cy="0"/>
+          <a:chOff x="0" y="0"/>
+          <a:chExt cx="0" cy="0"/>
+        </a:xfrm>
+      </p:grpSpPr>
+      <p:sp>
+        <p:nvSpPr>
+          <p:cNvPr id="2" name="Titel 1"/>
+          <p:cNvSpPr>
+            <a:spLocks noGrp="1"/>
+          </p:cNvSpPr>
+          <p:nvPr>
+            <p:ph type="title"/>
+          </p:nvPr>
+        </p:nvSpPr>
+        <p:spPr/>
+        <p:txBody>
+          <a:bodyPr/>
+          <a:lstStyle/>
+          <a:p>
+            <a:r>
+              <a:rPr lang="da-DK" b="1" smtClean="0"/>
+              <a:t>LINQ – </a:t>
+            </a:r>
+            <a:r>
+              <a:rPr lang="da-DK" b="1" smtClean="0"/>
+              <a:t>Fluent syntax</a:t>
+            </a:r>
+            <a:endParaRPr lang="da-DK" b="1"/>
+          </a:p>
+        </p:txBody>
+      </p:sp>
+      <p:sp>
+        <p:nvSpPr>
+          <p:cNvPr id="3" name="Pladsholder til indhold 2"/>
+          <p:cNvSpPr>
+            <a:spLocks noGrp="1"/>
+          </p:cNvSpPr>
+          <p:nvPr>
+            <p:ph idx="1"/>
+          </p:nvPr>
+        </p:nvSpPr>
+        <p:spPr>
+          <a:xfrm>
+            <a:off x="838200" y="1825625"/>
+            <a:ext cx="9726827" cy="4351338"/>
+          </a:xfrm>
+        </p:spPr>
+        <p:txBody>
+          <a:bodyPr/>
+          <a:lstStyle/>
+          <a:p>
+            <a:pPr lvl="0"/>
+            <a:r>
+              <a:rPr lang="da-DK" smtClean="0"/>
+              <a:t>Also possible to write LINQ queries using traditional, Object-Oriented method calls.</a:t>
+            </a:r>
+          </a:p>
+          <a:p>
+            <a:pPr lvl="0"/>
+            <a:r>
+              <a:rPr lang="da-DK" smtClean="0"/>
+              <a:t>.NET class library </a:t>
+            </a:r>
+            <a:r>
+              <a:rPr lang="da-DK" b="1" smtClean="0"/>
+              <a:t>System.Linq</a:t>
+            </a:r>
+            <a:r>
+              <a:rPr lang="da-DK" smtClean="0"/>
+              <a:t> contains methods corresponding to LINQ keywords (</a:t>
+            </a:r>
+            <a:r>
+              <a:rPr lang="da-DK" b="1" smtClean="0"/>
+              <a:t>select</a:t>
+            </a:r>
+            <a:r>
+              <a:rPr lang="da-DK" smtClean="0"/>
+              <a:t>, </a:t>
+            </a:r>
+            <a:r>
+              <a:rPr lang="da-DK" b="1" smtClean="0"/>
+              <a:t>where</a:t>
+            </a:r>
+            <a:r>
+              <a:rPr lang="da-DK" smtClean="0"/>
+              <a:t>, etc.)</a:t>
+            </a:r>
+          </a:p>
+          <a:p>
+            <a:pPr lvl="0"/>
+            <a:r>
+              <a:rPr lang="da-DK" smtClean="0"/>
+              <a:t>Interesting questions:</a:t>
+            </a:r>
+          </a:p>
+          <a:p>
+            <a:pPr lvl="1"/>
+            <a:r>
+              <a:rPr lang="da-DK" smtClean="0"/>
+              <a:t>What </a:t>
+            </a:r>
+            <a:r>
+              <a:rPr lang="da-DK" b="1" smtClean="0"/>
+              <a:t>class/interface</a:t>
+            </a:r>
+            <a:r>
+              <a:rPr lang="da-DK" smtClean="0"/>
+              <a:t> contains the LINQ methods…?</a:t>
+            </a:r>
+          </a:p>
+          <a:p>
+            <a:pPr lvl="1"/>
+            <a:r>
+              <a:rPr lang="da-DK" smtClean="0"/>
+              <a:t>What are the </a:t>
+            </a:r>
+            <a:r>
+              <a:rPr lang="da-DK" b="1" smtClean="0"/>
+              <a:t>parameters</a:t>
+            </a:r>
+            <a:r>
+              <a:rPr lang="da-DK" smtClean="0"/>
+              <a:t> to these methods…?</a:t>
+            </a:r>
+          </a:p>
+          <a:p>
+            <a:pPr lvl="1"/>
+            <a:r>
+              <a:rPr lang="da-DK" smtClean="0"/>
+              <a:t>What is the </a:t>
+            </a:r>
+            <a:r>
+              <a:rPr lang="da-DK" b="1" smtClean="0"/>
+              <a:t>return type </a:t>
+            </a:r>
+            <a:r>
+              <a:rPr lang="da-DK" smtClean="0"/>
+              <a:t>of these methods?</a:t>
+            </a:r>
+            <a:endParaRPr lang="da-DK" smtClean="0"/>
+          </a:p>
+          <a:p>
+            <a:pPr marL="0" lvl="0" indent="0">
+              <a:buNone/>
+            </a:pPr>
+            <a:endParaRPr lang="da-DK" smtClean="0"/>
+          </a:p>
+          <a:p>
+            <a:pPr lvl="0"/>
+            <a:endParaRPr lang="da-DK"/>
+          </a:p>
+        </p:txBody>
+      </p:sp>
+    </p:spTree>
+    <p:extLst>
+      <p:ext uri="{BB962C8B-B14F-4D97-AF65-F5344CB8AC3E}">
+        <p14:creationId xmlns:p14="http://schemas.microsoft.com/office/powerpoint/2010/main" val="3617023757"/>
+      </p:ext>
+    </p:extLst>
+  </p:cSld>
+  <p:clrMapOvr>
+    <a:masterClrMapping/>
+  </p:clrMapOvr>
+  <mc:AlternateContent xmlns:mc="http://schemas.openxmlformats.org/markup-compatibility/2006">
+    <mc:Choice xmlns:p14="http://schemas.microsoft.com/office/powerpoint/2010/main" Requires="p14">
+      <p:transition spd="med" p14:dur="700">
+        <p:fade/>
+      </p:transition>
+    </mc:Choice>
+    <mc:Fallback>
+      <p:transition spd="med">
+        <p:fade/>
+      </p:transition>
+    </mc:Fallback>
+  </mc:AlternateContent>
   <p:timing>
     <p:tnLst>
       <p:par>
@@ -27377,18 +27786,7 @@
                 <a:ea typeface="Calibri" panose="020F0502020204030204" pitchFamily="34" charset="0"/>
                 <a:cs typeface="Consolas" panose="020B0609020204030204" pitchFamily="49" charset="0"/>
               </a:rPr>
-              <a:t> </a:t>
-            </a:r>
-            <a:r>
-              <a:rPr lang="en-US" b="1">
-                <a:solidFill>
-                  <a:srgbClr val="000000"/>
-                </a:solidFill>
-                <a:latin typeface="Consolas" panose="020B0609020204030204" pitchFamily="49" charset="0"/>
-                <a:ea typeface="Calibri" panose="020F0502020204030204" pitchFamily="34" charset="0"/>
-                <a:cs typeface="Consolas" panose="020B0609020204030204" pitchFamily="49" charset="0"/>
-              </a:rPr>
-              <a:t>collection</a:t>
+              <a:t> collection</a:t>
             </a:r>
             <a:r>
               <a:rPr lang="en-US" b="1" smtClean="0">
@@ -27522,6 +27920,3489 @@
     <p:extLst>
       <p:ext uri="{BB962C8B-B14F-4D97-AF65-F5344CB8AC3E}">
         <p14:creationId xmlns:p14="http://schemas.microsoft.com/office/powerpoint/2010/main" val="2193310075"/>
+      </p:ext>
+    </p:extLst>
+  </p:cSld>
+  <p:clrMapOvr>
+    <a:masterClrMapping/>
+  </p:clrMapOvr>
+  <p:timing>
+    <p:tnLst>
+      <p:par>
+        <p:cTn id="1" dur="indefinite" restart="never" nodeType="tmRoot"/>
+      </p:par>
+    </p:tnLst>
+  </p:timing>
+</p:sld>
+</file>
+
+<file path=ppt/slides/slide40.xml><?xml version="1.0" encoding="utf-8"?>
+<p:sld xmlns:a="http://schemas.openxmlformats.org/drawingml/2006/main" xmlns:r="http://schemas.openxmlformats.org/officeDocument/2006/relationships" xmlns:p="http://schemas.openxmlformats.org/presentationml/2006/main">
+  <p:cSld>
+    <p:spTree>
+      <p:nvGrpSpPr>
+        <p:cNvPr id="1" name=""/>
+        <p:cNvGrpSpPr/>
+        <p:nvPr/>
+      </p:nvGrpSpPr>
+      <p:grpSpPr>
+        <a:xfrm>
+          <a:off x="0" y="0"/>
+          <a:ext cx="0" cy="0"/>
+          <a:chOff x="0" y="0"/>
+          <a:chExt cx="0" cy="0"/>
+        </a:xfrm>
+      </p:grpSpPr>
+      <p:sp>
+        <p:nvSpPr>
+          <p:cNvPr id="3" name="Pladsholder til indhold 2"/>
+          <p:cNvSpPr>
+            <a:spLocks noGrp="1"/>
+          </p:cNvSpPr>
+          <p:nvPr>
+            <p:ph idx="1"/>
+          </p:nvPr>
+        </p:nvSpPr>
+        <p:spPr>
+          <a:xfrm>
+            <a:off x="543697" y="864973"/>
+            <a:ext cx="11121081" cy="5311990"/>
+          </a:xfrm>
+        </p:spPr>
+        <p:txBody>
+          <a:bodyPr/>
+          <a:lstStyle/>
+          <a:p>
+            <a:pPr indent="0">
+              <a:spcBef>
+                <a:spcPts val="0"/>
+              </a:spcBef>
+              <a:buNone/>
+            </a:pPr>
+            <a:r>
+              <a:rPr lang="en-US" b="1">
+                <a:solidFill>
+                  <a:srgbClr val="2B91AF"/>
+                </a:solidFill>
+                <a:latin typeface="Consolas" panose="020B0609020204030204" pitchFamily="49" charset="0"/>
+                <a:ea typeface="Calibri" panose="020F0502020204030204" pitchFamily="34" charset="0"/>
+                <a:cs typeface="Consolas" panose="020B0609020204030204" pitchFamily="49" charset="0"/>
+              </a:rPr>
+              <a:t>List</a:t>
+            </a:r>
+            <a:r>
+              <a:rPr lang="en-US" b="1">
+                <a:solidFill>
+                  <a:srgbClr val="000000"/>
+                </a:solidFill>
+                <a:latin typeface="Consolas" panose="020B0609020204030204" pitchFamily="49" charset="0"/>
+                <a:ea typeface="Calibri" panose="020F0502020204030204" pitchFamily="34" charset="0"/>
+                <a:cs typeface="Consolas" panose="020B0609020204030204" pitchFamily="49" charset="0"/>
+              </a:rPr>
+              <a:t>&lt;</a:t>
+            </a:r>
+            <a:r>
+              <a:rPr lang="en-US" b="1">
+                <a:solidFill>
+                  <a:srgbClr val="0000FF"/>
+                </a:solidFill>
+                <a:latin typeface="Consolas" panose="020B0609020204030204" pitchFamily="49" charset="0"/>
+                <a:ea typeface="Calibri" panose="020F0502020204030204" pitchFamily="34" charset="0"/>
+                <a:cs typeface="Consolas" panose="020B0609020204030204" pitchFamily="49" charset="0"/>
+              </a:rPr>
+              <a:t>int</a:t>
+            </a:r>
+            <a:r>
+              <a:rPr lang="en-US" b="1">
+                <a:solidFill>
+                  <a:srgbClr val="000000"/>
+                </a:solidFill>
+                <a:latin typeface="Consolas" panose="020B0609020204030204" pitchFamily="49" charset="0"/>
+                <a:ea typeface="Calibri" panose="020F0502020204030204" pitchFamily="34" charset="0"/>
+                <a:cs typeface="Consolas" panose="020B0609020204030204" pitchFamily="49" charset="0"/>
+              </a:rPr>
+              <a:t>&gt; numbers = </a:t>
+            </a:r>
+            <a:r>
+              <a:rPr lang="en-US" b="1">
+                <a:solidFill>
+                  <a:srgbClr val="0000FF"/>
+                </a:solidFill>
+                <a:latin typeface="Consolas" panose="020B0609020204030204" pitchFamily="49" charset="0"/>
+                <a:ea typeface="Calibri" panose="020F0502020204030204" pitchFamily="34" charset="0"/>
+                <a:cs typeface="Consolas" panose="020B0609020204030204" pitchFamily="49" charset="0"/>
+              </a:rPr>
+              <a:t>new</a:t>
+            </a:r>
+            <a:r>
+              <a:rPr lang="en-US" b="1">
+                <a:solidFill>
+                  <a:srgbClr val="000000"/>
+                </a:solidFill>
+                <a:latin typeface="Consolas" panose="020B0609020204030204" pitchFamily="49" charset="0"/>
+                <a:ea typeface="Calibri" panose="020F0502020204030204" pitchFamily="34" charset="0"/>
+                <a:cs typeface="Consolas" panose="020B0609020204030204" pitchFamily="49" charset="0"/>
+              </a:rPr>
+              <a:t> </a:t>
+            </a:r>
+            <a:r>
+              <a:rPr lang="en-US" b="1">
+                <a:solidFill>
+                  <a:srgbClr val="2B91AF"/>
+                </a:solidFill>
+                <a:latin typeface="Consolas" panose="020B0609020204030204" pitchFamily="49" charset="0"/>
+                <a:ea typeface="Calibri" panose="020F0502020204030204" pitchFamily="34" charset="0"/>
+                <a:cs typeface="Consolas" panose="020B0609020204030204" pitchFamily="49" charset="0"/>
+              </a:rPr>
+              <a:t>List</a:t>
+            </a:r>
+            <a:r>
+              <a:rPr lang="en-US" b="1">
+                <a:solidFill>
+                  <a:srgbClr val="000000"/>
+                </a:solidFill>
+                <a:latin typeface="Consolas" panose="020B0609020204030204" pitchFamily="49" charset="0"/>
+                <a:ea typeface="Calibri" panose="020F0502020204030204" pitchFamily="34" charset="0"/>
+                <a:cs typeface="Consolas" panose="020B0609020204030204" pitchFamily="49" charset="0"/>
+              </a:rPr>
+              <a:t>&lt;</a:t>
+            </a:r>
+            <a:r>
+              <a:rPr lang="en-US" b="1">
+                <a:solidFill>
+                  <a:srgbClr val="0000FF"/>
+                </a:solidFill>
+                <a:latin typeface="Consolas" panose="020B0609020204030204" pitchFamily="49" charset="0"/>
+                <a:ea typeface="Calibri" panose="020F0502020204030204" pitchFamily="34" charset="0"/>
+                <a:cs typeface="Consolas" panose="020B0609020204030204" pitchFamily="49" charset="0"/>
+              </a:rPr>
+              <a:t>int</a:t>
+            </a:r>
+            <a:r>
+              <a:rPr lang="en-US" b="1">
+                <a:solidFill>
+                  <a:srgbClr val="000000"/>
+                </a:solidFill>
+                <a:latin typeface="Consolas" panose="020B0609020204030204" pitchFamily="49" charset="0"/>
+                <a:ea typeface="Calibri" panose="020F0502020204030204" pitchFamily="34" charset="0"/>
+                <a:cs typeface="Consolas" panose="020B0609020204030204" pitchFamily="49" charset="0"/>
+              </a:rPr>
+              <a:t>&gt;{12, 37, 8, 17};</a:t>
+            </a:r>
+            <a:endParaRPr lang="da-DK">
+              <a:latin typeface="Calibri" panose="020F0502020204030204" pitchFamily="34" charset="0"/>
+              <a:ea typeface="Calibri" panose="020F0502020204030204" pitchFamily="34" charset="0"/>
+              <a:cs typeface="Times New Roman" panose="02020603050405020304" pitchFamily="18" charset="0"/>
+            </a:endParaRPr>
+          </a:p>
+          <a:p>
+            <a:pPr indent="0">
+              <a:spcBef>
+                <a:spcPts val="0"/>
+              </a:spcBef>
+              <a:spcAft>
+                <a:spcPts val="0"/>
+              </a:spcAft>
+              <a:buNone/>
+            </a:pPr>
+            <a:endParaRPr lang="en-US" b="1" smtClean="0">
+              <a:solidFill>
+                <a:srgbClr val="008000"/>
+              </a:solidFill>
+              <a:latin typeface="Consolas" panose="020B0609020204030204" pitchFamily="49" charset="0"/>
+              <a:ea typeface="Calibri" panose="020F0502020204030204" pitchFamily="34" charset="0"/>
+              <a:cs typeface="Consolas" panose="020B0609020204030204" pitchFamily="49" charset="0"/>
+            </a:endParaRPr>
+          </a:p>
+          <a:p>
+            <a:pPr indent="0">
+              <a:spcBef>
+                <a:spcPts val="0"/>
+              </a:spcBef>
+              <a:spcAft>
+                <a:spcPts val="0"/>
+              </a:spcAft>
+              <a:buNone/>
+            </a:pPr>
+            <a:endParaRPr lang="en-US" b="1">
+              <a:solidFill>
+                <a:srgbClr val="008000"/>
+              </a:solidFill>
+              <a:latin typeface="Consolas" panose="020B0609020204030204" pitchFamily="49" charset="0"/>
+              <a:ea typeface="Calibri" panose="020F0502020204030204" pitchFamily="34" charset="0"/>
+              <a:cs typeface="Consolas" panose="020B0609020204030204" pitchFamily="49" charset="0"/>
+            </a:endParaRPr>
+          </a:p>
+          <a:p>
+            <a:pPr indent="0">
+              <a:spcBef>
+                <a:spcPts val="0"/>
+              </a:spcBef>
+              <a:spcAft>
+                <a:spcPts val="0"/>
+              </a:spcAft>
+              <a:buNone/>
+            </a:pPr>
+            <a:r>
+              <a:rPr lang="en-US" b="1" smtClean="0">
+                <a:solidFill>
+                  <a:srgbClr val="008000"/>
+                </a:solidFill>
+                <a:latin typeface="Consolas" panose="020B0609020204030204" pitchFamily="49" charset="0"/>
+                <a:ea typeface="Calibri" panose="020F0502020204030204" pitchFamily="34" charset="0"/>
+                <a:cs typeface="Consolas" panose="020B0609020204030204" pitchFamily="49" charset="0"/>
+              </a:rPr>
+              <a:t>// This we know…</a:t>
+            </a:r>
+            <a:endParaRPr lang="da-DK">
+              <a:latin typeface="Calibri" panose="020F0502020204030204" pitchFamily="34" charset="0"/>
+              <a:ea typeface="Calibri" panose="020F0502020204030204" pitchFamily="34" charset="0"/>
+              <a:cs typeface="Times New Roman" panose="02020603050405020304" pitchFamily="18" charset="0"/>
+            </a:endParaRPr>
+          </a:p>
+          <a:p>
+            <a:pPr indent="0">
+              <a:spcBef>
+                <a:spcPts val="0"/>
+              </a:spcBef>
+              <a:spcAft>
+                <a:spcPts val="0"/>
+              </a:spcAft>
+              <a:buNone/>
+            </a:pPr>
+            <a:r>
+              <a:rPr lang="en-US" b="1">
+                <a:solidFill>
+                  <a:srgbClr val="2B91AF"/>
+                </a:solidFill>
+                <a:latin typeface="Consolas" panose="020B0609020204030204" pitchFamily="49" charset="0"/>
+                <a:ea typeface="Calibri" panose="020F0502020204030204" pitchFamily="34" charset="0"/>
+                <a:cs typeface="Consolas" panose="020B0609020204030204" pitchFamily="49" charset="0"/>
+              </a:rPr>
+              <a:t>IEnumerable</a:t>
+            </a:r>
+            <a:r>
+              <a:rPr lang="en-US" b="1">
+                <a:solidFill>
+                  <a:srgbClr val="000000"/>
+                </a:solidFill>
+                <a:latin typeface="Consolas" panose="020B0609020204030204" pitchFamily="49" charset="0"/>
+                <a:ea typeface="Calibri" panose="020F0502020204030204" pitchFamily="34" charset="0"/>
+                <a:cs typeface="Consolas" panose="020B0609020204030204" pitchFamily="49" charset="0"/>
+              </a:rPr>
+              <a:t>&lt;</a:t>
+            </a:r>
+            <a:r>
+              <a:rPr lang="en-US" b="1">
+                <a:solidFill>
+                  <a:srgbClr val="0000FF"/>
+                </a:solidFill>
+                <a:latin typeface="Consolas" panose="020B0609020204030204" pitchFamily="49" charset="0"/>
+                <a:ea typeface="Calibri" panose="020F0502020204030204" pitchFamily="34" charset="0"/>
+                <a:cs typeface="Consolas" panose="020B0609020204030204" pitchFamily="49" charset="0"/>
+              </a:rPr>
+              <a:t>int</a:t>
+            </a:r>
+            <a:r>
+              <a:rPr lang="en-US" b="1">
+                <a:solidFill>
+                  <a:srgbClr val="000000"/>
+                </a:solidFill>
+                <a:latin typeface="Consolas" panose="020B0609020204030204" pitchFamily="49" charset="0"/>
+                <a:ea typeface="Calibri" panose="020F0502020204030204" pitchFamily="34" charset="0"/>
+                <a:cs typeface="Consolas" panose="020B0609020204030204" pitchFamily="49" charset="0"/>
+              </a:rPr>
+              <a:t>&gt; </a:t>
+            </a:r>
+            <a:r>
+              <a:rPr lang="en-US" b="1" smtClean="0">
+                <a:solidFill>
+                  <a:srgbClr val="000000"/>
+                </a:solidFill>
+                <a:latin typeface="Consolas" panose="020B0609020204030204" pitchFamily="49" charset="0"/>
+                <a:ea typeface="Calibri" panose="020F0502020204030204" pitchFamily="34" charset="0"/>
+                <a:cs typeface="Consolas" panose="020B0609020204030204" pitchFamily="49" charset="0"/>
+              </a:rPr>
+              <a:t>qr1 </a:t>
+            </a:r>
+            <a:r>
+              <a:rPr lang="en-US" b="1">
+                <a:solidFill>
+                  <a:srgbClr val="000000"/>
+                </a:solidFill>
+                <a:latin typeface="Consolas" panose="020B0609020204030204" pitchFamily="49" charset="0"/>
+                <a:ea typeface="Calibri" panose="020F0502020204030204" pitchFamily="34" charset="0"/>
+                <a:cs typeface="Consolas" panose="020B0609020204030204" pitchFamily="49" charset="0"/>
+              </a:rPr>
+              <a:t>= </a:t>
+            </a:r>
+            <a:r>
+              <a:rPr lang="en-US" b="1" smtClean="0">
+                <a:solidFill>
+                  <a:srgbClr val="0000FF"/>
+                </a:solidFill>
+                <a:latin typeface="Consolas" panose="020B0609020204030204" pitchFamily="49" charset="0"/>
+                <a:ea typeface="Calibri" panose="020F0502020204030204" pitchFamily="34" charset="0"/>
+                <a:cs typeface="Consolas" panose="020B0609020204030204" pitchFamily="49" charset="0"/>
+              </a:rPr>
+              <a:t>from</a:t>
+            </a:r>
+            <a:r>
+              <a:rPr lang="en-US" b="1" smtClean="0">
+                <a:solidFill>
+                  <a:srgbClr val="000000"/>
+                </a:solidFill>
+                <a:latin typeface="Consolas" panose="020B0609020204030204" pitchFamily="49" charset="0"/>
+                <a:ea typeface="Calibri" panose="020F0502020204030204" pitchFamily="34" charset="0"/>
+                <a:cs typeface="Consolas" panose="020B0609020204030204" pitchFamily="49" charset="0"/>
+              </a:rPr>
+              <a:t> </a:t>
+            </a:r>
+            <a:r>
+              <a:rPr lang="en-US" b="1">
+                <a:solidFill>
+                  <a:srgbClr val="000000"/>
+                </a:solidFill>
+                <a:latin typeface="Consolas" panose="020B0609020204030204" pitchFamily="49" charset="0"/>
+                <a:ea typeface="Calibri" panose="020F0502020204030204" pitchFamily="34" charset="0"/>
+                <a:cs typeface="Consolas" panose="020B0609020204030204" pitchFamily="49" charset="0"/>
+              </a:rPr>
+              <a:t>i </a:t>
+            </a:r>
+            <a:r>
+              <a:rPr lang="en-US" b="1">
+                <a:solidFill>
+                  <a:srgbClr val="0000FF"/>
+                </a:solidFill>
+                <a:latin typeface="Consolas" panose="020B0609020204030204" pitchFamily="49" charset="0"/>
+                <a:ea typeface="Calibri" panose="020F0502020204030204" pitchFamily="34" charset="0"/>
+                <a:cs typeface="Consolas" panose="020B0609020204030204" pitchFamily="49" charset="0"/>
+              </a:rPr>
+              <a:t>in</a:t>
+            </a:r>
+            <a:r>
+              <a:rPr lang="en-US" b="1">
+                <a:solidFill>
+                  <a:srgbClr val="000000"/>
+                </a:solidFill>
+                <a:latin typeface="Consolas" panose="020B0609020204030204" pitchFamily="49" charset="0"/>
+                <a:ea typeface="Calibri" panose="020F0502020204030204" pitchFamily="34" charset="0"/>
+                <a:cs typeface="Consolas" panose="020B0609020204030204" pitchFamily="49" charset="0"/>
+              </a:rPr>
+              <a:t> numbers</a:t>
+            </a:r>
+            <a:endParaRPr lang="da-DK">
+              <a:latin typeface="Calibri" panose="020F0502020204030204" pitchFamily="34" charset="0"/>
+              <a:ea typeface="Calibri" panose="020F0502020204030204" pitchFamily="34" charset="0"/>
+              <a:cs typeface="Times New Roman" panose="02020603050405020304" pitchFamily="18" charset="0"/>
+            </a:endParaRPr>
+          </a:p>
+          <a:p>
+            <a:pPr marL="2286000" indent="0">
+              <a:spcBef>
+                <a:spcPts val="0"/>
+              </a:spcBef>
+              <a:spcAft>
+                <a:spcPts val="0"/>
+              </a:spcAft>
+              <a:buNone/>
+            </a:pPr>
+            <a:r>
+              <a:rPr lang="en-US" b="1">
+                <a:solidFill>
+                  <a:srgbClr val="000000"/>
+                </a:solidFill>
+                <a:latin typeface="Consolas" panose="020B0609020204030204" pitchFamily="49" charset="0"/>
+                <a:ea typeface="Calibri" panose="020F0502020204030204" pitchFamily="34" charset="0"/>
+                <a:cs typeface="Consolas" panose="020B0609020204030204" pitchFamily="49" charset="0"/>
+              </a:rPr>
+              <a:t>	</a:t>
+            </a:r>
+            <a:r>
+              <a:rPr lang="en-US" b="1">
+                <a:solidFill>
+                  <a:srgbClr val="000000"/>
+                </a:solidFill>
+                <a:latin typeface="Consolas" panose="020B0609020204030204" pitchFamily="49" charset="0"/>
+                <a:ea typeface="Calibri" panose="020F0502020204030204" pitchFamily="34" charset="0"/>
+                <a:cs typeface="Consolas" panose="020B0609020204030204" pitchFamily="49" charset="0"/>
+              </a:rPr>
+              <a:t>	 </a:t>
+            </a:r>
+            <a:r>
+              <a:rPr lang="en-US" b="1" smtClean="0">
+                <a:solidFill>
+                  <a:srgbClr val="000000"/>
+                </a:solidFill>
+                <a:latin typeface="Consolas" panose="020B0609020204030204" pitchFamily="49" charset="0"/>
+                <a:ea typeface="Calibri" panose="020F0502020204030204" pitchFamily="34" charset="0"/>
+                <a:cs typeface="Consolas" panose="020B0609020204030204" pitchFamily="49" charset="0"/>
+              </a:rPr>
+              <a:t>  	 </a:t>
+            </a:r>
+            <a:r>
+              <a:rPr lang="en-US" b="1" smtClean="0">
+                <a:solidFill>
+                  <a:srgbClr val="0000FF"/>
+                </a:solidFill>
+                <a:latin typeface="Consolas" panose="020B0609020204030204" pitchFamily="49" charset="0"/>
+                <a:ea typeface="Calibri" panose="020F0502020204030204" pitchFamily="34" charset="0"/>
+                <a:cs typeface="Consolas" panose="020B0609020204030204" pitchFamily="49" charset="0"/>
+              </a:rPr>
+              <a:t>where</a:t>
+            </a:r>
+            <a:r>
+              <a:rPr lang="en-US" b="1" smtClean="0">
+                <a:solidFill>
+                  <a:srgbClr val="000000"/>
+                </a:solidFill>
+                <a:latin typeface="Consolas" panose="020B0609020204030204" pitchFamily="49" charset="0"/>
+                <a:ea typeface="Calibri" panose="020F0502020204030204" pitchFamily="34" charset="0"/>
+                <a:cs typeface="Consolas" panose="020B0609020204030204" pitchFamily="49" charset="0"/>
+              </a:rPr>
+              <a:t> </a:t>
+            </a:r>
+            <a:r>
+              <a:rPr lang="en-US" b="1">
+                <a:solidFill>
+                  <a:srgbClr val="000000"/>
+                </a:solidFill>
+                <a:latin typeface="Consolas" panose="020B0609020204030204" pitchFamily="49" charset="0"/>
+                <a:ea typeface="Calibri" panose="020F0502020204030204" pitchFamily="34" charset="0"/>
+                <a:cs typeface="Consolas" panose="020B0609020204030204" pitchFamily="49" charset="0"/>
+              </a:rPr>
+              <a:t>i &lt; 15</a:t>
+            </a:r>
+            <a:endParaRPr lang="da-DK" b="1">
+              <a:solidFill>
+                <a:srgbClr val="000000"/>
+              </a:solidFill>
+              <a:latin typeface="Consolas" panose="020B0609020204030204" pitchFamily="49" charset="0"/>
+              <a:ea typeface="Calibri" panose="020F0502020204030204" pitchFamily="34" charset="0"/>
+              <a:cs typeface="Consolas" panose="020B0609020204030204" pitchFamily="49" charset="0"/>
+            </a:endParaRPr>
+          </a:p>
+          <a:p>
+            <a:pPr marL="2286000" indent="0">
+              <a:spcBef>
+                <a:spcPts val="0"/>
+              </a:spcBef>
+              <a:spcAft>
+                <a:spcPts val="0"/>
+              </a:spcAft>
+              <a:buNone/>
+            </a:pPr>
+            <a:r>
+              <a:rPr lang="en-US" b="1" smtClean="0">
+                <a:solidFill>
+                  <a:srgbClr val="0000FF"/>
+                </a:solidFill>
+                <a:latin typeface="Consolas" panose="020B0609020204030204" pitchFamily="49" charset="0"/>
+                <a:ea typeface="Calibri" panose="020F0502020204030204" pitchFamily="34" charset="0"/>
+                <a:cs typeface="Consolas" panose="020B0609020204030204" pitchFamily="49" charset="0"/>
+              </a:rPr>
+              <a:t>		   	 select</a:t>
+            </a:r>
+            <a:r>
+              <a:rPr lang="en-US" b="1" smtClean="0">
+                <a:solidFill>
+                  <a:srgbClr val="000000"/>
+                </a:solidFill>
+                <a:latin typeface="Consolas" panose="020B0609020204030204" pitchFamily="49" charset="0"/>
+                <a:ea typeface="Calibri" panose="020F0502020204030204" pitchFamily="34" charset="0"/>
+                <a:cs typeface="Consolas" panose="020B0609020204030204" pitchFamily="49" charset="0"/>
+              </a:rPr>
+              <a:t> </a:t>
+            </a:r>
+            <a:r>
+              <a:rPr lang="en-US" b="1">
+                <a:solidFill>
+                  <a:srgbClr val="000000"/>
+                </a:solidFill>
+                <a:latin typeface="Consolas" panose="020B0609020204030204" pitchFamily="49" charset="0"/>
+                <a:ea typeface="Calibri" panose="020F0502020204030204" pitchFamily="34" charset="0"/>
+                <a:cs typeface="Consolas" panose="020B0609020204030204" pitchFamily="49" charset="0"/>
+              </a:rPr>
+              <a:t>i;</a:t>
+            </a:r>
+            <a:endParaRPr lang="da-DK">
+              <a:latin typeface="Calibri" panose="020F0502020204030204" pitchFamily="34" charset="0"/>
+              <a:ea typeface="Calibri" panose="020F0502020204030204" pitchFamily="34" charset="0"/>
+              <a:cs typeface="Times New Roman" panose="02020603050405020304" pitchFamily="18" charset="0"/>
+            </a:endParaRPr>
+          </a:p>
+          <a:p>
+            <a:pPr indent="0">
+              <a:spcBef>
+                <a:spcPts val="0"/>
+              </a:spcBef>
+              <a:spcAft>
+                <a:spcPts val="0"/>
+              </a:spcAft>
+              <a:buNone/>
+            </a:pPr>
+            <a:r>
+              <a:rPr lang="en-US" sz="2400" b="1">
+                <a:solidFill>
+                  <a:srgbClr val="000000"/>
+                </a:solidFill>
+                <a:latin typeface="Consolas" panose="020B0609020204030204" pitchFamily="49" charset="0"/>
+                <a:ea typeface="Calibri" panose="020F0502020204030204" pitchFamily="34" charset="0"/>
+                <a:cs typeface="Consolas" panose="020B0609020204030204" pitchFamily="49" charset="0"/>
+              </a:rPr>
+              <a:t> </a:t>
+            </a:r>
+            <a:endParaRPr lang="da-DK" sz="2400">
+              <a:latin typeface="Calibri" panose="020F0502020204030204" pitchFamily="34" charset="0"/>
+              <a:ea typeface="Calibri" panose="020F0502020204030204" pitchFamily="34" charset="0"/>
+              <a:cs typeface="Times New Roman" panose="02020603050405020304" pitchFamily="18" charset="0"/>
+            </a:endParaRPr>
+          </a:p>
+          <a:p>
+            <a:pPr marL="0" indent="0">
+              <a:spcBef>
+                <a:spcPts val="0"/>
+              </a:spcBef>
+              <a:buNone/>
+            </a:pPr>
+            <a:endParaRPr lang="da-DK"/>
+          </a:p>
+        </p:txBody>
+      </p:sp>
+    </p:spTree>
+    <p:extLst>
+      <p:ext uri="{BB962C8B-B14F-4D97-AF65-F5344CB8AC3E}">
+        <p14:creationId xmlns:p14="http://schemas.microsoft.com/office/powerpoint/2010/main" val="1754894289"/>
+      </p:ext>
+    </p:extLst>
+  </p:cSld>
+  <p:clrMapOvr>
+    <a:masterClrMapping/>
+  </p:clrMapOvr>
+  <mc:AlternateContent xmlns:mc="http://schemas.openxmlformats.org/markup-compatibility/2006">
+    <mc:Choice xmlns:p14="http://schemas.microsoft.com/office/powerpoint/2010/main" Requires="p14">
+      <p:transition p14:dur="0"/>
+    </mc:Choice>
+    <mc:Fallback>
+      <p:transition/>
+    </mc:Fallback>
+  </mc:AlternateContent>
+  <p:timing>
+    <p:tnLst>
+      <p:par>
+        <p:cTn id="1" dur="indefinite" restart="never" nodeType="tmRoot"/>
+      </p:par>
+    </p:tnLst>
+  </p:timing>
+</p:sld>
+</file>
+
+<file path=ppt/slides/slide41.xml><?xml version="1.0" encoding="utf-8"?>
+<p:sld xmlns:a="http://schemas.openxmlformats.org/drawingml/2006/main" xmlns:r="http://schemas.openxmlformats.org/officeDocument/2006/relationships" xmlns:p="http://schemas.openxmlformats.org/presentationml/2006/main">
+  <p:cSld>
+    <p:spTree>
+      <p:nvGrpSpPr>
+        <p:cNvPr id="1" name=""/>
+        <p:cNvGrpSpPr/>
+        <p:nvPr/>
+      </p:nvGrpSpPr>
+      <p:grpSpPr>
+        <a:xfrm>
+          <a:off x="0" y="0"/>
+          <a:ext cx="0" cy="0"/>
+          <a:chOff x="0" y="0"/>
+          <a:chExt cx="0" cy="0"/>
+        </a:xfrm>
+      </p:grpSpPr>
+      <p:sp>
+        <p:nvSpPr>
+          <p:cNvPr id="3" name="Pladsholder til indhold 2"/>
+          <p:cNvSpPr>
+            <a:spLocks noGrp="1"/>
+          </p:cNvSpPr>
+          <p:nvPr>
+            <p:ph idx="1"/>
+          </p:nvPr>
+        </p:nvSpPr>
+        <p:spPr>
+          <a:xfrm>
+            <a:off x="543697" y="864973"/>
+            <a:ext cx="11121081" cy="5311990"/>
+          </a:xfrm>
+        </p:spPr>
+        <p:txBody>
+          <a:bodyPr/>
+          <a:lstStyle/>
+          <a:p>
+            <a:pPr indent="0">
+              <a:spcBef>
+                <a:spcPts val="0"/>
+              </a:spcBef>
+              <a:buNone/>
+            </a:pPr>
+            <a:r>
+              <a:rPr lang="en-US" b="1">
+                <a:solidFill>
+                  <a:srgbClr val="2B91AF"/>
+                </a:solidFill>
+                <a:latin typeface="Consolas" panose="020B0609020204030204" pitchFamily="49" charset="0"/>
+                <a:ea typeface="Calibri" panose="020F0502020204030204" pitchFamily="34" charset="0"/>
+                <a:cs typeface="Consolas" panose="020B0609020204030204" pitchFamily="49" charset="0"/>
+              </a:rPr>
+              <a:t>List</a:t>
+            </a:r>
+            <a:r>
+              <a:rPr lang="en-US" b="1">
+                <a:solidFill>
+                  <a:srgbClr val="000000"/>
+                </a:solidFill>
+                <a:latin typeface="Consolas" panose="020B0609020204030204" pitchFamily="49" charset="0"/>
+                <a:ea typeface="Calibri" panose="020F0502020204030204" pitchFamily="34" charset="0"/>
+                <a:cs typeface="Consolas" panose="020B0609020204030204" pitchFamily="49" charset="0"/>
+              </a:rPr>
+              <a:t>&lt;</a:t>
+            </a:r>
+            <a:r>
+              <a:rPr lang="en-US" b="1">
+                <a:solidFill>
+                  <a:srgbClr val="0000FF"/>
+                </a:solidFill>
+                <a:latin typeface="Consolas" panose="020B0609020204030204" pitchFamily="49" charset="0"/>
+                <a:ea typeface="Calibri" panose="020F0502020204030204" pitchFamily="34" charset="0"/>
+                <a:cs typeface="Consolas" panose="020B0609020204030204" pitchFamily="49" charset="0"/>
+              </a:rPr>
+              <a:t>int</a:t>
+            </a:r>
+            <a:r>
+              <a:rPr lang="en-US" b="1">
+                <a:solidFill>
+                  <a:srgbClr val="000000"/>
+                </a:solidFill>
+                <a:latin typeface="Consolas" panose="020B0609020204030204" pitchFamily="49" charset="0"/>
+                <a:ea typeface="Calibri" panose="020F0502020204030204" pitchFamily="34" charset="0"/>
+                <a:cs typeface="Consolas" panose="020B0609020204030204" pitchFamily="49" charset="0"/>
+              </a:rPr>
+              <a:t>&gt; numbers = </a:t>
+            </a:r>
+            <a:r>
+              <a:rPr lang="en-US" b="1">
+                <a:solidFill>
+                  <a:srgbClr val="0000FF"/>
+                </a:solidFill>
+                <a:latin typeface="Consolas" panose="020B0609020204030204" pitchFamily="49" charset="0"/>
+                <a:ea typeface="Calibri" panose="020F0502020204030204" pitchFamily="34" charset="0"/>
+                <a:cs typeface="Consolas" panose="020B0609020204030204" pitchFamily="49" charset="0"/>
+              </a:rPr>
+              <a:t>new</a:t>
+            </a:r>
+            <a:r>
+              <a:rPr lang="en-US" b="1">
+                <a:solidFill>
+                  <a:srgbClr val="000000"/>
+                </a:solidFill>
+                <a:latin typeface="Consolas" panose="020B0609020204030204" pitchFamily="49" charset="0"/>
+                <a:ea typeface="Calibri" panose="020F0502020204030204" pitchFamily="34" charset="0"/>
+                <a:cs typeface="Consolas" panose="020B0609020204030204" pitchFamily="49" charset="0"/>
+              </a:rPr>
+              <a:t> </a:t>
+            </a:r>
+            <a:r>
+              <a:rPr lang="en-US" b="1">
+                <a:solidFill>
+                  <a:srgbClr val="2B91AF"/>
+                </a:solidFill>
+                <a:latin typeface="Consolas" panose="020B0609020204030204" pitchFamily="49" charset="0"/>
+                <a:ea typeface="Calibri" panose="020F0502020204030204" pitchFamily="34" charset="0"/>
+                <a:cs typeface="Consolas" panose="020B0609020204030204" pitchFamily="49" charset="0"/>
+              </a:rPr>
+              <a:t>List</a:t>
+            </a:r>
+            <a:r>
+              <a:rPr lang="en-US" b="1">
+                <a:solidFill>
+                  <a:srgbClr val="000000"/>
+                </a:solidFill>
+                <a:latin typeface="Consolas" panose="020B0609020204030204" pitchFamily="49" charset="0"/>
+                <a:ea typeface="Calibri" panose="020F0502020204030204" pitchFamily="34" charset="0"/>
+                <a:cs typeface="Consolas" panose="020B0609020204030204" pitchFamily="49" charset="0"/>
+              </a:rPr>
+              <a:t>&lt;</a:t>
+            </a:r>
+            <a:r>
+              <a:rPr lang="en-US" b="1">
+                <a:solidFill>
+                  <a:srgbClr val="0000FF"/>
+                </a:solidFill>
+                <a:latin typeface="Consolas" panose="020B0609020204030204" pitchFamily="49" charset="0"/>
+                <a:ea typeface="Calibri" panose="020F0502020204030204" pitchFamily="34" charset="0"/>
+                <a:cs typeface="Consolas" panose="020B0609020204030204" pitchFamily="49" charset="0"/>
+              </a:rPr>
+              <a:t>int</a:t>
+            </a:r>
+            <a:r>
+              <a:rPr lang="en-US" b="1">
+                <a:solidFill>
+                  <a:srgbClr val="000000"/>
+                </a:solidFill>
+                <a:latin typeface="Consolas" panose="020B0609020204030204" pitchFamily="49" charset="0"/>
+                <a:ea typeface="Calibri" panose="020F0502020204030204" pitchFamily="34" charset="0"/>
+                <a:cs typeface="Consolas" panose="020B0609020204030204" pitchFamily="49" charset="0"/>
+              </a:rPr>
+              <a:t>&gt;{12, 37, 8, 17};</a:t>
+            </a:r>
+            <a:endParaRPr lang="da-DK">
+              <a:latin typeface="Calibri" panose="020F0502020204030204" pitchFamily="34" charset="0"/>
+              <a:ea typeface="Calibri" panose="020F0502020204030204" pitchFamily="34" charset="0"/>
+              <a:cs typeface="Times New Roman" panose="02020603050405020304" pitchFamily="18" charset="0"/>
+            </a:endParaRPr>
+          </a:p>
+          <a:p>
+            <a:pPr indent="0">
+              <a:spcBef>
+                <a:spcPts val="0"/>
+              </a:spcBef>
+              <a:spcAft>
+                <a:spcPts val="0"/>
+              </a:spcAft>
+              <a:buNone/>
+            </a:pPr>
+            <a:endParaRPr lang="en-US" b="1" smtClean="0">
+              <a:solidFill>
+                <a:srgbClr val="008000"/>
+              </a:solidFill>
+              <a:latin typeface="Consolas" panose="020B0609020204030204" pitchFamily="49" charset="0"/>
+              <a:ea typeface="Calibri" panose="020F0502020204030204" pitchFamily="34" charset="0"/>
+              <a:cs typeface="Consolas" panose="020B0609020204030204" pitchFamily="49" charset="0"/>
+            </a:endParaRPr>
+          </a:p>
+          <a:p>
+            <a:pPr indent="0">
+              <a:spcBef>
+                <a:spcPts val="0"/>
+              </a:spcBef>
+              <a:spcAft>
+                <a:spcPts val="0"/>
+              </a:spcAft>
+              <a:buNone/>
+            </a:pPr>
+            <a:endParaRPr lang="en-US" b="1">
+              <a:solidFill>
+                <a:srgbClr val="008000"/>
+              </a:solidFill>
+              <a:latin typeface="Consolas" panose="020B0609020204030204" pitchFamily="49" charset="0"/>
+              <a:ea typeface="Calibri" panose="020F0502020204030204" pitchFamily="34" charset="0"/>
+              <a:cs typeface="Consolas" panose="020B0609020204030204" pitchFamily="49" charset="0"/>
+            </a:endParaRPr>
+          </a:p>
+          <a:p>
+            <a:pPr indent="0">
+              <a:spcBef>
+                <a:spcPts val="0"/>
+              </a:spcBef>
+              <a:spcAft>
+                <a:spcPts val="0"/>
+              </a:spcAft>
+              <a:buNone/>
+            </a:pPr>
+            <a:r>
+              <a:rPr lang="en-US" b="1" smtClean="0">
+                <a:solidFill>
+                  <a:srgbClr val="008000"/>
+                </a:solidFill>
+                <a:latin typeface="Consolas" panose="020B0609020204030204" pitchFamily="49" charset="0"/>
+                <a:ea typeface="Calibri" panose="020F0502020204030204" pitchFamily="34" charset="0"/>
+                <a:cs typeface="Consolas" panose="020B0609020204030204" pitchFamily="49" charset="0"/>
+              </a:rPr>
+              <a:t>// This we know…</a:t>
+            </a:r>
+            <a:endParaRPr lang="da-DK">
+              <a:latin typeface="Calibri" panose="020F0502020204030204" pitchFamily="34" charset="0"/>
+              <a:ea typeface="Calibri" panose="020F0502020204030204" pitchFamily="34" charset="0"/>
+              <a:cs typeface="Times New Roman" panose="02020603050405020304" pitchFamily="18" charset="0"/>
+            </a:endParaRPr>
+          </a:p>
+          <a:p>
+            <a:pPr indent="0">
+              <a:spcBef>
+                <a:spcPts val="0"/>
+              </a:spcBef>
+              <a:spcAft>
+                <a:spcPts val="0"/>
+              </a:spcAft>
+              <a:buNone/>
+            </a:pPr>
+            <a:r>
+              <a:rPr lang="en-US" b="1">
+                <a:solidFill>
+                  <a:srgbClr val="2B91AF"/>
+                </a:solidFill>
+                <a:latin typeface="Consolas" panose="020B0609020204030204" pitchFamily="49" charset="0"/>
+                <a:ea typeface="Calibri" panose="020F0502020204030204" pitchFamily="34" charset="0"/>
+                <a:cs typeface="Consolas" panose="020B0609020204030204" pitchFamily="49" charset="0"/>
+              </a:rPr>
+              <a:t>IEnumerable</a:t>
+            </a:r>
+            <a:r>
+              <a:rPr lang="en-US" b="1">
+                <a:solidFill>
+                  <a:srgbClr val="000000"/>
+                </a:solidFill>
+                <a:latin typeface="Consolas" panose="020B0609020204030204" pitchFamily="49" charset="0"/>
+                <a:ea typeface="Calibri" panose="020F0502020204030204" pitchFamily="34" charset="0"/>
+                <a:cs typeface="Consolas" panose="020B0609020204030204" pitchFamily="49" charset="0"/>
+              </a:rPr>
+              <a:t>&lt;</a:t>
+            </a:r>
+            <a:r>
+              <a:rPr lang="en-US" b="1">
+                <a:solidFill>
+                  <a:srgbClr val="0000FF"/>
+                </a:solidFill>
+                <a:latin typeface="Consolas" panose="020B0609020204030204" pitchFamily="49" charset="0"/>
+                <a:ea typeface="Calibri" panose="020F0502020204030204" pitchFamily="34" charset="0"/>
+                <a:cs typeface="Consolas" panose="020B0609020204030204" pitchFamily="49" charset="0"/>
+              </a:rPr>
+              <a:t>int</a:t>
+            </a:r>
+            <a:r>
+              <a:rPr lang="en-US" b="1">
+                <a:solidFill>
+                  <a:srgbClr val="000000"/>
+                </a:solidFill>
+                <a:latin typeface="Consolas" panose="020B0609020204030204" pitchFamily="49" charset="0"/>
+                <a:ea typeface="Calibri" panose="020F0502020204030204" pitchFamily="34" charset="0"/>
+                <a:cs typeface="Consolas" panose="020B0609020204030204" pitchFamily="49" charset="0"/>
+              </a:rPr>
+              <a:t>&gt; </a:t>
+            </a:r>
+            <a:r>
+              <a:rPr lang="en-US" b="1" smtClean="0">
+                <a:solidFill>
+                  <a:srgbClr val="000000"/>
+                </a:solidFill>
+                <a:latin typeface="Consolas" panose="020B0609020204030204" pitchFamily="49" charset="0"/>
+                <a:ea typeface="Calibri" panose="020F0502020204030204" pitchFamily="34" charset="0"/>
+                <a:cs typeface="Consolas" panose="020B0609020204030204" pitchFamily="49" charset="0"/>
+              </a:rPr>
+              <a:t>qr1 </a:t>
+            </a:r>
+            <a:r>
+              <a:rPr lang="en-US" b="1">
+                <a:solidFill>
+                  <a:srgbClr val="000000"/>
+                </a:solidFill>
+                <a:latin typeface="Consolas" panose="020B0609020204030204" pitchFamily="49" charset="0"/>
+                <a:ea typeface="Calibri" panose="020F0502020204030204" pitchFamily="34" charset="0"/>
+                <a:cs typeface="Consolas" panose="020B0609020204030204" pitchFamily="49" charset="0"/>
+              </a:rPr>
+              <a:t>= </a:t>
+            </a:r>
+            <a:r>
+              <a:rPr lang="en-US" b="1" smtClean="0">
+                <a:solidFill>
+                  <a:srgbClr val="0000FF"/>
+                </a:solidFill>
+                <a:latin typeface="Consolas" panose="020B0609020204030204" pitchFamily="49" charset="0"/>
+                <a:ea typeface="Calibri" panose="020F0502020204030204" pitchFamily="34" charset="0"/>
+                <a:cs typeface="Consolas" panose="020B0609020204030204" pitchFamily="49" charset="0"/>
+              </a:rPr>
+              <a:t>from</a:t>
+            </a:r>
+            <a:r>
+              <a:rPr lang="en-US" b="1" smtClean="0">
+                <a:solidFill>
+                  <a:srgbClr val="000000"/>
+                </a:solidFill>
+                <a:latin typeface="Consolas" panose="020B0609020204030204" pitchFamily="49" charset="0"/>
+                <a:ea typeface="Calibri" panose="020F0502020204030204" pitchFamily="34" charset="0"/>
+                <a:cs typeface="Consolas" panose="020B0609020204030204" pitchFamily="49" charset="0"/>
+              </a:rPr>
+              <a:t> </a:t>
+            </a:r>
+            <a:r>
+              <a:rPr lang="en-US" b="1">
+                <a:solidFill>
+                  <a:srgbClr val="000000"/>
+                </a:solidFill>
+                <a:latin typeface="Consolas" panose="020B0609020204030204" pitchFamily="49" charset="0"/>
+                <a:ea typeface="Calibri" panose="020F0502020204030204" pitchFamily="34" charset="0"/>
+                <a:cs typeface="Consolas" panose="020B0609020204030204" pitchFamily="49" charset="0"/>
+              </a:rPr>
+              <a:t>i </a:t>
+            </a:r>
+            <a:r>
+              <a:rPr lang="en-US" b="1">
+                <a:solidFill>
+                  <a:srgbClr val="0000FF"/>
+                </a:solidFill>
+                <a:latin typeface="Consolas" panose="020B0609020204030204" pitchFamily="49" charset="0"/>
+                <a:ea typeface="Calibri" panose="020F0502020204030204" pitchFamily="34" charset="0"/>
+                <a:cs typeface="Consolas" panose="020B0609020204030204" pitchFamily="49" charset="0"/>
+              </a:rPr>
+              <a:t>in</a:t>
+            </a:r>
+            <a:r>
+              <a:rPr lang="en-US" b="1">
+                <a:solidFill>
+                  <a:srgbClr val="000000"/>
+                </a:solidFill>
+                <a:latin typeface="Consolas" panose="020B0609020204030204" pitchFamily="49" charset="0"/>
+                <a:ea typeface="Calibri" panose="020F0502020204030204" pitchFamily="34" charset="0"/>
+                <a:cs typeface="Consolas" panose="020B0609020204030204" pitchFamily="49" charset="0"/>
+              </a:rPr>
+              <a:t> numbers</a:t>
+            </a:r>
+            <a:endParaRPr lang="da-DK">
+              <a:latin typeface="Calibri" panose="020F0502020204030204" pitchFamily="34" charset="0"/>
+              <a:ea typeface="Calibri" panose="020F0502020204030204" pitchFamily="34" charset="0"/>
+              <a:cs typeface="Times New Roman" panose="02020603050405020304" pitchFamily="18" charset="0"/>
+            </a:endParaRPr>
+          </a:p>
+          <a:p>
+            <a:pPr marL="2286000" indent="0">
+              <a:spcBef>
+                <a:spcPts val="0"/>
+              </a:spcBef>
+              <a:spcAft>
+                <a:spcPts val="0"/>
+              </a:spcAft>
+              <a:buNone/>
+            </a:pPr>
+            <a:r>
+              <a:rPr lang="en-US" b="1">
+                <a:solidFill>
+                  <a:srgbClr val="000000"/>
+                </a:solidFill>
+                <a:latin typeface="Consolas" panose="020B0609020204030204" pitchFamily="49" charset="0"/>
+                <a:ea typeface="Calibri" panose="020F0502020204030204" pitchFamily="34" charset="0"/>
+                <a:cs typeface="Consolas" panose="020B0609020204030204" pitchFamily="49" charset="0"/>
+              </a:rPr>
+              <a:t>	</a:t>
+            </a:r>
+            <a:r>
+              <a:rPr lang="en-US" b="1">
+                <a:solidFill>
+                  <a:srgbClr val="000000"/>
+                </a:solidFill>
+                <a:latin typeface="Consolas" panose="020B0609020204030204" pitchFamily="49" charset="0"/>
+                <a:ea typeface="Calibri" panose="020F0502020204030204" pitchFamily="34" charset="0"/>
+                <a:cs typeface="Consolas" panose="020B0609020204030204" pitchFamily="49" charset="0"/>
+              </a:rPr>
+              <a:t>	 </a:t>
+            </a:r>
+            <a:r>
+              <a:rPr lang="en-US" b="1" smtClean="0">
+                <a:solidFill>
+                  <a:srgbClr val="000000"/>
+                </a:solidFill>
+                <a:latin typeface="Consolas" panose="020B0609020204030204" pitchFamily="49" charset="0"/>
+                <a:ea typeface="Calibri" panose="020F0502020204030204" pitchFamily="34" charset="0"/>
+                <a:cs typeface="Consolas" panose="020B0609020204030204" pitchFamily="49" charset="0"/>
+              </a:rPr>
+              <a:t>  	 </a:t>
+            </a:r>
+            <a:r>
+              <a:rPr lang="en-US" b="1" smtClean="0">
+                <a:solidFill>
+                  <a:srgbClr val="0000FF"/>
+                </a:solidFill>
+                <a:latin typeface="Consolas" panose="020B0609020204030204" pitchFamily="49" charset="0"/>
+                <a:ea typeface="Calibri" panose="020F0502020204030204" pitchFamily="34" charset="0"/>
+                <a:cs typeface="Consolas" panose="020B0609020204030204" pitchFamily="49" charset="0"/>
+              </a:rPr>
+              <a:t>where</a:t>
+            </a:r>
+            <a:r>
+              <a:rPr lang="en-US" b="1" smtClean="0">
+                <a:solidFill>
+                  <a:srgbClr val="000000"/>
+                </a:solidFill>
+                <a:latin typeface="Consolas" panose="020B0609020204030204" pitchFamily="49" charset="0"/>
+                <a:ea typeface="Calibri" panose="020F0502020204030204" pitchFamily="34" charset="0"/>
+                <a:cs typeface="Consolas" panose="020B0609020204030204" pitchFamily="49" charset="0"/>
+              </a:rPr>
+              <a:t> </a:t>
+            </a:r>
+            <a:r>
+              <a:rPr lang="en-US" b="1">
+                <a:solidFill>
+                  <a:srgbClr val="000000"/>
+                </a:solidFill>
+                <a:latin typeface="Consolas" panose="020B0609020204030204" pitchFamily="49" charset="0"/>
+                <a:ea typeface="Calibri" panose="020F0502020204030204" pitchFamily="34" charset="0"/>
+                <a:cs typeface="Consolas" panose="020B0609020204030204" pitchFamily="49" charset="0"/>
+              </a:rPr>
+              <a:t>i &lt; 15</a:t>
+            </a:r>
+            <a:endParaRPr lang="da-DK" b="1">
+              <a:solidFill>
+                <a:srgbClr val="000000"/>
+              </a:solidFill>
+              <a:latin typeface="Consolas" panose="020B0609020204030204" pitchFamily="49" charset="0"/>
+              <a:ea typeface="Calibri" panose="020F0502020204030204" pitchFamily="34" charset="0"/>
+              <a:cs typeface="Consolas" panose="020B0609020204030204" pitchFamily="49" charset="0"/>
+            </a:endParaRPr>
+          </a:p>
+          <a:p>
+            <a:pPr marL="2286000" indent="0">
+              <a:spcBef>
+                <a:spcPts val="0"/>
+              </a:spcBef>
+              <a:spcAft>
+                <a:spcPts val="0"/>
+              </a:spcAft>
+              <a:buNone/>
+            </a:pPr>
+            <a:r>
+              <a:rPr lang="en-US" b="1" smtClean="0">
+                <a:solidFill>
+                  <a:srgbClr val="0000FF"/>
+                </a:solidFill>
+                <a:latin typeface="Consolas" panose="020B0609020204030204" pitchFamily="49" charset="0"/>
+                <a:ea typeface="Calibri" panose="020F0502020204030204" pitchFamily="34" charset="0"/>
+                <a:cs typeface="Consolas" panose="020B0609020204030204" pitchFamily="49" charset="0"/>
+              </a:rPr>
+              <a:t>		   	 select</a:t>
+            </a:r>
+            <a:r>
+              <a:rPr lang="en-US" b="1" smtClean="0">
+                <a:solidFill>
+                  <a:srgbClr val="000000"/>
+                </a:solidFill>
+                <a:latin typeface="Consolas" panose="020B0609020204030204" pitchFamily="49" charset="0"/>
+                <a:ea typeface="Calibri" panose="020F0502020204030204" pitchFamily="34" charset="0"/>
+                <a:cs typeface="Consolas" panose="020B0609020204030204" pitchFamily="49" charset="0"/>
+              </a:rPr>
+              <a:t> </a:t>
+            </a:r>
+            <a:r>
+              <a:rPr lang="en-US" b="1">
+                <a:solidFill>
+                  <a:srgbClr val="000000"/>
+                </a:solidFill>
+                <a:latin typeface="Consolas" panose="020B0609020204030204" pitchFamily="49" charset="0"/>
+                <a:ea typeface="Calibri" panose="020F0502020204030204" pitchFamily="34" charset="0"/>
+                <a:cs typeface="Consolas" panose="020B0609020204030204" pitchFamily="49" charset="0"/>
+              </a:rPr>
+              <a:t>i;</a:t>
+            </a:r>
+            <a:endParaRPr lang="da-DK">
+              <a:latin typeface="Calibri" panose="020F0502020204030204" pitchFamily="34" charset="0"/>
+              <a:ea typeface="Calibri" panose="020F0502020204030204" pitchFamily="34" charset="0"/>
+              <a:cs typeface="Times New Roman" panose="02020603050405020304" pitchFamily="18" charset="0"/>
+            </a:endParaRPr>
+          </a:p>
+          <a:p>
+            <a:pPr indent="0">
+              <a:spcBef>
+                <a:spcPts val="0"/>
+              </a:spcBef>
+              <a:spcAft>
+                <a:spcPts val="0"/>
+              </a:spcAft>
+              <a:buNone/>
+            </a:pPr>
+            <a:endParaRPr lang="en-US" b="1" smtClean="0">
+              <a:solidFill>
+                <a:srgbClr val="2B91AF"/>
+              </a:solidFill>
+              <a:latin typeface="Consolas" panose="020B0609020204030204" pitchFamily="49" charset="0"/>
+              <a:ea typeface="Calibri" panose="020F0502020204030204" pitchFamily="34" charset="0"/>
+              <a:cs typeface="Consolas" panose="020B0609020204030204" pitchFamily="49" charset="0"/>
+            </a:endParaRPr>
+          </a:p>
+          <a:p>
+            <a:pPr indent="0">
+              <a:spcBef>
+                <a:spcPts val="0"/>
+              </a:spcBef>
+              <a:buNone/>
+            </a:pPr>
+            <a:r>
+              <a:rPr lang="en-US" b="1">
+                <a:solidFill>
+                  <a:srgbClr val="008000"/>
+                </a:solidFill>
+                <a:latin typeface="Consolas" panose="020B0609020204030204" pitchFamily="49" charset="0"/>
+                <a:ea typeface="Calibri" panose="020F0502020204030204" pitchFamily="34" charset="0"/>
+                <a:cs typeface="Consolas" panose="020B0609020204030204" pitchFamily="49" charset="0"/>
+              </a:rPr>
+              <a:t>// </a:t>
+            </a:r>
+            <a:r>
+              <a:rPr lang="en-US" b="1" smtClean="0">
+                <a:solidFill>
+                  <a:srgbClr val="008000"/>
+                </a:solidFill>
+                <a:latin typeface="Consolas" panose="020B0609020204030204" pitchFamily="49" charset="0"/>
+                <a:ea typeface="Calibri" panose="020F0502020204030204" pitchFamily="34" charset="0"/>
+                <a:cs typeface="Consolas" panose="020B0609020204030204" pitchFamily="49" charset="0"/>
+              </a:rPr>
+              <a:t>Also valid</a:t>
+            </a:r>
+            <a:endParaRPr lang="en-US" b="1">
+              <a:solidFill>
+                <a:srgbClr val="2B91AF"/>
+              </a:solidFill>
+              <a:latin typeface="Consolas" panose="020B0609020204030204" pitchFamily="49" charset="0"/>
+              <a:ea typeface="Calibri" panose="020F0502020204030204" pitchFamily="34" charset="0"/>
+              <a:cs typeface="Consolas" panose="020B0609020204030204" pitchFamily="49" charset="0"/>
+            </a:endParaRPr>
+          </a:p>
+          <a:p>
+            <a:pPr indent="0">
+              <a:spcBef>
+                <a:spcPts val="0"/>
+              </a:spcBef>
+              <a:spcAft>
+                <a:spcPts val="0"/>
+              </a:spcAft>
+              <a:buNone/>
+            </a:pPr>
+            <a:r>
+              <a:rPr lang="en-US" b="1" smtClean="0">
+                <a:solidFill>
+                  <a:srgbClr val="2B91AF"/>
+                </a:solidFill>
+                <a:latin typeface="Consolas" panose="020B0609020204030204" pitchFamily="49" charset="0"/>
+                <a:ea typeface="Calibri" panose="020F0502020204030204" pitchFamily="34" charset="0"/>
+                <a:cs typeface="Consolas" panose="020B0609020204030204" pitchFamily="49" charset="0"/>
+              </a:rPr>
+              <a:t>IEnumerable</a:t>
+            </a:r>
+            <a:r>
+              <a:rPr lang="en-US" b="1" smtClean="0">
+                <a:solidFill>
+                  <a:srgbClr val="000000"/>
+                </a:solidFill>
+                <a:latin typeface="Consolas" panose="020B0609020204030204" pitchFamily="49" charset="0"/>
+                <a:ea typeface="Calibri" panose="020F0502020204030204" pitchFamily="34" charset="0"/>
+                <a:cs typeface="Consolas" panose="020B0609020204030204" pitchFamily="49" charset="0"/>
+              </a:rPr>
+              <a:t>&lt;</a:t>
+            </a:r>
+            <a:r>
+              <a:rPr lang="en-US" b="1" smtClean="0">
+                <a:solidFill>
+                  <a:srgbClr val="0000FF"/>
+                </a:solidFill>
+                <a:latin typeface="Consolas" panose="020B0609020204030204" pitchFamily="49" charset="0"/>
+                <a:ea typeface="Calibri" panose="020F0502020204030204" pitchFamily="34" charset="0"/>
+                <a:cs typeface="Consolas" panose="020B0609020204030204" pitchFamily="49" charset="0"/>
+              </a:rPr>
+              <a:t>int</a:t>
+            </a:r>
+            <a:r>
+              <a:rPr lang="en-US" b="1">
+                <a:solidFill>
+                  <a:srgbClr val="000000"/>
+                </a:solidFill>
+                <a:latin typeface="Consolas" panose="020B0609020204030204" pitchFamily="49" charset="0"/>
+                <a:ea typeface="Calibri" panose="020F0502020204030204" pitchFamily="34" charset="0"/>
+                <a:cs typeface="Consolas" panose="020B0609020204030204" pitchFamily="49" charset="0"/>
+              </a:rPr>
+              <a:t>&gt; resultA = </a:t>
+            </a:r>
+            <a:r>
+              <a:rPr lang="en-US" b="1">
+                <a:solidFill>
+                  <a:srgbClr val="000000"/>
+                </a:solidFill>
+                <a:latin typeface="Consolas" panose="020B0609020204030204" pitchFamily="49" charset="0"/>
+                <a:ea typeface="Calibri" panose="020F0502020204030204" pitchFamily="34" charset="0"/>
+                <a:cs typeface="Consolas" panose="020B0609020204030204" pitchFamily="49" charset="0"/>
+              </a:rPr>
+              <a:t>numbers.Where(i =&gt; i &lt; 15);</a:t>
+            </a:r>
+            <a:endParaRPr lang="da-DK" b="1">
+              <a:solidFill>
+                <a:srgbClr val="000000"/>
+              </a:solidFill>
+              <a:latin typeface="Consolas" panose="020B0609020204030204" pitchFamily="49" charset="0"/>
+              <a:ea typeface="Calibri" panose="020F0502020204030204" pitchFamily="34" charset="0"/>
+              <a:cs typeface="Consolas" panose="020B0609020204030204" pitchFamily="49" charset="0"/>
+            </a:endParaRPr>
+          </a:p>
+          <a:p>
+            <a:pPr indent="0">
+              <a:spcBef>
+                <a:spcPts val="0"/>
+              </a:spcBef>
+              <a:spcAft>
+                <a:spcPts val="0"/>
+              </a:spcAft>
+              <a:buNone/>
+            </a:pPr>
+            <a:r>
+              <a:rPr lang="en-US" sz="2400" b="1">
+                <a:solidFill>
+                  <a:srgbClr val="000000"/>
+                </a:solidFill>
+                <a:latin typeface="Consolas" panose="020B0609020204030204" pitchFamily="49" charset="0"/>
+                <a:ea typeface="Calibri" panose="020F0502020204030204" pitchFamily="34" charset="0"/>
+                <a:cs typeface="Consolas" panose="020B0609020204030204" pitchFamily="49" charset="0"/>
+              </a:rPr>
+              <a:t> </a:t>
+            </a:r>
+            <a:endParaRPr lang="da-DK" sz="2400">
+              <a:latin typeface="Calibri" panose="020F0502020204030204" pitchFamily="34" charset="0"/>
+              <a:ea typeface="Calibri" panose="020F0502020204030204" pitchFamily="34" charset="0"/>
+              <a:cs typeface="Times New Roman" panose="02020603050405020304" pitchFamily="18" charset="0"/>
+            </a:endParaRPr>
+          </a:p>
+          <a:p>
+            <a:pPr marL="0" indent="0">
+              <a:spcBef>
+                <a:spcPts val="0"/>
+              </a:spcBef>
+              <a:buNone/>
+            </a:pPr>
+            <a:endParaRPr lang="da-DK"/>
+          </a:p>
+        </p:txBody>
+      </p:sp>
+    </p:spTree>
+    <p:extLst>
+      <p:ext uri="{BB962C8B-B14F-4D97-AF65-F5344CB8AC3E}">
+        <p14:creationId xmlns:p14="http://schemas.microsoft.com/office/powerpoint/2010/main" val="2292155130"/>
+      </p:ext>
+    </p:extLst>
+  </p:cSld>
+  <p:clrMapOvr>
+    <a:masterClrMapping/>
+  </p:clrMapOvr>
+  <mc:AlternateContent xmlns:mc="http://schemas.openxmlformats.org/markup-compatibility/2006" xmlns:p14="http://schemas.microsoft.com/office/powerpoint/2010/main">
+    <mc:Choice Requires="p14">
+      <p:transition spd="med" p14:dur="700">
+        <p:fade/>
+      </p:transition>
+    </mc:Choice>
+    <mc:Fallback xmlns="">
+      <p:transition spd="med">
+        <p:fade/>
+      </p:transition>
+    </mc:Fallback>
+  </mc:AlternateContent>
+  <p:timing>
+    <p:tnLst>
+      <p:par>
+        <p:cTn id="1" dur="indefinite" restart="never" nodeType="tmRoot"/>
+      </p:par>
+    </p:tnLst>
+  </p:timing>
+</p:sld>
+</file>
+
+<file path=ppt/slides/slide42.xml><?xml version="1.0" encoding="utf-8"?>
+<p:sld xmlns:a="http://schemas.openxmlformats.org/drawingml/2006/main" xmlns:r="http://schemas.openxmlformats.org/officeDocument/2006/relationships" xmlns:p="http://schemas.openxmlformats.org/presentationml/2006/main">
+  <p:cSld>
+    <p:spTree>
+      <p:nvGrpSpPr>
+        <p:cNvPr id="1" name=""/>
+        <p:cNvGrpSpPr/>
+        <p:nvPr/>
+      </p:nvGrpSpPr>
+      <p:grpSpPr>
+        <a:xfrm>
+          <a:off x="0" y="0"/>
+          <a:ext cx="0" cy="0"/>
+          <a:chOff x="0" y="0"/>
+          <a:chExt cx="0" cy="0"/>
+        </a:xfrm>
+      </p:grpSpPr>
+      <p:sp>
+        <p:nvSpPr>
+          <p:cNvPr id="2" name="Titel 1"/>
+          <p:cNvSpPr>
+            <a:spLocks noGrp="1"/>
+          </p:cNvSpPr>
+          <p:nvPr>
+            <p:ph type="title"/>
+          </p:nvPr>
+        </p:nvSpPr>
+        <p:spPr/>
+        <p:txBody>
+          <a:bodyPr/>
+          <a:lstStyle/>
+          <a:p>
+            <a:r>
+              <a:rPr lang="da-DK" b="1" smtClean="0"/>
+              <a:t>LINQ – </a:t>
+            </a:r>
+            <a:r>
+              <a:rPr lang="da-DK" b="1" smtClean="0"/>
+              <a:t>Fluent syntax</a:t>
+            </a:r>
+            <a:endParaRPr lang="da-DK" b="1"/>
+          </a:p>
+        </p:txBody>
+      </p:sp>
+      <p:sp>
+        <p:nvSpPr>
+          <p:cNvPr id="3" name="Pladsholder til indhold 2"/>
+          <p:cNvSpPr>
+            <a:spLocks noGrp="1"/>
+          </p:cNvSpPr>
+          <p:nvPr>
+            <p:ph idx="1"/>
+          </p:nvPr>
+        </p:nvSpPr>
+        <p:spPr>
+          <a:xfrm>
+            <a:off x="838201" y="1825625"/>
+            <a:ext cx="8577648" cy="4351338"/>
+          </a:xfrm>
+        </p:spPr>
+        <p:txBody>
+          <a:bodyPr/>
+          <a:lstStyle/>
+          <a:p>
+            <a:pPr lvl="0"/>
+            <a:r>
+              <a:rPr lang="da-DK" smtClean="0"/>
+              <a:t>We just called the method </a:t>
+            </a:r>
+            <a:r>
+              <a:rPr lang="da-DK" b="1" smtClean="0"/>
+              <a:t>Where</a:t>
+            </a:r>
+            <a:r>
+              <a:rPr lang="da-DK" smtClean="0"/>
+              <a:t> on a </a:t>
+            </a:r>
+            <a:r>
+              <a:rPr lang="da-DK" b="1" smtClean="0"/>
+              <a:t>List&lt;int&gt;</a:t>
+            </a:r>
+            <a:r>
+              <a:rPr lang="da-DK" smtClean="0"/>
+              <a:t>…but the </a:t>
+            </a:r>
+            <a:r>
+              <a:rPr lang="da-DK" b="1" smtClean="0"/>
+              <a:t>List</a:t>
+            </a:r>
+            <a:r>
+              <a:rPr lang="da-DK" smtClean="0"/>
+              <a:t> class does not contain a </a:t>
+            </a:r>
+            <a:r>
+              <a:rPr lang="da-DK" b="1" smtClean="0"/>
+              <a:t>Where</a:t>
+            </a:r>
+            <a:r>
+              <a:rPr lang="da-DK" smtClean="0"/>
+              <a:t> method!</a:t>
+            </a:r>
+          </a:p>
+          <a:p>
+            <a:pPr lvl="0"/>
+            <a:r>
+              <a:rPr lang="da-DK" smtClean="0"/>
+              <a:t>We can actually call LINQ methods on variables of type </a:t>
+            </a:r>
+            <a:r>
+              <a:rPr lang="da-DK" b="1" smtClean="0"/>
+              <a:t>IEnumerable&lt;T&gt;</a:t>
+            </a:r>
+            <a:r>
+              <a:rPr lang="da-DK" smtClean="0"/>
+              <a:t>… but that interface only contains a single method!?</a:t>
+            </a:r>
+          </a:p>
+          <a:p>
+            <a:pPr lvl="0"/>
+            <a:r>
+              <a:rPr lang="da-DK" smtClean="0"/>
+              <a:t>LINQ methods are implemented as so-called </a:t>
+            </a:r>
+            <a:r>
+              <a:rPr lang="da-DK" b="1" smtClean="0"/>
+              <a:t>extension methods</a:t>
+            </a:r>
+            <a:r>
+              <a:rPr lang="da-DK" smtClean="0"/>
+              <a:t>.</a:t>
+            </a:r>
+            <a:endParaRPr lang="da-DK" smtClean="0"/>
+          </a:p>
+          <a:p>
+            <a:pPr marL="0" lvl="0" indent="0">
+              <a:buNone/>
+            </a:pPr>
+            <a:endParaRPr lang="da-DK" smtClean="0"/>
+          </a:p>
+          <a:p>
+            <a:pPr lvl="0"/>
+            <a:endParaRPr lang="da-DK"/>
+          </a:p>
+        </p:txBody>
+      </p:sp>
+    </p:spTree>
+    <p:extLst>
+      <p:ext uri="{BB962C8B-B14F-4D97-AF65-F5344CB8AC3E}">
+        <p14:creationId xmlns:p14="http://schemas.microsoft.com/office/powerpoint/2010/main" val="2697942975"/>
+      </p:ext>
+    </p:extLst>
+  </p:cSld>
+  <p:clrMapOvr>
+    <a:masterClrMapping/>
+  </p:clrMapOvr>
+  <p:timing>
+    <p:tnLst>
+      <p:par>
+        <p:cTn id="1" dur="indefinite" restart="never" nodeType="tmRoot"/>
+      </p:par>
+    </p:tnLst>
+  </p:timing>
+</p:sld>
+</file>
+
+<file path=ppt/slides/slide43.xml><?xml version="1.0" encoding="utf-8"?>
+<p:sld xmlns:a="http://schemas.openxmlformats.org/drawingml/2006/main" xmlns:r="http://schemas.openxmlformats.org/officeDocument/2006/relationships" xmlns:p="http://schemas.openxmlformats.org/presentationml/2006/main">
+  <p:cSld>
+    <p:spTree>
+      <p:nvGrpSpPr>
+        <p:cNvPr id="1" name=""/>
+        <p:cNvGrpSpPr/>
+        <p:nvPr/>
+      </p:nvGrpSpPr>
+      <p:grpSpPr>
+        <a:xfrm>
+          <a:off x="0" y="0"/>
+          <a:ext cx="0" cy="0"/>
+          <a:chOff x="0" y="0"/>
+          <a:chExt cx="0" cy="0"/>
+        </a:xfrm>
+      </p:grpSpPr>
+      <p:sp>
+        <p:nvSpPr>
+          <p:cNvPr id="2" name="Titel 1"/>
+          <p:cNvSpPr>
+            <a:spLocks noGrp="1"/>
+          </p:cNvSpPr>
+          <p:nvPr>
+            <p:ph type="title"/>
+          </p:nvPr>
+        </p:nvSpPr>
+        <p:spPr/>
+        <p:txBody>
+          <a:bodyPr/>
+          <a:lstStyle/>
+          <a:p>
+            <a:r>
+              <a:rPr lang="da-DK" b="1" smtClean="0"/>
+              <a:t>Extension methods</a:t>
+            </a:r>
+            <a:endParaRPr lang="da-DK" b="1"/>
+          </a:p>
+        </p:txBody>
+      </p:sp>
+      <p:sp>
+        <p:nvSpPr>
+          <p:cNvPr id="3" name="Pladsholder til indhold 2"/>
+          <p:cNvSpPr>
+            <a:spLocks noGrp="1"/>
+          </p:cNvSpPr>
+          <p:nvPr>
+            <p:ph idx="1"/>
+          </p:nvPr>
+        </p:nvSpPr>
+        <p:spPr>
+          <a:xfrm>
+            <a:off x="838201" y="1825625"/>
+            <a:ext cx="8182231" cy="4351338"/>
+          </a:xfrm>
+        </p:spPr>
+        <p:txBody>
+          <a:bodyPr/>
+          <a:lstStyle/>
+          <a:p>
+            <a:pPr lvl="0"/>
+            <a:r>
+              <a:rPr lang="da-DK" smtClean="0"/>
+              <a:t>Makes it possible to dynamically add methods to an existing class/interface.</a:t>
+            </a:r>
+          </a:p>
+          <a:p>
+            <a:pPr lvl="0"/>
+            <a:r>
+              <a:rPr lang="da-DK" dirty="0" smtClean="0"/>
+              <a:t>Extension </a:t>
+            </a:r>
+            <a:r>
+              <a:rPr lang="da-DK" dirty="0" err="1" smtClean="0"/>
+              <a:t>methods</a:t>
+            </a:r>
+            <a:r>
+              <a:rPr lang="da-DK" dirty="0" smtClean="0"/>
+              <a:t> have </a:t>
+            </a:r>
+            <a:r>
+              <a:rPr lang="da-DK" dirty="0" err="1" smtClean="0"/>
+              <a:t>certain</a:t>
+            </a:r>
+            <a:r>
+              <a:rPr lang="da-DK" dirty="0" smtClean="0"/>
+              <a:t> </a:t>
+            </a:r>
+            <a:r>
+              <a:rPr lang="da-DK" dirty="0" err="1" smtClean="0"/>
+              <a:t>characteristics</a:t>
+            </a:r>
+            <a:r>
+              <a:rPr lang="da-DK" smtClean="0"/>
+              <a:t>:</a:t>
+            </a:r>
+          </a:p>
+          <a:p>
+            <a:pPr lvl="1"/>
+            <a:r>
+              <a:rPr lang="da-DK" smtClean="0"/>
+              <a:t>They are </a:t>
+            </a:r>
+            <a:r>
+              <a:rPr lang="da-DK" b="1" smtClean="0"/>
+              <a:t>static</a:t>
+            </a:r>
+            <a:r>
+              <a:rPr lang="da-DK" smtClean="0"/>
+              <a:t>, and can be defined in any class you like.</a:t>
+            </a:r>
+          </a:p>
+          <a:p>
+            <a:pPr lvl="1"/>
+            <a:r>
+              <a:rPr lang="en-US"/>
+              <a:t>The </a:t>
+            </a:r>
+            <a:r>
+              <a:rPr lang="en-US" u="sng"/>
+              <a:t>first</a:t>
+            </a:r>
+            <a:r>
+              <a:rPr lang="en-US"/>
+              <a:t> parameter to the method has the type of </a:t>
+            </a:r>
+            <a:r>
+              <a:rPr lang="en-US"/>
+              <a:t>the </a:t>
+            </a:r>
+            <a:r>
+              <a:rPr lang="en-US" smtClean="0"/>
+              <a:t>class/interface </a:t>
+            </a:r>
+            <a:r>
+              <a:rPr lang="en-US"/>
+              <a:t>the method should be used on.</a:t>
+            </a:r>
+            <a:endParaRPr lang="da-DK"/>
+          </a:p>
+          <a:p>
+            <a:pPr lvl="1"/>
+            <a:r>
+              <a:rPr lang="en-US"/>
+              <a:t>This first parameter is preceeded by the keyword </a:t>
+            </a:r>
+            <a:r>
+              <a:rPr lang="en-US" b="1"/>
+              <a:t>this</a:t>
+            </a:r>
+            <a:r>
+              <a:rPr lang="en-US" smtClean="0"/>
+              <a:t>.</a:t>
+            </a:r>
+            <a:endParaRPr lang="da-DK" smtClean="0"/>
+          </a:p>
+          <a:p>
+            <a:pPr marL="0" lvl="0" indent="0">
+              <a:buNone/>
+            </a:pPr>
+            <a:endParaRPr lang="da-DK" smtClean="0"/>
+          </a:p>
+          <a:p>
+            <a:pPr lvl="0"/>
+            <a:endParaRPr lang="da-DK"/>
+          </a:p>
+        </p:txBody>
+      </p:sp>
+    </p:spTree>
+    <p:extLst>
+      <p:ext uri="{BB962C8B-B14F-4D97-AF65-F5344CB8AC3E}">
+        <p14:creationId xmlns:p14="http://schemas.microsoft.com/office/powerpoint/2010/main" val="482301570"/>
+      </p:ext>
+    </p:extLst>
+  </p:cSld>
+  <p:clrMapOvr>
+    <a:masterClrMapping/>
+  </p:clrMapOvr>
+  <p:timing>
+    <p:tnLst>
+      <p:par>
+        <p:cTn id="1" dur="indefinite" restart="never" nodeType="tmRoot"/>
+      </p:par>
+    </p:tnLst>
+  </p:timing>
+</p:sld>
+</file>
+
+<file path=ppt/slides/slide44.xml><?xml version="1.0" encoding="utf-8"?>
+<p:sld xmlns:a="http://schemas.openxmlformats.org/drawingml/2006/main" xmlns:r="http://schemas.openxmlformats.org/officeDocument/2006/relationships" xmlns:p="http://schemas.openxmlformats.org/presentationml/2006/main">
+  <p:cSld>
+    <p:spTree>
+      <p:nvGrpSpPr>
+        <p:cNvPr id="1" name=""/>
+        <p:cNvGrpSpPr/>
+        <p:nvPr/>
+      </p:nvGrpSpPr>
+      <p:grpSpPr>
+        <a:xfrm>
+          <a:off x="0" y="0"/>
+          <a:ext cx="0" cy="0"/>
+          <a:chOff x="0" y="0"/>
+          <a:chExt cx="0" cy="0"/>
+        </a:xfrm>
+      </p:grpSpPr>
+      <p:sp>
+        <p:nvSpPr>
+          <p:cNvPr id="3" name="Pladsholder til indhold 2"/>
+          <p:cNvSpPr>
+            <a:spLocks noGrp="1"/>
+          </p:cNvSpPr>
+          <p:nvPr>
+            <p:ph idx="1"/>
+          </p:nvPr>
+        </p:nvSpPr>
+        <p:spPr>
+          <a:xfrm>
+            <a:off x="543697" y="864973"/>
+            <a:ext cx="11121081" cy="5311990"/>
+          </a:xfrm>
+        </p:spPr>
+        <p:txBody>
+          <a:bodyPr/>
+          <a:lstStyle/>
+          <a:p>
+            <a:pPr marL="0" indent="0">
+              <a:spcBef>
+                <a:spcPts val="0"/>
+              </a:spcBef>
+              <a:spcAft>
+                <a:spcPts val="0"/>
+              </a:spcAft>
+              <a:buNone/>
+            </a:pPr>
+            <a:r>
+              <a:rPr lang="en-US" sz="2400" b="1">
+                <a:solidFill>
+                  <a:srgbClr val="0000FF"/>
+                </a:solidFill>
+                <a:latin typeface="Consolas" panose="020B0609020204030204" pitchFamily="49" charset="0"/>
+                <a:ea typeface="Calibri" panose="020F0502020204030204" pitchFamily="34" charset="0"/>
+                <a:cs typeface="Consolas" panose="020B0609020204030204" pitchFamily="49" charset="0"/>
+              </a:rPr>
+              <a:t>public</a:t>
+            </a:r>
+            <a:r>
+              <a:rPr lang="en-US" sz="2400" b="1">
+                <a:solidFill>
+                  <a:srgbClr val="000000"/>
+                </a:solidFill>
+                <a:latin typeface="Consolas" panose="020B0609020204030204" pitchFamily="49" charset="0"/>
+                <a:ea typeface="Calibri" panose="020F0502020204030204" pitchFamily="34" charset="0"/>
+                <a:cs typeface="Consolas" panose="020B0609020204030204" pitchFamily="49" charset="0"/>
+              </a:rPr>
+              <a:t> </a:t>
+            </a:r>
+            <a:r>
+              <a:rPr lang="en-US" sz="2400" b="1">
+                <a:solidFill>
+                  <a:srgbClr val="0000FF"/>
+                </a:solidFill>
+                <a:latin typeface="Consolas" panose="020B0609020204030204" pitchFamily="49" charset="0"/>
+                <a:ea typeface="Calibri" panose="020F0502020204030204" pitchFamily="34" charset="0"/>
+                <a:cs typeface="Consolas" panose="020B0609020204030204" pitchFamily="49" charset="0"/>
+              </a:rPr>
+              <a:t>static</a:t>
+            </a:r>
+            <a:r>
+              <a:rPr lang="en-US" sz="2400" b="1">
+                <a:solidFill>
+                  <a:srgbClr val="000000"/>
+                </a:solidFill>
+                <a:latin typeface="Consolas" panose="020B0609020204030204" pitchFamily="49" charset="0"/>
+                <a:ea typeface="Calibri" panose="020F0502020204030204" pitchFamily="34" charset="0"/>
+                <a:cs typeface="Consolas" panose="020B0609020204030204" pitchFamily="49" charset="0"/>
+              </a:rPr>
+              <a:t> </a:t>
+            </a:r>
+            <a:r>
+              <a:rPr lang="en-US" sz="2400" b="1">
+                <a:solidFill>
+                  <a:srgbClr val="0000FF"/>
+                </a:solidFill>
+                <a:latin typeface="Consolas" panose="020B0609020204030204" pitchFamily="49" charset="0"/>
+                <a:ea typeface="Calibri" panose="020F0502020204030204" pitchFamily="34" charset="0"/>
+                <a:cs typeface="Consolas" panose="020B0609020204030204" pitchFamily="49" charset="0"/>
+              </a:rPr>
+              <a:t>class</a:t>
+            </a:r>
+            <a:r>
+              <a:rPr lang="en-US" sz="2400" b="1">
+                <a:solidFill>
+                  <a:srgbClr val="000000"/>
+                </a:solidFill>
+                <a:latin typeface="Consolas" panose="020B0609020204030204" pitchFamily="49" charset="0"/>
+                <a:ea typeface="Calibri" panose="020F0502020204030204" pitchFamily="34" charset="0"/>
+                <a:cs typeface="Consolas" panose="020B0609020204030204" pitchFamily="49" charset="0"/>
+              </a:rPr>
+              <a:t> </a:t>
+            </a:r>
+            <a:r>
+              <a:rPr lang="en-US" sz="2400" b="1">
+                <a:solidFill>
+                  <a:srgbClr val="2B91AF"/>
+                </a:solidFill>
+                <a:latin typeface="Consolas" panose="020B0609020204030204" pitchFamily="49" charset="0"/>
+                <a:ea typeface="Calibri" panose="020F0502020204030204" pitchFamily="34" charset="0"/>
+                <a:cs typeface="Consolas" panose="020B0609020204030204" pitchFamily="49" charset="0"/>
+              </a:rPr>
+              <a:t>MovieExtensions</a:t>
+            </a:r>
+            <a:endParaRPr lang="da-DK" sz="2400">
+              <a:latin typeface="Calibri" panose="020F0502020204030204" pitchFamily="34" charset="0"/>
+              <a:ea typeface="Calibri" panose="020F0502020204030204" pitchFamily="34" charset="0"/>
+              <a:cs typeface="Times New Roman" panose="02020603050405020304" pitchFamily="18" charset="0"/>
+            </a:endParaRPr>
+          </a:p>
+          <a:p>
+            <a:pPr marL="0" indent="0">
+              <a:spcBef>
+                <a:spcPts val="0"/>
+              </a:spcBef>
+              <a:spcAft>
+                <a:spcPts val="0"/>
+              </a:spcAft>
+              <a:buNone/>
+            </a:pPr>
+            <a:r>
+              <a:rPr lang="en-US" sz="2400" b="1" smtClean="0">
+                <a:solidFill>
+                  <a:srgbClr val="000000"/>
+                </a:solidFill>
+                <a:latin typeface="Consolas" panose="020B0609020204030204" pitchFamily="49" charset="0"/>
+                <a:ea typeface="Calibri" panose="020F0502020204030204" pitchFamily="34" charset="0"/>
+                <a:cs typeface="Consolas" panose="020B0609020204030204" pitchFamily="49" charset="0"/>
+              </a:rPr>
+              <a:t>{</a:t>
+            </a:r>
+            <a:endParaRPr lang="da-DK" sz="2400" smtClean="0">
+              <a:latin typeface="Calibri" panose="020F0502020204030204" pitchFamily="34" charset="0"/>
+              <a:ea typeface="Calibri" panose="020F0502020204030204" pitchFamily="34" charset="0"/>
+              <a:cs typeface="Times New Roman" panose="02020603050405020304" pitchFamily="18" charset="0"/>
+            </a:endParaRPr>
+          </a:p>
+          <a:p>
+            <a:pPr marL="0" indent="0">
+              <a:spcBef>
+                <a:spcPts val="0"/>
+              </a:spcBef>
+              <a:spcAft>
+                <a:spcPts val="0"/>
+              </a:spcAft>
+              <a:buNone/>
+            </a:pPr>
+            <a:r>
+              <a:rPr lang="da-DK" sz="2400" b="1">
+                <a:solidFill>
+                  <a:srgbClr val="0000FF"/>
+                </a:solidFill>
+                <a:latin typeface="Calibri" panose="020F0502020204030204" pitchFamily="34" charset="0"/>
+                <a:ea typeface="Calibri" panose="020F0502020204030204" pitchFamily="34" charset="0"/>
+                <a:cs typeface="Times New Roman" panose="02020603050405020304" pitchFamily="18" charset="0"/>
+              </a:rPr>
+              <a:t>	</a:t>
+            </a:r>
+            <a:r>
+              <a:rPr lang="en-US" sz="2400" b="1" smtClean="0">
+                <a:solidFill>
+                  <a:srgbClr val="0000FF"/>
+                </a:solidFill>
+                <a:latin typeface="Consolas" panose="020B0609020204030204" pitchFamily="49" charset="0"/>
+                <a:ea typeface="Calibri" panose="020F0502020204030204" pitchFamily="34" charset="0"/>
+                <a:cs typeface="Consolas" panose="020B0609020204030204" pitchFamily="49" charset="0"/>
+              </a:rPr>
+              <a:t>public</a:t>
+            </a:r>
+            <a:r>
+              <a:rPr lang="en-US" sz="2400" b="1" smtClean="0">
+                <a:solidFill>
+                  <a:srgbClr val="000000"/>
+                </a:solidFill>
+                <a:latin typeface="Consolas" panose="020B0609020204030204" pitchFamily="49" charset="0"/>
+                <a:ea typeface="Calibri" panose="020F0502020204030204" pitchFamily="34" charset="0"/>
+                <a:cs typeface="Consolas" panose="020B0609020204030204" pitchFamily="49" charset="0"/>
+              </a:rPr>
+              <a:t> </a:t>
+            </a:r>
+            <a:r>
+              <a:rPr lang="en-US" sz="2400" b="1">
+                <a:solidFill>
+                  <a:srgbClr val="0000FF"/>
+                </a:solidFill>
+                <a:latin typeface="Consolas" panose="020B0609020204030204" pitchFamily="49" charset="0"/>
+                <a:ea typeface="Calibri" panose="020F0502020204030204" pitchFamily="34" charset="0"/>
+                <a:cs typeface="Consolas" panose="020B0609020204030204" pitchFamily="49" charset="0"/>
+              </a:rPr>
+              <a:t>static</a:t>
+            </a:r>
+            <a:r>
+              <a:rPr lang="en-US" sz="2400" b="1">
+                <a:solidFill>
+                  <a:srgbClr val="000000"/>
+                </a:solidFill>
+                <a:latin typeface="Consolas" panose="020B0609020204030204" pitchFamily="49" charset="0"/>
+                <a:ea typeface="Calibri" panose="020F0502020204030204" pitchFamily="34" charset="0"/>
+                <a:cs typeface="Consolas" panose="020B0609020204030204" pitchFamily="49" charset="0"/>
+              </a:rPr>
+              <a:t> </a:t>
+            </a:r>
+            <a:r>
+              <a:rPr lang="en-US" sz="2400" b="1">
+                <a:solidFill>
+                  <a:srgbClr val="0000FF"/>
+                </a:solidFill>
+                <a:latin typeface="Consolas" panose="020B0609020204030204" pitchFamily="49" charset="0"/>
+                <a:ea typeface="Calibri" panose="020F0502020204030204" pitchFamily="34" charset="0"/>
+                <a:cs typeface="Consolas" panose="020B0609020204030204" pitchFamily="49" charset="0"/>
+              </a:rPr>
+              <a:t>double</a:t>
+            </a:r>
+            <a:r>
+              <a:rPr lang="en-US" sz="2400" b="1">
+                <a:solidFill>
+                  <a:srgbClr val="000000"/>
+                </a:solidFill>
+                <a:latin typeface="Consolas" panose="020B0609020204030204" pitchFamily="49" charset="0"/>
+                <a:ea typeface="Calibri" panose="020F0502020204030204" pitchFamily="34" charset="0"/>
+                <a:cs typeface="Consolas" panose="020B0609020204030204" pitchFamily="49" charset="0"/>
+              </a:rPr>
+              <a:t> </a:t>
+            </a:r>
+            <a:r>
+              <a:rPr lang="en-US" sz="2400" b="1">
+                <a:solidFill>
+                  <a:srgbClr val="000000"/>
+                </a:solidFill>
+                <a:latin typeface="Consolas" panose="020B0609020204030204" pitchFamily="49" charset="0"/>
+                <a:ea typeface="Calibri" panose="020F0502020204030204" pitchFamily="34" charset="0"/>
+                <a:cs typeface="Consolas" panose="020B0609020204030204" pitchFamily="49" charset="0"/>
+              </a:rPr>
+              <a:t>DurationInHours(</a:t>
+            </a:r>
+            <a:r>
+              <a:rPr lang="en-US" sz="2400" b="1">
+                <a:solidFill>
+                  <a:srgbClr val="0000FF"/>
+                </a:solidFill>
+                <a:latin typeface="Consolas" panose="020B0609020204030204" pitchFamily="49" charset="0"/>
+                <a:ea typeface="Calibri" panose="020F0502020204030204" pitchFamily="34" charset="0"/>
+                <a:cs typeface="Consolas" panose="020B0609020204030204" pitchFamily="49" charset="0"/>
+              </a:rPr>
+              <a:t>this</a:t>
+            </a:r>
+            <a:r>
+              <a:rPr lang="en-US" sz="2400" b="1">
+                <a:solidFill>
+                  <a:srgbClr val="000000"/>
+                </a:solidFill>
+                <a:latin typeface="Consolas" panose="020B0609020204030204" pitchFamily="49" charset="0"/>
+                <a:ea typeface="Calibri" panose="020F0502020204030204" pitchFamily="34" charset="0"/>
+                <a:cs typeface="Consolas" panose="020B0609020204030204" pitchFamily="49" charset="0"/>
+              </a:rPr>
+              <a:t> </a:t>
+            </a:r>
+            <a:r>
+              <a:rPr lang="en-US" sz="2400" b="1">
+                <a:solidFill>
+                  <a:srgbClr val="2B91AF"/>
+                </a:solidFill>
+                <a:latin typeface="Consolas" panose="020B0609020204030204" pitchFamily="49" charset="0"/>
+                <a:ea typeface="Calibri" panose="020F0502020204030204" pitchFamily="34" charset="0"/>
+                <a:cs typeface="Consolas" panose="020B0609020204030204" pitchFamily="49" charset="0"/>
+              </a:rPr>
+              <a:t>Movie</a:t>
+            </a:r>
+            <a:r>
+              <a:rPr lang="en-US" sz="2400" b="1" smtClean="0">
+                <a:solidFill>
+                  <a:srgbClr val="000000"/>
+                </a:solidFill>
+                <a:latin typeface="Consolas" panose="020B0609020204030204" pitchFamily="49" charset="0"/>
+                <a:ea typeface="Calibri" panose="020F0502020204030204" pitchFamily="34" charset="0"/>
+                <a:cs typeface="Consolas" panose="020B0609020204030204" pitchFamily="49" charset="0"/>
+              </a:rPr>
+              <a:t> </a:t>
+            </a:r>
+            <a:r>
+              <a:rPr lang="en-US" sz="2400" b="1">
+                <a:solidFill>
+                  <a:srgbClr val="000000"/>
+                </a:solidFill>
+                <a:latin typeface="Consolas" panose="020B0609020204030204" pitchFamily="49" charset="0"/>
+                <a:ea typeface="Calibri" panose="020F0502020204030204" pitchFamily="34" charset="0"/>
+                <a:cs typeface="Consolas" panose="020B0609020204030204" pitchFamily="49" charset="0"/>
+              </a:rPr>
+              <a:t>aMovie)</a:t>
+            </a:r>
+            <a:endParaRPr lang="da-DK" sz="2400">
+              <a:latin typeface="Calibri" panose="020F0502020204030204" pitchFamily="34" charset="0"/>
+              <a:ea typeface="Calibri" panose="020F0502020204030204" pitchFamily="34" charset="0"/>
+              <a:cs typeface="Times New Roman" panose="02020603050405020304" pitchFamily="18" charset="0"/>
+            </a:endParaRPr>
+          </a:p>
+          <a:p>
+            <a:pPr indent="0">
+              <a:spcBef>
+                <a:spcPts val="0"/>
+              </a:spcBef>
+              <a:spcAft>
+                <a:spcPts val="0"/>
+              </a:spcAft>
+              <a:buNone/>
+            </a:pPr>
+            <a:r>
+              <a:rPr lang="en-US" sz="2400" b="1" smtClean="0">
+                <a:solidFill>
+                  <a:srgbClr val="000000"/>
+                </a:solidFill>
+                <a:latin typeface="Consolas" panose="020B0609020204030204" pitchFamily="49" charset="0"/>
+                <a:ea typeface="Calibri" panose="020F0502020204030204" pitchFamily="34" charset="0"/>
+                <a:cs typeface="Consolas" panose="020B0609020204030204" pitchFamily="49" charset="0"/>
+              </a:rPr>
+              <a:t>	{</a:t>
+            </a:r>
+            <a:endParaRPr lang="da-DK" sz="2400">
+              <a:latin typeface="Calibri" panose="020F0502020204030204" pitchFamily="34" charset="0"/>
+              <a:ea typeface="Calibri" panose="020F0502020204030204" pitchFamily="34" charset="0"/>
+              <a:cs typeface="Times New Roman" panose="02020603050405020304" pitchFamily="18" charset="0"/>
+            </a:endParaRPr>
+          </a:p>
+          <a:p>
+            <a:pPr marL="457200" indent="0">
+              <a:spcBef>
+                <a:spcPts val="0"/>
+              </a:spcBef>
+              <a:spcAft>
+                <a:spcPts val="0"/>
+              </a:spcAft>
+              <a:buNone/>
+            </a:pPr>
+            <a:r>
+              <a:rPr lang="en-US" sz="2400" b="1" smtClean="0">
+                <a:solidFill>
+                  <a:srgbClr val="0000FF"/>
+                </a:solidFill>
+                <a:latin typeface="Consolas" panose="020B0609020204030204" pitchFamily="49" charset="0"/>
+                <a:ea typeface="Calibri" panose="020F0502020204030204" pitchFamily="34" charset="0"/>
+                <a:cs typeface="Consolas" panose="020B0609020204030204" pitchFamily="49" charset="0"/>
+              </a:rPr>
+              <a:t>		return</a:t>
+            </a:r>
+            <a:r>
+              <a:rPr lang="en-US" sz="2400" b="1" smtClean="0">
+                <a:solidFill>
+                  <a:srgbClr val="000000"/>
+                </a:solidFill>
+                <a:latin typeface="Consolas" panose="020B0609020204030204" pitchFamily="49" charset="0"/>
+                <a:ea typeface="Calibri" panose="020F0502020204030204" pitchFamily="34" charset="0"/>
+                <a:cs typeface="Consolas" panose="020B0609020204030204" pitchFamily="49" charset="0"/>
+              </a:rPr>
+              <a:t> </a:t>
+            </a:r>
+            <a:r>
+              <a:rPr lang="en-US" sz="2400" b="1">
+                <a:solidFill>
+                  <a:srgbClr val="000000"/>
+                </a:solidFill>
+                <a:latin typeface="Consolas" panose="020B0609020204030204" pitchFamily="49" charset="0"/>
+                <a:ea typeface="Calibri" panose="020F0502020204030204" pitchFamily="34" charset="0"/>
+                <a:cs typeface="Consolas" panose="020B0609020204030204" pitchFamily="49" charset="0"/>
+              </a:rPr>
+              <a:t>aMovie.DurationInMins / 60.0;</a:t>
+            </a:r>
+            <a:endParaRPr lang="da-DK" sz="2400">
+              <a:latin typeface="Calibri" panose="020F0502020204030204" pitchFamily="34" charset="0"/>
+              <a:ea typeface="Calibri" panose="020F0502020204030204" pitchFamily="34" charset="0"/>
+              <a:cs typeface="Times New Roman" panose="02020603050405020304" pitchFamily="18" charset="0"/>
+            </a:endParaRPr>
+          </a:p>
+          <a:p>
+            <a:pPr indent="0">
+              <a:spcBef>
+                <a:spcPts val="0"/>
+              </a:spcBef>
+              <a:spcAft>
+                <a:spcPts val="0"/>
+              </a:spcAft>
+              <a:buNone/>
+            </a:pPr>
+            <a:r>
+              <a:rPr lang="en-US" sz="2400" b="1" smtClean="0">
+                <a:solidFill>
+                  <a:srgbClr val="000000"/>
+                </a:solidFill>
+                <a:latin typeface="Consolas" panose="020B0609020204030204" pitchFamily="49" charset="0"/>
+                <a:ea typeface="Calibri" panose="020F0502020204030204" pitchFamily="34" charset="0"/>
+                <a:cs typeface="Consolas" panose="020B0609020204030204" pitchFamily="49" charset="0"/>
+              </a:rPr>
+              <a:t>	}</a:t>
+            </a:r>
+            <a:endParaRPr lang="da-DK" sz="2400">
+              <a:latin typeface="Calibri" panose="020F0502020204030204" pitchFamily="34" charset="0"/>
+              <a:ea typeface="Calibri" panose="020F0502020204030204" pitchFamily="34" charset="0"/>
+              <a:cs typeface="Times New Roman" panose="02020603050405020304" pitchFamily="18" charset="0"/>
+            </a:endParaRPr>
+          </a:p>
+          <a:p>
+            <a:pPr marL="0" indent="0">
+              <a:spcBef>
+                <a:spcPts val="0"/>
+              </a:spcBef>
+              <a:spcAft>
+                <a:spcPts val="0"/>
+              </a:spcAft>
+              <a:buNone/>
+            </a:pPr>
+            <a:r>
+              <a:rPr lang="en-US" sz="2400" b="1" smtClean="0">
+                <a:solidFill>
+                  <a:srgbClr val="000000"/>
+                </a:solidFill>
+                <a:latin typeface="Consolas" panose="020B0609020204030204" pitchFamily="49" charset="0"/>
+                <a:ea typeface="Calibri" panose="020F0502020204030204" pitchFamily="34" charset="0"/>
+                <a:cs typeface="Consolas" panose="020B0609020204030204" pitchFamily="49" charset="0"/>
+              </a:rPr>
+              <a:t>}</a:t>
+            </a:r>
+          </a:p>
+          <a:p>
+            <a:pPr marL="0" indent="0">
+              <a:spcBef>
+                <a:spcPts val="0"/>
+              </a:spcBef>
+              <a:spcAft>
+                <a:spcPts val="0"/>
+              </a:spcAft>
+              <a:buNone/>
+            </a:pPr>
+            <a:endParaRPr lang="en-US" sz="2400" b="1" smtClean="0">
+              <a:solidFill>
+                <a:srgbClr val="000000"/>
+              </a:solidFill>
+              <a:latin typeface="Consolas" panose="020B0609020204030204" pitchFamily="49" charset="0"/>
+              <a:ea typeface="Calibri" panose="020F0502020204030204" pitchFamily="34" charset="0"/>
+              <a:cs typeface="Times New Roman" panose="02020603050405020304" pitchFamily="18" charset="0"/>
+            </a:endParaRPr>
+          </a:p>
+          <a:p>
+            <a:pPr indent="0">
+              <a:spcBef>
+                <a:spcPts val="0"/>
+              </a:spcBef>
+              <a:spcAft>
+                <a:spcPts val="0"/>
+              </a:spcAft>
+              <a:buNone/>
+            </a:pPr>
+            <a:r>
+              <a:rPr lang="en-US" sz="2400" b="1">
+                <a:solidFill>
+                  <a:srgbClr val="000000"/>
+                </a:solidFill>
+                <a:latin typeface="Consolas" panose="020B0609020204030204" pitchFamily="49" charset="0"/>
+                <a:ea typeface="Calibri" panose="020F0502020204030204" pitchFamily="34" charset="0"/>
+                <a:cs typeface="Consolas" panose="020B0609020204030204" pitchFamily="49" charset="0"/>
+              </a:rPr>
+              <a:t> </a:t>
+            </a:r>
+            <a:endParaRPr lang="da-DK" sz="2400">
+              <a:latin typeface="Calibri" panose="020F0502020204030204" pitchFamily="34" charset="0"/>
+              <a:ea typeface="Calibri" panose="020F0502020204030204" pitchFamily="34" charset="0"/>
+              <a:cs typeface="Times New Roman" panose="02020603050405020304" pitchFamily="18" charset="0"/>
+            </a:endParaRPr>
+          </a:p>
+          <a:p>
+            <a:pPr marL="0" indent="0">
+              <a:spcBef>
+                <a:spcPts val="0"/>
+              </a:spcBef>
+              <a:buNone/>
+            </a:pPr>
+            <a:endParaRPr lang="da-DK"/>
+          </a:p>
+        </p:txBody>
+      </p:sp>
+    </p:spTree>
+    <p:extLst>
+      <p:ext uri="{BB962C8B-B14F-4D97-AF65-F5344CB8AC3E}">
+        <p14:creationId xmlns:p14="http://schemas.microsoft.com/office/powerpoint/2010/main" val="1738838702"/>
+      </p:ext>
+    </p:extLst>
+  </p:cSld>
+  <p:clrMapOvr>
+    <a:masterClrMapping/>
+  </p:clrMapOvr>
+  <mc:AlternateContent xmlns:mc="http://schemas.openxmlformats.org/markup-compatibility/2006">
+    <mc:Choice xmlns:p14="http://schemas.microsoft.com/office/powerpoint/2010/main" Requires="p14">
+      <p:transition p14:dur="0"/>
+    </mc:Choice>
+    <mc:Fallback>
+      <p:transition/>
+    </mc:Fallback>
+  </mc:AlternateContent>
+  <p:timing>
+    <p:tnLst>
+      <p:par>
+        <p:cTn id="1" dur="indefinite" restart="never" nodeType="tmRoot"/>
+      </p:par>
+    </p:tnLst>
+  </p:timing>
+</p:sld>
+</file>
+
+<file path=ppt/slides/slide45.xml><?xml version="1.0" encoding="utf-8"?>
+<p:sld xmlns:a="http://schemas.openxmlformats.org/drawingml/2006/main" xmlns:r="http://schemas.openxmlformats.org/officeDocument/2006/relationships" xmlns:p="http://schemas.openxmlformats.org/presentationml/2006/main">
+  <p:cSld>
+    <p:spTree>
+      <p:nvGrpSpPr>
+        <p:cNvPr id="1" name=""/>
+        <p:cNvGrpSpPr/>
+        <p:nvPr/>
+      </p:nvGrpSpPr>
+      <p:grpSpPr>
+        <a:xfrm>
+          <a:off x="0" y="0"/>
+          <a:ext cx="0" cy="0"/>
+          <a:chOff x="0" y="0"/>
+          <a:chExt cx="0" cy="0"/>
+        </a:xfrm>
+      </p:grpSpPr>
+      <p:sp>
+        <p:nvSpPr>
+          <p:cNvPr id="3" name="Pladsholder til indhold 2"/>
+          <p:cNvSpPr>
+            <a:spLocks noGrp="1"/>
+          </p:cNvSpPr>
+          <p:nvPr>
+            <p:ph idx="1"/>
+          </p:nvPr>
+        </p:nvSpPr>
+        <p:spPr>
+          <a:xfrm>
+            <a:off x="543697" y="864973"/>
+            <a:ext cx="11121081" cy="5311990"/>
+          </a:xfrm>
+        </p:spPr>
+        <p:txBody>
+          <a:bodyPr/>
+          <a:lstStyle/>
+          <a:p>
+            <a:pPr marL="0" indent="0">
+              <a:spcBef>
+                <a:spcPts val="0"/>
+              </a:spcBef>
+              <a:spcAft>
+                <a:spcPts val="0"/>
+              </a:spcAft>
+              <a:buNone/>
+            </a:pPr>
+            <a:r>
+              <a:rPr lang="en-US" sz="2400" b="1">
+                <a:solidFill>
+                  <a:srgbClr val="0000FF"/>
+                </a:solidFill>
+                <a:latin typeface="Consolas" panose="020B0609020204030204" pitchFamily="49" charset="0"/>
+                <a:ea typeface="Calibri" panose="020F0502020204030204" pitchFamily="34" charset="0"/>
+                <a:cs typeface="Consolas" panose="020B0609020204030204" pitchFamily="49" charset="0"/>
+              </a:rPr>
+              <a:t>public</a:t>
+            </a:r>
+            <a:r>
+              <a:rPr lang="en-US" sz="2400" b="1">
+                <a:solidFill>
+                  <a:srgbClr val="000000"/>
+                </a:solidFill>
+                <a:latin typeface="Consolas" panose="020B0609020204030204" pitchFamily="49" charset="0"/>
+                <a:ea typeface="Calibri" panose="020F0502020204030204" pitchFamily="34" charset="0"/>
+                <a:cs typeface="Consolas" panose="020B0609020204030204" pitchFamily="49" charset="0"/>
+              </a:rPr>
+              <a:t> </a:t>
+            </a:r>
+            <a:r>
+              <a:rPr lang="en-US" sz="2400" b="1">
+                <a:solidFill>
+                  <a:srgbClr val="0000FF"/>
+                </a:solidFill>
+                <a:latin typeface="Consolas" panose="020B0609020204030204" pitchFamily="49" charset="0"/>
+                <a:ea typeface="Calibri" panose="020F0502020204030204" pitchFamily="34" charset="0"/>
+                <a:cs typeface="Consolas" panose="020B0609020204030204" pitchFamily="49" charset="0"/>
+              </a:rPr>
+              <a:t>static</a:t>
+            </a:r>
+            <a:r>
+              <a:rPr lang="en-US" sz="2400" b="1">
+                <a:solidFill>
+                  <a:srgbClr val="000000"/>
+                </a:solidFill>
+                <a:latin typeface="Consolas" panose="020B0609020204030204" pitchFamily="49" charset="0"/>
+                <a:ea typeface="Calibri" panose="020F0502020204030204" pitchFamily="34" charset="0"/>
+                <a:cs typeface="Consolas" panose="020B0609020204030204" pitchFamily="49" charset="0"/>
+              </a:rPr>
+              <a:t> </a:t>
+            </a:r>
+            <a:r>
+              <a:rPr lang="en-US" sz="2400" b="1">
+                <a:solidFill>
+                  <a:srgbClr val="0000FF"/>
+                </a:solidFill>
+                <a:latin typeface="Consolas" panose="020B0609020204030204" pitchFamily="49" charset="0"/>
+                <a:ea typeface="Calibri" panose="020F0502020204030204" pitchFamily="34" charset="0"/>
+                <a:cs typeface="Consolas" panose="020B0609020204030204" pitchFamily="49" charset="0"/>
+              </a:rPr>
+              <a:t>class</a:t>
+            </a:r>
+            <a:r>
+              <a:rPr lang="en-US" sz="2400" b="1">
+                <a:solidFill>
+                  <a:srgbClr val="000000"/>
+                </a:solidFill>
+                <a:latin typeface="Consolas" panose="020B0609020204030204" pitchFamily="49" charset="0"/>
+                <a:ea typeface="Calibri" panose="020F0502020204030204" pitchFamily="34" charset="0"/>
+                <a:cs typeface="Consolas" panose="020B0609020204030204" pitchFamily="49" charset="0"/>
+              </a:rPr>
+              <a:t> </a:t>
+            </a:r>
+            <a:r>
+              <a:rPr lang="en-US" sz="2400" b="1">
+                <a:solidFill>
+                  <a:srgbClr val="2B91AF"/>
+                </a:solidFill>
+                <a:latin typeface="Consolas" panose="020B0609020204030204" pitchFamily="49" charset="0"/>
+                <a:ea typeface="Calibri" panose="020F0502020204030204" pitchFamily="34" charset="0"/>
+                <a:cs typeface="Consolas" panose="020B0609020204030204" pitchFamily="49" charset="0"/>
+              </a:rPr>
+              <a:t>MovieExtensions</a:t>
+            </a:r>
+            <a:endParaRPr lang="da-DK" sz="2400">
+              <a:latin typeface="Calibri" panose="020F0502020204030204" pitchFamily="34" charset="0"/>
+              <a:ea typeface="Calibri" panose="020F0502020204030204" pitchFamily="34" charset="0"/>
+              <a:cs typeface="Times New Roman" panose="02020603050405020304" pitchFamily="18" charset="0"/>
+            </a:endParaRPr>
+          </a:p>
+          <a:p>
+            <a:pPr marL="0" indent="0">
+              <a:spcBef>
+                <a:spcPts val="0"/>
+              </a:spcBef>
+              <a:spcAft>
+                <a:spcPts val="0"/>
+              </a:spcAft>
+              <a:buNone/>
+            </a:pPr>
+            <a:r>
+              <a:rPr lang="en-US" sz="2400" b="1" smtClean="0">
+                <a:solidFill>
+                  <a:srgbClr val="000000"/>
+                </a:solidFill>
+                <a:latin typeface="Consolas" panose="020B0609020204030204" pitchFamily="49" charset="0"/>
+                <a:ea typeface="Calibri" panose="020F0502020204030204" pitchFamily="34" charset="0"/>
+                <a:cs typeface="Consolas" panose="020B0609020204030204" pitchFamily="49" charset="0"/>
+              </a:rPr>
+              <a:t>{</a:t>
+            </a:r>
+            <a:endParaRPr lang="da-DK" sz="2400" smtClean="0">
+              <a:latin typeface="Calibri" panose="020F0502020204030204" pitchFamily="34" charset="0"/>
+              <a:ea typeface="Calibri" panose="020F0502020204030204" pitchFamily="34" charset="0"/>
+              <a:cs typeface="Times New Roman" panose="02020603050405020304" pitchFamily="18" charset="0"/>
+            </a:endParaRPr>
+          </a:p>
+          <a:p>
+            <a:pPr marL="0" indent="0">
+              <a:spcBef>
+                <a:spcPts val="0"/>
+              </a:spcBef>
+              <a:spcAft>
+                <a:spcPts val="0"/>
+              </a:spcAft>
+              <a:buNone/>
+            </a:pPr>
+            <a:r>
+              <a:rPr lang="da-DK" sz="2400" b="1">
+                <a:solidFill>
+                  <a:srgbClr val="0000FF"/>
+                </a:solidFill>
+                <a:latin typeface="Calibri" panose="020F0502020204030204" pitchFamily="34" charset="0"/>
+                <a:ea typeface="Calibri" panose="020F0502020204030204" pitchFamily="34" charset="0"/>
+                <a:cs typeface="Times New Roman" panose="02020603050405020304" pitchFamily="18" charset="0"/>
+              </a:rPr>
+              <a:t>	</a:t>
+            </a:r>
+            <a:r>
+              <a:rPr lang="en-US" sz="2400" b="1" smtClean="0">
+                <a:solidFill>
+                  <a:srgbClr val="0000FF"/>
+                </a:solidFill>
+                <a:latin typeface="Consolas" panose="020B0609020204030204" pitchFamily="49" charset="0"/>
+                <a:ea typeface="Calibri" panose="020F0502020204030204" pitchFamily="34" charset="0"/>
+                <a:cs typeface="Consolas" panose="020B0609020204030204" pitchFamily="49" charset="0"/>
+              </a:rPr>
+              <a:t>public</a:t>
+            </a:r>
+            <a:r>
+              <a:rPr lang="en-US" sz="2400" b="1" smtClean="0">
+                <a:solidFill>
+                  <a:srgbClr val="000000"/>
+                </a:solidFill>
+                <a:latin typeface="Consolas" panose="020B0609020204030204" pitchFamily="49" charset="0"/>
+                <a:ea typeface="Calibri" panose="020F0502020204030204" pitchFamily="34" charset="0"/>
+                <a:cs typeface="Consolas" panose="020B0609020204030204" pitchFamily="49" charset="0"/>
+              </a:rPr>
+              <a:t> </a:t>
+            </a:r>
+            <a:r>
+              <a:rPr lang="en-US" sz="2400" b="1">
+                <a:solidFill>
+                  <a:srgbClr val="0000FF"/>
+                </a:solidFill>
+                <a:latin typeface="Consolas" panose="020B0609020204030204" pitchFamily="49" charset="0"/>
+                <a:ea typeface="Calibri" panose="020F0502020204030204" pitchFamily="34" charset="0"/>
+                <a:cs typeface="Consolas" panose="020B0609020204030204" pitchFamily="49" charset="0"/>
+              </a:rPr>
+              <a:t>static</a:t>
+            </a:r>
+            <a:r>
+              <a:rPr lang="en-US" sz="2400" b="1">
+                <a:solidFill>
+                  <a:srgbClr val="000000"/>
+                </a:solidFill>
+                <a:latin typeface="Consolas" panose="020B0609020204030204" pitchFamily="49" charset="0"/>
+                <a:ea typeface="Calibri" panose="020F0502020204030204" pitchFamily="34" charset="0"/>
+                <a:cs typeface="Consolas" panose="020B0609020204030204" pitchFamily="49" charset="0"/>
+              </a:rPr>
+              <a:t> </a:t>
+            </a:r>
+            <a:r>
+              <a:rPr lang="en-US" sz="2400" b="1">
+                <a:solidFill>
+                  <a:srgbClr val="0000FF"/>
+                </a:solidFill>
+                <a:latin typeface="Consolas" panose="020B0609020204030204" pitchFamily="49" charset="0"/>
+                <a:ea typeface="Calibri" panose="020F0502020204030204" pitchFamily="34" charset="0"/>
+                <a:cs typeface="Consolas" panose="020B0609020204030204" pitchFamily="49" charset="0"/>
+              </a:rPr>
+              <a:t>double</a:t>
+            </a:r>
+            <a:r>
+              <a:rPr lang="en-US" sz="2400" b="1">
+                <a:solidFill>
+                  <a:srgbClr val="000000"/>
+                </a:solidFill>
+                <a:latin typeface="Consolas" panose="020B0609020204030204" pitchFamily="49" charset="0"/>
+                <a:ea typeface="Calibri" panose="020F0502020204030204" pitchFamily="34" charset="0"/>
+                <a:cs typeface="Consolas" panose="020B0609020204030204" pitchFamily="49" charset="0"/>
+              </a:rPr>
+              <a:t> </a:t>
+            </a:r>
+            <a:r>
+              <a:rPr lang="en-US" sz="2400" b="1">
+                <a:solidFill>
+                  <a:srgbClr val="000000"/>
+                </a:solidFill>
+                <a:latin typeface="Consolas" panose="020B0609020204030204" pitchFamily="49" charset="0"/>
+                <a:ea typeface="Calibri" panose="020F0502020204030204" pitchFamily="34" charset="0"/>
+                <a:cs typeface="Consolas" panose="020B0609020204030204" pitchFamily="49" charset="0"/>
+              </a:rPr>
+              <a:t>DurationInHours(</a:t>
+            </a:r>
+            <a:r>
+              <a:rPr lang="en-US" sz="2400" b="1">
+                <a:solidFill>
+                  <a:srgbClr val="0000FF"/>
+                </a:solidFill>
+                <a:latin typeface="Consolas" panose="020B0609020204030204" pitchFamily="49" charset="0"/>
+                <a:ea typeface="Calibri" panose="020F0502020204030204" pitchFamily="34" charset="0"/>
+                <a:cs typeface="Consolas" panose="020B0609020204030204" pitchFamily="49" charset="0"/>
+              </a:rPr>
+              <a:t>this</a:t>
+            </a:r>
+            <a:r>
+              <a:rPr lang="en-US" sz="2400" b="1">
+                <a:solidFill>
+                  <a:srgbClr val="000000"/>
+                </a:solidFill>
+                <a:latin typeface="Consolas" panose="020B0609020204030204" pitchFamily="49" charset="0"/>
+                <a:ea typeface="Calibri" panose="020F0502020204030204" pitchFamily="34" charset="0"/>
+                <a:cs typeface="Consolas" panose="020B0609020204030204" pitchFamily="49" charset="0"/>
+              </a:rPr>
+              <a:t> </a:t>
+            </a:r>
+            <a:r>
+              <a:rPr lang="en-US" sz="2400" b="1">
+                <a:solidFill>
+                  <a:srgbClr val="2B91AF"/>
+                </a:solidFill>
+                <a:latin typeface="Consolas" panose="020B0609020204030204" pitchFamily="49" charset="0"/>
+                <a:ea typeface="Calibri" panose="020F0502020204030204" pitchFamily="34" charset="0"/>
+                <a:cs typeface="Consolas" panose="020B0609020204030204" pitchFamily="49" charset="0"/>
+              </a:rPr>
+              <a:t>Movie</a:t>
+            </a:r>
+            <a:r>
+              <a:rPr lang="en-US" sz="2400" b="1" smtClean="0">
+                <a:solidFill>
+                  <a:srgbClr val="000000"/>
+                </a:solidFill>
+                <a:latin typeface="Consolas" panose="020B0609020204030204" pitchFamily="49" charset="0"/>
+                <a:ea typeface="Calibri" panose="020F0502020204030204" pitchFamily="34" charset="0"/>
+                <a:cs typeface="Consolas" panose="020B0609020204030204" pitchFamily="49" charset="0"/>
+              </a:rPr>
+              <a:t> </a:t>
+            </a:r>
+            <a:r>
+              <a:rPr lang="en-US" sz="2400" b="1">
+                <a:solidFill>
+                  <a:srgbClr val="000000"/>
+                </a:solidFill>
+                <a:latin typeface="Consolas" panose="020B0609020204030204" pitchFamily="49" charset="0"/>
+                <a:ea typeface="Calibri" panose="020F0502020204030204" pitchFamily="34" charset="0"/>
+                <a:cs typeface="Consolas" panose="020B0609020204030204" pitchFamily="49" charset="0"/>
+              </a:rPr>
+              <a:t>aMovie)</a:t>
+            </a:r>
+            <a:endParaRPr lang="da-DK" sz="2400">
+              <a:latin typeface="Calibri" panose="020F0502020204030204" pitchFamily="34" charset="0"/>
+              <a:ea typeface="Calibri" panose="020F0502020204030204" pitchFamily="34" charset="0"/>
+              <a:cs typeface="Times New Roman" panose="02020603050405020304" pitchFamily="18" charset="0"/>
+            </a:endParaRPr>
+          </a:p>
+          <a:p>
+            <a:pPr indent="0">
+              <a:spcBef>
+                <a:spcPts val="0"/>
+              </a:spcBef>
+              <a:spcAft>
+                <a:spcPts val="0"/>
+              </a:spcAft>
+              <a:buNone/>
+            </a:pPr>
+            <a:r>
+              <a:rPr lang="en-US" sz="2400" b="1" smtClean="0">
+                <a:solidFill>
+                  <a:srgbClr val="000000"/>
+                </a:solidFill>
+                <a:latin typeface="Consolas" panose="020B0609020204030204" pitchFamily="49" charset="0"/>
+                <a:ea typeface="Calibri" panose="020F0502020204030204" pitchFamily="34" charset="0"/>
+                <a:cs typeface="Consolas" panose="020B0609020204030204" pitchFamily="49" charset="0"/>
+              </a:rPr>
+              <a:t>	{</a:t>
+            </a:r>
+            <a:endParaRPr lang="da-DK" sz="2400">
+              <a:latin typeface="Calibri" panose="020F0502020204030204" pitchFamily="34" charset="0"/>
+              <a:ea typeface="Calibri" panose="020F0502020204030204" pitchFamily="34" charset="0"/>
+              <a:cs typeface="Times New Roman" panose="02020603050405020304" pitchFamily="18" charset="0"/>
+            </a:endParaRPr>
+          </a:p>
+          <a:p>
+            <a:pPr marL="457200" indent="0">
+              <a:spcBef>
+                <a:spcPts val="0"/>
+              </a:spcBef>
+              <a:spcAft>
+                <a:spcPts val="0"/>
+              </a:spcAft>
+              <a:buNone/>
+            </a:pPr>
+            <a:r>
+              <a:rPr lang="en-US" sz="2400" b="1" smtClean="0">
+                <a:solidFill>
+                  <a:srgbClr val="0000FF"/>
+                </a:solidFill>
+                <a:latin typeface="Consolas" panose="020B0609020204030204" pitchFamily="49" charset="0"/>
+                <a:ea typeface="Calibri" panose="020F0502020204030204" pitchFamily="34" charset="0"/>
+                <a:cs typeface="Consolas" panose="020B0609020204030204" pitchFamily="49" charset="0"/>
+              </a:rPr>
+              <a:t>		return</a:t>
+            </a:r>
+            <a:r>
+              <a:rPr lang="en-US" sz="2400" b="1" smtClean="0">
+                <a:solidFill>
+                  <a:srgbClr val="000000"/>
+                </a:solidFill>
+                <a:latin typeface="Consolas" panose="020B0609020204030204" pitchFamily="49" charset="0"/>
+                <a:ea typeface="Calibri" panose="020F0502020204030204" pitchFamily="34" charset="0"/>
+                <a:cs typeface="Consolas" panose="020B0609020204030204" pitchFamily="49" charset="0"/>
+              </a:rPr>
+              <a:t> </a:t>
+            </a:r>
+            <a:r>
+              <a:rPr lang="en-US" sz="2400" b="1">
+                <a:solidFill>
+                  <a:srgbClr val="000000"/>
+                </a:solidFill>
+                <a:latin typeface="Consolas" panose="020B0609020204030204" pitchFamily="49" charset="0"/>
+                <a:ea typeface="Calibri" panose="020F0502020204030204" pitchFamily="34" charset="0"/>
+                <a:cs typeface="Consolas" panose="020B0609020204030204" pitchFamily="49" charset="0"/>
+              </a:rPr>
+              <a:t>aMovie.DurationInMins / 60.0;</a:t>
+            </a:r>
+            <a:endParaRPr lang="da-DK" sz="2400">
+              <a:latin typeface="Calibri" panose="020F0502020204030204" pitchFamily="34" charset="0"/>
+              <a:ea typeface="Calibri" panose="020F0502020204030204" pitchFamily="34" charset="0"/>
+              <a:cs typeface="Times New Roman" panose="02020603050405020304" pitchFamily="18" charset="0"/>
+            </a:endParaRPr>
+          </a:p>
+          <a:p>
+            <a:pPr indent="0">
+              <a:spcBef>
+                <a:spcPts val="0"/>
+              </a:spcBef>
+              <a:spcAft>
+                <a:spcPts val="0"/>
+              </a:spcAft>
+              <a:buNone/>
+            </a:pPr>
+            <a:r>
+              <a:rPr lang="en-US" sz="2400" b="1" smtClean="0">
+                <a:solidFill>
+                  <a:srgbClr val="000000"/>
+                </a:solidFill>
+                <a:latin typeface="Consolas" panose="020B0609020204030204" pitchFamily="49" charset="0"/>
+                <a:ea typeface="Calibri" panose="020F0502020204030204" pitchFamily="34" charset="0"/>
+                <a:cs typeface="Consolas" panose="020B0609020204030204" pitchFamily="49" charset="0"/>
+              </a:rPr>
+              <a:t>	}</a:t>
+            </a:r>
+            <a:endParaRPr lang="da-DK" sz="2400">
+              <a:latin typeface="Calibri" panose="020F0502020204030204" pitchFamily="34" charset="0"/>
+              <a:ea typeface="Calibri" panose="020F0502020204030204" pitchFamily="34" charset="0"/>
+              <a:cs typeface="Times New Roman" panose="02020603050405020304" pitchFamily="18" charset="0"/>
+            </a:endParaRPr>
+          </a:p>
+          <a:p>
+            <a:pPr marL="0" indent="0">
+              <a:spcBef>
+                <a:spcPts val="0"/>
+              </a:spcBef>
+              <a:spcAft>
+                <a:spcPts val="0"/>
+              </a:spcAft>
+              <a:buNone/>
+            </a:pPr>
+            <a:r>
+              <a:rPr lang="en-US" sz="2400" b="1" smtClean="0">
+                <a:solidFill>
+                  <a:srgbClr val="000000"/>
+                </a:solidFill>
+                <a:latin typeface="Consolas" panose="020B0609020204030204" pitchFamily="49" charset="0"/>
+                <a:ea typeface="Calibri" panose="020F0502020204030204" pitchFamily="34" charset="0"/>
+                <a:cs typeface="Consolas" panose="020B0609020204030204" pitchFamily="49" charset="0"/>
+              </a:rPr>
+              <a:t>}</a:t>
+            </a:r>
+          </a:p>
+          <a:p>
+            <a:pPr marL="0" indent="0">
+              <a:spcBef>
+                <a:spcPts val="0"/>
+              </a:spcBef>
+              <a:spcAft>
+                <a:spcPts val="0"/>
+              </a:spcAft>
+              <a:buNone/>
+            </a:pPr>
+            <a:endParaRPr lang="en-US" sz="2400" b="1" smtClean="0">
+              <a:solidFill>
+                <a:srgbClr val="000000"/>
+              </a:solidFill>
+              <a:latin typeface="Consolas" panose="020B0609020204030204" pitchFamily="49" charset="0"/>
+              <a:ea typeface="Calibri" panose="020F0502020204030204" pitchFamily="34" charset="0"/>
+              <a:cs typeface="Times New Roman" panose="02020603050405020304" pitchFamily="18" charset="0"/>
+            </a:endParaRPr>
+          </a:p>
+          <a:p>
+            <a:pPr marL="0" indent="0">
+              <a:spcBef>
+                <a:spcPts val="0"/>
+              </a:spcBef>
+              <a:buNone/>
+            </a:pPr>
+            <a:r>
+              <a:rPr lang="en-US" sz="2400" b="1">
+                <a:solidFill>
+                  <a:srgbClr val="008000"/>
+                </a:solidFill>
+                <a:latin typeface="Consolas" panose="020B0609020204030204" pitchFamily="49" charset="0"/>
+                <a:ea typeface="Calibri" panose="020F0502020204030204" pitchFamily="34" charset="0"/>
+                <a:cs typeface="Consolas" panose="020B0609020204030204" pitchFamily="49" charset="0"/>
+              </a:rPr>
+              <a:t>// </a:t>
+            </a:r>
+            <a:r>
+              <a:rPr lang="en-US" sz="2400" b="1">
+                <a:solidFill>
+                  <a:srgbClr val="008000"/>
+                </a:solidFill>
+                <a:latin typeface="Consolas" panose="020B0609020204030204" pitchFamily="49" charset="0"/>
+                <a:ea typeface="Calibri" panose="020F0502020204030204" pitchFamily="34" charset="0"/>
+                <a:cs typeface="Consolas" panose="020B0609020204030204" pitchFamily="49" charset="0"/>
+              </a:rPr>
+              <a:t>This </a:t>
+            </a:r>
+            <a:r>
+              <a:rPr lang="en-US" sz="2400" b="1" smtClean="0">
+                <a:solidFill>
+                  <a:srgbClr val="008000"/>
+                </a:solidFill>
+                <a:latin typeface="Consolas" panose="020B0609020204030204" pitchFamily="49" charset="0"/>
+                <a:ea typeface="Calibri" panose="020F0502020204030204" pitchFamily="34" charset="0"/>
+                <a:cs typeface="Consolas" panose="020B0609020204030204" pitchFamily="49" charset="0"/>
+              </a:rPr>
+              <a:t>is now valid</a:t>
+            </a:r>
+            <a:endParaRPr lang="da-DK" sz="2400">
+              <a:latin typeface="Calibri" panose="020F0502020204030204" pitchFamily="34" charset="0"/>
+              <a:ea typeface="Calibri" panose="020F0502020204030204" pitchFamily="34" charset="0"/>
+              <a:cs typeface="Times New Roman" panose="02020603050405020304" pitchFamily="18" charset="0"/>
+            </a:endParaRPr>
+          </a:p>
+          <a:p>
+            <a:pPr marL="0" indent="0">
+              <a:spcBef>
+                <a:spcPts val="0"/>
+              </a:spcBef>
+              <a:spcAft>
+                <a:spcPts val="0"/>
+              </a:spcAft>
+              <a:buNone/>
+            </a:pPr>
+            <a:r>
+              <a:rPr lang="en-US" sz="2400" b="1" smtClean="0">
+                <a:solidFill>
+                  <a:srgbClr val="2B91AF"/>
+                </a:solidFill>
+                <a:latin typeface="Consolas" panose="020B0609020204030204" pitchFamily="49" charset="0"/>
+                <a:ea typeface="Calibri" panose="020F0502020204030204" pitchFamily="34" charset="0"/>
+                <a:cs typeface="Consolas" panose="020B0609020204030204" pitchFamily="49" charset="0"/>
+              </a:rPr>
+              <a:t>Movie</a:t>
+            </a:r>
+            <a:r>
+              <a:rPr lang="en-US" sz="2400" b="1" smtClean="0">
+                <a:solidFill>
+                  <a:srgbClr val="000000"/>
+                </a:solidFill>
+                <a:latin typeface="Consolas" panose="020B0609020204030204" pitchFamily="49" charset="0"/>
+                <a:ea typeface="Calibri" panose="020F0502020204030204" pitchFamily="34" charset="0"/>
+                <a:cs typeface="Times New Roman" panose="02020603050405020304" pitchFamily="18" charset="0"/>
+              </a:rPr>
+              <a:t> m = </a:t>
+            </a:r>
+            <a:r>
+              <a:rPr lang="en-US" sz="2400" b="1" smtClean="0">
+                <a:solidFill>
+                  <a:srgbClr val="0000FF"/>
+                </a:solidFill>
+                <a:latin typeface="Consolas" panose="020B0609020204030204" pitchFamily="49" charset="0"/>
+                <a:ea typeface="Calibri" panose="020F0502020204030204" pitchFamily="34" charset="0"/>
+                <a:cs typeface="Consolas" panose="020B0609020204030204" pitchFamily="49" charset="0"/>
+              </a:rPr>
+              <a:t>new</a:t>
+            </a:r>
+            <a:r>
+              <a:rPr lang="en-US" sz="2400" b="1" smtClean="0">
+                <a:solidFill>
+                  <a:srgbClr val="000000"/>
+                </a:solidFill>
+                <a:latin typeface="Consolas" panose="020B0609020204030204" pitchFamily="49" charset="0"/>
+                <a:ea typeface="Calibri" panose="020F0502020204030204" pitchFamily="34" charset="0"/>
+                <a:cs typeface="Times New Roman" panose="02020603050405020304" pitchFamily="18" charset="0"/>
+              </a:rPr>
+              <a:t> </a:t>
+            </a:r>
+            <a:r>
+              <a:rPr lang="en-US" sz="2400" b="1">
+                <a:solidFill>
+                  <a:srgbClr val="2B91AF"/>
+                </a:solidFill>
+                <a:latin typeface="Consolas" panose="020B0609020204030204" pitchFamily="49" charset="0"/>
+                <a:ea typeface="Calibri" panose="020F0502020204030204" pitchFamily="34" charset="0"/>
+                <a:cs typeface="Consolas" panose="020B0609020204030204" pitchFamily="49" charset="0"/>
+              </a:rPr>
+              <a:t>Movie </a:t>
+            </a:r>
+            <a:r>
+              <a:rPr lang="en-US" sz="2400" b="1" smtClean="0">
+                <a:solidFill>
+                  <a:srgbClr val="000000"/>
+                </a:solidFill>
+                <a:latin typeface="Consolas" panose="020B0609020204030204" pitchFamily="49" charset="0"/>
+                <a:ea typeface="Calibri" panose="020F0502020204030204" pitchFamily="34" charset="0"/>
+                <a:cs typeface="Times New Roman" panose="02020603050405020304" pitchFamily="18" charset="0"/>
+              </a:rPr>
+              <a:t>(…);</a:t>
+            </a:r>
+          </a:p>
+          <a:p>
+            <a:pPr marL="0" indent="0">
+              <a:spcBef>
+                <a:spcPts val="0"/>
+              </a:spcBef>
+              <a:spcAft>
+                <a:spcPts val="0"/>
+              </a:spcAft>
+              <a:buNone/>
+            </a:pPr>
+            <a:r>
+              <a:rPr lang="en-US" sz="2400" b="1" smtClean="0">
+                <a:solidFill>
+                  <a:srgbClr val="0000FF"/>
+                </a:solidFill>
+                <a:latin typeface="Consolas" panose="020B0609020204030204" pitchFamily="49" charset="0"/>
+                <a:ea typeface="Calibri" panose="020F0502020204030204" pitchFamily="34" charset="0"/>
+                <a:cs typeface="Consolas" panose="020B0609020204030204" pitchFamily="49" charset="0"/>
+              </a:rPr>
+              <a:t>double</a:t>
+            </a:r>
+            <a:r>
+              <a:rPr lang="en-US" sz="2400" b="1" smtClean="0">
+                <a:solidFill>
+                  <a:srgbClr val="000000"/>
+                </a:solidFill>
+                <a:latin typeface="Consolas" panose="020B0609020204030204" pitchFamily="49" charset="0"/>
+                <a:ea typeface="Calibri" panose="020F0502020204030204" pitchFamily="34" charset="0"/>
+                <a:cs typeface="Times New Roman" panose="02020603050405020304" pitchFamily="18" charset="0"/>
+              </a:rPr>
+              <a:t> hours = m.</a:t>
+            </a:r>
+            <a:r>
+              <a:rPr lang="en-US" sz="2400" b="1" smtClean="0">
+                <a:solidFill>
+                  <a:srgbClr val="000000"/>
+                </a:solidFill>
+                <a:latin typeface="Consolas" panose="020B0609020204030204" pitchFamily="49" charset="0"/>
+                <a:ea typeface="Calibri" panose="020F0502020204030204" pitchFamily="34" charset="0"/>
+                <a:cs typeface="Consolas" panose="020B0609020204030204" pitchFamily="49" charset="0"/>
+              </a:rPr>
+              <a:t>DurationInHours();</a:t>
+            </a:r>
+            <a:endParaRPr lang="da-DK" sz="2400">
+              <a:latin typeface="Calibri" panose="020F0502020204030204" pitchFamily="34" charset="0"/>
+              <a:ea typeface="Calibri" panose="020F0502020204030204" pitchFamily="34" charset="0"/>
+              <a:cs typeface="Times New Roman" panose="02020603050405020304" pitchFamily="18" charset="0"/>
+            </a:endParaRPr>
+          </a:p>
+          <a:p>
+            <a:pPr indent="0">
+              <a:spcBef>
+                <a:spcPts val="0"/>
+              </a:spcBef>
+              <a:spcAft>
+                <a:spcPts val="0"/>
+              </a:spcAft>
+              <a:buNone/>
+            </a:pPr>
+            <a:r>
+              <a:rPr lang="en-US" sz="2400" b="1">
+                <a:solidFill>
+                  <a:srgbClr val="000000"/>
+                </a:solidFill>
+                <a:latin typeface="Consolas" panose="020B0609020204030204" pitchFamily="49" charset="0"/>
+                <a:ea typeface="Calibri" panose="020F0502020204030204" pitchFamily="34" charset="0"/>
+                <a:cs typeface="Consolas" panose="020B0609020204030204" pitchFamily="49" charset="0"/>
+              </a:rPr>
+              <a:t> </a:t>
+            </a:r>
+            <a:endParaRPr lang="da-DK" sz="2400">
+              <a:latin typeface="Calibri" panose="020F0502020204030204" pitchFamily="34" charset="0"/>
+              <a:ea typeface="Calibri" panose="020F0502020204030204" pitchFamily="34" charset="0"/>
+              <a:cs typeface="Times New Roman" panose="02020603050405020304" pitchFamily="18" charset="0"/>
+            </a:endParaRPr>
+          </a:p>
+          <a:p>
+            <a:pPr marL="0" indent="0">
+              <a:spcBef>
+                <a:spcPts val="0"/>
+              </a:spcBef>
+              <a:buNone/>
+            </a:pPr>
+            <a:endParaRPr lang="da-DK"/>
+          </a:p>
+        </p:txBody>
+      </p:sp>
+    </p:spTree>
+    <p:extLst>
+      <p:ext uri="{BB962C8B-B14F-4D97-AF65-F5344CB8AC3E}">
+        <p14:creationId xmlns:p14="http://schemas.microsoft.com/office/powerpoint/2010/main" val="2083706109"/>
+      </p:ext>
+    </p:extLst>
+  </p:cSld>
+  <p:clrMapOvr>
+    <a:masterClrMapping/>
+  </p:clrMapOvr>
+  <mc:AlternateContent xmlns:mc="http://schemas.openxmlformats.org/markup-compatibility/2006" xmlns:p14="http://schemas.microsoft.com/office/powerpoint/2010/main">
+    <mc:Choice Requires="p14">
+      <p:transition spd="med" p14:dur="700">
+        <p:fade/>
+      </p:transition>
+    </mc:Choice>
+    <mc:Fallback xmlns="">
+      <p:transition spd="med">
+        <p:fade/>
+      </p:transition>
+    </mc:Fallback>
+  </mc:AlternateContent>
+  <p:timing>
+    <p:tnLst>
+      <p:par>
+        <p:cTn id="1" dur="indefinite" restart="never" nodeType="tmRoot"/>
+      </p:par>
+    </p:tnLst>
+  </p:timing>
+</p:sld>
+</file>
+
+<file path=ppt/slides/slide46.xml><?xml version="1.0" encoding="utf-8"?>
+<p:sld xmlns:a="http://schemas.openxmlformats.org/drawingml/2006/main" xmlns:r="http://schemas.openxmlformats.org/officeDocument/2006/relationships" xmlns:p="http://schemas.openxmlformats.org/presentationml/2006/main">
+  <p:cSld>
+    <p:spTree>
+      <p:nvGrpSpPr>
+        <p:cNvPr id="1" name=""/>
+        <p:cNvGrpSpPr/>
+        <p:nvPr/>
+      </p:nvGrpSpPr>
+      <p:grpSpPr>
+        <a:xfrm>
+          <a:off x="0" y="0"/>
+          <a:ext cx="0" cy="0"/>
+          <a:chOff x="0" y="0"/>
+          <a:chExt cx="0" cy="0"/>
+        </a:xfrm>
+      </p:grpSpPr>
+      <p:sp>
+        <p:nvSpPr>
+          <p:cNvPr id="2" name="Titel 1"/>
+          <p:cNvSpPr>
+            <a:spLocks noGrp="1"/>
+          </p:cNvSpPr>
+          <p:nvPr>
+            <p:ph type="title"/>
+          </p:nvPr>
+        </p:nvSpPr>
+        <p:spPr/>
+        <p:txBody>
+          <a:bodyPr/>
+          <a:lstStyle/>
+          <a:p>
+            <a:r>
+              <a:rPr lang="da-DK" b="1" smtClean="0"/>
+              <a:t>LINQ – </a:t>
+            </a:r>
+            <a:r>
+              <a:rPr lang="da-DK" b="1" smtClean="0"/>
+              <a:t>Fluent syntax</a:t>
+            </a:r>
+            <a:endParaRPr lang="da-DK" b="1"/>
+          </a:p>
+        </p:txBody>
+      </p:sp>
+      <p:sp>
+        <p:nvSpPr>
+          <p:cNvPr id="3" name="Pladsholder til indhold 2"/>
+          <p:cNvSpPr>
+            <a:spLocks noGrp="1"/>
+          </p:cNvSpPr>
+          <p:nvPr>
+            <p:ph idx="1"/>
+          </p:nvPr>
+        </p:nvSpPr>
+        <p:spPr>
+          <a:xfrm>
+            <a:off x="838200" y="1825625"/>
+            <a:ext cx="10515599" cy="4351338"/>
+          </a:xfrm>
+        </p:spPr>
+        <p:txBody>
+          <a:bodyPr/>
+          <a:lstStyle/>
+          <a:p>
+            <a:r>
+              <a:rPr lang="da-DK" smtClean="0"/>
+              <a:t>This is a valid LINQ query: </a:t>
+            </a:r>
+            <a:r>
+              <a:rPr lang="en-US" b="1"/>
+              <a:t>numbers.Where(i =&gt; i &lt; 15</a:t>
+            </a:r>
+            <a:r>
+              <a:rPr lang="en-US" b="1"/>
+              <a:t>);</a:t>
+            </a:r>
+            <a:endParaRPr lang="da-DK" b="1"/>
+          </a:p>
+          <a:p>
+            <a:pPr lvl="0"/>
+            <a:r>
+              <a:rPr lang="da-DK" smtClean="0"/>
+              <a:t>What is the parameter to </a:t>
+            </a:r>
+            <a:r>
+              <a:rPr lang="da-DK" b="1" smtClean="0"/>
+              <a:t>Where</a:t>
+            </a:r>
+            <a:r>
+              <a:rPr lang="da-DK" smtClean="0"/>
+              <a:t>?</a:t>
+            </a:r>
+          </a:p>
+        </p:txBody>
+      </p:sp>
+    </p:spTree>
+    <p:extLst>
+      <p:ext uri="{BB962C8B-B14F-4D97-AF65-F5344CB8AC3E}">
+        <p14:creationId xmlns:p14="http://schemas.microsoft.com/office/powerpoint/2010/main" val="2213706725"/>
+      </p:ext>
+    </p:extLst>
+  </p:cSld>
+  <p:clrMapOvr>
+    <a:masterClrMapping/>
+  </p:clrMapOvr>
+  <p:timing>
+    <p:tnLst>
+      <p:par>
+        <p:cTn id="1" dur="indefinite" restart="never" nodeType="tmRoot"/>
+      </p:par>
+    </p:tnLst>
+  </p:timing>
+</p:sld>
+</file>
+
+<file path=ppt/slides/slide47.xml><?xml version="1.0" encoding="utf-8"?>
+<p:sld xmlns:a="http://schemas.openxmlformats.org/drawingml/2006/main" xmlns:r="http://schemas.openxmlformats.org/officeDocument/2006/relationships" xmlns:p="http://schemas.openxmlformats.org/presentationml/2006/main">
+  <p:cSld>
+    <p:spTree>
+      <p:nvGrpSpPr>
+        <p:cNvPr id="1" name=""/>
+        <p:cNvGrpSpPr/>
+        <p:nvPr/>
+      </p:nvGrpSpPr>
+      <p:grpSpPr>
+        <a:xfrm>
+          <a:off x="0" y="0"/>
+          <a:ext cx="0" cy="0"/>
+          <a:chOff x="0" y="0"/>
+          <a:chExt cx="0" cy="0"/>
+        </a:xfrm>
+      </p:grpSpPr>
+      <p:sp>
+        <p:nvSpPr>
+          <p:cNvPr id="2" name="Titel 1"/>
+          <p:cNvSpPr>
+            <a:spLocks noGrp="1"/>
+          </p:cNvSpPr>
+          <p:nvPr>
+            <p:ph type="title"/>
+          </p:nvPr>
+        </p:nvSpPr>
+        <p:spPr/>
+        <p:txBody>
+          <a:bodyPr/>
+          <a:lstStyle/>
+          <a:p>
+            <a:r>
+              <a:rPr lang="da-DK" b="1" smtClean="0"/>
+              <a:t>LINQ – </a:t>
+            </a:r>
+            <a:r>
+              <a:rPr lang="da-DK" b="1" smtClean="0"/>
+              <a:t>Fluent syntax</a:t>
+            </a:r>
+            <a:endParaRPr lang="da-DK" b="1"/>
+          </a:p>
+        </p:txBody>
+      </p:sp>
+      <p:sp>
+        <p:nvSpPr>
+          <p:cNvPr id="3" name="Pladsholder til indhold 2"/>
+          <p:cNvSpPr>
+            <a:spLocks noGrp="1"/>
+          </p:cNvSpPr>
+          <p:nvPr>
+            <p:ph idx="1"/>
+          </p:nvPr>
+        </p:nvSpPr>
+        <p:spPr>
+          <a:xfrm>
+            <a:off x="838200" y="1825625"/>
+            <a:ext cx="10515599" cy="4351338"/>
+          </a:xfrm>
+        </p:spPr>
+        <p:txBody>
+          <a:bodyPr/>
+          <a:lstStyle/>
+          <a:p>
+            <a:r>
+              <a:rPr lang="da-DK" smtClean="0"/>
+              <a:t>This is a valid LINQ query: </a:t>
+            </a:r>
+            <a:r>
+              <a:rPr lang="en-US" b="1"/>
+              <a:t>numbers.Where(i =&gt; i &lt; 15</a:t>
+            </a:r>
+            <a:r>
+              <a:rPr lang="en-US" b="1"/>
+              <a:t>);</a:t>
+            </a:r>
+            <a:endParaRPr lang="da-DK" b="1"/>
+          </a:p>
+          <a:p>
+            <a:pPr lvl="0"/>
+            <a:r>
+              <a:rPr lang="da-DK" smtClean="0"/>
+              <a:t>What is the parameter to </a:t>
+            </a:r>
+            <a:r>
+              <a:rPr lang="da-DK" b="1" smtClean="0"/>
+              <a:t>Where</a:t>
+            </a:r>
+            <a:r>
+              <a:rPr lang="da-DK" smtClean="0"/>
+              <a:t>?</a:t>
+            </a:r>
+          </a:p>
+          <a:p>
+            <a:pPr lvl="0"/>
+            <a:r>
+              <a:rPr lang="da-DK" smtClean="0"/>
+              <a:t>The purpose of the </a:t>
+            </a:r>
+            <a:r>
+              <a:rPr lang="da-DK" b="1" smtClean="0"/>
+              <a:t>Where</a:t>
+            </a:r>
+            <a:r>
+              <a:rPr lang="da-DK" smtClean="0"/>
+              <a:t> method is to filter out those items in the list which meet a specific condition (here: must be smaller than 15)</a:t>
+            </a:r>
+          </a:p>
+          <a:p>
+            <a:pPr lvl="0"/>
+            <a:r>
+              <a:rPr lang="da-DK" smtClean="0"/>
+              <a:t>The </a:t>
+            </a:r>
+            <a:r>
+              <a:rPr lang="da-DK" b="1" smtClean="0"/>
+              <a:t>Where</a:t>
+            </a:r>
+            <a:r>
+              <a:rPr lang="da-DK" smtClean="0"/>
+              <a:t> method applies the condition to each item in the list</a:t>
+            </a:r>
+          </a:p>
+          <a:p>
+            <a:pPr lvl="1"/>
+            <a:r>
+              <a:rPr lang="da-DK" smtClean="0"/>
+              <a:t>Input to condition evaluation: an </a:t>
+            </a:r>
+            <a:r>
+              <a:rPr lang="da-DK" b="1" smtClean="0"/>
+              <a:t>int</a:t>
+            </a:r>
+            <a:r>
+              <a:rPr lang="da-DK" smtClean="0"/>
+              <a:t> (in this example)</a:t>
+            </a:r>
+          </a:p>
+          <a:p>
+            <a:pPr lvl="1"/>
+            <a:r>
+              <a:rPr lang="da-DK" smtClean="0"/>
+              <a:t>Output from </a:t>
+            </a:r>
+            <a:r>
+              <a:rPr lang="da-DK"/>
+              <a:t>condition </a:t>
+            </a:r>
+            <a:r>
+              <a:rPr lang="da-DK" smtClean="0"/>
+              <a:t>evaluation: a </a:t>
+            </a:r>
+            <a:r>
+              <a:rPr lang="da-DK" b="1" smtClean="0"/>
+              <a:t>bool</a:t>
+            </a:r>
+          </a:p>
+          <a:p>
+            <a:pPr lvl="1"/>
+            <a:r>
+              <a:rPr lang="da-DK" smtClean="0"/>
+              <a:t>Who supplies the condition? The </a:t>
+            </a:r>
+            <a:r>
+              <a:rPr lang="da-DK" u="sng" smtClean="0"/>
+              <a:t>caller</a:t>
+            </a:r>
+            <a:r>
+              <a:rPr lang="da-DK" smtClean="0"/>
+              <a:t> of </a:t>
+            </a:r>
+            <a:r>
+              <a:rPr lang="da-DK" b="1" smtClean="0"/>
+              <a:t>Where</a:t>
+            </a:r>
+            <a:r>
+              <a:rPr lang="da-DK" smtClean="0"/>
+              <a:t>!</a:t>
+            </a:r>
+            <a:endParaRPr lang="da-DK" smtClean="0"/>
+          </a:p>
+          <a:p>
+            <a:pPr lvl="0"/>
+            <a:r>
+              <a:rPr lang="da-DK" smtClean="0"/>
+              <a:t>Parameter to </a:t>
+            </a:r>
+            <a:r>
+              <a:rPr lang="da-DK" b="1" smtClean="0"/>
+              <a:t>Where</a:t>
+            </a:r>
+            <a:r>
+              <a:rPr lang="da-DK" smtClean="0"/>
+              <a:t> is a </a:t>
+            </a:r>
+            <a:r>
+              <a:rPr lang="da-DK" u="sng" smtClean="0"/>
+              <a:t>function</a:t>
+            </a:r>
+            <a:r>
+              <a:rPr lang="da-DK" smtClean="0"/>
+              <a:t>.</a:t>
+            </a:r>
+            <a:endParaRPr lang="da-DK"/>
+          </a:p>
+        </p:txBody>
+      </p:sp>
+    </p:spTree>
+    <p:extLst>
+      <p:ext uri="{BB962C8B-B14F-4D97-AF65-F5344CB8AC3E}">
+        <p14:creationId xmlns:p14="http://schemas.microsoft.com/office/powerpoint/2010/main" val="3469134670"/>
+      </p:ext>
+    </p:extLst>
+  </p:cSld>
+  <p:clrMapOvr>
+    <a:masterClrMapping/>
+  </p:clrMapOvr>
+  <mc:AlternateContent xmlns:mc="http://schemas.openxmlformats.org/markup-compatibility/2006">
+    <mc:Choice xmlns:p14="http://schemas.microsoft.com/office/powerpoint/2010/main" Requires="p14">
+      <p:transition spd="med" p14:dur="700">
+        <p:fade/>
+      </p:transition>
+    </mc:Choice>
+    <mc:Fallback>
+      <p:transition spd="med">
+        <p:fade/>
+      </p:transition>
+    </mc:Fallback>
+  </mc:AlternateContent>
+  <p:timing>
+    <p:tnLst>
+      <p:par>
+        <p:cTn id="1" dur="indefinite" restart="never" nodeType="tmRoot"/>
+      </p:par>
+    </p:tnLst>
+  </p:timing>
+</p:sld>
+</file>
+
+<file path=ppt/slides/slide48.xml><?xml version="1.0" encoding="utf-8"?>
+<p:sld xmlns:a="http://schemas.openxmlformats.org/drawingml/2006/main" xmlns:r="http://schemas.openxmlformats.org/officeDocument/2006/relationships" xmlns:p="http://schemas.openxmlformats.org/presentationml/2006/main">
+  <p:cSld>
+    <p:spTree>
+      <p:nvGrpSpPr>
+        <p:cNvPr id="1" name=""/>
+        <p:cNvGrpSpPr/>
+        <p:nvPr/>
+      </p:nvGrpSpPr>
+      <p:grpSpPr>
+        <a:xfrm>
+          <a:off x="0" y="0"/>
+          <a:ext cx="0" cy="0"/>
+          <a:chOff x="0" y="0"/>
+          <a:chExt cx="0" cy="0"/>
+        </a:xfrm>
+      </p:grpSpPr>
+      <p:sp>
+        <p:nvSpPr>
+          <p:cNvPr id="2" name="Titel 1"/>
+          <p:cNvSpPr>
+            <a:spLocks noGrp="1"/>
+          </p:cNvSpPr>
+          <p:nvPr>
+            <p:ph type="title"/>
+          </p:nvPr>
+        </p:nvSpPr>
+        <p:spPr/>
+        <p:txBody>
+          <a:bodyPr/>
+          <a:lstStyle/>
+          <a:p>
+            <a:r>
+              <a:rPr lang="da-DK" b="1" smtClean="0"/>
+              <a:t>LINQ – </a:t>
+            </a:r>
+            <a:r>
+              <a:rPr lang="da-DK" b="1" smtClean="0"/>
+              <a:t>Fluent syntax</a:t>
+            </a:r>
+            <a:endParaRPr lang="da-DK" b="1"/>
+          </a:p>
+        </p:txBody>
+      </p:sp>
+      <p:sp>
+        <p:nvSpPr>
+          <p:cNvPr id="3" name="Pladsholder til indhold 2"/>
+          <p:cNvSpPr>
+            <a:spLocks noGrp="1"/>
+          </p:cNvSpPr>
+          <p:nvPr>
+            <p:ph idx="1"/>
+          </p:nvPr>
+        </p:nvSpPr>
+        <p:spPr>
+          <a:xfrm>
+            <a:off x="838200" y="1825625"/>
+            <a:ext cx="10515599" cy="4351338"/>
+          </a:xfrm>
+        </p:spPr>
+        <p:txBody>
+          <a:bodyPr/>
+          <a:lstStyle/>
+          <a:p>
+            <a:r>
+              <a:rPr lang="da-DK" smtClean="0"/>
+              <a:t>In general: if </a:t>
+            </a:r>
+            <a:r>
+              <a:rPr lang="da-DK" b="1" smtClean="0"/>
+              <a:t>Where</a:t>
+            </a:r>
+            <a:r>
+              <a:rPr lang="da-DK" smtClean="0"/>
+              <a:t> is called on a variable of type </a:t>
+            </a:r>
+            <a:r>
+              <a:rPr lang="da-DK" b="1" smtClean="0"/>
+              <a:t>IEnumerable&lt;T&gt;</a:t>
+            </a:r>
+            <a:r>
+              <a:rPr lang="da-DK" smtClean="0"/>
+              <a:t>, the parameter must be of type </a:t>
+            </a:r>
+            <a:r>
+              <a:rPr lang="da-DK" b="1" smtClean="0"/>
+              <a:t>Func&lt;T, bool&gt;</a:t>
+            </a:r>
+          </a:p>
+          <a:p>
+            <a:r>
+              <a:rPr lang="da-DK" smtClean="0"/>
+              <a:t>In the example, a function of type </a:t>
+            </a:r>
+            <a:r>
+              <a:rPr lang="da-DK" b="1" smtClean="0"/>
+              <a:t>Func&lt;int, bool&gt;</a:t>
+            </a:r>
+          </a:p>
+          <a:p>
+            <a:r>
+              <a:rPr lang="da-DK" smtClean="0"/>
+              <a:t>This can be a named function, but also an anonymous function:</a:t>
+            </a:r>
+          </a:p>
+          <a:p>
+            <a:r>
+              <a:rPr lang="en-US" b="1"/>
+              <a:t>numbers.Where(</a:t>
+            </a:r>
+            <a:r>
+              <a:rPr lang="en-US" b="1">
+                <a:solidFill>
+                  <a:srgbClr val="FF0000"/>
+                </a:solidFill>
+              </a:rPr>
+              <a:t>i =&gt; i &lt; </a:t>
+            </a:r>
+            <a:r>
+              <a:rPr lang="en-US" b="1">
+                <a:solidFill>
+                  <a:srgbClr val="FF0000"/>
+                </a:solidFill>
+              </a:rPr>
+              <a:t>15</a:t>
+            </a:r>
+            <a:r>
+              <a:rPr lang="en-US" b="1" smtClean="0"/>
+              <a:t>);</a:t>
+            </a:r>
+            <a:endParaRPr lang="da-DK" smtClean="0"/>
+          </a:p>
+          <a:p>
+            <a:endParaRPr lang="da-DK"/>
+          </a:p>
+        </p:txBody>
+      </p:sp>
+    </p:spTree>
+    <p:extLst>
+      <p:ext uri="{BB962C8B-B14F-4D97-AF65-F5344CB8AC3E}">
+        <p14:creationId xmlns:p14="http://schemas.microsoft.com/office/powerpoint/2010/main" val="1825761481"/>
+      </p:ext>
+    </p:extLst>
+  </p:cSld>
+  <p:clrMapOvr>
+    <a:masterClrMapping/>
+  </p:clrMapOvr>
+  <p:timing>
+    <p:tnLst>
+      <p:par>
+        <p:cTn id="1" dur="indefinite" restart="never" nodeType="tmRoot"/>
+      </p:par>
+    </p:tnLst>
+  </p:timing>
+</p:sld>
+</file>
+
+<file path=ppt/slides/slide49.xml><?xml version="1.0" encoding="utf-8"?>
+<p:sld xmlns:a="http://schemas.openxmlformats.org/drawingml/2006/main" xmlns:r="http://schemas.openxmlformats.org/officeDocument/2006/relationships" xmlns:p="http://schemas.openxmlformats.org/presentationml/2006/main">
+  <p:cSld>
+    <p:spTree>
+      <p:nvGrpSpPr>
+        <p:cNvPr id="1" name=""/>
+        <p:cNvGrpSpPr/>
+        <p:nvPr/>
+      </p:nvGrpSpPr>
+      <p:grpSpPr>
+        <a:xfrm>
+          <a:off x="0" y="0"/>
+          <a:ext cx="0" cy="0"/>
+          <a:chOff x="0" y="0"/>
+          <a:chExt cx="0" cy="0"/>
+        </a:xfrm>
+      </p:grpSpPr>
+      <p:sp>
+        <p:nvSpPr>
+          <p:cNvPr id="2" name="Titel 1"/>
+          <p:cNvSpPr>
+            <a:spLocks noGrp="1"/>
+          </p:cNvSpPr>
+          <p:nvPr>
+            <p:ph type="title"/>
+          </p:nvPr>
+        </p:nvSpPr>
+        <p:spPr/>
+        <p:txBody>
+          <a:bodyPr/>
+          <a:lstStyle/>
+          <a:p>
+            <a:r>
+              <a:rPr lang="da-DK" b="1" smtClean="0"/>
+              <a:t>LINQ – </a:t>
+            </a:r>
+            <a:r>
+              <a:rPr lang="da-DK" b="1" smtClean="0"/>
+              <a:t>Fluent syntax</a:t>
+            </a:r>
+            <a:endParaRPr lang="da-DK" b="1"/>
+          </a:p>
+        </p:txBody>
+      </p:sp>
+      <p:sp>
+        <p:nvSpPr>
+          <p:cNvPr id="3" name="Pladsholder til indhold 2"/>
+          <p:cNvSpPr>
+            <a:spLocks noGrp="1"/>
+          </p:cNvSpPr>
+          <p:nvPr>
+            <p:ph idx="1"/>
+          </p:nvPr>
+        </p:nvSpPr>
+        <p:spPr>
+          <a:xfrm>
+            <a:off x="838200" y="1825625"/>
+            <a:ext cx="9800967" cy="4351338"/>
+          </a:xfrm>
+        </p:spPr>
+        <p:txBody>
+          <a:bodyPr/>
+          <a:lstStyle/>
+          <a:p>
+            <a:r>
+              <a:rPr lang="da-DK"/>
+              <a:t>Calling </a:t>
+            </a:r>
+            <a:r>
+              <a:rPr lang="da-DK" b="1"/>
+              <a:t>Where</a:t>
+            </a:r>
+            <a:r>
+              <a:rPr lang="da-DK"/>
+              <a:t> on a variable of </a:t>
+            </a:r>
+            <a:r>
+              <a:rPr lang="da-DK"/>
+              <a:t>type </a:t>
+            </a:r>
+            <a:r>
+              <a:rPr lang="da-DK" b="1" smtClean="0"/>
+              <a:t>IEnumerable&lt;T&gt;</a:t>
+            </a:r>
+            <a:r>
+              <a:rPr lang="da-DK"/>
+              <a:t> </a:t>
+            </a:r>
+            <a:r>
+              <a:rPr lang="da-DK" smtClean="0"/>
+              <a:t>returns a reference of type </a:t>
+            </a:r>
+            <a:r>
+              <a:rPr lang="da-DK" b="1"/>
+              <a:t>IEnumerable&lt;T&gt;</a:t>
+            </a:r>
+            <a:r>
+              <a:rPr lang="da-DK" smtClean="0"/>
+              <a:t>, i.e. of the same type!</a:t>
+            </a:r>
+          </a:p>
+          <a:p>
+            <a:r>
+              <a:rPr lang="da-DK" smtClean="0"/>
+              <a:t>On this reference, we can (again) call LINQ methods!</a:t>
+            </a:r>
+          </a:p>
+          <a:p>
+            <a:r>
+              <a:rPr lang="da-DK" smtClean="0"/>
+              <a:t>This enables ”chaining” of method calls, which is exactly what characterises the Fluent syntax.</a:t>
+            </a:r>
+            <a:endParaRPr lang="da-DK"/>
+          </a:p>
+        </p:txBody>
+      </p:sp>
+    </p:spTree>
+    <p:extLst>
+      <p:ext uri="{BB962C8B-B14F-4D97-AF65-F5344CB8AC3E}">
+        <p14:creationId xmlns:p14="http://schemas.microsoft.com/office/powerpoint/2010/main" val="889482930"/>
       </p:ext>
     </p:extLst>
   </p:cSld>
@@ -28038,6 +31919,1859 @@
         <p:cTn id="1" dur="indefinite" restart="never" nodeType="tmRoot"/>
       </p:par>
     </p:tnLst>
+  </p:timing>
+</p:sld>
+</file>
+
+<file path=ppt/slides/slide50.xml><?xml version="1.0" encoding="utf-8"?>
+<p:sld xmlns:a="http://schemas.openxmlformats.org/drawingml/2006/main" xmlns:r="http://schemas.openxmlformats.org/officeDocument/2006/relationships" xmlns:p="http://schemas.openxmlformats.org/presentationml/2006/main">
+  <p:cSld>
+    <p:spTree>
+      <p:nvGrpSpPr>
+        <p:cNvPr id="1" name=""/>
+        <p:cNvGrpSpPr/>
+        <p:nvPr/>
+      </p:nvGrpSpPr>
+      <p:grpSpPr>
+        <a:xfrm>
+          <a:off x="0" y="0"/>
+          <a:ext cx="0" cy="0"/>
+          <a:chOff x="0" y="0"/>
+          <a:chExt cx="0" cy="0"/>
+        </a:xfrm>
+      </p:grpSpPr>
+      <p:sp>
+        <p:nvSpPr>
+          <p:cNvPr id="3" name="Pladsholder til indhold 2"/>
+          <p:cNvSpPr>
+            <a:spLocks noGrp="1"/>
+          </p:cNvSpPr>
+          <p:nvPr>
+            <p:ph idx="1"/>
+          </p:nvPr>
+        </p:nvSpPr>
+        <p:spPr>
+          <a:xfrm>
+            <a:off x="543697" y="864973"/>
+            <a:ext cx="11121081" cy="5311990"/>
+          </a:xfrm>
+        </p:spPr>
+        <p:txBody>
+          <a:bodyPr/>
+          <a:lstStyle/>
+          <a:p>
+            <a:pPr indent="0">
+              <a:spcBef>
+                <a:spcPts val="0"/>
+              </a:spcBef>
+              <a:spcAft>
+                <a:spcPts val="0"/>
+              </a:spcAft>
+              <a:buNone/>
+            </a:pPr>
+            <a:r>
+              <a:rPr lang="en-US" b="1" smtClean="0">
+                <a:solidFill>
+                  <a:srgbClr val="0000FF"/>
+                </a:solidFill>
+                <a:latin typeface="Consolas" panose="020B0609020204030204" pitchFamily="49" charset="0"/>
+                <a:ea typeface="Calibri" panose="020F0502020204030204" pitchFamily="34" charset="0"/>
+                <a:cs typeface="Consolas" panose="020B0609020204030204" pitchFamily="49" charset="0"/>
+              </a:rPr>
+              <a:t>var</a:t>
+            </a:r>
+            <a:r>
+              <a:rPr lang="en-US" b="1" smtClean="0">
+                <a:solidFill>
+                  <a:srgbClr val="000000"/>
+                </a:solidFill>
+                <a:latin typeface="Consolas" panose="020B0609020204030204" pitchFamily="49" charset="0"/>
+                <a:ea typeface="Calibri" panose="020F0502020204030204" pitchFamily="34" charset="0"/>
+                <a:cs typeface="Consolas" panose="020B0609020204030204" pitchFamily="49" charset="0"/>
+              </a:rPr>
+              <a:t> qr1 </a:t>
+            </a:r>
+            <a:r>
+              <a:rPr lang="en-US" b="1">
+                <a:solidFill>
+                  <a:srgbClr val="000000"/>
+                </a:solidFill>
+                <a:latin typeface="Consolas" panose="020B0609020204030204" pitchFamily="49" charset="0"/>
+                <a:ea typeface="Calibri" panose="020F0502020204030204" pitchFamily="34" charset="0"/>
+                <a:cs typeface="Consolas" panose="020B0609020204030204" pitchFamily="49" charset="0"/>
+              </a:rPr>
+              <a:t>= </a:t>
+            </a:r>
+            <a:r>
+              <a:rPr lang="en-US" b="1" smtClean="0">
+                <a:solidFill>
+                  <a:srgbClr val="000000"/>
+                </a:solidFill>
+                <a:latin typeface="Consolas" panose="020B0609020204030204" pitchFamily="49" charset="0"/>
+                <a:ea typeface="Calibri" panose="020F0502020204030204" pitchFamily="34" charset="0"/>
+                <a:cs typeface="Consolas" panose="020B0609020204030204" pitchFamily="49" charset="0"/>
+              </a:rPr>
+              <a:t>movies</a:t>
+            </a:r>
+          </a:p>
+          <a:p>
+            <a:pPr indent="0">
+              <a:spcBef>
+                <a:spcPts val="0"/>
+              </a:spcBef>
+              <a:spcAft>
+                <a:spcPts val="0"/>
+              </a:spcAft>
+              <a:buNone/>
+            </a:pPr>
+            <a:r>
+              <a:rPr lang="en-US" b="1">
+                <a:solidFill>
+                  <a:srgbClr val="000000"/>
+                </a:solidFill>
+                <a:latin typeface="Consolas" panose="020B0609020204030204" pitchFamily="49" charset="0"/>
+                <a:ea typeface="Calibri" panose="020F0502020204030204" pitchFamily="34" charset="0"/>
+                <a:cs typeface="Consolas" panose="020B0609020204030204" pitchFamily="49" charset="0"/>
+              </a:rPr>
+              <a:t>	</a:t>
+            </a:r>
+            <a:r>
+              <a:rPr lang="en-US" b="1" smtClean="0">
+                <a:solidFill>
+                  <a:srgbClr val="000000"/>
+                </a:solidFill>
+                <a:latin typeface="Consolas" panose="020B0609020204030204" pitchFamily="49" charset="0"/>
+                <a:ea typeface="Calibri" panose="020F0502020204030204" pitchFamily="34" charset="0"/>
+                <a:cs typeface="Consolas" panose="020B0609020204030204" pitchFamily="49" charset="0"/>
+              </a:rPr>
+              <a:t>	 .Select(m </a:t>
+            </a:r>
+            <a:r>
+              <a:rPr lang="en-US" b="1">
+                <a:solidFill>
+                  <a:srgbClr val="000000"/>
+                </a:solidFill>
+                <a:latin typeface="Consolas" panose="020B0609020204030204" pitchFamily="49" charset="0"/>
+                <a:ea typeface="Calibri" panose="020F0502020204030204" pitchFamily="34" charset="0"/>
+                <a:cs typeface="Consolas" panose="020B0609020204030204" pitchFamily="49" charset="0"/>
+              </a:rPr>
+              <a:t>=&gt; </a:t>
+            </a:r>
+            <a:r>
+              <a:rPr lang="en-US" b="1">
+                <a:solidFill>
+                  <a:srgbClr val="0000FF"/>
+                </a:solidFill>
+                <a:latin typeface="Consolas" panose="020B0609020204030204" pitchFamily="49" charset="0"/>
+                <a:ea typeface="Calibri" panose="020F0502020204030204" pitchFamily="34" charset="0"/>
+                <a:cs typeface="Consolas" panose="020B0609020204030204" pitchFamily="49" charset="0"/>
+              </a:rPr>
+              <a:t>new</a:t>
+            </a:r>
+            <a:r>
+              <a:rPr lang="en-US" b="1">
+                <a:solidFill>
+                  <a:srgbClr val="000000"/>
+                </a:solidFill>
+                <a:latin typeface="Consolas" panose="020B0609020204030204" pitchFamily="49" charset="0"/>
+                <a:ea typeface="Calibri" panose="020F0502020204030204" pitchFamily="34" charset="0"/>
+                <a:cs typeface="Consolas" panose="020B0609020204030204" pitchFamily="49" charset="0"/>
+              </a:rPr>
+              <a:t> {m.Title, m.Year})</a:t>
+            </a:r>
+            <a:endParaRPr lang="da-DK">
+              <a:latin typeface="Calibri" panose="020F0502020204030204" pitchFamily="34" charset="0"/>
+              <a:ea typeface="Calibri" panose="020F0502020204030204" pitchFamily="34" charset="0"/>
+              <a:cs typeface="Times New Roman" panose="02020603050405020304" pitchFamily="18" charset="0"/>
+            </a:endParaRPr>
+          </a:p>
+          <a:p>
+            <a:pPr marL="0" indent="0">
+              <a:spcBef>
+                <a:spcPts val="0"/>
+              </a:spcBef>
+              <a:spcAft>
+                <a:spcPts val="0"/>
+              </a:spcAft>
+              <a:buNone/>
+            </a:pPr>
+            <a:r>
+              <a:rPr lang="en-US" b="1" smtClean="0">
+                <a:solidFill>
+                  <a:srgbClr val="000000"/>
+                </a:solidFill>
+                <a:latin typeface="Consolas" panose="020B0609020204030204" pitchFamily="49" charset="0"/>
+                <a:ea typeface="Calibri" panose="020F0502020204030204" pitchFamily="34" charset="0"/>
+                <a:cs typeface="Consolas" panose="020B0609020204030204" pitchFamily="49" charset="0"/>
+              </a:rPr>
+              <a:t>		 .</a:t>
+            </a:r>
+            <a:r>
+              <a:rPr lang="en-US" b="1">
+                <a:solidFill>
+                  <a:srgbClr val="000000"/>
+                </a:solidFill>
+                <a:latin typeface="Consolas" panose="020B0609020204030204" pitchFamily="49" charset="0"/>
+                <a:ea typeface="Calibri" panose="020F0502020204030204" pitchFamily="34" charset="0"/>
+                <a:cs typeface="Consolas" panose="020B0609020204030204" pitchFamily="49" charset="0"/>
+              </a:rPr>
+              <a:t>Where(m =&gt; m.Year &gt; </a:t>
+            </a:r>
+            <a:r>
+              <a:rPr lang="en-US" b="1">
+                <a:solidFill>
+                  <a:srgbClr val="000000"/>
+                </a:solidFill>
+                <a:latin typeface="Consolas" panose="020B0609020204030204" pitchFamily="49" charset="0"/>
+                <a:ea typeface="Calibri" panose="020F0502020204030204" pitchFamily="34" charset="0"/>
+                <a:cs typeface="Consolas" panose="020B0609020204030204" pitchFamily="49" charset="0"/>
+              </a:rPr>
+              <a:t>1995</a:t>
+            </a:r>
+            <a:r>
+              <a:rPr lang="en-US" b="1" smtClean="0">
+                <a:solidFill>
+                  <a:srgbClr val="000000"/>
+                </a:solidFill>
+                <a:latin typeface="Consolas" panose="020B0609020204030204" pitchFamily="49" charset="0"/>
+                <a:ea typeface="Calibri" panose="020F0502020204030204" pitchFamily="34" charset="0"/>
+                <a:cs typeface="Consolas" panose="020B0609020204030204" pitchFamily="49" charset="0"/>
+              </a:rPr>
+              <a:t>);</a:t>
+            </a:r>
+          </a:p>
+          <a:p>
+            <a:pPr marL="0" indent="0">
+              <a:spcBef>
+                <a:spcPts val="0"/>
+              </a:spcBef>
+              <a:spcAft>
+                <a:spcPts val="0"/>
+              </a:spcAft>
+              <a:buNone/>
+            </a:pPr>
+            <a:endParaRPr lang="en-US" b="1">
+              <a:solidFill>
+                <a:srgbClr val="000000"/>
+              </a:solidFill>
+              <a:latin typeface="Consolas" panose="020B0609020204030204" pitchFamily="49" charset="0"/>
+              <a:ea typeface="Calibri" panose="020F0502020204030204" pitchFamily="34" charset="0"/>
+              <a:cs typeface="Times New Roman" panose="02020603050405020304" pitchFamily="18" charset="0"/>
+            </a:endParaRPr>
+          </a:p>
+          <a:p>
+            <a:pPr indent="0">
+              <a:spcBef>
+                <a:spcPts val="0"/>
+              </a:spcBef>
+              <a:spcAft>
+                <a:spcPts val="0"/>
+              </a:spcAft>
+              <a:buNone/>
+            </a:pPr>
+            <a:r>
+              <a:rPr lang="en-US" b="1">
+                <a:solidFill>
+                  <a:srgbClr val="0000FF"/>
+                </a:solidFill>
+                <a:latin typeface="Consolas" panose="020B0609020204030204" pitchFamily="49" charset="0"/>
+                <a:ea typeface="Calibri" panose="020F0502020204030204" pitchFamily="34" charset="0"/>
+                <a:cs typeface="Consolas" panose="020B0609020204030204" pitchFamily="49" charset="0"/>
+              </a:rPr>
+              <a:t>var</a:t>
+            </a:r>
+            <a:r>
+              <a:rPr lang="en-US" b="1">
+                <a:solidFill>
+                  <a:srgbClr val="000000"/>
+                </a:solidFill>
+                <a:latin typeface="Consolas" panose="020B0609020204030204" pitchFamily="49" charset="0"/>
+                <a:ea typeface="Calibri" panose="020F0502020204030204" pitchFamily="34" charset="0"/>
+                <a:cs typeface="Consolas" panose="020B0609020204030204" pitchFamily="49" charset="0"/>
+              </a:rPr>
+              <a:t> </a:t>
+            </a:r>
+            <a:r>
+              <a:rPr lang="en-US" b="1" smtClean="0">
+                <a:solidFill>
+                  <a:srgbClr val="000000"/>
+                </a:solidFill>
+                <a:latin typeface="Consolas" panose="020B0609020204030204" pitchFamily="49" charset="0"/>
+                <a:ea typeface="Calibri" panose="020F0502020204030204" pitchFamily="34" charset="0"/>
+                <a:cs typeface="Consolas" panose="020B0609020204030204" pitchFamily="49" charset="0"/>
+              </a:rPr>
+              <a:t>qr2 </a:t>
+            </a:r>
+            <a:r>
+              <a:rPr lang="en-US" b="1">
+                <a:solidFill>
+                  <a:srgbClr val="000000"/>
+                </a:solidFill>
+                <a:latin typeface="Consolas" panose="020B0609020204030204" pitchFamily="49" charset="0"/>
+                <a:ea typeface="Calibri" panose="020F0502020204030204" pitchFamily="34" charset="0"/>
+                <a:cs typeface="Consolas" panose="020B0609020204030204" pitchFamily="49" charset="0"/>
+              </a:rPr>
+              <a:t>= movies</a:t>
+            </a:r>
+          </a:p>
+          <a:p>
+            <a:pPr indent="0">
+              <a:spcBef>
+                <a:spcPts val="0"/>
+              </a:spcBef>
+              <a:spcAft>
+                <a:spcPts val="0"/>
+              </a:spcAft>
+              <a:buNone/>
+            </a:pPr>
+            <a:r>
+              <a:rPr lang="en-US" b="1">
+                <a:solidFill>
+                  <a:srgbClr val="000000"/>
+                </a:solidFill>
+                <a:latin typeface="Consolas" panose="020B0609020204030204" pitchFamily="49" charset="0"/>
+                <a:ea typeface="Calibri" panose="020F0502020204030204" pitchFamily="34" charset="0"/>
+                <a:cs typeface="Consolas" panose="020B0609020204030204" pitchFamily="49" charset="0"/>
+              </a:rPr>
+              <a:t>	</a:t>
+            </a:r>
+            <a:r>
+              <a:rPr lang="en-US" b="1">
+                <a:solidFill>
+                  <a:srgbClr val="000000"/>
+                </a:solidFill>
+                <a:latin typeface="Consolas" panose="020B0609020204030204" pitchFamily="49" charset="0"/>
+                <a:ea typeface="Calibri" panose="020F0502020204030204" pitchFamily="34" charset="0"/>
+                <a:cs typeface="Consolas" panose="020B0609020204030204" pitchFamily="49" charset="0"/>
+              </a:rPr>
+              <a:t>	</a:t>
+            </a:r>
+            <a:r>
+              <a:rPr lang="en-US" b="1" smtClean="0">
+                <a:solidFill>
+                  <a:srgbClr val="000000"/>
+                </a:solidFill>
+                <a:latin typeface="Consolas" panose="020B0609020204030204" pitchFamily="49" charset="0"/>
+                <a:ea typeface="Calibri" panose="020F0502020204030204" pitchFamily="34" charset="0"/>
+                <a:cs typeface="Consolas" panose="020B0609020204030204" pitchFamily="49" charset="0"/>
+              </a:rPr>
+              <a:t> .</a:t>
+            </a:r>
+            <a:r>
+              <a:rPr lang="en-US" b="1">
+                <a:solidFill>
+                  <a:srgbClr val="000000"/>
+                </a:solidFill>
+                <a:latin typeface="Consolas" panose="020B0609020204030204" pitchFamily="49" charset="0"/>
+                <a:ea typeface="Calibri" panose="020F0502020204030204" pitchFamily="34" charset="0"/>
+                <a:cs typeface="Consolas" panose="020B0609020204030204" pitchFamily="49" charset="0"/>
+              </a:rPr>
+              <a:t>Select(m =&gt; </a:t>
+            </a:r>
+            <a:r>
+              <a:rPr lang="en-US" b="1">
+                <a:solidFill>
+                  <a:srgbClr val="0000FF"/>
+                </a:solidFill>
+                <a:latin typeface="Consolas" panose="020B0609020204030204" pitchFamily="49" charset="0"/>
+                <a:ea typeface="Calibri" panose="020F0502020204030204" pitchFamily="34" charset="0"/>
+                <a:cs typeface="Consolas" panose="020B0609020204030204" pitchFamily="49" charset="0"/>
+              </a:rPr>
+              <a:t>new</a:t>
+            </a:r>
+            <a:r>
+              <a:rPr lang="en-US" b="1">
+                <a:solidFill>
+                  <a:srgbClr val="000000"/>
+                </a:solidFill>
+                <a:latin typeface="Consolas" panose="020B0609020204030204" pitchFamily="49" charset="0"/>
+                <a:ea typeface="Calibri" panose="020F0502020204030204" pitchFamily="34" charset="0"/>
+                <a:cs typeface="Consolas" panose="020B0609020204030204" pitchFamily="49" charset="0"/>
+              </a:rPr>
+              <a:t> {m.Title, </a:t>
+            </a:r>
+            <a:r>
+              <a:rPr lang="en-US" b="1">
+                <a:solidFill>
+                  <a:srgbClr val="000000"/>
+                </a:solidFill>
+                <a:latin typeface="Consolas" panose="020B0609020204030204" pitchFamily="49" charset="0"/>
+                <a:ea typeface="Calibri" panose="020F0502020204030204" pitchFamily="34" charset="0"/>
+                <a:cs typeface="Consolas" panose="020B0609020204030204" pitchFamily="49" charset="0"/>
+              </a:rPr>
+              <a:t>m.Year</a:t>
+            </a:r>
+            <a:r>
+              <a:rPr lang="en-US" b="1" smtClean="0">
+                <a:solidFill>
+                  <a:srgbClr val="000000"/>
+                </a:solidFill>
+                <a:latin typeface="Consolas" panose="020B0609020204030204" pitchFamily="49" charset="0"/>
+                <a:ea typeface="Calibri" panose="020F0502020204030204" pitchFamily="34" charset="0"/>
+                <a:cs typeface="Consolas" panose="020B0609020204030204" pitchFamily="49" charset="0"/>
+              </a:rPr>
+              <a:t>})</a:t>
+            </a:r>
+          </a:p>
+          <a:p>
+            <a:pPr indent="0">
+              <a:spcBef>
+                <a:spcPts val="0"/>
+              </a:spcBef>
+              <a:spcAft>
+                <a:spcPts val="0"/>
+              </a:spcAft>
+              <a:buNone/>
+            </a:pPr>
+            <a:r>
+              <a:rPr lang="en-US" b="1" smtClean="0">
+                <a:solidFill>
+                  <a:srgbClr val="000000"/>
+                </a:solidFill>
+                <a:latin typeface="Consolas" panose="020B0609020204030204" pitchFamily="49" charset="0"/>
+                <a:ea typeface="Calibri" panose="020F0502020204030204" pitchFamily="34" charset="0"/>
+                <a:cs typeface="Consolas" panose="020B0609020204030204" pitchFamily="49" charset="0"/>
+              </a:rPr>
+              <a:t>		 .</a:t>
+            </a:r>
+            <a:r>
+              <a:rPr lang="en-US" b="1">
+                <a:solidFill>
+                  <a:srgbClr val="000000"/>
+                </a:solidFill>
+                <a:latin typeface="Consolas" panose="020B0609020204030204" pitchFamily="49" charset="0"/>
+                <a:ea typeface="Calibri" panose="020F0502020204030204" pitchFamily="34" charset="0"/>
+                <a:cs typeface="Consolas" panose="020B0609020204030204" pitchFamily="49" charset="0"/>
+              </a:rPr>
+              <a:t>Where(m =&gt; </a:t>
+            </a:r>
+            <a:r>
+              <a:rPr lang="en-US" b="1">
+                <a:solidFill>
+                  <a:srgbClr val="000000"/>
+                </a:solidFill>
+                <a:latin typeface="Consolas" panose="020B0609020204030204" pitchFamily="49" charset="0"/>
+                <a:ea typeface="Calibri" panose="020F0502020204030204" pitchFamily="34" charset="0"/>
+                <a:cs typeface="Consolas" panose="020B0609020204030204" pitchFamily="49" charset="0"/>
+              </a:rPr>
+              <a:t>m.Year </a:t>
+            </a:r>
+            <a:r>
+              <a:rPr lang="en-US" b="1" smtClean="0">
+                <a:solidFill>
+                  <a:srgbClr val="000000"/>
+                </a:solidFill>
+                <a:latin typeface="Consolas" panose="020B0609020204030204" pitchFamily="49" charset="0"/>
+                <a:ea typeface="Calibri" panose="020F0502020204030204" pitchFamily="34" charset="0"/>
+                <a:cs typeface="Consolas" panose="020B0609020204030204" pitchFamily="49" charset="0"/>
+              </a:rPr>
+              <a:t>&lt; 2010);</a:t>
+            </a:r>
+            <a:endParaRPr lang="da-DK">
+              <a:latin typeface="Calibri" panose="020F0502020204030204" pitchFamily="34" charset="0"/>
+              <a:ea typeface="Calibri" panose="020F0502020204030204" pitchFamily="34" charset="0"/>
+              <a:cs typeface="Times New Roman" panose="02020603050405020304" pitchFamily="18" charset="0"/>
+            </a:endParaRPr>
+          </a:p>
+          <a:p>
+            <a:pPr marL="0" indent="0">
+              <a:spcBef>
+                <a:spcPts val="0"/>
+              </a:spcBef>
+              <a:spcAft>
+                <a:spcPts val="0"/>
+              </a:spcAft>
+              <a:buNone/>
+            </a:pPr>
+            <a:r>
+              <a:rPr lang="en-US" b="1">
+                <a:solidFill>
+                  <a:srgbClr val="000000"/>
+                </a:solidFill>
+                <a:latin typeface="Consolas" panose="020B0609020204030204" pitchFamily="49" charset="0"/>
+                <a:ea typeface="Calibri" panose="020F0502020204030204" pitchFamily="34" charset="0"/>
+                <a:cs typeface="Consolas" panose="020B0609020204030204" pitchFamily="49" charset="0"/>
+              </a:rPr>
+              <a:t>	</a:t>
+            </a:r>
+            <a:r>
+              <a:rPr lang="en-US" b="1">
+                <a:solidFill>
+                  <a:srgbClr val="000000"/>
+                </a:solidFill>
+                <a:latin typeface="Consolas" panose="020B0609020204030204" pitchFamily="49" charset="0"/>
+                <a:ea typeface="Calibri" panose="020F0502020204030204" pitchFamily="34" charset="0"/>
+                <a:cs typeface="Consolas" panose="020B0609020204030204" pitchFamily="49" charset="0"/>
+              </a:rPr>
+              <a:t>	</a:t>
+            </a:r>
+            <a:r>
+              <a:rPr lang="en-US" b="1" smtClean="0">
+                <a:solidFill>
+                  <a:srgbClr val="000000"/>
+                </a:solidFill>
+                <a:latin typeface="Consolas" panose="020B0609020204030204" pitchFamily="49" charset="0"/>
+                <a:ea typeface="Calibri" panose="020F0502020204030204" pitchFamily="34" charset="0"/>
+                <a:cs typeface="Consolas" panose="020B0609020204030204" pitchFamily="49" charset="0"/>
+              </a:rPr>
+              <a:t> .</a:t>
+            </a:r>
+            <a:r>
+              <a:rPr lang="en-US" b="1">
+                <a:solidFill>
+                  <a:srgbClr val="000000"/>
+                </a:solidFill>
+                <a:latin typeface="Consolas" panose="020B0609020204030204" pitchFamily="49" charset="0"/>
+                <a:ea typeface="Calibri" panose="020F0502020204030204" pitchFamily="34" charset="0"/>
+                <a:cs typeface="Consolas" panose="020B0609020204030204" pitchFamily="49" charset="0"/>
+              </a:rPr>
+              <a:t>Where(m =&gt; m.Year &gt; 1995);</a:t>
+            </a:r>
+            <a:endParaRPr lang="da-DK">
+              <a:latin typeface="Calibri" panose="020F0502020204030204" pitchFamily="34" charset="0"/>
+              <a:ea typeface="Calibri" panose="020F0502020204030204" pitchFamily="34" charset="0"/>
+              <a:cs typeface="Times New Roman" panose="02020603050405020304" pitchFamily="18" charset="0"/>
+            </a:endParaRPr>
+          </a:p>
+          <a:p>
+            <a:pPr marL="0" indent="0">
+              <a:spcBef>
+                <a:spcPts val="0"/>
+              </a:spcBef>
+              <a:spcAft>
+                <a:spcPts val="0"/>
+              </a:spcAft>
+              <a:buNone/>
+            </a:pPr>
+            <a:endParaRPr lang="da-DK">
+              <a:latin typeface="Calibri" panose="020F0502020204030204" pitchFamily="34" charset="0"/>
+              <a:ea typeface="Calibri" panose="020F0502020204030204" pitchFamily="34" charset="0"/>
+              <a:cs typeface="Times New Roman" panose="02020603050405020304" pitchFamily="18" charset="0"/>
+            </a:endParaRPr>
+          </a:p>
+          <a:p>
+            <a:pPr indent="0">
+              <a:spcBef>
+                <a:spcPts val="0"/>
+              </a:spcBef>
+              <a:spcAft>
+                <a:spcPts val="0"/>
+              </a:spcAft>
+              <a:buNone/>
+            </a:pPr>
+            <a:r>
+              <a:rPr lang="en-US" sz="2400" b="1">
+                <a:solidFill>
+                  <a:srgbClr val="000000"/>
+                </a:solidFill>
+                <a:latin typeface="Consolas" panose="020B0609020204030204" pitchFamily="49" charset="0"/>
+                <a:ea typeface="Calibri" panose="020F0502020204030204" pitchFamily="34" charset="0"/>
+                <a:cs typeface="Consolas" panose="020B0609020204030204" pitchFamily="49" charset="0"/>
+              </a:rPr>
+              <a:t> </a:t>
+            </a:r>
+            <a:endParaRPr lang="da-DK" sz="2400">
+              <a:latin typeface="Calibri" panose="020F0502020204030204" pitchFamily="34" charset="0"/>
+              <a:ea typeface="Calibri" panose="020F0502020204030204" pitchFamily="34" charset="0"/>
+              <a:cs typeface="Times New Roman" panose="02020603050405020304" pitchFamily="18" charset="0"/>
+            </a:endParaRPr>
+          </a:p>
+          <a:p>
+            <a:pPr marL="0" indent="0">
+              <a:spcBef>
+                <a:spcPts val="0"/>
+              </a:spcBef>
+              <a:buNone/>
+            </a:pPr>
+            <a:endParaRPr lang="da-DK"/>
+          </a:p>
+        </p:txBody>
+      </p:sp>
+    </p:spTree>
+    <p:extLst>
+      <p:ext uri="{BB962C8B-B14F-4D97-AF65-F5344CB8AC3E}">
+        <p14:creationId xmlns:p14="http://schemas.microsoft.com/office/powerpoint/2010/main" val="3364880510"/>
+      </p:ext>
+    </p:extLst>
+  </p:cSld>
+  <p:clrMapOvr>
+    <a:masterClrMapping/>
+  </p:clrMapOvr>
+  <mc:AlternateContent xmlns:mc="http://schemas.openxmlformats.org/markup-compatibility/2006">
+    <mc:Choice xmlns:p14="http://schemas.microsoft.com/office/powerpoint/2010/main" Requires="p14">
+      <p:transition p14:dur="0"/>
+    </mc:Choice>
+    <mc:Fallback>
+      <p:transition/>
+    </mc:Fallback>
+  </mc:AlternateContent>
+  <p:timing>
+    <p:tnLst>
+      <p:par>
+        <p:cTn id="1" dur="indefinite" restart="never" nodeType="tmRoot"/>
+      </p:par>
+    </p:tnLst>
+  </p:timing>
+</p:sld>
+</file>
+
+<file path=ppt/slides/slide51.xml><?xml version="1.0" encoding="utf-8"?>
+<p:sld xmlns:a="http://schemas.openxmlformats.org/drawingml/2006/main" xmlns:r="http://schemas.openxmlformats.org/officeDocument/2006/relationships" xmlns:p="http://schemas.openxmlformats.org/presentationml/2006/main">
+  <p:cSld>
+    <p:spTree>
+      <p:nvGrpSpPr>
+        <p:cNvPr id="1" name=""/>
+        <p:cNvGrpSpPr/>
+        <p:nvPr/>
+      </p:nvGrpSpPr>
+      <p:grpSpPr>
+        <a:xfrm>
+          <a:off x="0" y="0"/>
+          <a:ext cx="0" cy="0"/>
+          <a:chOff x="0" y="0"/>
+          <a:chExt cx="0" cy="0"/>
+        </a:xfrm>
+      </p:grpSpPr>
+      <p:sp>
+        <p:nvSpPr>
+          <p:cNvPr id="2" name="Titel 1"/>
+          <p:cNvSpPr>
+            <a:spLocks noGrp="1"/>
+          </p:cNvSpPr>
+          <p:nvPr>
+            <p:ph type="title"/>
+          </p:nvPr>
+        </p:nvSpPr>
+        <p:spPr/>
+        <p:txBody>
+          <a:bodyPr/>
+          <a:lstStyle/>
+          <a:p>
+            <a:r>
+              <a:rPr lang="da-DK" b="1" smtClean="0"/>
+              <a:t>LINQ – </a:t>
+            </a:r>
+            <a:r>
+              <a:rPr lang="da-DK" b="1" smtClean="0"/>
+              <a:t>Fluent syntax</a:t>
+            </a:r>
+            <a:endParaRPr lang="da-DK" b="1"/>
+          </a:p>
+        </p:txBody>
+      </p:sp>
+      <p:sp>
+        <p:nvSpPr>
+          <p:cNvPr id="3" name="Pladsholder til indhold 2"/>
+          <p:cNvSpPr>
+            <a:spLocks noGrp="1"/>
+          </p:cNvSpPr>
+          <p:nvPr>
+            <p:ph idx="1"/>
+          </p:nvPr>
+        </p:nvSpPr>
+        <p:spPr>
+          <a:xfrm>
+            <a:off x="838200" y="1825625"/>
+            <a:ext cx="10515599" cy="4351338"/>
+          </a:xfrm>
+        </p:spPr>
+        <p:txBody>
+          <a:bodyPr/>
+          <a:lstStyle/>
+          <a:p>
+            <a:r>
+              <a:rPr lang="da-DK" smtClean="0"/>
+              <a:t>Also note the parameter to the </a:t>
+            </a:r>
+            <a:r>
+              <a:rPr lang="da-DK" b="1" smtClean="0"/>
+              <a:t>Select</a:t>
+            </a:r>
+            <a:r>
+              <a:rPr lang="da-DK" smtClean="0"/>
+              <a:t> method:</a:t>
+            </a:r>
+          </a:p>
+          <a:p>
+            <a:r>
+              <a:rPr lang="en-US" b="1"/>
+              <a:t>Select(</a:t>
+            </a:r>
+            <a:r>
+              <a:rPr lang="en-US" b="1">
+                <a:solidFill>
+                  <a:srgbClr val="FF0000"/>
+                </a:solidFill>
+              </a:rPr>
+              <a:t>m =&gt; new {m.Title, </a:t>
+            </a:r>
+            <a:r>
+              <a:rPr lang="en-US" b="1">
+                <a:solidFill>
+                  <a:srgbClr val="FF0000"/>
+                </a:solidFill>
+              </a:rPr>
+              <a:t>m.Year</a:t>
+            </a:r>
+            <a:r>
+              <a:rPr lang="en-US" b="1" smtClean="0">
+                <a:solidFill>
+                  <a:srgbClr val="FF0000"/>
+                </a:solidFill>
+              </a:rPr>
+              <a:t>}</a:t>
+            </a:r>
+            <a:r>
+              <a:rPr lang="en-US" b="1" smtClean="0"/>
+              <a:t>), or</a:t>
+            </a:r>
+          </a:p>
+          <a:p>
+            <a:r>
+              <a:rPr lang="en-US" b="1"/>
+              <a:t>Select(</a:t>
+            </a:r>
+            <a:r>
+              <a:rPr lang="en-US" b="1">
+                <a:solidFill>
+                  <a:srgbClr val="FF0000"/>
+                </a:solidFill>
+              </a:rPr>
+              <a:t>m </a:t>
+            </a:r>
+            <a:r>
+              <a:rPr lang="en-US" b="1">
+                <a:solidFill>
+                  <a:srgbClr val="FF0000"/>
+                </a:solidFill>
+              </a:rPr>
+              <a:t>=&gt; </a:t>
+            </a:r>
+            <a:r>
+              <a:rPr lang="en-US" b="1" smtClean="0">
+                <a:solidFill>
+                  <a:srgbClr val="FF0000"/>
+                </a:solidFill>
+              </a:rPr>
+              <a:t>m.Title</a:t>
+            </a:r>
+            <a:r>
+              <a:rPr lang="en-US" b="1" smtClean="0"/>
+              <a:t>), or</a:t>
+            </a:r>
+            <a:endParaRPr lang="en-US" b="1"/>
+          </a:p>
+          <a:p>
+            <a:r>
+              <a:rPr lang="da-DK" smtClean="0"/>
+              <a:t>I.e. a method of type </a:t>
+            </a:r>
+            <a:r>
+              <a:rPr lang="da-DK" b="1" smtClean="0"/>
+              <a:t>Func&lt;T, V&gt;</a:t>
+            </a:r>
+            <a:r>
+              <a:rPr lang="da-DK" smtClean="0"/>
+              <a:t>, where</a:t>
+            </a:r>
+          </a:p>
+          <a:p>
+            <a:pPr lvl="1"/>
+            <a:r>
+              <a:rPr lang="da-DK" b="1" smtClean="0"/>
+              <a:t>T</a:t>
+            </a:r>
+            <a:r>
+              <a:rPr lang="da-DK" smtClean="0"/>
+              <a:t> is the type of the item in the collection (here </a:t>
+            </a:r>
+            <a:r>
+              <a:rPr lang="da-DK" b="1" smtClean="0"/>
+              <a:t>Movie</a:t>
+            </a:r>
+            <a:r>
+              <a:rPr lang="da-DK" smtClean="0"/>
+              <a:t>)</a:t>
+            </a:r>
+          </a:p>
+          <a:p>
+            <a:pPr lvl="1"/>
+            <a:r>
+              <a:rPr lang="da-DK" b="1" smtClean="0"/>
+              <a:t>V</a:t>
+            </a:r>
+            <a:r>
+              <a:rPr lang="da-DK" smtClean="0"/>
+              <a:t> is the type of the selected/transformed data (here an anonymous type in the first cse, and just </a:t>
+            </a:r>
+            <a:r>
+              <a:rPr lang="da-DK" b="1" smtClean="0"/>
+              <a:t>string</a:t>
+            </a:r>
+            <a:r>
+              <a:rPr lang="da-DK" smtClean="0"/>
+              <a:t> in the second case)</a:t>
+            </a:r>
+            <a:endParaRPr lang="da-DK"/>
+          </a:p>
+        </p:txBody>
+      </p:sp>
+    </p:spTree>
+    <p:extLst>
+      <p:ext uri="{BB962C8B-B14F-4D97-AF65-F5344CB8AC3E}">
+        <p14:creationId xmlns:p14="http://schemas.microsoft.com/office/powerpoint/2010/main" val="1659620059"/>
+      </p:ext>
+    </p:extLst>
+  </p:cSld>
+  <p:clrMapOvr>
+    <a:masterClrMapping/>
+  </p:clrMapOvr>
+  <p:timing>
+    <p:tnLst>
+      <p:par>
+        <p:cTn id="1" dur="indefinite" restart="never" nodeType="tmRoot"/>
+      </p:par>
+    </p:tnLst>
+  </p:timing>
+</p:sld>
+</file>
+
+<file path=ppt/slides/slide52.xml><?xml version="1.0" encoding="utf-8"?>
+<p:sld xmlns:a="http://schemas.openxmlformats.org/drawingml/2006/main" xmlns:r="http://schemas.openxmlformats.org/officeDocument/2006/relationships" xmlns:p="http://schemas.openxmlformats.org/presentationml/2006/main">
+  <p:cSld>
+    <p:spTree>
+      <p:nvGrpSpPr>
+        <p:cNvPr id="1" name=""/>
+        <p:cNvGrpSpPr/>
+        <p:nvPr/>
+      </p:nvGrpSpPr>
+      <p:grpSpPr>
+        <a:xfrm>
+          <a:off x="0" y="0"/>
+          <a:ext cx="0" cy="0"/>
+          <a:chOff x="0" y="0"/>
+          <a:chExt cx="0" cy="0"/>
+        </a:xfrm>
+      </p:grpSpPr>
+      <p:sp>
+        <p:nvSpPr>
+          <p:cNvPr id="3" name="Pladsholder til indhold 2"/>
+          <p:cNvSpPr>
+            <a:spLocks noGrp="1"/>
+          </p:cNvSpPr>
+          <p:nvPr>
+            <p:ph idx="1"/>
+          </p:nvPr>
+        </p:nvSpPr>
+        <p:spPr>
+          <a:xfrm>
+            <a:off x="543697" y="864973"/>
+            <a:ext cx="11121081" cy="5311990"/>
+          </a:xfrm>
+        </p:spPr>
+        <p:txBody>
+          <a:bodyPr>
+            <a:normAutofit/>
+          </a:bodyPr>
+          <a:lstStyle/>
+          <a:p>
+            <a:pPr indent="0">
+              <a:spcBef>
+                <a:spcPts val="0"/>
+              </a:spcBef>
+              <a:spcAft>
+                <a:spcPts val="1200"/>
+              </a:spcAft>
+              <a:buNone/>
+            </a:pPr>
+            <a:r>
+              <a:rPr lang="en-US" sz="3600" b="1">
+                <a:solidFill>
+                  <a:srgbClr val="0000FF"/>
+                </a:solidFill>
+                <a:latin typeface="Consolas" panose="020B0609020204030204" pitchFamily="49" charset="0"/>
+                <a:ea typeface="Calibri" panose="020F0502020204030204" pitchFamily="34" charset="0"/>
+                <a:cs typeface="Consolas" panose="020B0609020204030204" pitchFamily="49" charset="0"/>
+              </a:rPr>
+              <a:t>var</a:t>
+            </a:r>
+            <a:r>
+              <a:rPr lang="en-US" sz="3600" b="1">
+                <a:solidFill>
+                  <a:srgbClr val="000000"/>
+                </a:solidFill>
+                <a:latin typeface="Consolas" panose="020B0609020204030204" pitchFamily="49" charset="0"/>
+                <a:ea typeface="Calibri" panose="020F0502020204030204" pitchFamily="34" charset="0"/>
+                <a:cs typeface="Consolas" panose="020B0609020204030204" pitchFamily="49" charset="0"/>
+              </a:rPr>
+              <a:t> </a:t>
+            </a:r>
+            <a:r>
+              <a:rPr lang="en-US" sz="3600" b="1" smtClean="0">
+                <a:solidFill>
+                  <a:srgbClr val="000000"/>
+                </a:solidFill>
+                <a:latin typeface="Consolas" panose="020B0609020204030204" pitchFamily="49" charset="0"/>
+                <a:ea typeface="Calibri" panose="020F0502020204030204" pitchFamily="34" charset="0"/>
+                <a:cs typeface="Consolas" panose="020B0609020204030204" pitchFamily="49" charset="0"/>
+              </a:rPr>
+              <a:t>qrA = </a:t>
+            </a:r>
+            <a:r>
+              <a:rPr lang="en-US" sz="3600" b="1" smtClean="0">
+                <a:solidFill>
+                  <a:srgbClr val="0000FF"/>
+                </a:solidFill>
+                <a:latin typeface="Consolas" panose="020B0609020204030204" pitchFamily="49" charset="0"/>
+                <a:ea typeface="Calibri" panose="020F0502020204030204" pitchFamily="34" charset="0"/>
+                <a:cs typeface="Consolas" panose="020B0609020204030204" pitchFamily="49" charset="0"/>
+              </a:rPr>
+              <a:t>from</a:t>
+            </a:r>
+            <a:r>
+              <a:rPr lang="en-US" sz="3600" b="1" smtClean="0">
+                <a:solidFill>
+                  <a:srgbClr val="000000"/>
+                </a:solidFill>
+                <a:latin typeface="Consolas" panose="020B0609020204030204" pitchFamily="49" charset="0"/>
+                <a:ea typeface="Calibri" panose="020F0502020204030204" pitchFamily="34" charset="0"/>
+                <a:cs typeface="Consolas" panose="020B0609020204030204" pitchFamily="49" charset="0"/>
+              </a:rPr>
+              <a:t> </a:t>
+            </a:r>
+            <a:r>
+              <a:rPr lang="en-US" sz="3600" b="1">
+                <a:solidFill>
+                  <a:srgbClr val="000000"/>
+                </a:solidFill>
+                <a:latin typeface="Consolas" panose="020B0609020204030204" pitchFamily="49" charset="0"/>
+                <a:ea typeface="Calibri" panose="020F0502020204030204" pitchFamily="34" charset="0"/>
+                <a:cs typeface="Consolas" panose="020B0609020204030204" pitchFamily="49" charset="0"/>
+              </a:rPr>
+              <a:t>m </a:t>
+            </a:r>
+            <a:r>
+              <a:rPr lang="en-US" sz="3600" b="1">
+                <a:solidFill>
+                  <a:srgbClr val="0000FF"/>
+                </a:solidFill>
+                <a:latin typeface="Consolas" panose="020B0609020204030204" pitchFamily="49" charset="0"/>
+                <a:ea typeface="Calibri" panose="020F0502020204030204" pitchFamily="34" charset="0"/>
+                <a:cs typeface="Consolas" panose="020B0609020204030204" pitchFamily="49" charset="0"/>
+              </a:rPr>
+              <a:t>in</a:t>
+            </a:r>
+            <a:r>
+              <a:rPr lang="en-US" sz="3600" b="1">
+                <a:solidFill>
+                  <a:srgbClr val="000000"/>
+                </a:solidFill>
+                <a:latin typeface="Consolas" panose="020B0609020204030204" pitchFamily="49" charset="0"/>
+                <a:ea typeface="Calibri" panose="020F0502020204030204" pitchFamily="34" charset="0"/>
+                <a:cs typeface="Consolas" panose="020B0609020204030204" pitchFamily="49" charset="0"/>
+              </a:rPr>
+              <a:t> </a:t>
+            </a:r>
+            <a:r>
+              <a:rPr lang="en-US" sz="3600" b="1" smtClean="0">
+                <a:solidFill>
+                  <a:srgbClr val="000000"/>
+                </a:solidFill>
+                <a:latin typeface="Consolas" panose="020B0609020204030204" pitchFamily="49" charset="0"/>
+                <a:ea typeface="Calibri" panose="020F0502020204030204" pitchFamily="34" charset="0"/>
+                <a:cs typeface="Consolas" panose="020B0609020204030204" pitchFamily="49" charset="0"/>
+              </a:rPr>
+              <a:t>movies</a:t>
+            </a:r>
+          </a:p>
+          <a:p>
+            <a:pPr indent="0">
+              <a:spcBef>
+                <a:spcPts val="0"/>
+              </a:spcBef>
+              <a:spcAft>
+                <a:spcPts val="1200"/>
+              </a:spcAft>
+              <a:buNone/>
+            </a:pPr>
+            <a:r>
+              <a:rPr lang="en-US" sz="3600" b="1">
+                <a:solidFill>
+                  <a:srgbClr val="000000"/>
+                </a:solidFill>
+                <a:latin typeface="Consolas" panose="020B0609020204030204" pitchFamily="49" charset="0"/>
+                <a:ea typeface="Calibri" panose="020F0502020204030204" pitchFamily="34" charset="0"/>
+                <a:cs typeface="Times New Roman" panose="02020603050405020304" pitchFamily="18" charset="0"/>
+              </a:rPr>
+              <a:t>	</a:t>
+            </a:r>
+            <a:r>
+              <a:rPr lang="en-US" sz="3600" b="1" smtClean="0">
+                <a:solidFill>
+                  <a:srgbClr val="000000"/>
+                </a:solidFill>
+                <a:latin typeface="Consolas" panose="020B0609020204030204" pitchFamily="49" charset="0"/>
+                <a:ea typeface="Calibri" panose="020F0502020204030204" pitchFamily="34" charset="0"/>
+                <a:cs typeface="Times New Roman" panose="02020603050405020304" pitchFamily="18" charset="0"/>
+              </a:rPr>
+              <a:t>	    </a:t>
+            </a:r>
+            <a:r>
+              <a:rPr lang="en-US" sz="3600" b="1" smtClean="0">
+                <a:solidFill>
+                  <a:srgbClr val="0000FF"/>
+                </a:solidFill>
+                <a:latin typeface="Consolas" panose="020B0609020204030204" pitchFamily="49" charset="0"/>
+                <a:ea typeface="Calibri" panose="020F0502020204030204" pitchFamily="34" charset="0"/>
+                <a:cs typeface="Consolas" panose="020B0609020204030204" pitchFamily="49" charset="0"/>
+              </a:rPr>
+              <a:t>where</a:t>
+            </a:r>
+            <a:r>
+              <a:rPr lang="en-US" sz="3600" b="1" smtClean="0">
+                <a:solidFill>
+                  <a:srgbClr val="000000"/>
+                </a:solidFill>
+                <a:latin typeface="Consolas" panose="020B0609020204030204" pitchFamily="49" charset="0"/>
+                <a:ea typeface="Calibri" panose="020F0502020204030204" pitchFamily="34" charset="0"/>
+                <a:cs typeface="Times New Roman" panose="02020603050405020304" pitchFamily="18" charset="0"/>
+              </a:rPr>
+              <a:t> </a:t>
+            </a:r>
+            <a:r>
+              <a:rPr lang="en-US" sz="3600" b="1">
+                <a:solidFill>
+                  <a:srgbClr val="000000"/>
+                </a:solidFill>
+                <a:latin typeface="Consolas" panose="020B0609020204030204" pitchFamily="49" charset="0"/>
+                <a:ea typeface="Calibri" panose="020F0502020204030204" pitchFamily="34" charset="0"/>
+                <a:cs typeface="Consolas" panose="020B0609020204030204" pitchFamily="49" charset="0"/>
+              </a:rPr>
+              <a:t>m.Year &gt; 1995</a:t>
+            </a:r>
+            <a:endParaRPr lang="da-DK" sz="3600">
+              <a:latin typeface="Calibri" panose="020F0502020204030204" pitchFamily="34" charset="0"/>
+              <a:ea typeface="Calibri" panose="020F0502020204030204" pitchFamily="34" charset="0"/>
+              <a:cs typeface="Times New Roman" panose="02020603050405020304" pitchFamily="18" charset="0"/>
+            </a:endParaRPr>
+          </a:p>
+          <a:p>
+            <a:pPr marL="1371600" indent="0">
+              <a:spcBef>
+                <a:spcPts val="0"/>
+              </a:spcBef>
+              <a:spcAft>
+                <a:spcPts val="1200"/>
+              </a:spcAft>
+              <a:buNone/>
+            </a:pPr>
+            <a:r>
+              <a:rPr lang="en-US" sz="3600" b="1" smtClean="0">
+                <a:solidFill>
+                  <a:srgbClr val="0000FF"/>
+                </a:solidFill>
+                <a:latin typeface="Consolas" panose="020B0609020204030204" pitchFamily="49" charset="0"/>
+                <a:ea typeface="Calibri" panose="020F0502020204030204" pitchFamily="34" charset="0"/>
+                <a:cs typeface="Consolas" panose="020B0609020204030204" pitchFamily="49" charset="0"/>
+              </a:rPr>
+              <a:t>	    select </a:t>
+            </a:r>
+            <a:r>
+              <a:rPr lang="en-US" sz="3600" b="1">
+                <a:solidFill>
+                  <a:srgbClr val="0000FF"/>
+                </a:solidFill>
+                <a:latin typeface="Consolas" panose="020B0609020204030204" pitchFamily="49" charset="0"/>
+                <a:ea typeface="Calibri" panose="020F0502020204030204" pitchFamily="34" charset="0"/>
+                <a:cs typeface="Consolas" panose="020B0609020204030204" pitchFamily="49" charset="0"/>
+              </a:rPr>
+              <a:t>new </a:t>
+            </a:r>
+            <a:r>
+              <a:rPr lang="en-US" sz="3600" b="1">
+                <a:solidFill>
+                  <a:srgbClr val="000000"/>
+                </a:solidFill>
+                <a:latin typeface="Consolas" panose="020B0609020204030204" pitchFamily="49" charset="0"/>
+                <a:ea typeface="Calibri" panose="020F0502020204030204" pitchFamily="34" charset="0"/>
+                <a:cs typeface="Consolas" panose="020B0609020204030204" pitchFamily="49" charset="0"/>
+              </a:rPr>
+              <a:t>{m.Title, </a:t>
+            </a:r>
+            <a:r>
+              <a:rPr lang="en-US" sz="3600" b="1">
+                <a:solidFill>
+                  <a:srgbClr val="000000"/>
+                </a:solidFill>
+                <a:latin typeface="Consolas" panose="020B0609020204030204" pitchFamily="49" charset="0"/>
+                <a:ea typeface="Calibri" panose="020F0502020204030204" pitchFamily="34" charset="0"/>
+                <a:cs typeface="Consolas" panose="020B0609020204030204" pitchFamily="49" charset="0"/>
+              </a:rPr>
+              <a:t>m.Year</a:t>
+            </a:r>
+            <a:r>
+              <a:rPr lang="en-US" sz="3600" b="1" smtClean="0">
+                <a:solidFill>
+                  <a:srgbClr val="000000"/>
+                </a:solidFill>
+                <a:latin typeface="Consolas" panose="020B0609020204030204" pitchFamily="49" charset="0"/>
+                <a:ea typeface="Calibri" panose="020F0502020204030204" pitchFamily="34" charset="0"/>
+                <a:cs typeface="Consolas" panose="020B0609020204030204" pitchFamily="49" charset="0"/>
+              </a:rPr>
+              <a:t>};</a:t>
+            </a:r>
+            <a:endParaRPr lang="en-US" sz="3600" b="1" smtClean="0">
+              <a:solidFill>
+                <a:srgbClr val="0000FF"/>
+              </a:solidFill>
+              <a:latin typeface="Consolas" panose="020B0609020204030204" pitchFamily="49" charset="0"/>
+              <a:ea typeface="Calibri" panose="020F0502020204030204" pitchFamily="34" charset="0"/>
+              <a:cs typeface="Consolas" panose="020B0609020204030204" pitchFamily="49" charset="0"/>
+            </a:endParaRPr>
+          </a:p>
+          <a:p>
+            <a:pPr indent="0">
+              <a:spcBef>
+                <a:spcPts val="0"/>
+              </a:spcBef>
+              <a:spcAft>
+                <a:spcPts val="1200"/>
+              </a:spcAft>
+              <a:buNone/>
+            </a:pPr>
+            <a:endParaRPr lang="en-US" sz="3600" b="1" smtClean="0">
+              <a:solidFill>
+                <a:srgbClr val="0000FF"/>
+              </a:solidFill>
+              <a:latin typeface="Consolas" panose="020B0609020204030204" pitchFamily="49" charset="0"/>
+              <a:ea typeface="Calibri" panose="020F0502020204030204" pitchFamily="34" charset="0"/>
+              <a:cs typeface="Consolas" panose="020B0609020204030204" pitchFamily="49" charset="0"/>
+            </a:endParaRPr>
+          </a:p>
+          <a:p>
+            <a:pPr indent="0">
+              <a:spcBef>
+                <a:spcPts val="0"/>
+              </a:spcBef>
+              <a:spcAft>
+                <a:spcPts val="1200"/>
+              </a:spcAft>
+              <a:buNone/>
+            </a:pPr>
+            <a:r>
+              <a:rPr lang="en-US" sz="3600" b="1" smtClean="0">
+                <a:solidFill>
+                  <a:srgbClr val="0000FF"/>
+                </a:solidFill>
+                <a:latin typeface="Consolas" panose="020B0609020204030204" pitchFamily="49" charset="0"/>
+                <a:ea typeface="Calibri" panose="020F0502020204030204" pitchFamily="34" charset="0"/>
+                <a:cs typeface="Consolas" panose="020B0609020204030204" pitchFamily="49" charset="0"/>
+              </a:rPr>
+              <a:t>var</a:t>
+            </a:r>
+            <a:r>
+              <a:rPr lang="en-US" sz="3600" b="1" smtClean="0">
+                <a:solidFill>
+                  <a:srgbClr val="000000"/>
+                </a:solidFill>
+                <a:latin typeface="Consolas" panose="020B0609020204030204" pitchFamily="49" charset="0"/>
+                <a:ea typeface="Calibri" panose="020F0502020204030204" pitchFamily="34" charset="0"/>
+                <a:cs typeface="Consolas" panose="020B0609020204030204" pitchFamily="49" charset="0"/>
+              </a:rPr>
+              <a:t> qrB </a:t>
+            </a:r>
+            <a:r>
+              <a:rPr lang="en-US" sz="3600" b="1">
+                <a:solidFill>
+                  <a:srgbClr val="000000"/>
+                </a:solidFill>
+                <a:latin typeface="Consolas" panose="020B0609020204030204" pitchFamily="49" charset="0"/>
+                <a:ea typeface="Calibri" panose="020F0502020204030204" pitchFamily="34" charset="0"/>
+                <a:cs typeface="Consolas" panose="020B0609020204030204" pitchFamily="49" charset="0"/>
+              </a:rPr>
+              <a:t>= </a:t>
+            </a:r>
+            <a:r>
+              <a:rPr lang="en-US" sz="3600" b="1" smtClean="0">
+                <a:solidFill>
+                  <a:srgbClr val="000000"/>
+                </a:solidFill>
+                <a:latin typeface="Consolas" panose="020B0609020204030204" pitchFamily="49" charset="0"/>
+                <a:ea typeface="Calibri" panose="020F0502020204030204" pitchFamily="34" charset="0"/>
+                <a:cs typeface="Consolas" panose="020B0609020204030204" pitchFamily="49" charset="0"/>
+              </a:rPr>
+              <a:t>movies</a:t>
+            </a:r>
+          </a:p>
+          <a:p>
+            <a:pPr indent="0">
+              <a:spcBef>
+                <a:spcPts val="0"/>
+              </a:spcBef>
+              <a:spcAft>
+                <a:spcPts val="1200"/>
+              </a:spcAft>
+              <a:buNone/>
+            </a:pPr>
+            <a:r>
+              <a:rPr lang="en-US" sz="3600" b="1" smtClean="0">
+                <a:solidFill>
+                  <a:srgbClr val="000000"/>
+                </a:solidFill>
+                <a:latin typeface="Consolas" panose="020B0609020204030204" pitchFamily="49" charset="0"/>
+                <a:ea typeface="Calibri" panose="020F0502020204030204" pitchFamily="34" charset="0"/>
+                <a:cs typeface="Consolas" panose="020B0609020204030204" pitchFamily="49" charset="0"/>
+              </a:rPr>
+              <a:t>		 .Select(m =&gt; </a:t>
+            </a:r>
+            <a:r>
+              <a:rPr lang="en-US" sz="3600" b="1" smtClean="0">
+                <a:solidFill>
+                  <a:srgbClr val="0000FF"/>
+                </a:solidFill>
+                <a:latin typeface="Consolas" panose="020B0609020204030204" pitchFamily="49" charset="0"/>
+                <a:ea typeface="Calibri" panose="020F0502020204030204" pitchFamily="34" charset="0"/>
+                <a:cs typeface="Consolas" panose="020B0609020204030204" pitchFamily="49" charset="0"/>
+              </a:rPr>
+              <a:t>new</a:t>
+            </a:r>
+            <a:r>
+              <a:rPr lang="en-US" sz="3600" b="1" smtClean="0">
+                <a:solidFill>
+                  <a:srgbClr val="000000"/>
+                </a:solidFill>
+                <a:latin typeface="Consolas" panose="020B0609020204030204" pitchFamily="49" charset="0"/>
+                <a:ea typeface="Calibri" panose="020F0502020204030204" pitchFamily="34" charset="0"/>
+                <a:cs typeface="Consolas" panose="020B0609020204030204" pitchFamily="49" charset="0"/>
+              </a:rPr>
+              <a:t> {m.Title, m.Year})</a:t>
+            </a:r>
+            <a:endParaRPr lang="da-DK" sz="3600" smtClean="0">
+              <a:latin typeface="Calibri" panose="020F0502020204030204" pitchFamily="34" charset="0"/>
+              <a:ea typeface="Calibri" panose="020F0502020204030204" pitchFamily="34" charset="0"/>
+              <a:cs typeface="Times New Roman" panose="02020603050405020304" pitchFamily="18" charset="0"/>
+            </a:endParaRPr>
+          </a:p>
+          <a:p>
+            <a:pPr marL="0" indent="0">
+              <a:spcBef>
+                <a:spcPts val="0"/>
+              </a:spcBef>
+              <a:spcAft>
+                <a:spcPts val="1200"/>
+              </a:spcAft>
+              <a:buNone/>
+            </a:pPr>
+            <a:r>
+              <a:rPr lang="en-US" sz="3600" b="1" smtClean="0">
+                <a:solidFill>
+                  <a:srgbClr val="000000"/>
+                </a:solidFill>
+                <a:latin typeface="Consolas" panose="020B0609020204030204" pitchFamily="49" charset="0"/>
+                <a:ea typeface="Calibri" panose="020F0502020204030204" pitchFamily="34" charset="0"/>
+                <a:cs typeface="Consolas" panose="020B0609020204030204" pitchFamily="49" charset="0"/>
+              </a:rPr>
+              <a:t>		 .</a:t>
+            </a:r>
+            <a:r>
+              <a:rPr lang="en-US" sz="3600" b="1">
+                <a:solidFill>
+                  <a:srgbClr val="000000"/>
+                </a:solidFill>
+                <a:latin typeface="Consolas" panose="020B0609020204030204" pitchFamily="49" charset="0"/>
+                <a:ea typeface="Calibri" panose="020F0502020204030204" pitchFamily="34" charset="0"/>
+                <a:cs typeface="Consolas" panose="020B0609020204030204" pitchFamily="49" charset="0"/>
+              </a:rPr>
+              <a:t>Where(m =&gt; m.Year &gt; </a:t>
+            </a:r>
+            <a:r>
+              <a:rPr lang="en-US" sz="3600" b="1">
+                <a:solidFill>
+                  <a:srgbClr val="000000"/>
+                </a:solidFill>
+                <a:latin typeface="Consolas" panose="020B0609020204030204" pitchFamily="49" charset="0"/>
+                <a:ea typeface="Calibri" panose="020F0502020204030204" pitchFamily="34" charset="0"/>
+                <a:cs typeface="Consolas" panose="020B0609020204030204" pitchFamily="49" charset="0"/>
+              </a:rPr>
+              <a:t>1995</a:t>
+            </a:r>
+            <a:r>
+              <a:rPr lang="en-US" sz="3600" b="1" smtClean="0">
+                <a:solidFill>
+                  <a:srgbClr val="000000"/>
+                </a:solidFill>
+                <a:latin typeface="Consolas" panose="020B0609020204030204" pitchFamily="49" charset="0"/>
+                <a:ea typeface="Calibri" panose="020F0502020204030204" pitchFamily="34" charset="0"/>
+                <a:cs typeface="Consolas" panose="020B0609020204030204" pitchFamily="49" charset="0"/>
+              </a:rPr>
+              <a:t>);</a:t>
+            </a:r>
+          </a:p>
+        </p:txBody>
+      </p:sp>
+      <p:sp>
+        <p:nvSpPr>
+          <p:cNvPr id="2" name="Afrundet rektangel 1"/>
+          <p:cNvSpPr/>
+          <p:nvPr/>
+        </p:nvSpPr>
+        <p:spPr>
+          <a:xfrm>
+            <a:off x="5770606" y="729050"/>
+            <a:ext cx="1791729" cy="691978"/>
+          </a:xfrm>
+          <a:prstGeom prst="roundRect">
+            <a:avLst/>
+          </a:prstGeom>
+          <a:noFill/>
+          <a:ln w="76200">
+            <a:solidFill>
+              <a:srgbClr val="FF0000"/>
+            </a:solidFill>
+          </a:ln>
+        </p:spPr>
+        <p:style>
+          <a:lnRef idx="2">
+            <a:schemeClr val="accent1">
+              <a:shade val="50000"/>
+            </a:schemeClr>
+          </a:lnRef>
+          <a:fillRef idx="1">
+            <a:schemeClr val="accent1"/>
+          </a:fillRef>
+          <a:effectRef idx="0">
+            <a:schemeClr val="accent1"/>
+          </a:effectRef>
+          <a:fontRef idx="minor">
+            <a:schemeClr val="lt1"/>
+          </a:fontRef>
+        </p:style>
+        <p:txBody>
+          <a:bodyPr rtlCol="0" anchor="ctr"/>
+          <a:lstStyle/>
+          <a:p>
+            <a:pPr algn="ctr"/>
+            <a:endParaRPr lang="da-DK"/>
+          </a:p>
+        </p:txBody>
+      </p:sp>
+      <p:sp>
+        <p:nvSpPr>
+          <p:cNvPr id="4" name="Afrundet rektangel 3"/>
+          <p:cNvSpPr/>
+          <p:nvPr/>
+        </p:nvSpPr>
+        <p:spPr>
+          <a:xfrm>
+            <a:off x="3303373" y="3365159"/>
+            <a:ext cx="1791729" cy="691978"/>
+          </a:xfrm>
+          <a:prstGeom prst="roundRect">
+            <a:avLst/>
+          </a:prstGeom>
+          <a:noFill/>
+          <a:ln w="76200">
+            <a:solidFill>
+              <a:srgbClr val="FF0000"/>
+            </a:solidFill>
+          </a:ln>
+        </p:spPr>
+        <p:style>
+          <a:lnRef idx="2">
+            <a:schemeClr val="accent1">
+              <a:shade val="50000"/>
+            </a:schemeClr>
+          </a:lnRef>
+          <a:fillRef idx="1">
+            <a:schemeClr val="accent1"/>
+          </a:fillRef>
+          <a:effectRef idx="0">
+            <a:schemeClr val="accent1"/>
+          </a:effectRef>
+          <a:fontRef idx="minor">
+            <a:schemeClr val="lt1"/>
+          </a:fontRef>
+        </p:style>
+        <p:txBody>
+          <a:bodyPr rtlCol="0" anchor="ctr"/>
+          <a:lstStyle/>
+          <a:p>
+            <a:pPr algn="ctr"/>
+            <a:endParaRPr lang="da-DK"/>
+          </a:p>
+        </p:txBody>
+      </p:sp>
+      <p:sp>
+        <p:nvSpPr>
+          <p:cNvPr id="5" name="Afrundet rektangel 4"/>
+          <p:cNvSpPr/>
+          <p:nvPr/>
+        </p:nvSpPr>
+        <p:spPr>
+          <a:xfrm>
+            <a:off x="4924168" y="1466980"/>
+            <a:ext cx="3466070" cy="691978"/>
+          </a:xfrm>
+          <a:prstGeom prst="roundRect">
+            <a:avLst/>
+          </a:prstGeom>
+          <a:noFill/>
+          <a:ln w="76200">
+            <a:solidFill>
+              <a:schemeClr val="accent6">
+                <a:lumMod val="75000"/>
+              </a:schemeClr>
+            </a:solidFill>
+          </a:ln>
+        </p:spPr>
+        <p:style>
+          <a:lnRef idx="2">
+            <a:schemeClr val="accent1">
+              <a:shade val="50000"/>
+            </a:schemeClr>
+          </a:lnRef>
+          <a:fillRef idx="1">
+            <a:schemeClr val="accent1"/>
+          </a:fillRef>
+          <a:effectRef idx="0">
+            <a:schemeClr val="accent1"/>
+          </a:effectRef>
+          <a:fontRef idx="minor">
+            <a:schemeClr val="lt1"/>
+          </a:fontRef>
+        </p:style>
+        <p:txBody>
+          <a:bodyPr rtlCol="0" anchor="ctr"/>
+          <a:lstStyle/>
+          <a:p>
+            <a:pPr algn="ctr"/>
+            <a:endParaRPr lang="da-DK"/>
+          </a:p>
+        </p:txBody>
+      </p:sp>
+      <p:sp>
+        <p:nvSpPr>
+          <p:cNvPr id="6" name="Afrundet rektangel 5"/>
+          <p:cNvSpPr/>
+          <p:nvPr/>
+        </p:nvSpPr>
+        <p:spPr>
+          <a:xfrm>
+            <a:off x="5595552" y="4745639"/>
+            <a:ext cx="3466070" cy="691978"/>
+          </a:xfrm>
+          <a:prstGeom prst="roundRect">
+            <a:avLst/>
+          </a:prstGeom>
+          <a:noFill/>
+          <a:ln w="76200">
+            <a:solidFill>
+              <a:schemeClr val="accent6">
+                <a:lumMod val="75000"/>
+              </a:schemeClr>
+            </a:solidFill>
+          </a:ln>
+        </p:spPr>
+        <p:style>
+          <a:lnRef idx="2">
+            <a:schemeClr val="accent1">
+              <a:shade val="50000"/>
+            </a:schemeClr>
+          </a:lnRef>
+          <a:fillRef idx="1">
+            <a:schemeClr val="accent1"/>
+          </a:fillRef>
+          <a:effectRef idx="0">
+            <a:schemeClr val="accent1"/>
+          </a:effectRef>
+          <a:fontRef idx="minor">
+            <a:schemeClr val="lt1"/>
+          </a:fontRef>
+        </p:style>
+        <p:txBody>
+          <a:bodyPr rtlCol="0" anchor="ctr"/>
+          <a:lstStyle/>
+          <a:p>
+            <a:pPr algn="ctr"/>
+            <a:endParaRPr lang="da-DK"/>
+          </a:p>
+        </p:txBody>
+      </p:sp>
+      <p:sp>
+        <p:nvSpPr>
+          <p:cNvPr id="7" name="Afrundet rektangel 6"/>
+          <p:cNvSpPr/>
+          <p:nvPr/>
+        </p:nvSpPr>
+        <p:spPr>
+          <a:xfrm>
+            <a:off x="5156886" y="2204910"/>
+            <a:ext cx="5655276" cy="691978"/>
+          </a:xfrm>
+          <a:prstGeom prst="roundRect">
+            <a:avLst/>
+          </a:prstGeom>
+          <a:noFill/>
+          <a:ln w="76200">
+            <a:solidFill>
+              <a:srgbClr val="FFC000"/>
+            </a:solidFill>
+          </a:ln>
+        </p:spPr>
+        <p:style>
+          <a:lnRef idx="2">
+            <a:schemeClr val="accent1">
+              <a:shade val="50000"/>
+            </a:schemeClr>
+          </a:lnRef>
+          <a:fillRef idx="1">
+            <a:schemeClr val="accent1"/>
+          </a:fillRef>
+          <a:effectRef idx="0">
+            <a:schemeClr val="accent1"/>
+          </a:effectRef>
+          <a:fontRef idx="minor">
+            <a:schemeClr val="lt1"/>
+          </a:fontRef>
+        </p:style>
+        <p:txBody>
+          <a:bodyPr rtlCol="0" anchor="ctr"/>
+          <a:lstStyle/>
+          <a:p>
+            <a:pPr algn="ctr"/>
+            <a:endParaRPr lang="da-DK"/>
+          </a:p>
+        </p:txBody>
+      </p:sp>
+      <p:sp>
+        <p:nvSpPr>
+          <p:cNvPr id="8" name="Afrundet rektangel 7"/>
+          <p:cNvSpPr/>
+          <p:nvPr/>
+        </p:nvSpPr>
+        <p:spPr>
+          <a:xfrm>
+            <a:off x="5770606" y="3985700"/>
+            <a:ext cx="5655276" cy="691978"/>
+          </a:xfrm>
+          <a:prstGeom prst="roundRect">
+            <a:avLst/>
+          </a:prstGeom>
+          <a:noFill/>
+          <a:ln w="76200">
+            <a:solidFill>
+              <a:srgbClr val="FFC000"/>
+            </a:solidFill>
+          </a:ln>
+        </p:spPr>
+        <p:style>
+          <a:lnRef idx="2">
+            <a:schemeClr val="accent1">
+              <a:shade val="50000"/>
+            </a:schemeClr>
+          </a:lnRef>
+          <a:fillRef idx="1">
+            <a:schemeClr val="accent1"/>
+          </a:fillRef>
+          <a:effectRef idx="0">
+            <a:schemeClr val="accent1"/>
+          </a:effectRef>
+          <a:fontRef idx="minor">
+            <a:schemeClr val="lt1"/>
+          </a:fontRef>
+        </p:style>
+        <p:txBody>
+          <a:bodyPr rtlCol="0" anchor="ctr"/>
+          <a:lstStyle/>
+          <a:p>
+            <a:pPr algn="ctr"/>
+            <a:endParaRPr lang="da-DK"/>
+          </a:p>
+        </p:txBody>
+      </p:sp>
+    </p:spTree>
+    <p:extLst>
+      <p:ext uri="{BB962C8B-B14F-4D97-AF65-F5344CB8AC3E}">
+        <p14:creationId xmlns:p14="http://schemas.microsoft.com/office/powerpoint/2010/main" val="4127200367"/>
+      </p:ext>
+    </p:extLst>
+  </p:cSld>
+  <p:clrMapOvr>
+    <a:masterClrMapping/>
+  </p:clrMapOvr>
+  <mc:AlternateContent xmlns:mc="http://schemas.openxmlformats.org/markup-compatibility/2006">
+    <mc:Choice xmlns:p14="http://schemas.microsoft.com/office/powerpoint/2010/main" Requires="p14">
+      <p:transition p14:dur="0"/>
+    </mc:Choice>
+    <mc:Fallback>
+      <p:transition/>
+    </mc:Fallback>
+  </mc:AlternateContent>
+  <p:timing>
+    <p:tnLst>
+      <p:par>
+        <p:cTn id="1" dur="indefinite" restart="never" nodeType="tmRoot">
+          <p:childTnLst>
+            <p:seq concurrent="1" nextAc="seek">
+              <p:cTn id="2" dur="indefinite" nodeType="mainSeq">
+                <p:childTnLst>
+                  <p:par>
+                    <p:cTn id="3" fill="hold">
+                      <p:stCondLst>
+                        <p:cond delay="indefinite"/>
+                      </p:stCondLst>
+                      <p:childTnLst>
+                        <p:par>
+                          <p:cTn id="4" fill="hold">
+                            <p:stCondLst>
+                              <p:cond delay="0"/>
+                            </p:stCondLst>
+                            <p:childTnLst>
+                              <p:par>
+                                <p:cTn id="5" presetID="10" presetClass="entr" presetSubtype="0" fill="hold" grpId="0" nodeType="clickEffect">
+                                  <p:stCondLst>
+                                    <p:cond delay="0"/>
+                                  </p:stCondLst>
+                                  <p:childTnLst>
+                                    <p:set>
+                                      <p:cBhvr>
+                                        <p:cTn id="6" dur="1" fill="hold">
+                                          <p:stCondLst>
+                                            <p:cond delay="0"/>
+                                          </p:stCondLst>
+                                        </p:cTn>
+                                        <p:tgtEl>
+                                          <p:spTgt spid="2"/>
+                                        </p:tgtEl>
+                                        <p:attrNameLst>
+                                          <p:attrName>style.visibility</p:attrName>
+                                        </p:attrNameLst>
+                                      </p:cBhvr>
+                                      <p:to>
+                                        <p:strVal val="visible"/>
+                                      </p:to>
+                                    </p:set>
+                                    <p:animEffect transition="in" filter="fade">
+                                      <p:cBhvr>
+                                        <p:cTn id="7" dur="500"/>
+                                        <p:tgtEl>
+                                          <p:spTgt spid="2"/>
+                                        </p:tgtEl>
+                                      </p:cBhvr>
+                                    </p:animEffect>
+                                  </p:childTnLst>
+                                </p:cTn>
+                              </p:par>
+                              <p:par>
+                                <p:cTn id="8" presetID="10" presetClass="entr" presetSubtype="0" fill="hold" grpId="0" nodeType="withEffect">
+                                  <p:stCondLst>
+                                    <p:cond delay="0"/>
+                                  </p:stCondLst>
+                                  <p:childTnLst>
+                                    <p:set>
+                                      <p:cBhvr>
+                                        <p:cTn id="9" dur="1" fill="hold">
+                                          <p:stCondLst>
+                                            <p:cond delay="0"/>
+                                          </p:stCondLst>
+                                        </p:cTn>
+                                        <p:tgtEl>
+                                          <p:spTgt spid="5"/>
+                                        </p:tgtEl>
+                                        <p:attrNameLst>
+                                          <p:attrName>style.visibility</p:attrName>
+                                        </p:attrNameLst>
+                                      </p:cBhvr>
+                                      <p:to>
+                                        <p:strVal val="visible"/>
+                                      </p:to>
+                                    </p:set>
+                                    <p:animEffect transition="in" filter="fade">
+                                      <p:cBhvr>
+                                        <p:cTn id="10" dur="500"/>
+                                        <p:tgtEl>
+                                          <p:spTgt spid="5"/>
+                                        </p:tgtEl>
+                                      </p:cBhvr>
+                                    </p:animEffect>
+                                  </p:childTnLst>
+                                </p:cTn>
+                              </p:par>
+                              <p:par>
+                                <p:cTn id="11" presetID="10" presetClass="entr" presetSubtype="0" fill="hold" grpId="0" nodeType="withEffect">
+                                  <p:stCondLst>
+                                    <p:cond delay="0"/>
+                                  </p:stCondLst>
+                                  <p:childTnLst>
+                                    <p:set>
+                                      <p:cBhvr>
+                                        <p:cTn id="12" dur="1" fill="hold">
+                                          <p:stCondLst>
+                                            <p:cond delay="0"/>
+                                          </p:stCondLst>
+                                        </p:cTn>
+                                        <p:tgtEl>
+                                          <p:spTgt spid="7"/>
+                                        </p:tgtEl>
+                                        <p:attrNameLst>
+                                          <p:attrName>style.visibility</p:attrName>
+                                        </p:attrNameLst>
+                                      </p:cBhvr>
+                                      <p:to>
+                                        <p:strVal val="visible"/>
+                                      </p:to>
+                                    </p:set>
+                                    <p:animEffect transition="in" filter="fade">
+                                      <p:cBhvr>
+                                        <p:cTn id="13" dur="500"/>
+                                        <p:tgtEl>
+                                          <p:spTgt spid="7"/>
+                                        </p:tgtEl>
+                                      </p:cBhvr>
+                                    </p:animEffect>
+                                  </p:childTnLst>
+                                </p:cTn>
+                              </p:par>
+                              <p:par>
+                                <p:cTn id="14" presetID="10" presetClass="entr" presetSubtype="0" fill="hold" grpId="0" nodeType="withEffect">
+                                  <p:stCondLst>
+                                    <p:cond delay="0"/>
+                                  </p:stCondLst>
+                                  <p:childTnLst>
+                                    <p:set>
+                                      <p:cBhvr>
+                                        <p:cTn id="15" dur="1" fill="hold">
+                                          <p:stCondLst>
+                                            <p:cond delay="0"/>
+                                          </p:stCondLst>
+                                        </p:cTn>
+                                        <p:tgtEl>
+                                          <p:spTgt spid="4"/>
+                                        </p:tgtEl>
+                                        <p:attrNameLst>
+                                          <p:attrName>style.visibility</p:attrName>
+                                        </p:attrNameLst>
+                                      </p:cBhvr>
+                                      <p:to>
+                                        <p:strVal val="visible"/>
+                                      </p:to>
+                                    </p:set>
+                                    <p:animEffect transition="in" filter="fade">
+                                      <p:cBhvr>
+                                        <p:cTn id="16" dur="500"/>
+                                        <p:tgtEl>
+                                          <p:spTgt spid="4"/>
+                                        </p:tgtEl>
+                                      </p:cBhvr>
+                                    </p:animEffect>
+                                  </p:childTnLst>
+                                </p:cTn>
+                              </p:par>
+                              <p:par>
+                                <p:cTn id="17" presetID="10" presetClass="entr" presetSubtype="0" fill="hold" grpId="0" nodeType="withEffect">
+                                  <p:stCondLst>
+                                    <p:cond delay="0"/>
+                                  </p:stCondLst>
+                                  <p:childTnLst>
+                                    <p:set>
+                                      <p:cBhvr>
+                                        <p:cTn id="18" dur="1" fill="hold">
+                                          <p:stCondLst>
+                                            <p:cond delay="0"/>
+                                          </p:stCondLst>
+                                        </p:cTn>
+                                        <p:tgtEl>
+                                          <p:spTgt spid="8"/>
+                                        </p:tgtEl>
+                                        <p:attrNameLst>
+                                          <p:attrName>style.visibility</p:attrName>
+                                        </p:attrNameLst>
+                                      </p:cBhvr>
+                                      <p:to>
+                                        <p:strVal val="visible"/>
+                                      </p:to>
+                                    </p:set>
+                                    <p:animEffect transition="in" filter="fade">
+                                      <p:cBhvr>
+                                        <p:cTn id="19" dur="500"/>
+                                        <p:tgtEl>
+                                          <p:spTgt spid="8"/>
+                                        </p:tgtEl>
+                                      </p:cBhvr>
+                                    </p:animEffect>
+                                  </p:childTnLst>
+                                </p:cTn>
+                              </p:par>
+                              <p:par>
+                                <p:cTn id="20" presetID="10" presetClass="entr" presetSubtype="0" fill="hold" grpId="0" nodeType="withEffect">
+                                  <p:stCondLst>
+                                    <p:cond delay="0"/>
+                                  </p:stCondLst>
+                                  <p:childTnLst>
+                                    <p:set>
+                                      <p:cBhvr>
+                                        <p:cTn id="21" dur="1" fill="hold">
+                                          <p:stCondLst>
+                                            <p:cond delay="0"/>
+                                          </p:stCondLst>
+                                        </p:cTn>
+                                        <p:tgtEl>
+                                          <p:spTgt spid="6"/>
+                                        </p:tgtEl>
+                                        <p:attrNameLst>
+                                          <p:attrName>style.visibility</p:attrName>
+                                        </p:attrNameLst>
+                                      </p:cBhvr>
+                                      <p:to>
+                                        <p:strVal val="visible"/>
+                                      </p:to>
+                                    </p:set>
+                                    <p:animEffect transition="in" filter="fade">
+                                      <p:cBhvr>
+                                        <p:cTn id="22" dur="500"/>
+                                        <p:tgtEl>
+                                          <p:spTgt spid="6"/>
+                                        </p:tgtEl>
+                                      </p:cBhvr>
+                                    </p:animEffect>
+                                  </p:childTnLst>
+                                </p:cTn>
+                              </p:par>
+                            </p:childTnLst>
+                          </p:cTn>
+                        </p:par>
+                      </p:childTnLst>
+                    </p:cTn>
+                  </p:par>
+                </p:childTnLst>
+              </p:cTn>
+              <p:prevCondLst>
+                <p:cond evt="onPrev" delay="0">
+                  <p:tgtEl>
+                    <p:sldTgt/>
+                  </p:tgtEl>
+                </p:cond>
+              </p:prevCondLst>
+              <p:nextCondLst>
+                <p:cond evt="onNext" delay="0">
+                  <p:tgtEl>
+                    <p:sldTgt/>
+                  </p:tgtEl>
+                </p:cond>
+              </p:nextCondLst>
+            </p:seq>
+          </p:childTnLst>
+        </p:cTn>
+      </p:par>
+    </p:tnLst>
+    <p:bldLst>
+      <p:bldP spid="2" grpId="0" animBg="1"/>
+      <p:bldP spid="4" grpId="0" animBg="1"/>
+      <p:bldP spid="5" grpId="0" animBg="1"/>
+      <p:bldP spid="6" grpId="0" animBg="1"/>
+      <p:bldP spid="7" grpId="0" animBg="1"/>
+      <p:bldP spid="8" grpId="0" animBg="1"/>
+    </p:bldLst>
   </p:timing>
 </p:sld>
 </file>
